--- a/Solutions d’une équation aux valeurs propres.pptx
+++ b/Solutions d’une équation aux valeurs propres.pptx
@@ -8,8 +8,8 @@
     <p:sldId id="256" r:id="rId2"/>
     <p:sldId id="257" r:id="rId3"/>
     <p:sldId id="258" r:id="rId4"/>
-    <p:sldId id="260" r:id="rId5"/>
-    <p:sldId id="262" r:id="rId6"/>
+    <p:sldId id="262" r:id="rId5"/>
+    <p:sldId id="260" r:id="rId6"/>
     <p:sldId id="263" r:id="rId7"/>
     <p:sldId id="259" r:id="rId8"/>
     <p:sldId id="265" r:id="rId9"/>
@@ -114,6 +114,11 @@
       </a:defRPr>
     </a:lvl9pPr>
   </p:defaultTextStyle>
+  <p:extLst>
+    <p:ext uri="{EFAFB233-063F-42B5-8137-9DF3F51BA10A}">
+      <p15:sldGuideLst xmlns:p15="http://schemas.microsoft.com/office/powerpoint/2012/main"/>
+    </p:ext>
+  </p:extLst>
 </p:presentation>
 </file>
 
@@ -586,7 +591,7 @@
           <a:p>
             <a:fld id="{EA0C0817-A112-4847-8014-A94B7D2A4EA3}" type="datetime1">
               <a:rPr lang="en-US" smtClean="0"/>
-              <a:t>5/1/2020</a:t>
+              <a:t>5/3/2020</a:t>
             </a:fld>
             <a:endParaRPr lang="en-US" dirty="0"/>
           </a:p>
@@ -788,7 +793,7 @@
           <a:p>
             <a:fld id="{134F40B7-36AB-4376-BE14-EF7004D79BB9}" type="datetime1">
               <a:rPr lang="en-US" smtClean="0"/>
-              <a:t>5/1/2020</a:t>
+              <a:t>5/3/2020</a:t>
             </a:fld>
             <a:endParaRPr lang="en-US"/>
           </a:p>
@@ -968,7 +973,7 @@
           <a:p>
             <a:fld id="{FF87CAB8-DCAE-46A5-AADA-B3FAD11A54E0}" type="datetime1">
               <a:rPr lang="en-US" smtClean="0"/>
-              <a:t>5/1/2020</a:t>
+              <a:t>5/3/2020</a:t>
             </a:fld>
             <a:endParaRPr lang="en-US"/>
           </a:p>
@@ -1138,7 +1143,7 @@
           <a:p>
             <a:fld id="{7332B432-ACDA-4023-A761-2BAB76577B62}" type="datetime1">
               <a:rPr lang="en-US" smtClean="0"/>
-              <a:t>5/1/2020</a:t>
+              <a:t>5/3/2020</a:t>
             </a:fld>
             <a:endParaRPr lang="en-US"/>
           </a:p>
@@ -1737,7 +1742,7 @@
           <a:p>
             <a:fld id="{D9C646AA-F36E-4540-911D-FFFC0A0EF24A}" type="datetime1">
               <a:rPr lang="en-US" smtClean="0"/>
-              <a:t>5/1/2020</a:t>
+              <a:t>5/3/2020</a:t>
             </a:fld>
             <a:endParaRPr lang="en-US" dirty="0"/>
           </a:p>
@@ -2057,7 +2062,7 @@
           <a:p>
             <a:fld id="{69186D26-FA5F-4637-B602-B7C2DC34CFD4}" type="datetime1">
               <a:rPr lang="en-US" smtClean="0"/>
-              <a:t>5/1/2020</a:t>
+              <a:t>5/3/2020</a:t>
             </a:fld>
             <a:endParaRPr lang="en-US"/>
           </a:p>
@@ -2492,7 +2497,7 @@
           <a:p>
             <a:fld id="{8A7F15D8-96D1-4781-BC50-CA8A088B2FE4}" type="datetime1">
               <a:rPr lang="en-US" smtClean="0"/>
-              <a:t>5/1/2020</a:t>
+              <a:t>5/3/2020</a:t>
             </a:fld>
             <a:endParaRPr lang="en-US"/>
           </a:p>
@@ -2610,7 +2615,7 @@
           <a:p>
             <a:fld id="{F9A96C99-B8F8-4528-BD05-0E16E943DC09}" type="datetime1">
               <a:rPr lang="en-US" smtClean="0"/>
-              <a:t>5/1/2020</a:t>
+              <a:t>5/3/2020</a:t>
             </a:fld>
             <a:endParaRPr lang="en-US"/>
           </a:p>
@@ -2705,7 +2710,7 @@
           <a:p>
             <a:fld id="{03636942-C211-4B28-8DBD-C953E00AF71B}" type="datetime1">
               <a:rPr lang="en-US" smtClean="0"/>
-              <a:t>5/1/2020</a:t>
+              <a:t>5/3/2020</a:t>
             </a:fld>
             <a:endParaRPr lang="en-US"/>
           </a:p>
@@ -3122,7 +3127,7 @@
           <a:p>
             <a:fld id="{7E8D12A6-918A-48BD-8CB9-CA713993B0EA}" type="datetime1">
               <a:rPr lang="en-US" smtClean="0"/>
-              <a:t>5/1/2020</a:t>
+              <a:t>5/3/2020</a:t>
             </a:fld>
             <a:endParaRPr lang="en-US"/>
           </a:p>
@@ -3384,7 +3389,7 @@
             <a:fld id="{E778CE86-875F-4587-BCF6-FA054AFC0D53}" type="datetime1">
               <a:rPr lang="en-US" smtClean="0"/>
               <a:pPr/>
-              <a:t>5/1/2020</a:t>
+              <a:t>5/3/2020</a:t>
             </a:fld>
             <a:endParaRPr lang="en-US" dirty="0"/>
           </a:p>
@@ -3900,7 +3905,7 @@
           <a:p>
             <a:fld id="{F6FA2B21-3FCD-4721-B95C-427943F61125}" type="datetime1">
               <a:rPr lang="en-US" smtClean="0"/>
-              <a:t>5/1/2020</a:t>
+              <a:t>5/3/2020</a:t>
             </a:fld>
             <a:endParaRPr lang="en-US"/>
           </a:p>
@@ -4806,31 +4811,98 @@
           </a:p>
         </p:txBody>
       </p:sp>
-      <p:sp>
-        <p:nvSpPr>
-          <p:cNvPr id="3" name="Espace réservé du contenu 2">
+      <p:pic>
+        <p:nvPicPr>
+          <p:cNvPr id="7" name="Espace réservé du contenu 6">
             <a:extLst>
               <a:ext uri="{FF2B5EF4-FFF2-40B4-BE49-F238E27FC236}">
-                <a16:creationId xmlns:a16="http://schemas.microsoft.com/office/drawing/2014/main" id="{60C44EC2-559F-4CC2-8DC1-2226C758BF8A}"/>
+                <a16:creationId xmlns:a16="http://schemas.microsoft.com/office/drawing/2014/main" id="{ED3B9B4E-0E34-4E0D-938A-ADDF8B3902D3}"/>
               </a:ext>
             </a:extLst>
           </p:cNvPr>
-          <p:cNvSpPr>
-            <a:spLocks noGrp="1"/>
-          </p:cNvSpPr>
+          <p:cNvPicPr>
+            <a:picLocks noGrp="1" noChangeAspect="1"/>
+          </p:cNvPicPr>
           <p:nvPr>
             <p:ph idx="1"/>
           </p:nvPr>
-        </p:nvSpPr>
-        <p:spPr/>
-        <p:txBody>
-          <a:bodyPr/>
-          <a:lstStyle/>
-          <a:p>
-            <a:endParaRPr lang="fr-CA" dirty="0"/>
-          </a:p>
-        </p:txBody>
-      </p:sp>
+        </p:nvPicPr>
+        <p:blipFill>
+          <a:blip r:embed="rId2"/>
+          <a:stretch>
+            <a:fillRect/>
+          </a:stretch>
+        </p:blipFill>
+        <p:spPr>
+          <a:xfrm>
+            <a:off x="4759940" y="4899556"/>
+            <a:ext cx="2672116" cy="799249"/>
+          </a:xfrm>
+          <a:prstGeom prst="rect">
+            <a:avLst/>
+          </a:prstGeom>
+        </p:spPr>
+      </p:pic>
+      <p:pic>
+        <p:nvPicPr>
+          <p:cNvPr id="4" name="Image 3">
+            <a:extLst>
+              <a:ext uri="{FF2B5EF4-FFF2-40B4-BE49-F238E27FC236}">
+                <a16:creationId xmlns:a16="http://schemas.microsoft.com/office/drawing/2014/main" id="{46025DDB-F88A-4ADC-BA68-8D02BFC83B5C}"/>
+              </a:ext>
+            </a:extLst>
+          </p:cNvPr>
+          <p:cNvPicPr>
+            <a:picLocks noChangeAspect="1"/>
+          </p:cNvPicPr>
+          <p:nvPr/>
+        </p:nvPicPr>
+        <p:blipFill>
+          <a:blip r:embed="rId3"/>
+          <a:stretch>
+            <a:fillRect/>
+          </a:stretch>
+        </p:blipFill>
+        <p:spPr>
+          <a:xfrm>
+            <a:off x="2895600" y="2103120"/>
+            <a:ext cx="6400800" cy="1171575"/>
+          </a:xfrm>
+          <a:prstGeom prst="rect">
+            <a:avLst/>
+          </a:prstGeom>
+        </p:spPr>
+      </p:pic>
+      <p:pic>
+        <p:nvPicPr>
+          <p:cNvPr id="5" name="Image 4">
+            <a:extLst>
+              <a:ext uri="{FF2B5EF4-FFF2-40B4-BE49-F238E27FC236}">
+                <a16:creationId xmlns:a16="http://schemas.microsoft.com/office/drawing/2014/main" id="{E5DA618E-0170-4A6C-9A70-F416C03E4AAB}"/>
+              </a:ext>
+            </a:extLst>
+          </p:cNvPr>
+          <p:cNvPicPr>
+            <a:picLocks noChangeAspect="1"/>
+          </p:cNvPicPr>
+          <p:nvPr/>
+        </p:nvPicPr>
+        <p:blipFill>
+          <a:blip r:embed="rId4"/>
+          <a:stretch>
+            <a:fillRect/>
+          </a:stretch>
+        </p:blipFill>
+        <p:spPr>
+          <a:xfrm>
+            <a:off x="4759941" y="3708996"/>
+            <a:ext cx="2672115" cy="756259"/>
+          </a:xfrm>
+          <a:prstGeom prst="rect">
+            <a:avLst/>
+          </a:prstGeom>
+        </p:spPr>
+      </p:pic>
     </p:spTree>
     <p:extLst>
       <p:ext uri="{BB962C8B-B14F-4D97-AF65-F5344CB8AC3E}">
@@ -4917,6 +4989,66 @@
           </a:p>
         </p:txBody>
       </p:sp>
+      <p:pic>
+        <p:nvPicPr>
+          <p:cNvPr id="6" name="Image 5">
+            <a:extLst>
+              <a:ext uri="{FF2B5EF4-FFF2-40B4-BE49-F238E27FC236}">
+                <a16:creationId xmlns:a16="http://schemas.microsoft.com/office/drawing/2014/main" id="{38939073-0B25-4BDF-84BE-DEFE4BEA9749}"/>
+              </a:ext>
+            </a:extLst>
+          </p:cNvPr>
+          <p:cNvPicPr>
+            <a:picLocks noChangeAspect="1"/>
+          </p:cNvPicPr>
+          <p:nvPr/>
+        </p:nvPicPr>
+        <p:blipFill>
+          <a:blip r:embed="rId2"/>
+          <a:stretch>
+            <a:fillRect/>
+          </a:stretch>
+        </p:blipFill>
+        <p:spPr>
+          <a:xfrm>
+            <a:off x="3809033" y="2103120"/>
+            <a:ext cx="4573934" cy="980440"/>
+          </a:xfrm>
+          <a:prstGeom prst="rect">
+            <a:avLst/>
+          </a:prstGeom>
+        </p:spPr>
+      </p:pic>
+      <p:pic>
+        <p:nvPicPr>
+          <p:cNvPr id="7" name="Image 6">
+            <a:extLst>
+              <a:ext uri="{FF2B5EF4-FFF2-40B4-BE49-F238E27FC236}">
+                <a16:creationId xmlns:a16="http://schemas.microsoft.com/office/drawing/2014/main" id="{9ECCE71A-A122-4D90-9896-963BBFB8F020}"/>
+              </a:ext>
+            </a:extLst>
+          </p:cNvPr>
+          <p:cNvPicPr>
+            <a:picLocks noChangeAspect="1"/>
+          </p:cNvPicPr>
+          <p:nvPr/>
+        </p:nvPicPr>
+        <p:blipFill>
+          <a:blip r:embed="rId3"/>
+          <a:stretch>
+            <a:fillRect/>
+          </a:stretch>
+        </p:blipFill>
+        <p:spPr>
+          <a:xfrm>
+            <a:off x="3395662" y="4027932"/>
+            <a:ext cx="5400675" cy="790575"/>
+          </a:xfrm>
+          <a:prstGeom prst="rect">
+            <a:avLst/>
+          </a:prstGeom>
+        </p:spPr>
+      </p:pic>
     </p:spTree>
     <p:extLst>
       <p:ext uri="{BB962C8B-B14F-4D97-AF65-F5344CB8AC3E}">
@@ -4973,7 +5105,7 @@
                 <a:latin typeface="Segoe UI Semibold" panose="020B0702040204020203" pitchFamily="34" charset="0"/>
                 <a:cs typeface="Segoe UI Semibold" panose="020B0702040204020203" pitchFamily="34" charset="0"/>
               </a:rPr>
-              <a:t>Solutions pour l’oscillateur harmonique</a:t>
+              <a:t>Opérateurs d’échelle</a:t>
             </a:r>
           </a:p>
         </p:txBody>
@@ -5003,10 +5135,70 @@
           </a:p>
         </p:txBody>
       </p:sp>
+      <p:pic>
+        <p:nvPicPr>
+          <p:cNvPr id="4" name="Image 3">
+            <a:extLst>
+              <a:ext uri="{FF2B5EF4-FFF2-40B4-BE49-F238E27FC236}">
+                <a16:creationId xmlns:a16="http://schemas.microsoft.com/office/drawing/2014/main" id="{509FEF8F-9EF8-4438-BE0A-4D94A60E841F}"/>
+              </a:ext>
+            </a:extLst>
+          </p:cNvPr>
+          <p:cNvPicPr>
+            <a:picLocks noChangeAspect="1"/>
+          </p:cNvPicPr>
+          <p:nvPr/>
+        </p:nvPicPr>
+        <p:blipFill>
+          <a:blip r:embed="rId2"/>
+          <a:stretch>
+            <a:fillRect/>
+          </a:stretch>
+        </p:blipFill>
+        <p:spPr>
+          <a:xfrm>
+            <a:off x="7947021" y="0"/>
+            <a:ext cx="4244979" cy="6858000"/>
+          </a:xfrm>
+          <a:prstGeom prst="rect">
+            <a:avLst/>
+          </a:prstGeom>
+        </p:spPr>
+      </p:pic>
+      <p:pic>
+        <p:nvPicPr>
+          <p:cNvPr id="5" name="Image 4">
+            <a:extLst>
+              <a:ext uri="{FF2B5EF4-FFF2-40B4-BE49-F238E27FC236}">
+                <a16:creationId xmlns:a16="http://schemas.microsoft.com/office/drawing/2014/main" id="{B27B275D-EB28-4949-99F1-56FFFA90679E}"/>
+              </a:ext>
+            </a:extLst>
+          </p:cNvPr>
+          <p:cNvPicPr>
+            <a:picLocks noChangeAspect="1"/>
+          </p:cNvPicPr>
+          <p:nvPr/>
+        </p:nvPicPr>
+        <p:blipFill>
+          <a:blip r:embed="rId3"/>
+          <a:stretch>
+            <a:fillRect/>
+          </a:stretch>
+        </p:blipFill>
+        <p:spPr>
+          <a:xfrm>
+            <a:off x="4700587" y="2562225"/>
+            <a:ext cx="2790825" cy="1733550"/>
+          </a:xfrm>
+          <a:prstGeom prst="rect">
+            <a:avLst/>
+          </a:prstGeom>
+        </p:spPr>
+      </p:pic>
     </p:spTree>
     <p:extLst>
       <p:ext uri="{BB962C8B-B14F-4D97-AF65-F5344CB8AC3E}">
-        <p14:creationId xmlns:p14="http://schemas.microsoft.com/office/powerpoint/2010/main" val="2304250840"/>
+        <p14:creationId xmlns:p14="http://schemas.microsoft.com/office/powerpoint/2010/main" val="3427388366"/>
       </p:ext>
     </p:extLst>
   </p:cSld>
@@ -5059,7 +5251,7 @@
                 <a:latin typeface="Segoe UI Semibold" panose="020B0702040204020203" pitchFamily="34" charset="0"/>
                 <a:cs typeface="Segoe UI Semibold" panose="020B0702040204020203" pitchFamily="34" charset="0"/>
               </a:rPr>
-              <a:t>Opérateurs d’échelle</a:t>
+              <a:t>Solutions pour l’oscillateur harmonique</a:t>
             </a:r>
           </a:p>
         </p:txBody>
@@ -5089,10 +5281,100 @@
           </a:p>
         </p:txBody>
       </p:sp>
+      <p:pic>
+        <p:nvPicPr>
+          <p:cNvPr id="4" name="Image 3">
+            <a:extLst>
+              <a:ext uri="{FF2B5EF4-FFF2-40B4-BE49-F238E27FC236}">
+                <a16:creationId xmlns:a16="http://schemas.microsoft.com/office/drawing/2014/main" id="{038791E8-A28F-4141-85D7-363AC195564F}"/>
+              </a:ext>
+            </a:extLst>
+          </p:cNvPr>
+          <p:cNvPicPr>
+            <a:picLocks noChangeAspect="1"/>
+          </p:cNvPicPr>
+          <p:nvPr/>
+        </p:nvPicPr>
+        <p:blipFill>
+          <a:blip r:embed="rId2"/>
+          <a:stretch>
+            <a:fillRect/>
+          </a:stretch>
+        </p:blipFill>
+        <p:spPr>
+          <a:xfrm>
+            <a:off x="4090985" y="2103120"/>
+            <a:ext cx="4010025" cy="819150"/>
+          </a:xfrm>
+          <a:prstGeom prst="rect">
+            <a:avLst/>
+          </a:prstGeom>
+        </p:spPr>
+      </p:pic>
+      <p:pic>
+        <p:nvPicPr>
+          <p:cNvPr id="5" name="Image 4">
+            <a:extLst>
+              <a:ext uri="{FF2B5EF4-FFF2-40B4-BE49-F238E27FC236}">
+                <a16:creationId xmlns:a16="http://schemas.microsoft.com/office/drawing/2014/main" id="{C97442D6-74E1-4141-A00F-6B185A26AD7B}"/>
+              </a:ext>
+            </a:extLst>
+          </p:cNvPr>
+          <p:cNvPicPr>
+            <a:picLocks noChangeAspect="1"/>
+          </p:cNvPicPr>
+          <p:nvPr/>
+        </p:nvPicPr>
+        <p:blipFill>
+          <a:blip r:embed="rId3"/>
+          <a:stretch>
+            <a:fillRect/>
+          </a:stretch>
+        </p:blipFill>
+        <p:spPr>
+          <a:xfrm>
+            <a:off x="4776784" y="3342131"/>
+            <a:ext cx="2638425" cy="1095375"/>
+          </a:xfrm>
+          <a:prstGeom prst="rect">
+            <a:avLst/>
+          </a:prstGeom>
+        </p:spPr>
+      </p:pic>
+      <p:pic>
+        <p:nvPicPr>
+          <p:cNvPr id="6" name="Image 5">
+            <a:extLst>
+              <a:ext uri="{FF2B5EF4-FFF2-40B4-BE49-F238E27FC236}">
+                <a16:creationId xmlns:a16="http://schemas.microsoft.com/office/drawing/2014/main" id="{19960FFA-DF48-4E3E-B71A-C2FBB6B22FD1}"/>
+              </a:ext>
+            </a:extLst>
+          </p:cNvPr>
+          <p:cNvPicPr>
+            <a:picLocks noChangeAspect="1"/>
+          </p:cNvPicPr>
+          <p:nvPr/>
+        </p:nvPicPr>
+        <p:blipFill>
+          <a:blip r:embed="rId4"/>
+          <a:stretch>
+            <a:fillRect/>
+          </a:stretch>
+        </p:blipFill>
+        <p:spPr>
+          <a:xfrm>
+            <a:off x="2728908" y="4661725"/>
+            <a:ext cx="6734175" cy="1066800"/>
+          </a:xfrm>
+          <a:prstGeom prst="rect">
+            <a:avLst/>
+          </a:prstGeom>
+        </p:spPr>
+      </p:pic>
     </p:spTree>
     <p:extLst>
       <p:ext uri="{BB962C8B-B14F-4D97-AF65-F5344CB8AC3E}">
-        <p14:creationId xmlns:p14="http://schemas.microsoft.com/office/powerpoint/2010/main" val="3427388366"/>
+        <p14:creationId xmlns:p14="http://schemas.microsoft.com/office/powerpoint/2010/main" val="2304250840"/>
       </p:ext>
     </p:extLst>
   </p:cSld>
@@ -5175,6 +5457,65 @@
           </a:p>
         </p:txBody>
       </p:sp>
+      <p:pic>
+        <p:nvPicPr>
+          <p:cNvPr id="4" name="Image 3">
+            <a:extLst>
+              <a:ext uri="{FF2B5EF4-FFF2-40B4-BE49-F238E27FC236}">
+                <a16:creationId xmlns:a16="http://schemas.microsoft.com/office/drawing/2014/main" id="{C570DCAB-3CB7-449E-B4C0-91EC5E9996D7}"/>
+              </a:ext>
+            </a:extLst>
+          </p:cNvPr>
+          <p:cNvPicPr>
+            <a:picLocks noChangeAspect="1"/>
+          </p:cNvPicPr>
+          <p:nvPr/>
+        </p:nvPicPr>
+        <p:blipFill>
+          <a:blip r:embed="rId2"/>
+          <a:stretch>
+            <a:fillRect/>
+          </a:stretch>
+        </p:blipFill>
+        <p:spPr>
+          <a:xfrm>
+            <a:off x="3819525" y="1724025"/>
+            <a:ext cx="4552950" cy="1962150"/>
+          </a:xfrm>
+          <a:prstGeom prst="rect">
+            <a:avLst/>
+          </a:prstGeom>
+        </p:spPr>
+      </p:pic>
+      <p:pic>
+        <p:nvPicPr>
+          <p:cNvPr id="5" name="Image 4">
+            <a:extLst>
+              <a:ext uri="{FF2B5EF4-FFF2-40B4-BE49-F238E27FC236}">
+                <a16:creationId xmlns:a16="http://schemas.microsoft.com/office/drawing/2014/main" id="{15EC05D6-D94A-486C-A777-B9500B4AC887}"/>
+              </a:ext>
+            </a:extLst>
+          </p:cNvPr>
+          <p:cNvPicPr>
+            <a:picLocks noChangeAspect="1"/>
+          </p:cNvPicPr>
+          <p:nvPr/>
+        </p:nvPicPr>
+        <p:blipFill rotWithShape="1">
+          <a:blip r:embed="rId3"/>
+          <a:srcRect b="5555"/>
+          <a:stretch/>
+        </p:blipFill>
+        <p:spPr>
+          <a:xfrm>
+            <a:off x="1785937" y="3686175"/>
+            <a:ext cx="8620125" cy="2455863"/>
+          </a:xfrm>
+          <a:prstGeom prst="rect">
+            <a:avLst/>
+          </a:prstGeom>
+        </p:spPr>
+      </p:pic>
     </p:spTree>
     <p:extLst>
       <p:ext uri="{BB962C8B-B14F-4D97-AF65-F5344CB8AC3E}">
@@ -5261,6 +5602,96 @@
           </a:p>
         </p:txBody>
       </p:sp>
+      <p:pic>
+        <p:nvPicPr>
+          <p:cNvPr id="4" name="Image 3">
+            <a:extLst>
+              <a:ext uri="{FF2B5EF4-FFF2-40B4-BE49-F238E27FC236}">
+                <a16:creationId xmlns:a16="http://schemas.microsoft.com/office/drawing/2014/main" id="{B6B59CDA-938F-416D-9BDE-570D19444587}"/>
+              </a:ext>
+            </a:extLst>
+          </p:cNvPr>
+          <p:cNvPicPr>
+            <a:picLocks noChangeAspect="1"/>
+          </p:cNvPicPr>
+          <p:nvPr/>
+        </p:nvPicPr>
+        <p:blipFill>
+          <a:blip r:embed="rId2"/>
+          <a:stretch>
+            <a:fillRect/>
+          </a:stretch>
+        </p:blipFill>
+        <p:spPr>
+          <a:xfrm>
+            <a:off x="4614862" y="3754437"/>
+            <a:ext cx="2962275" cy="1000125"/>
+          </a:xfrm>
+          <a:prstGeom prst="rect">
+            <a:avLst/>
+          </a:prstGeom>
+        </p:spPr>
+      </p:pic>
+      <p:pic>
+        <p:nvPicPr>
+          <p:cNvPr id="5" name="Image 4">
+            <a:extLst>
+              <a:ext uri="{FF2B5EF4-FFF2-40B4-BE49-F238E27FC236}">
+                <a16:creationId xmlns:a16="http://schemas.microsoft.com/office/drawing/2014/main" id="{C6A0FF96-0686-49CA-BE65-B914DE892827}"/>
+              </a:ext>
+            </a:extLst>
+          </p:cNvPr>
+          <p:cNvPicPr>
+            <a:picLocks noChangeAspect="1"/>
+          </p:cNvPicPr>
+          <p:nvPr/>
+        </p:nvPicPr>
+        <p:blipFill>
+          <a:blip r:embed="rId3"/>
+          <a:stretch>
+            <a:fillRect/>
+          </a:stretch>
+        </p:blipFill>
+        <p:spPr>
+          <a:xfrm>
+            <a:off x="4614862" y="4972652"/>
+            <a:ext cx="2962275" cy="861753"/>
+          </a:xfrm>
+          <a:prstGeom prst="rect">
+            <a:avLst/>
+          </a:prstGeom>
+        </p:spPr>
+      </p:pic>
+      <p:pic>
+        <p:nvPicPr>
+          <p:cNvPr id="6" name="Image 5">
+            <a:extLst>
+              <a:ext uri="{FF2B5EF4-FFF2-40B4-BE49-F238E27FC236}">
+                <a16:creationId xmlns:a16="http://schemas.microsoft.com/office/drawing/2014/main" id="{6A2095F6-4FF8-4A54-917B-FEB0AA3229A6}"/>
+              </a:ext>
+            </a:extLst>
+          </p:cNvPr>
+          <p:cNvPicPr>
+            <a:picLocks noChangeAspect="1"/>
+          </p:cNvPicPr>
+          <p:nvPr/>
+        </p:nvPicPr>
+        <p:blipFill>
+          <a:blip r:embed="rId4"/>
+          <a:stretch>
+            <a:fillRect/>
+          </a:stretch>
+        </p:blipFill>
+        <p:spPr>
+          <a:xfrm>
+            <a:off x="2895321" y="2103120"/>
+            <a:ext cx="6401355" cy="1170533"/>
+          </a:xfrm>
+          <a:prstGeom prst="rect">
+            <a:avLst/>
+          </a:prstGeom>
+        </p:spPr>
+      </p:pic>
     </p:spTree>
     <p:extLst>
       <p:ext uri="{BB962C8B-B14F-4D97-AF65-F5344CB8AC3E}">

--- a/Solutions d’une équation aux valeurs propres.pptx
+++ b/Solutions d’une équation aux valeurs propres.pptx
@@ -591,7 +591,7 @@
           <a:p>
             <a:fld id="{EA0C0817-A112-4847-8014-A94B7D2A4EA3}" type="datetime1">
               <a:rPr lang="en-US" smtClean="0"/>
-              <a:t>5/3/2020</a:t>
+              <a:t>5/5/2020</a:t>
             </a:fld>
             <a:endParaRPr lang="en-US" dirty="0"/>
           </a:p>
@@ -793,7 +793,7 @@
           <a:p>
             <a:fld id="{134F40B7-36AB-4376-BE14-EF7004D79BB9}" type="datetime1">
               <a:rPr lang="en-US" smtClean="0"/>
-              <a:t>5/3/2020</a:t>
+              <a:t>5/5/2020</a:t>
             </a:fld>
             <a:endParaRPr lang="en-US"/>
           </a:p>
@@ -973,7 +973,7 @@
           <a:p>
             <a:fld id="{FF87CAB8-DCAE-46A5-AADA-B3FAD11A54E0}" type="datetime1">
               <a:rPr lang="en-US" smtClean="0"/>
-              <a:t>5/3/2020</a:t>
+              <a:t>5/5/2020</a:t>
             </a:fld>
             <a:endParaRPr lang="en-US"/>
           </a:p>
@@ -1143,7 +1143,7 @@
           <a:p>
             <a:fld id="{7332B432-ACDA-4023-A761-2BAB76577B62}" type="datetime1">
               <a:rPr lang="en-US" smtClean="0"/>
-              <a:t>5/3/2020</a:t>
+              <a:t>5/5/2020</a:t>
             </a:fld>
             <a:endParaRPr lang="en-US"/>
           </a:p>
@@ -1742,7 +1742,7 @@
           <a:p>
             <a:fld id="{D9C646AA-F36E-4540-911D-FFFC0A0EF24A}" type="datetime1">
               <a:rPr lang="en-US" smtClean="0"/>
-              <a:t>5/3/2020</a:t>
+              <a:t>5/5/2020</a:t>
             </a:fld>
             <a:endParaRPr lang="en-US" dirty="0"/>
           </a:p>
@@ -2062,7 +2062,7 @@
           <a:p>
             <a:fld id="{69186D26-FA5F-4637-B602-B7C2DC34CFD4}" type="datetime1">
               <a:rPr lang="en-US" smtClean="0"/>
-              <a:t>5/3/2020</a:t>
+              <a:t>5/5/2020</a:t>
             </a:fld>
             <a:endParaRPr lang="en-US"/>
           </a:p>
@@ -2497,7 +2497,7 @@
           <a:p>
             <a:fld id="{8A7F15D8-96D1-4781-BC50-CA8A088B2FE4}" type="datetime1">
               <a:rPr lang="en-US" smtClean="0"/>
-              <a:t>5/3/2020</a:t>
+              <a:t>5/5/2020</a:t>
             </a:fld>
             <a:endParaRPr lang="en-US"/>
           </a:p>
@@ -2615,7 +2615,7 @@
           <a:p>
             <a:fld id="{F9A96C99-B8F8-4528-BD05-0E16E943DC09}" type="datetime1">
               <a:rPr lang="en-US" smtClean="0"/>
-              <a:t>5/3/2020</a:t>
+              <a:t>5/5/2020</a:t>
             </a:fld>
             <a:endParaRPr lang="en-US"/>
           </a:p>
@@ -2710,7 +2710,7 @@
           <a:p>
             <a:fld id="{03636942-C211-4B28-8DBD-C953E00AF71B}" type="datetime1">
               <a:rPr lang="en-US" smtClean="0"/>
-              <a:t>5/3/2020</a:t>
+              <a:t>5/5/2020</a:t>
             </a:fld>
             <a:endParaRPr lang="en-US"/>
           </a:p>
@@ -3127,7 +3127,7 @@
           <a:p>
             <a:fld id="{7E8D12A6-918A-48BD-8CB9-CA713993B0EA}" type="datetime1">
               <a:rPr lang="en-US" smtClean="0"/>
-              <a:t>5/3/2020</a:t>
+              <a:t>5/5/2020</a:t>
             </a:fld>
             <a:endParaRPr lang="en-US"/>
           </a:p>
@@ -3389,7 +3389,7 @@
             <a:fld id="{E778CE86-875F-4587-BCF6-FA054AFC0D53}" type="datetime1">
               <a:rPr lang="en-US" smtClean="0"/>
               <a:pPr/>
-              <a:t>5/3/2020</a:t>
+              <a:t>5/5/2020</a:t>
             </a:fld>
             <a:endParaRPr lang="en-US" dirty="0"/>
           </a:p>
@@ -3905,7 +3905,7 @@
           <a:p>
             <a:fld id="{F6FA2B21-3FCD-4721-B95C-427943F61125}" type="datetime1">
               <a:rPr lang="en-US" smtClean="0"/>
-              <a:t>5/3/2020</a:t>
+              <a:t>5/5/2020</a:t>
             </a:fld>
             <a:endParaRPr lang="en-US"/>
           </a:p>
@@ -4828,7 +4828,19 @@
           </p:nvPr>
         </p:nvPicPr>
         <p:blipFill>
-          <a:blip r:embed="rId2"/>
+          <a:blip r:embed="rId2">
+            <a:extLst>
+              <a:ext uri="{BEBA8EAE-BF5A-486C-A8C5-ECC9F3942E4B}">
+                <a14:imgProps xmlns:a14="http://schemas.microsoft.com/office/drawing/2010/main">
+                  <a14:imgLayer r:embed="rId3">
+                    <a14:imgEffect>
+                      <a14:brightnessContrast bright="-20000" contrast="40000"/>
+                    </a14:imgEffect>
+                  </a14:imgLayer>
+                </a14:imgProps>
+              </a:ext>
+            </a:extLst>
+          </a:blip>
           <a:stretch>
             <a:fillRect/>
           </a:stretch>
@@ -4858,7 +4870,19 @@
           <p:nvPr/>
         </p:nvPicPr>
         <p:blipFill>
-          <a:blip r:embed="rId3"/>
+          <a:blip r:embed="rId4">
+            <a:extLst>
+              <a:ext uri="{BEBA8EAE-BF5A-486C-A8C5-ECC9F3942E4B}">
+                <a14:imgProps xmlns:a14="http://schemas.microsoft.com/office/drawing/2010/main">
+                  <a14:imgLayer r:embed="rId5">
+                    <a14:imgEffect>
+                      <a14:brightnessContrast bright="-20000" contrast="40000"/>
+                    </a14:imgEffect>
+                  </a14:imgLayer>
+                </a14:imgProps>
+              </a:ext>
+            </a:extLst>
+          </a:blip>
           <a:stretch>
             <a:fillRect/>
           </a:stretch>
@@ -4888,7 +4912,19 @@
           <p:nvPr/>
         </p:nvPicPr>
         <p:blipFill>
-          <a:blip r:embed="rId4"/>
+          <a:blip r:embed="rId6">
+            <a:extLst>
+              <a:ext uri="{BEBA8EAE-BF5A-486C-A8C5-ECC9F3942E4B}">
+                <a14:imgProps xmlns:a14="http://schemas.microsoft.com/office/drawing/2010/main">
+                  <a14:imgLayer r:embed="rId7">
+                    <a14:imgEffect>
+                      <a14:brightnessContrast bright="-20000" contrast="40000"/>
+                    </a14:imgEffect>
+                  </a14:imgLayer>
+                </a14:imgProps>
+              </a:ext>
+            </a:extLst>
+          </a:blip>
           <a:stretch>
             <a:fillRect/>
           </a:stretch>
@@ -5004,7 +5040,19 @@
           <p:nvPr/>
         </p:nvPicPr>
         <p:blipFill>
-          <a:blip r:embed="rId2"/>
+          <a:blip r:embed="rId2">
+            <a:extLst>
+              <a:ext uri="{BEBA8EAE-BF5A-486C-A8C5-ECC9F3942E4B}">
+                <a14:imgProps xmlns:a14="http://schemas.microsoft.com/office/drawing/2010/main">
+                  <a14:imgLayer r:embed="rId3">
+                    <a14:imgEffect>
+                      <a14:brightnessContrast bright="-20000" contrast="40000"/>
+                    </a14:imgEffect>
+                  </a14:imgLayer>
+                </a14:imgProps>
+              </a:ext>
+            </a:extLst>
+          </a:blip>
           <a:stretch>
             <a:fillRect/>
           </a:stretch>
@@ -5034,7 +5082,19 @@
           <p:nvPr/>
         </p:nvPicPr>
         <p:blipFill>
-          <a:blip r:embed="rId3"/>
+          <a:blip r:embed="rId4">
+            <a:extLst>
+              <a:ext uri="{BEBA8EAE-BF5A-486C-A8C5-ECC9F3942E4B}">
+                <a14:imgProps xmlns:a14="http://schemas.microsoft.com/office/drawing/2010/main">
+                  <a14:imgLayer r:embed="rId5">
+                    <a14:imgEffect>
+                      <a14:brightnessContrast bright="-20000" contrast="40000"/>
+                    </a14:imgEffect>
+                  </a14:imgLayer>
+                </a14:imgProps>
+              </a:ext>
+            </a:extLst>
+          </a:blip>
           <a:stretch>
             <a:fillRect/>
           </a:stretch>
@@ -5149,16 +5209,27 @@
           </p:cNvPicPr>
           <p:nvPr/>
         </p:nvPicPr>
-        <p:blipFill>
-          <a:blip r:embed="rId2"/>
-          <a:stretch>
-            <a:fillRect/>
-          </a:stretch>
+        <p:blipFill rotWithShape="1">
+          <a:blip r:embed="rId2">
+            <a:extLst>
+              <a:ext uri="{BEBA8EAE-BF5A-486C-A8C5-ECC9F3942E4B}">
+                <a14:imgProps xmlns:a14="http://schemas.microsoft.com/office/drawing/2010/main">
+                  <a14:imgLayer r:embed="rId3">
+                    <a14:imgEffect>
+                      <a14:brightnessContrast bright="-20000" contrast="40000"/>
+                    </a14:imgEffect>
+                  </a14:imgLayer>
+                </a14:imgProps>
+              </a:ext>
+            </a:extLst>
+          </a:blip>
+          <a:srcRect t="1685" b="1378"/>
+          <a:stretch/>
         </p:blipFill>
         <p:spPr>
           <a:xfrm>
-            <a:off x="7947021" y="0"/>
-            <a:ext cx="4244979" cy="6858000"/>
+            <a:off x="7972425" y="408336"/>
+            <a:ext cx="3830108" cy="6041328"/>
           </a:xfrm>
           <a:prstGeom prst="rect">
             <a:avLst/>
@@ -5180,7 +5251,19 @@
           <p:nvPr/>
         </p:nvPicPr>
         <p:blipFill>
-          <a:blip r:embed="rId3"/>
+          <a:blip r:embed="rId4">
+            <a:extLst>
+              <a:ext uri="{BEBA8EAE-BF5A-486C-A8C5-ECC9F3942E4B}">
+                <a14:imgProps xmlns:a14="http://schemas.microsoft.com/office/drawing/2010/main">
+                  <a14:imgLayer r:embed="rId5">
+                    <a14:imgEffect>
+                      <a14:brightnessContrast bright="-20000" contrast="40000"/>
+                    </a14:imgEffect>
+                  </a14:imgLayer>
+                </a14:imgProps>
+              </a:ext>
+            </a:extLst>
+          </a:blip>
           <a:stretch>
             <a:fillRect/>
           </a:stretch>
@@ -5296,7 +5379,19 @@
           <p:nvPr/>
         </p:nvPicPr>
         <p:blipFill>
-          <a:blip r:embed="rId2"/>
+          <a:blip r:embed="rId2">
+            <a:extLst>
+              <a:ext uri="{BEBA8EAE-BF5A-486C-A8C5-ECC9F3942E4B}">
+                <a14:imgProps xmlns:a14="http://schemas.microsoft.com/office/drawing/2010/main">
+                  <a14:imgLayer r:embed="rId3">
+                    <a14:imgEffect>
+                      <a14:brightnessContrast bright="-20000" contrast="40000"/>
+                    </a14:imgEffect>
+                  </a14:imgLayer>
+                </a14:imgProps>
+              </a:ext>
+            </a:extLst>
+          </a:blip>
           <a:stretch>
             <a:fillRect/>
           </a:stretch>
@@ -5326,7 +5421,19 @@
           <p:nvPr/>
         </p:nvPicPr>
         <p:blipFill>
-          <a:blip r:embed="rId3"/>
+          <a:blip r:embed="rId4">
+            <a:extLst>
+              <a:ext uri="{BEBA8EAE-BF5A-486C-A8C5-ECC9F3942E4B}">
+                <a14:imgProps xmlns:a14="http://schemas.microsoft.com/office/drawing/2010/main">
+                  <a14:imgLayer r:embed="rId5">
+                    <a14:imgEffect>
+                      <a14:brightnessContrast bright="-20000" contrast="40000"/>
+                    </a14:imgEffect>
+                  </a14:imgLayer>
+                </a14:imgProps>
+              </a:ext>
+            </a:extLst>
+          </a:blip>
           <a:stretch>
             <a:fillRect/>
           </a:stretch>
@@ -5356,7 +5463,19 @@
           <p:nvPr/>
         </p:nvPicPr>
         <p:blipFill>
-          <a:blip r:embed="rId4"/>
+          <a:blip r:embed="rId6">
+            <a:extLst>
+              <a:ext uri="{BEBA8EAE-BF5A-486C-A8C5-ECC9F3942E4B}">
+                <a14:imgProps xmlns:a14="http://schemas.microsoft.com/office/drawing/2010/main">
+                  <a14:imgLayer r:embed="rId7">
+                    <a14:imgEffect>
+                      <a14:brightnessContrast bright="-20000" contrast="40000"/>
+                    </a14:imgEffect>
+                  </a14:imgLayer>
+                </a14:imgProps>
+              </a:ext>
+            </a:extLst>
+          </a:blip>
           <a:stretch>
             <a:fillRect/>
           </a:stretch>
@@ -5369,6 +5488,11 @@
           <a:prstGeom prst="rect">
             <a:avLst/>
           </a:prstGeom>
+          <a:ln>
+            <a:solidFill>
+              <a:schemeClr val="tx1"/>
+            </a:solidFill>
+          </a:ln>
         </p:spPr>
       </p:pic>
     </p:spTree>
@@ -5472,7 +5596,19 @@
           <p:nvPr/>
         </p:nvPicPr>
         <p:blipFill>
-          <a:blip r:embed="rId2"/>
+          <a:blip r:embed="rId2">
+            <a:extLst>
+              <a:ext uri="{BEBA8EAE-BF5A-486C-A8C5-ECC9F3942E4B}">
+                <a14:imgProps xmlns:a14="http://schemas.microsoft.com/office/drawing/2010/main">
+                  <a14:imgLayer r:embed="rId3">
+                    <a14:imgEffect>
+                      <a14:brightnessContrast bright="-20000" contrast="40000"/>
+                    </a14:imgEffect>
+                  </a14:imgLayer>
+                </a14:imgProps>
+              </a:ext>
+            </a:extLst>
+          </a:blip>
           <a:stretch>
             <a:fillRect/>
           </a:stretch>
@@ -5502,7 +5638,19 @@
           <p:nvPr/>
         </p:nvPicPr>
         <p:blipFill rotWithShape="1">
-          <a:blip r:embed="rId3"/>
+          <a:blip r:embed="rId4">
+            <a:extLst>
+              <a:ext uri="{BEBA8EAE-BF5A-486C-A8C5-ECC9F3942E4B}">
+                <a14:imgProps xmlns:a14="http://schemas.microsoft.com/office/drawing/2010/main">
+                  <a14:imgLayer r:embed="rId5">
+                    <a14:imgEffect>
+                      <a14:brightnessContrast bright="-20000" contrast="40000"/>
+                    </a14:imgEffect>
+                  </a14:imgLayer>
+                </a14:imgProps>
+              </a:ext>
+            </a:extLst>
+          </a:blip>
           <a:srcRect b="5555"/>
           <a:stretch/>
         </p:blipFill>
@@ -5617,7 +5765,19 @@
           <p:nvPr/>
         </p:nvPicPr>
         <p:blipFill>
-          <a:blip r:embed="rId2"/>
+          <a:blip r:embed="rId2">
+            <a:extLst>
+              <a:ext uri="{BEBA8EAE-BF5A-486C-A8C5-ECC9F3942E4B}">
+                <a14:imgProps xmlns:a14="http://schemas.microsoft.com/office/drawing/2010/main">
+                  <a14:imgLayer r:embed="rId3">
+                    <a14:imgEffect>
+                      <a14:brightnessContrast bright="-20000" contrast="40000"/>
+                    </a14:imgEffect>
+                  </a14:imgLayer>
+                </a14:imgProps>
+              </a:ext>
+            </a:extLst>
+          </a:blip>
           <a:stretch>
             <a:fillRect/>
           </a:stretch>
@@ -5647,7 +5807,19 @@
           <p:nvPr/>
         </p:nvPicPr>
         <p:blipFill>
-          <a:blip r:embed="rId3"/>
+          <a:blip r:embed="rId4">
+            <a:extLst>
+              <a:ext uri="{BEBA8EAE-BF5A-486C-A8C5-ECC9F3942E4B}">
+                <a14:imgProps xmlns:a14="http://schemas.microsoft.com/office/drawing/2010/main">
+                  <a14:imgLayer r:embed="rId5">
+                    <a14:imgEffect>
+                      <a14:brightnessContrast bright="-20000" contrast="40000"/>
+                    </a14:imgEffect>
+                  </a14:imgLayer>
+                </a14:imgProps>
+              </a:ext>
+            </a:extLst>
+          </a:blip>
           <a:stretch>
             <a:fillRect/>
           </a:stretch>
@@ -5677,7 +5849,19 @@
           <p:nvPr/>
         </p:nvPicPr>
         <p:blipFill>
-          <a:blip r:embed="rId4"/>
+          <a:blip r:embed="rId6">
+            <a:extLst>
+              <a:ext uri="{BEBA8EAE-BF5A-486C-A8C5-ECC9F3942E4B}">
+                <a14:imgProps xmlns:a14="http://schemas.microsoft.com/office/drawing/2010/main">
+                  <a14:imgLayer r:embed="rId7">
+                    <a14:imgEffect>
+                      <a14:brightnessContrast bright="-20000" contrast="40000"/>
+                    </a14:imgEffect>
+                  </a14:imgLayer>
+                </a14:imgProps>
+              </a:ext>
+            </a:extLst>
+          </a:blip>
           <a:stretch>
             <a:fillRect/>
           </a:stretch>

--- a/Solutions d’une équation aux valeurs propres.pptx
+++ b/Solutions d’une équation aux valeurs propres.pptx
@@ -13,9 +13,21 @@
     <p:sldId id="263" r:id="rId7"/>
     <p:sldId id="259" r:id="rId8"/>
     <p:sldId id="265" r:id="rId9"/>
-    <p:sldId id="261" r:id="rId10"/>
-    <p:sldId id="264" r:id="rId11"/>
-    <p:sldId id="266" r:id="rId12"/>
+    <p:sldId id="267" r:id="rId10"/>
+    <p:sldId id="268" r:id="rId11"/>
+    <p:sldId id="269" r:id="rId12"/>
+    <p:sldId id="270" r:id="rId13"/>
+    <p:sldId id="271" r:id="rId14"/>
+    <p:sldId id="272" r:id="rId15"/>
+    <p:sldId id="273" r:id="rId16"/>
+    <p:sldId id="274" r:id="rId17"/>
+    <p:sldId id="278" r:id="rId18"/>
+    <p:sldId id="275" r:id="rId19"/>
+    <p:sldId id="276" r:id="rId20"/>
+    <p:sldId id="277" r:id="rId21"/>
+    <p:sldId id="261" r:id="rId22"/>
+    <p:sldId id="264" r:id="rId23"/>
+    <p:sldId id="266" r:id="rId24"/>
   </p:sldIdLst>
   <p:sldSz cx="12192000" cy="6858000"/>
   <p:notesSz cx="6858000" cy="9144000"/>
@@ -591,7 +603,7 @@
           <a:p>
             <a:fld id="{EA0C0817-A112-4847-8014-A94B7D2A4EA3}" type="datetime1">
               <a:rPr lang="en-US" smtClean="0"/>
-              <a:t>5/5/2020</a:t>
+              <a:t>5/6/2020</a:t>
             </a:fld>
             <a:endParaRPr lang="en-US" dirty="0"/>
           </a:p>
@@ -793,7 +805,7 @@
           <a:p>
             <a:fld id="{134F40B7-36AB-4376-BE14-EF7004D79BB9}" type="datetime1">
               <a:rPr lang="en-US" smtClean="0"/>
-              <a:t>5/5/2020</a:t>
+              <a:t>5/6/2020</a:t>
             </a:fld>
             <a:endParaRPr lang="en-US"/>
           </a:p>
@@ -973,7 +985,7 @@
           <a:p>
             <a:fld id="{FF87CAB8-DCAE-46A5-AADA-B3FAD11A54E0}" type="datetime1">
               <a:rPr lang="en-US" smtClean="0"/>
-              <a:t>5/5/2020</a:t>
+              <a:t>5/6/2020</a:t>
             </a:fld>
             <a:endParaRPr lang="en-US"/>
           </a:p>
@@ -1143,7 +1155,7 @@
           <a:p>
             <a:fld id="{7332B432-ACDA-4023-A761-2BAB76577B62}" type="datetime1">
               <a:rPr lang="en-US" smtClean="0"/>
-              <a:t>5/5/2020</a:t>
+              <a:t>5/6/2020</a:t>
             </a:fld>
             <a:endParaRPr lang="en-US"/>
           </a:p>
@@ -1742,7 +1754,7 @@
           <a:p>
             <a:fld id="{D9C646AA-F36E-4540-911D-FFFC0A0EF24A}" type="datetime1">
               <a:rPr lang="en-US" smtClean="0"/>
-              <a:t>5/5/2020</a:t>
+              <a:t>5/6/2020</a:t>
             </a:fld>
             <a:endParaRPr lang="en-US" dirty="0"/>
           </a:p>
@@ -2062,7 +2074,7 @@
           <a:p>
             <a:fld id="{69186D26-FA5F-4637-B602-B7C2DC34CFD4}" type="datetime1">
               <a:rPr lang="en-US" smtClean="0"/>
-              <a:t>5/5/2020</a:t>
+              <a:t>5/6/2020</a:t>
             </a:fld>
             <a:endParaRPr lang="en-US"/>
           </a:p>
@@ -2497,7 +2509,7 @@
           <a:p>
             <a:fld id="{8A7F15D8-96D1-4781-BC50-CA8A088B2FE4}" type="datetime1">
               <a:rPr lang="en-US" smtClean="0"/>
-              <a:t>5/5/2020</a:t>
+              <a:t>5/6/2020</a:t>
             </a:fld>
             <a:endParaRPr lang="en-US"/>
           </a:p>
@@ -2615,7 +2627,7 @@
           <a:p>
             <a:fld id="{F9A96C99-B8F8-4528-BD05-0E16E943DC09}" type="datetime1">
               <a:rPr lang="en-US" smtClean="0"/>
-              <a:t>5/5/2020</a:t>
+              <a:t>5/6/2020</a:t>
             </a:fld>
             <a:endParaRPr lang="en-US"/>
           </a:p>
@@ -2710,7 +2722,7 @@
           <a:p>
             <a:fld id="{03636942-C211-4B28-8DBD-C953E00AF71B}" type="datetime1">
               <a:rPr lang="en-US" smtClean="0"/>
-              <a:t>5/5/2020</a:t>
+              <a:t>5/6/2020</a:t>
             </a:fld>
             <a:endParaRPr lang="en-US"/>
           </a:p>
@@ -3127,7 +3139,7 @@
           <a:p>
             <a:fld id="{7E8D12A6-918A-48BD-8CB9-CA713993B0EA}" type="datetime1">
               <a:rPr lang="en-US" smtClean="0"/>
-              <a:t>5/5/2020</a:t>
+              <a:t>5/6/2020</a:t>
             </a:fld>
             <a:endParaRPr lang="en-US"/>
           </a:p>
@@ -3389,7 +3401,7 @@
             <a:fld id="{E778CE86-875F-4587-BCF6-FA054AFC0D53}" type="datetime1">
               <a:rPr lang="en-US" smtClean="0"/>
               <a:pPr/>
-              <a:t>5/5/2020</a:t>
+              <a:t>5/6/2020</a:t>
             </a:fld>
             <a:endParaRPr lang="en-US" dirty="0"/>
           </a:p>
@@ -3905,7 +3917,7 @@
           <a:p>
             <a:fld id="{F6FA2B21-3FCD-4721-B95C-427943F61125}" type="datetime1">
               <a:rPr lang="en-US" smtClean="0"/>
-              <a:t>5/5/2020</a:t>
+              <a:t>5/6/2020</a:t>
             </a:fld>
             <a:endParaRPr lang="en-US"/>
           </a:p>
@@ -4613,7 +4625,7 @@
           <p:cNvPr id="2" name="Titre 1">
             <a:extLst>
               <a:ext uri="{FF2B5EF4-FFF2-40B4-BE49-F238E27FC236}">
-                <a16:creationId xmlns:a16="http://schemas.microsoft.com/office/drawing/2014/main" id="{4DE2DCB7-FE74-442F-9CC2-8D8ECABFD3E8}"/>
+                <a16:creationId xmlns:a16="http://schemas.microsoft.com/office/drawing/2014/main" id="{B5BEBB50-5599-44E2-AFEB-E7D4CCD08B78}"/>
               </a:ext>
             </a:extLst>
           </p:cNvPr>
@@ -4630,44 +4642,290 @@
           <a:lstStyle/>
           <a:p>
             <a:r>
-              <a:rPr lang="fr-CA" dirty="0">
-                <a:latin typeface="Segoe UI Semibold" panose="020B0702040204020203" pitchFamily="34" charset="0"/>
-                <a:cs typeface="Segoe UI Semibold" panose="020B0702040204020203" pitchFamily="34" charset="0"/>
-              </a:rPr>
-              <a:t>Solutions approximatives: perturbations</a:t>
-            </a:r>
-          </a:p>
-        </p:txBody>
-      </p:sp>
-      <p:sp>
-        <p:nvSpPr>
-          <p:cNvPr id="3" name="Espace réservé du contenu 2">
-            <a:extLst>
-              <a:ext uri="{FF2B5EF4-FFF2-40B4-BE49-F238E27FC236}">
-                <a16:creationId xmlns:a16="http://schemas.microsoft.com/office/drawing/2014/main" id="{60C44EC2-559F-4CC2-8DC1-2226C758BF8A}"/>
-              </a:ext>
-            </a:extLst>
-          </p:cNvPr>
-          <p:cNvSpPr>
-            <a:spLocks noGrp="1"/>
-          </p:cNvSpPr>
-          <p:nvPr>
-            <p:ph idx="1"/>
-          </p:nvPr>
-        </p:nvSpPr>
-        <p:spPr/>
-        <p:txBody>
-          <a:bodyPr/>
-          <a:lstStyle/>
-          <a:p>
+              <a:rPr lang="fr-CA" dirty="0"/>
+              <a:t>Gram-</a:t>
+            </a:r>
+            <a:r>
+              <a:rPr lang="fr-CA" dirty="0" err="1"/>
+              <a:t>Shmidt</a:t>
+            </a:r>
             <a:endParaRPr lang="fr-CA" dirty="0"/>
           </a:p>
         </p:txBody>
       </p:sp>
+      <p:cxnSp>
+        <p:nvCxnSpPr>
+          <p:cNvPr id="5" name="Connecteur droit avec flèche 4">
+            <a:extLst>
+              <a:ext uri="{FF2B5EF4-FFF2-40B4-BE49-F238E27FC236}">
+                <a16:creationId xmlns:a16="http://schemas.microsoft.com/office/drawing/2014/main" id="{C84AB1A4-F937-406F-9F58-F7C0745DF598}"/>
+              </a:ext>
+            </a:extLst>
+          </p:cNvPr>
+          <p:cNvCxnSpPr>
+            <a:cxnSpLocks/>
+          </p:cNvCxnSpPr>
+          <p:nvPr/>
+        </p:nvCxnSpPr>
+        <p:spPr>
+          <a:xfrm>
+            <a:off x="4638675" y="4753664"/>
+            <a:ext cx="4095750" cy="0"/>
+          </a:xfrm>
+          <a:prstGeom prst="straightConnector1">
+            <a:avLst/>
+          </a:prstGeom>
+          <a:ln>
+            <a:solidFill>
+              <a:srgbClr val="FF0000"/>
+            </a:solidFill>
+            <a:tailEnd type="triangle"/>
+          </a:ln>
+        </p:spPr>
+        <p:style>
+          <a:lnRef idx="3">
+            <a:schemeClr val="accent2"/>
+          </a:lnRef>
+          <a:fillRef idx="0">
+            <a:schemeClr val="accent2"/>
+          </a:fillRef>
+          <a:effectRef idx="2">
+            <a:schemeClr val="accent2"/>
+          </a:effectRef>
+          <a:fontRef idx="minor">
+            <a:schemeClr val="tx1"/>
+          </a:fontRef>
+        </p:style>
+      </p:cxnSp>
+      <p:cxnSp>
+        <p:nvCxnSpPr>
+          <p:cNvPr id="7" name="Connecteur droit avec flèche 6">
+            <a:extLst>
+              <a:ext uri="{FF2B5EF4-FFF2-40B4-BE49-F238E27FC236}">
+                <a16:creationId xmlns:a16="http://schemas.microsoft.com/office/drawing/2014/main" id="{A4B5E324-35C2-4973-ABC5-C25D088495AF}"/>
+              </a:ext>
+            </a:extLst>
+          </p:cNvPr>
+          <p:cNvCxnSpPr>
+            <a:cxnSpLocks/>
+          </p:cNvCxnSpPr>
+          <p:nvPr/>
+        </p:nvCxnSpPr>
+        <p:spPr>
+          <a:xfrm flipV="1">
+            <a:off x="4638675" y="2438400"/>
+            <a:ext cx="1924050" cy="2315265"/>
+          </a:xfrm>
+          <a:prstGeom prst="straightConnector1">
+            <a:avLst/>
+          </a:prstGeom>
+          <a:ln>
+            <a:solidFill>
+              <a:srgbClr val="00B0F0"/>
+            </a:solidFill>
+            <a:tailEnd type="triangle"/>
+          </a:ln>
+        </p:spPr>
+        <p:style>
+          <a:lnRef idx="3">
+            <a:schemeClr val="dk1"/>
+          </a:lnRef>
+          <a:fillRef idx="0">
+            <a:schemeClr val="dk1"/>
+          </a:fillRef>
+          <a:effectRef idx="2">
+            <a:schemeClr val="dk1"/>
+          </a:effectRef>
+          <a:fontRef idx="minor">
+            <a:schemeClr val="tx1"/>
+          </a:fontRef>
+        </p:style>
+      </p:cxnSp>
+      <p:cxnSp>
+        <p:nvCxnSpPr>
+          <p:cNvPr id="4" name="Connecteur droit 3">
+            <a:extLst>
+              <a:ext uri="{FF2B5EF4-FFF2-40B4-BE49-F238E27FC236}">
+                <a16:creationId xmlns:a16="http://schemas.microsoft.com/office/drawing/2014/main" id="{7BFBF8FD-E5C0-4542-996F-367C1C1843EA}"/>
+              </a:ext>
+            </a:extLst>
+          </p:cNvPr>
+          <p:cNvCxnSpPr/>
+          <p:nvPr/>
+        </p:nvCxnSpPr>
+        <p:spPr>
+          <a:xfrm>
+            <a:off x="6562725" y="2438400"/>
+            <a:ext cx="0" cy="2315264"/>
+          </a:xfrm>
+          <a:prstGeom prst="line">
+            <a:avLst/>
+          </a:prstGeom>
+          <a:ln w="9525" cap="flat" cmpd="sng" algn="ctr">
+            <a:solidFill>
+              <a:schemeClr val="dk1"/>
+            </a:solidFill>
+            <a:prstDash val="dash"/>
+            <a:round/>
+            <a:headEnd type="none" w="med" len="med"/>
+            <a:tailEnd type="none" w="med" len="med"/>
+          </a:ln>
+        </p:spPr>
+        <p:style>
+          <a:lnRef idx="0">
+            <a:scrgbClr r="0" g="0" b="0"/>
+          </a:lnRef>
+          <a:fillRef idx="0">
+            <a:scrgbClr r="0" g="0" b="0"/>
+          </a:fillRef>
+          <a:effectRef idx="0">
+            <a:scrgbClr r="0" g="0" b="0"/>
+          </a:effectRef>
+          <a:fontRef idx="minor">
+            <a:schemeClr val="tx1"/>
+          </a:fontRef>
+        </p:style>
+      </p:cxnSp>
+      <p:cxnSp>
+        <p:nvCxnSpPr>
+          <p:cNvPr id="8" name="Connecteur droit 7">
+            <a:extLst>
+              <a:ext uri="{FF2B5EF4-FFF2-40B4-BE49-F238E27FC236}">
+                <a16:creationId xmlns:a16="http://schemas.microsoft.com/office/drawing/2014/main" id="{8504671B-3ABF-4345-A343-8E3D8A89CB74}"/>
+              </a:ext>
+            </a:extLst>
+          </p:cNvPr>
+          <p:cNvCxnSpPr>
+            <a:cxnSpLocks/>
+          </p:cNvCxnSpPr>
+          <p:nvPr/>
+        </p:nvCxnSpPr>
+        <p:spPr>
+          <a:xfrm>
+            <a:off x="6562725" y="4457700"/>
+            <a:ext cx="295275" cy="0"/>
+          </a:xfrm>
+          <a:prstGeom prst="line">
+            <a:avLst/>
+          </a:prstGeom>
+          <a:ln w="9525" cap="flat" cmpd="sng" algn="ctr">
+            <a:solidFill>
+              <a:schemeClr val="dk1"/>
+            </a:solidFill>
+            <a:prstDash val="dash"/>
+            <a:round/>
+            <a:headEnd type="none" w="med" len="med"/>
+            <a:tailEnd type="none" w="med" len="med"/>
+          </a:ln>
+        </p:spPr>
+        <p:style>
+          <a:lnRef idx="0">
+            <a:scrgbClr r="0" g="0" b="0"/>
+          </a:lnRef>
+          <a:fillRef idx="0">
+            <a:scrgbClr r="0" g="0" b="0"/>
+          </a:fillRef>
+          <a:effectRef idx="0">
+            <a:scrgbClr r="0" g="0" b="0"/>
+          </a:effectRef>
+          <a:fontRef idx="minor">
+            <a:schemeClr val="tx1"/>
+          </a:fontRef>
+        </p:style>
+      </p:cxnSp>
+      <p:cxnSp>
+        <p:nvCxnSpPr>
+          <p:cNvPr id="10" name="Connecteur droit 9">
+            <a:extLst>
+              <a:ext uri="{FF2B5EF4-FFF2-40B4-BE49-F238E27FC236}">
+                <a16:creationId xmlns:a16="http://schemas.microsoft.com/office/drawing/2014/main" id="{ED8F2377-06F1-47BE-969D-BBBAA3DF4E12}"/>
+              </a:ext>
+            </a:extLst>
+          </p:cNvPr>
+          <p:cNvCxnSpPr>
+            <a:cxnSpLocks/>
+          </p:cNvCxnSpPr>
+          <p:nvPr/>
+        </p:nvCxnSpPr>
+        <p:spPr>
+          <a:xfrm>
+            <a:off x="6858000" y="4457700"/>
+            <a:ext cx="0" cy="295964"/>
+          </a:xfrm>
+          <a:prstGeom prst="line">
+            <a:avLst/>
+          </a:prstGeom>
+          <a:ln w="9525" cap="flat" cmpd="sng" algn="ctr">
+            <a:solidFill>
+              <a:schemeClr val="dk1"/>
+            </a:solidFill>
+            <a:prstDash val="dash"/>
+            <a:round/>
+            <a:headEnd type="none" w="med" len="med"/>
+            <a:tailEnd type="none" w="med" len="med"/>
+          </a:ln>
+        </p:spPr>
+        <p:style>
+          <a:lnRef idx="0">
+            <a:scrgbClr r="0" g="0" b="0"/>
+          </a:lnRef>
+          <a:fillRef idx="0">
+            <a:scrgbClr r="0" g="0" b="0"/>
+          </a:fillRef>
+          <a:effectRef idx="0">
+            <a:scrgbClr r="0" g="0" b="0"/>
+          </a:effectRef>
+          <a:fontRef idx="minor">
+            <a:schemeClr val="tx1"/>
+          </a:fontRef>
+        </p:style>
+      </p:cxnSp>
+      <p:cxnSp>
+        <p:nvCxnSpPr>
+          <p:cNvPr id="14" name="Connecteur droit avec flèche 13">
+            <a:extLst>
+              <a:ext uri="{FF2B5EF4-FFF2-40B4-BE49-F238E27FC236}">
+                <a16:creationId xmlns:a16="http://schemas.microsoft.com/office/drawing/2014/main" id="{04A7913F-A47C-4B69-83DD-911964801A7E}"/>
+              </a:ext>
+            </a:extLst>
+          </p:cNvPr>
+          <p:cNvCxnSpPr/>
+          <p:nvPr/>
+        </p:nvCxnSpPr>
+        <p:spPr>
+          <a:xfrm>
+            <a:off x="4638675" y="4753664"/>
+            <a:ext cx="1924050" cy="0"/>
+          </a:xfrm>
+          <a:prstGeom prst="straightConnector1">
+            <a:avLst/>
+          </a:prstGeom>
+          <a:ln>
+            <a:solidFill>
+              <a:srgbClr val="FFFF00"/>
+            </a:solidFill>
+            <a:tailEnd type="triangle"/>
+          </a:ln>
+        </p:spPr>
+        <p:style>
+          <a:lnRef idx="3">
+            <a:schemeClr val="dk1"/>
+          </a:lnRef>
+          <a:fillRef idx="0">
+            <a:schemeClr val="dk1"/>
+          </a:fillRef>
+          <a:effectRef idx="2">
+            <a:schemeClr val="dk1"/>
+          </a:effectRef>
+          <a:fontRef idx="minor">
+            <a:schemeClr val="tx1"/>
+          </a:fontRef>
+        </p:style>
+      </p:cxnSp>
     </p:spTree>
     <p:extLst>
       <p:ext uri="{BB962C8B-B14F-4D97-AF65-F5344CB8AC3E}">
-        <p14:creationId xmlns:p14="http://schemas.microsoft.com/office/powerpoint/2010/main" val="422302555"/>
+        <p14:creationId xmlns:p14="http://schemas.microsoft.com/office/powerpoint/2010/main" val="3242169214"/>
       </p:ext>
     </p:extLst>
   </p:cSld>
@@ -4699,7 +4957,7 @@
           <p:cNvPr id="2" name="Titre 1">
             <a:extLst>
               <a:ext uri="{FF2B5EF4-FFF2-40B4-BE49-F238E27FC236}">
-                <a16:creationId xmlns:a16="http://schemas.microsoft.com/office/drawing/2014/main" id="{4DE2DCB7-FE74-442F-9CC2-8D8ECABFD3E8}"/>
+                <a16:creationId xmlns:a16="http://schemas.microsoft.com/office/drawing/2014/main" id="{B5BEBB50-5599-44E2-AFEB-E7D4CCD08B78}"/>
               </a:ext>
             </a:extLst>
           </p:cNvPr>
@@ -4716,44 +4974,2131 @@
           <a:lstStyle/>
           <a:p>
             <a:r>
-              <a:rPr lang="fr-CA" dirty="0">
-                <a:latin typeface="Segoe UI Semibold" panose="020B0702040204020203" pitchFamily="34" charset="0"/>
-                <a:cs typeface="Segoe UI Semibold" panose="020B0702040204020203" pitchFamily="34" charset="0"/>
-              </a:rPr>
-              <a:t>Conclusion</a:t>
-            </a:r>
-          </a:p>
-        </p:txBody>
-      </p:sp>
-      <p:sp>
-        <p:nvSpPr>
-          <p:cNvPr id="3" name="Espace réservé du contenu 2">
-            <a:extLst>
-              <a:ext uri="{FF2B5EF4-FFF2-40B4-BE49-F238E27FC236}">
-                <a16:creationId xmlns:a16="http://schemas.microsoft.com/office/drawing/2014/main" id="{60C44EC2-559F-4CC2-8DC1-2226C758BF8A}"/>
-              </a:ext>
-            </a:extLst>
-          </p:cNvPr>
-          <p:cNvSpPr>
-            <a:spLocks noGrp="1"/>
-          </p:cNvSpPr>
-          <p:nvPr>
-            <p:ph idx="1"/>
-          </p:nvPr>
-        </p:nvSpPr>
-        <p:spPr/>
-        <p:txBody>
-          <a:bodyPr/>
-          <a:lstStyle/>
-          <a:p>
+              <a:rPr lang="fr-CA" dirty="0"/>
+              <a:t>Gram-</a:t>
+            </a:r>
+            <a:r>
+              <a:rPr lang="fr-CA" dirty="0" err="1"/>
+              <a:t>Shmidt</a:t>
+            </a:r>
             <a:endParaRPr lang="fr-CA" dirty="0"/>
           </a:p>
         </p:txBody>
       </p:sp>
+      <p:cxnSp>
+        <p:nvCxnSpPr>
+          <p:cNvPr id="5" name="Connecteur droit avec flèche 4">
+            <a:extLst>
+              <a:ext uri="{FF2B5EF4-FFF2-40B4-BE49-F238E27FC236}">
+                <a16:creationId xmlns:a16="http://schemas.microsoft.com/office/drawing/2014/main" id="{C84AB1A4-F937-406F-9F58-F7C0745DF598}"/>
+              </a:ext>
+            </a:extLst>
+          </p:cNvPr>
+          <p:cNvCxnSpPr>
+            <a:cxnSpLocks/>
+          </p:cNvCxnSpPr>
+          <p:nvPr/>
+        </p:nvCxnSpPr>
+        <p:spPr>
+          <a:xfrm>
+            <a:off x="4638675" y="4753664"/>
+            <a:ext cx="4095750" cy="0"/>
+          </a:xfrm>
+          <a:prstGeom prst="straightConnector1">
+            <a:avLst/>
+          </a:prstGeom>
+          <a:ln>
+            <a:solidFill>
+              <a:srgbClr val="FF0000"/>
+            </a:solidFill>
+            <a:tailEnd type="triangle"/>
+          </a:ln>
+        </p:spPr>
+        <p:style>
+          <a:lnRef idx="3">
+            <a:schemeClr val="accent2"/>
+          </a:lnRef>
+          <a:fillRef idx="0">
+            <a:schemeClr val="accent2"/>
+          </a:fillRef>
+          <a:effectRef idx="2">
+            <a:schemeClr val="accent2"/>
+          </a:effectRef>
+          <a:fontRef idx="minor">
+            <a:schemeClr val="tx1"/>
+          </a:fontRef>
+        </p:style>
+      </p:cxnSp>
+      <p:cxnSp>
+        <p:nvCxnSpPr>
+          <p:cNvPr id="7" name="Connecteur droit avec flèche 6">
+            <a:extLst>
+              <a:ext uri="{FF2B5EF4-FFF2-40B4-BE49-F238E27FC236}">
+                <a16:creationId xmlns:a16="http://schemas.microsoft.com/office/drawing/2014/main" id="{A4B5E324-35C2-4973-ABC5-C25D088495AF}"/>
+              </a:ext>
+            </a:extLst>
+          </p:cNvPr>
+          <p:cNvCxnSpPr>
+            <a:cxnSpLocks/>
+          </p:cNvCxnSpPr>
+          <p:nvPr/>
+        </p:nvCxnSpPr>
+        <p:spPr>
+          <a:xfrm flipV="1">
+            <a:off x="4638675" y="2438400"/>
+            <a:ext cx="1924050" cy="2315265"/>
+          </a:xfrm>
+          <a:prstGeom prst="straightConnector1">
+            <a:avLst/>
+          </a:prstGeom>
+          <a:ln>
+            <a:solidFill>
+              <a:srgbClr val="00B0F0"/>
+            </a:solidFill>
+            <a:tailEnd type="triangle"/>
+          </a:ln>
+        </p:spPr>
+        <p:style>
+          <a:lnRef idx="3">
+            <a:schemeClr val="dk1"/>
+          </a:lnRef>
+          <a:fillRef idx="0">
+            <a:schemeClr val="dk1"/>
+          </a:fillRef>
+          <a:effectRef idx="2">
+            <a:schemeClr val="dk1"/>
+          </a:effectRef>
+          <a:fontRef idx="minor">
+            <a:schemeClr val="tx1"/>
+          </a:fontRef>
+        </p:style>
+      </p:cxnSp>
+      <p:cxnSp>
+        <p:nvCxnSpPr>
+          <p:cNvPr id="4" name="Connecteur droit 3">
+            <a:extLst>
+              <a:ext uri="{FF2B5EF4-FFF2-40B4-BE49-F238E27FC236}">
+                <a16:creationId xmlns:a16="http://schemas.microsoft.com/office/drawing/2014/main" id="{7BFBF8FD-E5C0-4542-996F-367C1C1843EA}"/>
+              </a:ext>
+            </a:extLst>
+          </p:cNvPr>
+          <p:cNvCxnSpPr/>
+          <p:nvPr/>
+        </p:nvCxnSpPr>
+        <p:spPr>
+          <a:xfrm>
+            <a:off x="6562725" y="2438400"/>
+            <a:ext cx="0" cy="2315264"/>
+          </a:xfrm>
+          <a:prstGeom prst="line">
+            <a:avLst/>
+          </a:prstGeom>
+          <a:ln w="9525" cap="flat" cmpd="sng" algn="ctr">
+            <a:solidFill>
+              <a:schemeClr val="dk1"/>
+            </a:solidFill>
+            <a:prstDash val="dash"/>
+            <a:round/>
+            <a:headEnd type="none" w="med" len="med"/>
+            <a:tailEnd type="none" w="med" len="med"/>
+          </a:ln>
+        </p:spPr>
+        <p:style>
+          <a:lnRef idx="0">
+            <a:scrgbClr r="0" g="0" b="0"/>
+          </a:lnRef>
+          <a:fillRef idx="0">
+            <a:scrgbClr r="0" g="0" b="0"/>
+          </a:fillRef>
+          <a:effectRef idx="0">
+            <a:scrgbClr r="0" g="0" b="0"/>
+          </a:effectRef>
+          <a:fontRef idx="minor">
+            <a:schemeClr val="tx1"/>
+          </a:fontRef>
+        </p:style>
+      </p:cxnSp>
+      <p:cxnSp>
+        <p:nvCxnSpPr>
+          <p:cNvPr id="8" name="Connecteur droit 7">
+            <a:extLst>
+              <a:ext uri="{FF2B5EF4-FFF2-40B4-BE49-F238E27FC236}">
+                <a16:creationId xmlns:a16="http://schemas.microsoft.com/office/drawing/2014/main" id="{8504671B-3ABF-4345-A343-8E3D8A89CB74}"/>
+              </a:ext>
+            </a:extLst>
+          </p:cNvPr>
+          <p:cNvCxnSpPr>
+            <a:cxnSpLocks/>
+          </p:cNvCxnSpPr>
+          <p:nvPr/>
+        </p:nvCxnSpPr>
+        <p:spPr>
+          <a:xfrm>
+            <a:off x="6562725" y="4457700"/>
+            <a:ext cx="295275" cy="0"/>
+          </a:xfrm>
+          <a:prstGeom prst="line">
+            <a:avLst/>
+          </a:prstGeom>
+          <a:ln w="9525" cap="flat" cmpd="sng" algn="ctr">
+            <a:solidFill>
+              <a:schemeClr val="dk1"/>
+            </a:solidFill>
+            <a:prstDash val="dash"/>
+            <a:round/>
+            <a:headEnd type="none" w="med" len="med"/>
+            <a:tailEnd type="none" w="med" len="med"/>
+          </a:ln>
+        </p:spPr>
+        <p:style>
+          <a:lnRef idx="0">
+            <a:scrgbClr r="0" g="0" b="0"/>
+          </a:lnRef>
+          <a:fillRef idx="0">
+            <a:scrgbClr r="0" g="0" b="0"/>
+          </a:fillRef>
+          <a:effectRef idx="0">
+            <a:scrgbClr r="0" g="0" b="0"/>
+          </a:effectRef>
+          <a:fontRef idx="minor">
+            <a:schemeClr val="tx1"/>
+          </a:fontRef>
+        </p:style>
+      </p:cxnSp>
+      <p:cxnSp>
+        <p:nvCxnSpPr>
+          <p:cNvPr id="10" name="Connecteur droit 9">
+            <a:extLst>
+              <a:ext uri="{FF2B5EF4-FFF2-40B4-BE49-F238E27FC236}">
+                <a16:creationId xmlns:a16="http://schemas.microsoft.com/office/drawing/2014/main" id="{ED8F2377-06F1-47BE-969D-BBBAA3DF4E12}"/>
+              </a:ext>
+            </a:extLst>
+          </p:cNvPr>
+          <p:cNvCxnSpPr>
+            <a:cxnSpLocks/>
+          </p:cNvCxnSpPr>
+          <p:nvPr/>
+        </p:nvCxnSpPr>
+        <p:spPr>
+          <a:xfrm>
+            <a:off x="6858000" y="4457700"/>
+            <a:ext cx="0" cy="295964"/>
+          </a:xfrm>
+          <a:prstGeom prst="line">
+            <a:avLst/>
+          </a:prstGeom>
+          <a:ln w="9525" cap="flat" cmpd="sng" algn="ctr">
+            <a:solidFill>
+              <a:schemeClr val="dk1"/>
+            </a:solidFill>
+            <a:prstDash val="dash"/>
+            <a:round/>
+            <a:headEnd type="none" w="med" len="med"/>
+            <a:tailEnd type="none" w="med" len="med"/>
+          </a:ln>
+        </p:spPr>
+        <p:style>
+          <a:lnRef idx="0">
+            <a:scrgbClr r="0" g="0" b="0"/>
+          </a:lnRef>
+          <a:fillRef idx="0">
+            <a:scrgbClr r="0" g="0" b="0"/>
+          </a:fillRef>
+          <a:effectRef idx="0">
+            <a:scrgbClr r="0" g="0" b="0"/>
+          </a:effectRef>
+          <a:fontRef idx="minor">
+            <a:schemeClr val="tx1"/>
+          </a:fontRef>
+        </p:style>
+      </p:cxnSp>
+      <p:cxnSp>
+        <p:nvCxnSpPr>
+          <p:cNvPr id="14" name="Connecteur droit avec flèche 13">
+            <a:extLst>
+              <a:ext uri="{FF2B5EF4-FFF2-40B4-BE49-F238E27FC236}">
+                <a16:creationId xmlns:a16="http://schemas.microsoft.com/office/drawing/2014/main" id="{04A7913F-A47C-4B69-83DD-911964801A7E}"/>
+              </a:ext>
+            </a:extLst>
+          </p:cNvPr>
+          <p:cNvCxnSpPr/>
+          <p:nvPr/>
+        </p:nvCxnSpPr>
+        <p:spPr>
+          <a:xfrm>
+            <a:off x="4638675" y="4753664"/>
+            <a:ext cx="1924050" cy="0"/>
+          </a:xfrm>
+          <a:prstGeom prst="straightConnector1">
+            <a:avLst/>
+          </a:prstGeom>
+          <a:ln>
+            <a:solidFill>
+              <a:srgbClr val="FFFF00"/>
+            </a:solidFill>
+            <a:tailEnd type="triangle"/>
+          </a:ln>
+        </p:spPr>
+        <p:style>
+          <a:lnRef idx="3">
+            <a:schemeClr val="dk1"/>
+          </a:lnRef>
+          <a:fillRef idx="0">
+            <a:schemeClr val="dk1"/>
+          </a:fillRef>
+          <a:effectRef idx="2">
+            <a:schemeClr val="dk1"/>
+          </a:effectRef>
+          <a:fontRef idx="minor">
+            <a:schemeClr val="tx1"/>
+          </a:fontRef>
+        </p:style>
+      </p:cxnSp>
+      <p:cxnSp>
+        <p:nvCxnSpPr>
+          <p:cNvPr id="9" name="Connecteur droit avec flèche 8">
+            <a:extLst>
+              <a:ext uri="{FF2B5EF4-FFF2-40B4-BE49-F238E27FC236}">
+                <a16:creationId xmlns:a16="http://schemas.microsoft.com/office/drawing/2014/main" id="{85D33B2A-A34D-4474-8079-F3AFBA7CDD30}"/>
+              </a:ext>
+            </a:extLst>
+          </p:cNvPr>
+          <p:cNvCxnSpPr>
+            <a:cxnSpLocks/>
+          </p:cNvCxnSpPr>
+          <p:nvPr/>
+        </p:nvCxnSpPr>
+        <p:spPr>
+          <a:xfrm flipH="1">
+            <a:off x="4638675" y="2438400"/>
+            <a:ext cx="1889126" cy="0"/>
+          </a:xfrm>
+          <a:prstGeom prst="straightConnector1">
+            <a:avLst/>
+          </a:prstGeom>
+          <a:ln>
+            <a:solidFill>
+              <a:srgbClr val="FFFF00"/>
+            </a:solidFill>
+            <a:tailEnd type="triangle"/>
+          </a:ln>
+        </p:spPr>
+        <p:style>
+          <a:lnRef idx="3">
+            <a:schemeClr val="dk1"/>
+          </a:lnRef>
+          <a:fillRef idx="0">
+            <a:schemeClr val="dk1"/>
+          </a:fillRef>
+          <a:effectRef idx="2">
+            <a:schemeClr val="dk1"/>
+          </a:effectRef>
+          <a:fontRef idx="minor">
+            <a:schemeClr val="tx1"/>
+          </a:fontRef>
+        </p:style>
+      </p:cxnSp>
     </p:spTree>
     <p:extLst>
       <p:ext uri="{BB962C8B-B14F-4D97-AF65-F5344CB8AC3E}">
-        <p14:creationId xmlns:p14="http://schemas.microsoft.com/office/powerpoint/2010/main" val="4032787620"/>
+        <p14:creationId xmlns:p14="http://schemas.microsoft.com/office/powerpoint/2010/main" val="5306291"/>
+      </p:ext>
+    </p:extLst>
+  </p:cSld>
+  <p:clrMapOvr>
+    <a:masterClrMapping/>
+  </p:clrMapOvr>
+</p:sld>
+</file>
+
+<file path=ppt/slides/slide12.xml><?xml version="1.0" encoding="utf-8"?>
+<p:sld xmlns:a="http://schemas.openxmlformats.org/drawingml/2006/main" xmlns:r="http://schemas.openxmlformats.org/officeDocument/2006/relationships" xmlns:p="http://schemas.openxmlformats.org/presentationml/2006/main">
+  <p:cSld>
+    <p:spTree>
+      <p:nvGrpSpPr>
+        <p:cNvPr id="1" name=""/>
+        <p:cNvGrpSpPr/>
+        <p:nvPr/>
+      </p:nvGrpSpPr>
+      <p:grpSpPr>
+        <a:xfrm>
+          <a:off x="0" y="0"/>
+          <a:ext cx="0" cy="0"/>
+          <a:chOff x="0" y="0"/>
+          <a:chExt cx="0" cy="0"/>
+        </a:xfrm>
+      </p:grpSpPr>
+      <p:sp>
+        <p:nvSpPr>
+          <p:cNvPr id="2" name="Titre 1">
+            <a:extLst>
+              <a:ext uri="{FF2B5EF4-FFF2-40B4-BE49-F238E27FC236}">
+                <a16:creationId xmlns:a16="http://schemas.microsoft.com/office/drawing/2014/main" id="{B5BEBB50-5599-44E2-AFEB-E7D4CCD08B78}"/>
+              </a:ext>
+            </a:extLst>
+          </p:cNvPr>
+          <p:cNvSpPr>
+            <a:spLocks noGrp="1"/>
+          </p:cNvSpPr>
+          <p:nvPr>
+            <p:ph type="title"/>
+          </p:nvPr>
+        </p:nvSpPr>
+        <p:spPr/>
+        <p:txBody>
+          <a:bodyPr/>
+          <a:lstStyle/>
+          <a:p>
+            <a:r>
+              <a:rPr lang="fr-CA" dirty="0"/>
+              <a:t>Gram-</a:t>
+            </a:r>
+            <a:r>
+              <a:rPr lang="fr-CA" dirty="0" err="1"/>
+              <a:t>Shmidt</a:t>
+            </a:r>
+            <a:endParaRPr lang="fr-CA" dirty="0"/>
+          </a:p>
+        </p:txBody>
+      </p:sp>
+      <p:cxnSp>
+        <p:nvCxnSpPr>
+          <p:cNvPr id="5" name="Connecteur droit avec flèche 4">
+            <a:extLst>
+              <a:ext uri="{FF2B5EF4-FFF2-40B4-BE49-F238E27FC236}">
+                <a16:creationId xmlns:a16="http://schemas.microsoft.com/office/drawing/2014/main" id="{C84AB1A4-F937-406F-9F58-F7C0745DF598}"/>
+              </a:ext>
+            </a:extLst>
+          </p:cNvPr>
+          <p:cNvCxnSpPr>
+            <a:cxnSpLocks/>
+          </p:cNvCxnSpPr>
+          <p:nvPr/>
+        </p:nvCxnSpPr>
+        <p:spPr>
+          <a:xfrm>
+            <a:off x="4638675" y="4753664"/>
+            <a:ext cx="4095750" cy="0"/>
+          </a:xfrm>
+          <a:prstGeom prst="straightConnector1">
+            <a:avLst/>
+          </a:prstGeom>
+          <a:ln>
+            <a:solidFill>
+              <a:srgbClr val="FF0000"/>
+            </a:solidFill>
+            <a:tailEnd type="triangle"/>
+          </a:ln>
+        </p:spPr>
+        <p:style>
+          <a:lnRef idx="3">
+            <a:schemeClr val="accent2"/>
+          </a:lnRef>
+          <a:fillRef idx="0">
+            <a:schemeClr val="accent2"/>
+          </a:fillRef>
+          <a:effectRef idx="2">
+            <a:schemeClr val="accent2"/>
+          </a:effectRef>
+          <a:fontRef idx="minor">
+            <a:schemeClr val="tx1"/>
+          </a:fontRef>
+        </p:style>
+      </p:cxnSp>
+      <p:cxnSp>
+        <p:nvCxnSpPr>
+          <p:cNvPr id="7" name="Connecteur droit avec flèche 6">
+            <a:extLst>
+              <a:ext uri="{FF2B5EF4-FFF2-40B4-BE49-F238E27FC236}">
+                <a16:creationId xmlns:a16="http://schemas.microsoft.com/office/drawing/2014/main" id="{A4B5E324-35C2-4973-ABC5-C25D088495AF}"/>
+              </a:ext>
+            </a:extLst>
+          </p:cNvPr>
+          <p:cNvCxnSpPr>
+            <a:cxnSpLocks/>
+          </p:cNvCxnSpPr>
+          <p:nvPr/>
+        </p:nvCxnSpPr>
+        <p:spPr>
+          <a:xfrm flipV="1">
+            <a:off x="4638675" y="2438400"/>
+            <a:ext cx="0" cy="2315266"/>
+          </a:xfrm>
+          <a:prstGeom prst="straightConnector1">
+            <a:avLst/>
+          </a:prstGeom>
+          <a:ln>
+            <a:solidFill>
+              <a:srgbClr val="00B0F0"/>
+            </a:solidFill>
+            <a:tailEnd type="triangle"/>
+          </a:ln>
+        </p:spPr>
+        <p:style>
+          <a:lnRef idx="3">
+            <a:schemeClr val="dk1"/>
+          </a:lnRef>
+          <a:fillRef idx="0">
+            <a:schemeClr val="dk1"/>
+          </a:fillRef>
+          <a:effectRef idx="2">
+            <a:schemeClr val="dk1"/>
+          </a:effectRef>
+          <a:fontRef idx="minor">
+            <a:schemeClr val="tx1"/>
+          </a:fontRef>
+        </p:style>
+      </p:cxnSp>
+      <p:cxnSp>
+        <p:nvCxnSpPr>
+          <p:cNvPr id="4" name="Connecteur droit 3">
+            <a:extLst>
+              <a:ext uri="{FF2B5EF4-FFF2-40B4-BE49-F238E27FC236}">
+                <a16:creationId xmlns:a16="http://schemas.microsoft.com/office/drawing/2014/main" id="{7BFBF8FD-E5C0-4542-996F-367C1C1843EA}"/>
+              </a:ext>
+            </a:extLst>
+          </p:cNvPr>
+          <p:cNvCxnSpPr>
+            <a:cxnSpLocks/>
+          </p:cNvCxnSpPr>
+          <p:nvPr/>
+        </p:nvCxnSpPr>
+        <p:spPr>
+          <a:xfrm flipH="1">
+            <a:off x="4638675" y="2438400"/>
+            <a:ext cx="1924050" cy="2315264"/>
+          </a:xfrm>
+          <a:prstGeom prst="line">
+            <a:avLst/>
+          </a:prstGeom>
+          <a:ln w="9525" cap="flat" cmpd="sng" algn="ctr">
+            <a:solidFill>
+              <a:schemeClr val="dk1"/>
+            </a:solidFill>
+            <a:prstDash val="dash"/>
+            <a:round/>
+            <a:headEnd type="none" w="med" len="med"/>
+            <a:tailEnd type="none" w="med" len="med"/>
+          </a:ln>
+        </p:spPr>
+        <p:style>
+          <a:lnRef idx="0">
+            <a:scrgbClr r="0" g="0" b="0"/>
+          </a:lnRef>
+          <a:fillRef idx="0">
+            <a:scrgbClr r="0" g="0" b="0"/>
+          </a:fillRef>
+          <a:effectRef idx="0">
+            <a:scrgbClr r="0" g="0" b="0"/>
+          </a:effectRef>
+          <a:fontRef idx="minor">
+            <a:schemeClr val="tx1"/>
+          </a:fontRef>
+        </p:style>
+      </p:cxnSp>
+      <p:cxnSp>
+        <p:nvCxnSpPr>
+          <p:cNvPr id="9" name="Connecteur droit avec flèche 8">
+            <a:extLst>
+              <a:ext uri="{FF2B5EF4-FFF2-40B4-BE49-F238E27FC236}">
+                <a16:creationId xmlns:a16="http://schemas.microsoft.com/office/drawing/2014/main" id="{85D33B2A-A34D-4474-8079-F3AFBA7CDD30}"/>
+              </a:ext>
+            </a:extLst>
+          </p:cNvPr>
+          <p:cNvCxnSpPr>
+            <a:cxnSpLocks/>
+          </p:cNvCxnSpPr>
+          <p:nvPr/>
+        </p:nvCxnSpPr>
+        <p:spPr>
+          <a:xfrm flipH="1">
+            <a:off x="4638675" y="2438400"/>
+            <a:ext cx="1889126" cy="0"/>
+          </a:xfrm>
+          <a:prstGeom prst="straightConnector1">
+            <a:avLst/>
+          </a:prstGeom>
+          <a:ln>
+            <a:solidFill>
+              <a:srgbClr val="FFFF00"/>
+            </a:solidFill>
+            <a:tailEnd type="triangle"/>
+          </a:ln>
+        </p:spPr>
+        <p:style>
+          <a:lnRef idx="3">
+            <a:schemeClr val="dk1"/>
+          </a:lnRef>
+          <a:fillRef idx="0">
+            <a:schemeClr val="dk1"/>
+          </a:fillRef>
+          <a:effectRef idx="2">
+            <a:schemeClr val="dk1"/>
+          </a:effectRef>
+          <a:fontRef idx="minor">
+            <a:schemeClr val="tx1"/>
+          </a:fontRef>
+        </p:style>
+      </p:cxnSp>
+    </p:spTree>
+    <p:extLst>
+      <p:ext uri="{BB962C8B-B14F-4D97-AF65-F5344CB8AC3E}">
+        <p14:creationId xmlns:p14="http://schemas.microsoft.com/office/powerpoint/2010/main" val="1435801167"/>
+      </p:ext>
+    </p:extLst>
+  </p:cSld>
+  <p:clrMapOvr>
+    <a:masterClrMapping/>
+  </p:clrMapOvr>
+</p:sld>
+</file>
+
+<file path=ppt/slides/slide13.xml><?xml version="1.0" encoding="utf-8"?>
+<p:sld xmlns:a="http://schemas.openxmlformats.org/drawingml/2006/main" xmlns:r="http://schemas.openxmlformats.org/officeDocument/2006/relationships" xmlns:p="http://schemas.openxmlformats.org/presentationml/2006/main">
+  <p:cSld>
+    <p:spTree>
+      <p:nvGrpSpPr>
+        <p:cNvPr id="1" name=""/>
+        <p:cNvGrpSpPr/>
+        <p:nvPr/>
+      </p:nvGrpSpPr>
+      <p:grpSpPr>
+        <a:xfrm>
+          <a:off x="0" y="0"/>
+          <a:ext cx="0" cy="0"/>
+          <a:chOff x="0" y="0"/>
+          <a:chExt cx="0" cy="0"/>
+        </a:xfrm>
+      </p:grpSpPr>
+      <p:sp>
+        <p:nvSpPr>
+          <p:cNvPr id="2" name="Titre 1">
+            <a:extLst>
+              <a:ext uri="{FF2B5EF4-FFF2-40B4-BE49-F238E27FC236}">
+                <a16:creationId xmlns:a16="http://schemas.microsoft.com/office/drawing/2014/main" id="{B5BEBB50-5599-44E2-AFEB-E7D4CCD08B78}"/>
+              </a:ext>
+            </a:extLst>
+          </p:cNvPr>
+          <p:cNvSpPr>
+            <a:spLocks noGrp="1"/>
+          </p:cNvSpPr>
+          <p:nvPr>
+            <p:ph type="title"/>
+          </p:nvPr>
+        </p:nvSpPr>
+        <p:spPr/>
+        <p:txBody>
+          <a:bodyPr/>
+          <a:lstStyle/>
+          <a:p>
+            <a:r>
+              <a:rPr lang="fr-CA" dirty="0"/>
+              <a:t>Gram-</a:t>
+            </a:r>
+            <a:r>
+              <a:rPr lang="fr-CA" dirty="0" err="1"/>
+              <a:t>Shmidt</a:t>
+            </a:r>
+            <a:endParaRPr lang="fr-CA" dirty="0"/>
+          </a:p>
+        </p:txBody>
+      </p:sp>
+      <p:cxnSp>
+        <p:nvCxnSpPr>
+          <p:cNvPr id="5" name="Connecteur droit avec flèche 4">
+            <a:extLst>
+              <a:ext uri="{FF2B5EF4-FFF2-40B4-BE49-F238E27FC236}">
+                <a16:creationId xmlns:a16="http://schemas.microsoft.com/office/drawing/2014/main" id="{C84AB1A4-F937-406F-9F58-F7C0745DF598}"/>
+              </a:ext>
+            </a:extLst>
+          </p:cNvPr>
+          <p:cNvCxnSpPr>
+            <a:cxnSpLocks/>
+          </p:cNvCxnSpPr>
+          <p:nvPr/>
+        </p:nvCxnSpPr>
+        <p:spPr>
+          <a:xfrm>
+            <a:off x="4638675" y="4753664"/>
+            <a:ext cx="4095750" cy="0"/>
+          </a:xfrm>
+          <a:prstGeom prst="straightConnector1">
+            <a:avLst/>
+          </a:prstGeom>
+          <a:ln>
+            <a:solidFill>
+              <a:srgbClr val="FF0000"/>
+            </a:solidFill>
+            <a:tailEnd type="triangle"/>
+          </a:ln>
+        </p:spPr>
+        <p:style>
+          <a:lnRef idx="3">
+            <a:schemeClr val="accent2"/>
+          </a:lnRef>
+          <a:fillRef idx="0">
+            <a:schemeClr val="accent2"/>
+          </a:fillRef>
+          <a:effectRef idx="2">
+            <a:schemeClr val="accent2"/>
+          </a:effectRef>
+          <a:fontRef idx="minor">
+            <a:schemeClr val="tx1"/>
+          </a:fontRef>
+        </p:style>
+      </p:cxnSp>
+      <p:cxnSp>
+        <p:nvCxnSpPr>
+          <p:cNvPr id="7" name="Connecteur droit avec flèche 6">
+            <a:extLst>
+              <a:ext uri="{FF2B5EF4-FFF2-40B4-BE49-F238E27FC236}">
+                <a16:creationId xmlns:a16="http://schemas.microsoft.com/office/drawing/2014/main" id="{A4B5E324-35C2-4973-ABC5-C25D088495AF}"/>
+              </a:ext>
+            </a:extLst>
+          </p:cNvPr>
+          <p:cNvCxnSpPr>
+            <a:cxnSpLocks/>
+          </p:cNvCxnSpPr>
+          <p:nvPr/>
+        </p:nvCxnSpPr>
+        <p:spPr>
+          <a:xfrm flipV="1">
+            <a:off x="4638675" y="2438400"/>
+            <a:ext cx="0" cy="2315266"/>
+          </a:xfrm>
+          <a:prstGeom prst="straightConnector1">
+            <a:avLst/>
+          </a:prstGeom>
+          <a:ln>
+            <a:solidFill>
+              <a:srgbClr val="00B0F0"/>
+            </a:solidFill>
+            <a:tailEnd type="triangle"/>
+          </a:ln>
+        </p:spPr>
+        <p:style>
+          <a:lnRef idx="3">
+            <a:schemeClr val="dk1"/>
+          </a:lnRef>
+          <a:fillRef idx="0">
+            <a:schemeClr val="dk1"/>
+          </a:fillRef>
+          <a:effectRef idx="2">
+            <a:schemeClr val="dk1"/>
+          </a:effectRef>
+          <a:fontRef idx="minor">
+            <a:schemeClr val="tx1"/>
+          </a:fontRef>
+        </p:style>
+      </p:cxnSp>
+      <p:cxnSp>
+        <p:nvCxnSpPr>
+          <p:cNvPr id="8" name="Connecteur droit 7">
+            <a:extLst>
+              <a:ext uri="{FF2B5EF4-FFF2-40B4-BE49-F238E27FC236}">
+                <a16:creationId xmlns:a16="http://schemas.microsoft.com/office/drawing/2014/main" id="{8504671B-3ABF-4345-A343-8E3D8A89CB74}"/>
+              </a:ext>
+            </a:extLst>
+          </p:cNvPr>
+          <p:cNvCxnSpPr>
+            <a:cxnSpLocks/>
+          </p:cNvCxnSpPr>
+          <p:nvPr/>
+        </p:nvCxnSpPr>
+        <p:spPr>
+          <a:xfrm>
+            <a:off x="4638675" y="4457700"/>
+            <a:ext cx="295275" cy="0"/>
+          </a:xfrm>
+          <a:prstGeom prst="line">
+            <a:avLst/>
+          </a:prstGeom>
+          <a:ln w="9525" cap="flat" cmpd="sng" algn="ctr">
+            <a:solidFill>
+              <a:schemeClr val="dk1"/>
+            </a:solidFill>
+            <a:prstDash val="dash"/>
+            <a:round/>
+            <a:headEnd type="none" w="med" len="med"/>
+            <a:tailEnd type="none" w="med" len="med"/>
+          </a:ln>
+        </p:spPr>
+        <p:style>
+          <a:lnRef idx="0">
+            <a:scrgbClr r="0" g="0" b="0"/>
+          </a:lnRef>
+          <a:fillRef idx="0">
+            <a:scrgbClr r="0" g="0" b="0"/>
+          </a:fillRef>
+          <a:effectRef idx="0">
+            <a:scrgbClr r="0" g="0" b="0"/>
+          </a:effectRef>
+          <a:fontRef idx="minor">
+            <a:schemeClr val="tx1"/>
+          </a:fontRef>
+        </p:style>
+      </p:cxnSp>
+      <p:cxnSp>
+        <p:nvCxnSpPr>
+          <p:cNvPr id="10" name="Connecteur droit 9">
+            <a:extLst>
+              <a:ext uri="{FF2B5EF4-FFF2-40B4-BE49-F238E27FC236}">
+                <a16:creationId xmlns:a16="http://schemas.microsoft.com/office/drawing/2014/main" id="{ED8F2377-06F1-47BE-969D-BBBAA3DF4E12}"/>
+              </a:ext>
+            </a:extLst>
+          </p:cNvPr>
+          <p:cNvCxnSpPr>
+            <a:cxnSpLocks/>
+          </p:cNvCxnSpPr>
+          <p:nvPr/>
+        </p:nvCxnSpPr>
+        <p:spPr>
+          <a:xfrm>
+            <a:off x="4933950" y="4457700"/>
+            <a:ext cx="0" cy="295964"/>
+          </a:xfrm>
+          <a:prstGeom prst="line">
+            <a:avLst/>
+          </a:prstGeom>
+          <a:ln w="9525" cap="flat" cmpd="sng" algn="ctr">
+            <a:solidFill>
+              <a:schemeClr val="dk1"/>
+            </a:solidFill>
+            <a:prstDash val="dash"/>
+            <a:round/>
+            <a:headEnd type="none" w="med" len="med"/>
+            <a:tailEnd type="none" w="med" len="med"/>
+          </a:ln>
+        </p:spPr>
+        <p:style>
+          <a:lnRef idx="0">
+            <a:scrgbClr r="0" g="0" b="0"/>
+          </a:lnRef>
+          <a:fillRef idx="0">
+            <a:scrgbClr r="0" g="0" b="0"/>
+          </a:fillRef>
+          <a:effectRef idx="0">
+            <a:scrgbClr r="0" g="0" b="0"/>
+          </a:effectRef>
+          <a:fontRef idx="minor">
+            <a:schemeClr val="tx1"/>
+          </a:fontRef>
+        </p:style>
+      </p:cxnSp>
+    </p:spTree>
+    <p:extLst>
+      <p:ext uri="{BB962C8B-B14F-4D97-AF65-F5344CB8AC3E}">
+        <p14:creationId xmlns:p14="http://schemas.microsoft.com/office/powerpoint/2010/main" val="2410124136"/>
+      </p:ext>
+    </p:extLst>
+  </p:cSld>
+  <p:clrMapOvr>
+    <a:masterClrMapping/>
+  </p:clrMapOvr>
+</p:sld>
+</file>
+
+<file path=ppt/slides/slide14.xml><?xml version="1.0" encoding="utf-8"?>
+<p:sld xmlns:a="http://schemas.openxmlformats.org/drawingml/2006/main" xmlns:r="http://schemas.openxmlformats.org/officeDocument/2006/relationships" xmlns:p="http://schemas.openxmlformats.org/presentationml/2006/main">
+  <p:cSld>
+    <p:spTree>
+      <p:nvGrpSpPr>
+        <p:cNvPr id="1" name=""/>
+        <p:cNvGrpSpPr/>
+        <p:nvPr/>
+      </p:nvGrpSpPr>
+      <p:grpSpPr>
+        <a:xfrm>
+          <a:off x="0" y="0"/>
+          <a:ext cx="0" cy="0"/>
+          <a:chOff x="0" y="0"/>
+          <a:chExt cx="0" cy="0"/>
+        </a:xfrm>
+      </p:grpSpPr>
+      <p:sp>
+        <p:nvSpPr>
+          <p:cNvPr id="2" name="Titre 1">
+            <a:extLst>
+              <a:ext uri="{FF2B5EF4-FFF2-40B4-BE49-F238E27FC236}">
+                <a16:creationId xmlns:a16="http://schemas.microsoft.com/office/drawing/2014/main" id="{AE66BF5C-AB32-48B1-89CF-28E9CD908DFE}"/>
+              </a:ext>
+            </a:extLst>
+          </p:cNvPr>
+          <p:cNvSpPr>
+            <a:spLocks noGrp="1"/>
+          </p:cNvSpPr>
+          <p:nvPr>
+            <p:ph type="title"/>
+          </p:nvPr>
+        </p:nvSpPr>
+        <p:spPr/>
+        <p:txBody>
+          <a:bodyPr/>
+          <a:lstStyle/>
+          <a:p>
+            <a:r>
+              <a:rPr lang="fr-CA" dirty="0" err="1"/>
+              <a:t>Givens</a:t>
+            </a:r>
+            <a:r>
+              <a:rPr lang="fr-CA" dirty="0"/>
+              <a:t> rotation</a:t>
+            </a:r>
+          </a:p>
+        </p:txBody>
+      </p:sp>
+      <p:sp>
+        <p:nvSpPr>
+          <p:cNvPr id="3" name="Espace réservé du contenu 2">
+            <a:extLst>
+              <a:ext uri="{FF2B5EF4-FFF2-40B4-BE49-F238E27FC236}">
+                <a16:creationId xmlns:a16="http://schemas.microsoft.com/office/drawing/2014/main" id="{C82316EB-9BFA-43E9-8B80-7DDC2D21C30E}"/>
+              </a:ext>
+            </a:extLst>
+          </p:cNvPr>
+          <p:cNvSpPr>
+            <a:spLocks noGrp="1"/>
+          </p:cNvSpPr>
+          <p:nvPr>
+            <p:ph idx="1"/>
+          </p:nvPr>
+        </p:nvSpPr>
+        <p:spPr/>
+        <p:txBody>
+          <a:bodyPr/>
+          <a:lstStyle/>
+          <a:p>
+            <a:endParaRPr lang="fr-CA" dirty="0"/>
+          </a:p>
+        </p:txBody>
+      </p:sp>
+      <p:pic>
+        <p:nvPicPr>
+          <p:cNvPr id="4" name="Image 3">
+            <a:extLst>
+              <a:ext uri="{FF2B5EF4-FFF2-40B4-BE49-F238E27FC236}">
+                <a16:creationId xmlns:a16="http://schemas.microsoft.com/office/drawing/2014/main" id="{F7DEBEF6-B23F-4EB9-B4A8-0396358367D0}"/>
+              </a:ext>
+            </a:extLst>
+          </p:cNvPr>
+          <p:cNvPicPr>
+            <a:picLocks noChangeAspect="1"/>
+          </p:cNvPicPr>
+          <p:nvPr/>
+        </p:nvPicPr>
+        <p:blipFill>
+          <a:blip r:embed="rId2">
+            <a:clrChange>
+              <a:clrFrom>
+                <a:srgbClr val="FFFFFF"/>
+              </a:clrFrom>
+              <a:clrTo>
+                <a:srgbClr val="FFFFFF">
+                  <a:alpha val="0"/>
+                </a:srgbClr>
+              </a:clrTo>
+            </a:clrChange>
+          </a:blip>
+          <a:stretch>
+            <a:fillRect/>
+          </a:stretch>
+        </p:blipFill>
+        <p:spPr>
+          <a:xfrm>
+            <a:off x="1724025" y="2582862"/>
+            <a:ext cx="2571750" cy="2047875"/>
+          </a:xfrm>
+          <a:prstGeom prst="rect">
+            <a:avLst/>
+          </a:prstGeom>
+        </p:spPr>
+      </p:pic>
+    </p:spTree>
+    <p:extLst>
+      <p:ext uri="{BB962C8B-B14F-4D97-AF65-F5344CB8AC3E}">
+        <p14:creationId xmlns:p14="http://schemas.microsoft.com/office/powerpoint/2010/main" val="3537141640"/>
+      </p:ext>
+    </p:extLst>
+  </p:cSld>
+  <p:clrMapOvr>
+    <a:masterClrMapping/>
+  </p:clrMapOvr>
+</p:sld>
+</file>
+
+<file path=ppt/slides/slide15.xml><?xml version="1.0" encoding="utf-8"?>
+<p:sld xmlns:a="http://schemas.openxmlformats.org/drawingml/2006/main" xmlns:r="http://schemas.openxmlformats.org/officeDocument/2006/relationships" xmlns:p="http://schemas.openxmlformats.org/presentationml/2006/main">
+  <p:cSld>
+    <p:spTree>
+      <p:nvGrpSpPr>
+        <p:cNvPr id="1" name=""/>
+        <p:cNvGrpSpPr/>
+        <p:nvPr/>
+      </p:nvGrpSpPr>
+      <p:grpSpPr>
+        <a:xfrm>
+          <a:off x="0" y="0"/>
+          <a:ext cx="0" cy="0"/>
+          <a:chOff x="0" y="0"/>
+          <a:chExt cx="0" cy="0"/>
+        </a:xfrm>
+      </p:grpSpPr>
+      <p:sp>
+        <p:nvSpPr>
+          <p:cNvPr id="2" name="Titre 1">
+            <a:extLst>
+              <a:ext uri="{FF2B5EF4-FFF2-40B4-BE49-F238E27FC236}">
+                <a16:creationId xmlns:a16="http://schemas.microsoft.com/office/drawing/2014/main" id="{AE66BF5C-AB32-48B1-89CF-28E9CD908DFE}"/>
+              </a:ext>
+            </a:extLst>
+          </p:cNvPr>
+          <p:cNvSpPr>
+            <a:spLocks noGrp="1"/>
+          </p:cNvSpPr>
+          <p:nvPr>
+            <p:ph type="title"/>
+          </p:nvPr>
+        </p:nvSpPr>
+        <p:spPr/>
+        <p:txBody>
+          <a:bodyPr/>
+          <a:lstStyle/>
+          <a:p>
+            <a:r>
+              <a:rPr lang="fr-CA" dirty="0" err="1"/>
+              <a:t>Givens</a:t>
+            </a:r>
+            <a:r>
+              <a:rPr lang="fr-CA" dirty="0"/>
+              <a:t> rotation</a:t>
+            </a:r>
+          </a:p>
+        </p:txBody>
+      </p:sp>
+      <p:sp>
+        <p:nvSpPr>
+          <p:cNvPr id="3" name="Espace réservé du contenu 2">
+            <a:extLst>
+              <a:ext uri="{FF2B5EF4-FFF2-40B4-BE49-F238E27FC236}">
+                <a16:creationId xmlns:a16="http://schemas.microsoft.com/office/drawing/2014/main" id="{C82316EB-9BFA-43E9-8B80-7DDC2D21C30E}"/>
+              </a:ext>
+            </a:extLst>
+          </p:cNvPr>
+          <p:cNvSpPr>
+            <a:spLocks noGrp="1"/>
+          </p:cNvSpPr>
+          <p:nvPr>
+            <p:ph idx="1"/>
+          </p:nvPr>
+        </p:nvSpPr>
+        <p:spPr/>
+        <p:txBody>
+          <a:bodyPr/>
+          <a:lstStyle/>
+          <a:p>
+            <a:endParaRPr lang="fr-CA" dirty="0"/>
+          </a:p>
+        </p:txBody>
+      </p:sp>
+      <p:pic>
+        <p:nvPicPr>
+          <p:cNvPr id="4" name="Image 3">
+            <a:extLst>
+              <a:ext uri="{FF2B5EF4-FFF2-40B4-BE49-F238E27FC236}">
+                <a16:creationId xmlns:a16="http://schemas.microsoft.com/office/drawing/2014/main" id="{F7DEBEF6-B23F-4EB9-B4A8-0396358367D0}"/>
+              </a:ext>
+            </a:extLst>
+          </p:cNvPr>
+          <p:cNvPicPr>
+            <a:picLocks noChangeAspect="1"/>
+          </p:cNvPicPr>
+          <p:nvPr/>
+        </p:nvPicPr>
+        <p:blipFill>
+          <a:blip r:embed="rId2">
+            <a:clrChange>
+              <a:clrFrom>
+                <a:srgbClr val="FFFFFF"/>
+              </a:clrFrom>
+              <a:clrTo>
+                <a:srgbClr val="FFFFFF">
+                  <a:alpha val="0"/>
+                </a:srgbClr>
+              </a:clrTo>
+            </a:clrChange>
+          </a:blip>
+          <a:stretch>
+            <a:fillRect/>
+          </a:stretch>
+        </p:blipFill>
+        <p:spPr>
+          <a:xfrm>
+            <a:off x="1716089" y="2570163"/>
+            <a:ext cx="2571750" cy="2047875"/>
+          </a:xfrm>
+          <a:prstGeom prst="rect">
+            <a:avLst/>
+          </a:prstGeom>
+        </p:spPr>
+      </p:pic>
+      <p:sp>
+        <p:nvSpPr>
+          <p:cNvPr id="5" name="Ellipse 4">
+            <a:extLst>
+              <a:ext uri="{FF2B5EF4-FFF2-40B4-BE49-F238E27FC236}">
+                <a16:creationId xmlns:a16="http://schemas.microsoft.com/office/drawing/2014/main" id="{05356090-5634-47E3-BA19-A172D0542463}"/>
+              </a:ext>
+            </a:extLst>
+          </p:cNvPr>
+          <p:cNvSpPr/>
+          <p:nvPr/>
+        </p:nvSpPr>
+        <p:spPr>
+          <a:xfrm>
+            <a:off x="2162108" y="3897045"/>
+            <a:ext cx="481263" cy="462012"/>
+          </a:xfrm>
+          <a:prstGeom prst="ellipse">
+            <a:avLst/>
+          </a:prstGeom>
+          <a:noFill/>
+          <a:ln>
+            <a:solidFill>
+              <a:srgbClr val="FF0000"/>
+            </a:solidFill>
+          </a:ln>
+        </p:spPr>
+        <p:style>
+          <a:lnRef idx="2">
+            <a:schemeClr val="accent6"/>
+          </a:lnRef>
+          <a:fillRef idx="1">
+            <a:schemeClr val="lt1"/>
+          </a:fillRef>
+          <a:effectRef idx="0">
+            <a:schemeClr val="accent6"/>
+          </a:effectRef>
+          <a:fontRef idx="minor">
+            <a:schemeClr val="dk1"/>
+          </a:fontRef>
+        </p:style>
+        <p:txBody>
+          <a:bodyPr rtlCol="0" anchor="ctr"/>
+          <a:lstStyle/>
+          <a:p>
+            <a:pPr algn="ctr"/>
+            <a:endParaRPr lang="fr-CA"/>
+          </a:p>
+        </p:txBody>
+      </p:sp>
+      <p:sp>
+        <p:nvSpPr>
+          <p:cNvPr id="6" name="Ellipse 5">
+            <a:extLst>
+              <a:ext uri="{FF2B5EF4-FFF2-40B4-BE49-F238E27FC236}">
+                <a16:creationId xmlns:a16="http://schemas.microsoft.com/office/drawing/2014/main" id="{3DCD6BCB-4AAE-4556-9F61-106D522003C4}"/>
+              </a:ext>
+            </a:extLst>
+          </p:cNvPr>
+          <p:cNvSpPr/>
+          <p:nvPr/>
+        </p:nvSpPr>
+        <p:spPr>
+          <a:xfrm>
+            <a:off x="2143058" y="2802377"/>
+            <a:ext cx="481263" cy="462012"/>
+          </a:xfrm>
+          <a:prstGeom prst="ellipse">
+            <a:avLst/>
+          </a:prstGeom>
+          <a:noFill/>
+          <a:ln>
+            <a:solidFill>
+              <a:srgbClr val="FF0000"/>
+            </a:solidFill>
+          </a:ln>
+        </p:spPr>
+        <p:style>
+          <a:lnRef idx="2">
+            <a:schemeClr val="accent6"/>
+          </a:lnRef>
+          <a:fillRef idx="1">
+            <a:schemeClr val="lt1"/>
+          </a:fillRef>
+          <a:effectRef idx="0">
+            <a:schemeClr val="accent6"/>
+          </a:effectRef>
+          <a:fontRef idx="minor">
+            <a:schemeClr val="dk1"/>
+          </a:fontRef>
+        </p:style>
+        <p:txBody>
+          <a:bodyPr rtlCol="0" anchor="ctr"/>
+          <a:lstStyle/>
+          <a:p>
+            <a:pPr algn="ctr"/>
+            <a:endParaRPr lang="fr-CA"/>
+          </a:p>
+        </p:txBody>
+      </p:sp>
+    </p:spTree>
+    <p:extLst>
+      <p:ext uri="{BB962C8B-B14F-4D97-AF65-F5344CB8AC3E}">
+        <p14:creationId xmlns:p14="http://schemas.microsoft.com/office/powerpoint/2010/main" val="2007274984"/>
+      </p:ext>
+    </p:extLst>
+  </p:cSld>
+  <p:clrMapOvr>
+    <a:masterClrMapping/>
+  </p:clrMapOvr>
+</p:sld>
+</file>
+
+<file path=ppt/slides/slide16.xml><?xml version="1.0" encoding="utf-8"?>
+<p:sld xmlns:a="http://schemas.openxmlformats.org/drawingml/2006/main" xmlns:r="http://schemas.openxmlformats.org/officeDocument/2006/relationships" xmlns:p="http://schemas.openxmlformats.org/presentationml/2006/main">
+  <p:cSld>
+    <p:spTree>
+      <p:nvGrpSpPr>
+        <p:cNvPr id="1" name=""/>
+        <p:cNvGrpSpPr/>
+        <p:nvPr/>
+      </p:nvGrpSpPr>
+      <p:grpSpPr>
+        <a:xfrm>
+          <a:off x="0" y="0"/>
+          <a:ext cx="0" cy="0"/>
+          <a:chOff x="0" y="0"/>
+          <a:chExt cx="0" cy="0"/>
+        </a:xfrm>
+      </p:grpSpPr>
+      <p:sp>
+        <p:nvSpPr>
+          <p:cNvPr id="2" name="Titre 1">
+            <a:extLst>
+              <a:ext uri="{FF2B5EF4-FFF2-40B4-BE49-F238E27FC236}">
+                <a16:creationId xmlns:a16="http://schemas.microsoft.com/office/drawing/2014/main" id="{AE66BF5C-AB32-48B1-89CF-28E9CD908DFE}"/>
+              </a:ext>
+            </a:extLst>
+          </p:cNvPr>
+          <p:cNvSpPr>
+            <a:spLocks noGrp="1"/>
+          </p:cNvSpPr>
+          <p:nvPr>
+            <p:ph type="title"/>
+          </p:nvPr>
+        </p:nvSpPr>
+        <p:spPr/>
+        <p:txBody>
+          <a:bodyPr/>
+          <a:lstStyle/>
+          <a:p>
+            <a:r>
+              <a:rPr lang="fr-CA" dirty="0" err="1"/>
+              <a:t>Givens</a:t>
+            </a:r>
+            <a:r>
+              <a:rPr lang="fr-CA" dirty="0"/>
+              <a:t> rotation</a:t>
+            </a:r>
+          </a:p>
+        </p:txBody>
+      </p:sp>
+      <p:pic>
+        <p:nvPicPr>
+          <p:cNvPr id="4" name="Image 3">
+            <a:extLst>
+              <a:ext uri="{FF2B5EF4-FFF2-40B4-BE49-F238E27FC236}">
+                <a16:creationId xmlns:a16="http://schemas.microsoft.com/office/drawing/2014/main" id="{F7DEBEF6-B23F-4EB9-B4A8-0396358367D0}"/>
+              </a:ext>
+            </a:extLst>
+          </p:cNvPr>
+          <p:cNvPicPr>
+            <a:picLocks noChangeAspect="1"/>
+          </p:cNvPicPr>
+          <p:nvPr/>
+        </p:nvPicPr>
+        <p:blipFill>
+          <a:blip r:embed="rId2">
+            <a:clrChange>
+              <a:clrFrom>
+                <a:srgbClr val="FFFFFF"/>
+              </a:clrFrom>
+              <a:clrTo>
+                <a:srgbClr val="FFFFFF">
+                  <a:alpha val="0"/>
+                </a:srgbClr>
+              </a:clrTo>
+            </a:clrChange>
+          </a:blip>
+          <a:stretch>
+            <a:fillRect/>
+          </a:stretch>
+        </p:blipFill>
+        <p:spPr>
+          <a:xfrm>
+            <a:off x="1716089" y="2570163"/>
+            <a:ext cx="2571750" cy="2047875"/>
+          </a:xfrm>
+          <a:prstGeom prst="rect">
+            <a:avLst/>
+          </a:prstGeom>
+        </p:spPr>
+      </p:pic>
+      <p:sp>
+        <p:nvSpPr>
+          <p:cNvPr id="5" name="Ellipse 4">
+            <a:extLst>
+              <a:ext uri="{FF2B5EF4-FFF2-40B4-BE49-F238E27FC236}">
+                <a16:creationId xmlns:a16="http://schemas.microsoft.com/office/drawing/2014/main" id="{05356090-5634-47E3-BA19-A172D0542463}"/>
+              </a:ext>
+            </a:extLst>
+          </p:cNvPr>
+          <p:cNvSpPr/>
+          <p:nvPr/>
+        </p:nvSpPr>
+        <p:spPr>
+          <a:xfrm>
+            <a:off x="2162108" y="3897045"/>
+            <a:ext cx="481263" cy="462012"/>
+          </a:xfrm>
+          <a:prstGeom prst="ellipse">
+            <a:avLst/>
+          </a:prstGeom>
+          <a:noFill/>
+          <a:ln>
+            <a:solidFill>
+              <a:srgbClr val="FF0000"/>
+            </a:solidFill>
+          </a:ln>
+        </p:spPr>
+        <p:style>
+          <a:lnRef idx="2">
+            <a:schemeClr val="accent6"/>
+          </a:lnRef>
+          <a:fillRef idx="1">
+            <a:schemeClr val="lt1"/>
+          </a:fillRef>
+          <a:effectRef idx="0">
+            <a:schemeClr val="accent6"/>
+          </a:effectRef>
+          <a:fontRef idx="minor">
+            <a:schemeClr val="dk1"/>
+          </a:fontRef>
+        </p:style>
+        <p:txBody>
+          <a:bodyPr rtlCol="0" anchor="ctr"/>
+          <a:lstStyle/>
+          <a:p>
+            <a:pPr algn="ctr"/>
+            <a:endParaRPr lang="fr-CA"/>
+          </a:p>
+        </p:txBody>
+      </p:sp>
+      <p:sp>
+        <p:nvSpPr>
+          <p:cNvPr id="6" name="Ellipse 5">
+            <a:extLst>
+              <a:ext uri="{FF2B5EF4-FFF2-40B4-BE49-F238E27FC236}">
+                <a16:creationId xmlns:a16="http://schemas.microsoft.com/office/drawing/2014/main" id="{3DCD6BCB-4AAE-4556-9F61-106D522003C4}"/>
+              </a:ext>
+            </a:extLst>
+          </p:cNvPr>
+          <p:cNvSpPr/>
+          <p:nvPr/>
+        </p:nvSpPr>
+        <p:spPr>
+          <a:xfrm>
+            <a:off x="2143058" y="2802377"/>
+            <a:ext cx="481263" cy="462012"/>
+          </a:xfrm>
+          <a:prstGeom prst="ellipse">
+            <a:avLst/>
+          </a:prstGeom>
+          <a:noFill/>
+          <a:ln>
+            <a:solidFill>
+              <a:srgbClr val="FF0000"/>
+            </a:solidFill>
+          </a:ln>
+        </p:spPr>
+        <p:style>
+          <a:lnRef idx="2">
+            <a:schemeClr val="accent6"/>
+          </a:lnRef>
+          <a:fillRef idx="1">
+            <a:schemeClr val="lt1"/>
+          </a:fillRef>
+          <a:effectRef idx="0">
+            <a:schemeClr val="accent6"/>
+          </a:effectRef>
+          <a:fontRef idx="minor">
+            <a:schemeClr val="dk1"/>
+          </a:fontRef>
+        </p:style>
+        <p:txBody>
+          <a:bodyPr rtlCol="0" anchor="ctr"/>
+          <a:lstStyle/>
+          <a:p>
+            <a:pPr algn="ctr"/>
+            <a:endParaRPr lang="fr-CA"/>
+          </a:p>
+        </p:txBody>
+      </p:sp>
+      <p:cxnSp>
+        <p:nvCxnSpPr>
+          <p:cNvPr id="8" name="Connecteur droit avec flèche 7">
+            <a:extLst>
+              <a:ext uri="{FF2B5EF4-FFF2-40B4-BE49-F238E27FC236}">
+                <a16:creationId xmlns:a16="http://schemas.microsoft.com/office/drawing/2014/main" id="{CD10BEEF-496E-4701-A944-C37E6D8CE536}"/>
+              </a:ext>
+            </a:extLst>
+          </p:cNvPr>
+          <p:cNvCxnSpPr/>
+          <p:nvPr/>
+        </p:nvCxnSpPr>
+        <p:spPr>
+          <a:xfrm flipV="1">
+            <a:off x="5588000" y="2885440"/>
+            <a:ext cx="1473200" cy="1011605"/>
+          </a:xfrm>
+          <a:prstGeom prst="straightConnector1">
+            <a:avLst/>
+          </a:prstGeom>
+          <a:ln>
+            <a:solidFill>
+              <a:srgbClr val="00B0F0"/>
+            </a:solidFill>
+            <a:tailEnd type="triangle"/>
+          </a:ln>
+        </p:spPr>
+        <p:style>
+          <a:lnRef idx="3">
+            <a:schemeClr val="dk1"/>
+          </a:lnRef>
+          <a:fillRef idx="0">
+            <a:schemeClr val="dk1"/>
+          </a:fillRef>
+          <a:effectRef idx="2">
+            <a:schemeClr val="dk1"/>
+          </a:effectRef>
+          <a:fontRef idx="minor">
+            <a:schemeClr val="tx1"/>
+          </a:fontRef>
+        </p:style>
+      </p:cxnSp>
+      <p:cxnSp>
+        <p:nvCxnSpPr>
+          <p:cNvPr id="10" name="Connecteur droit 9">
+            <a:extLst>
+              <a:ext uri="{FF2B5EF4-FFF2-40B4-BE49-F238E27FC236}">
+                <a16:creationId xmlns:a16="http://schemas.microsoft.com/office/drawing/2014/main" id="{32EA10F9-668B-46D2-8D83-F7D499C922DA}"/>
+              </a:ext>
+            </a:extLst>
+          </p:cNvPr>
+          <p:cNvCxnSpPr>
+            <a:cxnSpLocks/>
+          </p:cNvCxnSpPr>
+          <p:nvPr/>
+        </p:nvCxnSpPr>
+        <p:spPr>
+          <a:xfrm>
+            <a:off x="5588000" y="3897045"/>
+            <a:ext cx="1452880" cy="0"/>
+          </a:xfrm>
+          <a:prstGeom prst="line">
+            <a:avLst/>
+          </a:prstGeom>
+          <a:ln w="9525" cap="flat" cmpd="sng" algn="ctr">
+            <a:solidFill>
+              <a:schemeClr val="dk1"/>
+            </a:solidFill>
+            <a:prstDash val="dash"/>
+            <a:round/>
+            <a:headEnd type="none" w="med" len="med"/>
+            <a:tailEnd type="none" w="med" len="med"/>
+          </a:ln>
+        </p:spPr>
+        <p:style>
+          <a:lnRef idx="0">
+            <a:scrgbClr r="0" g="0" b="0"/>
+          </a:lnRef>
+          <a:fillRef idx="0">
+            <a:scrgbClr r="0" g="0" b="0"/>
+          </a:fillRef>
+          <a:effectRef idx="0">
+            <a:scrgbClr r="0" g="0" b="0"/>
+          </a:effectRef>
+          <a:fontRef idx="minor">
+            <a:schemeClr val="tx1"/>
+          </a:fontRef>
+        </p:style>
+      </p:cxnSp>
+      <p:cxnSp>
+        <p:nvCxnSpPr>
+          <p:cNvPr id="11" name="Connecteur droit 10">
+            <a:extLst>
+              <a:ext uri="{FF2B5EF4-FFF2-40B4-BE49-F238E27FC236}">
+                <a16:creationId xmlns:a16="http://schemas.microsoft.com/office/drawing/2014/main" id="{FACDA191-1D22-4D25-8375-758DA53060B2}"/>
+              </a:ext>
+            </a:extLst>
+          </p:cNvPr>
+          <p:cNvCxnSpPr>
+            <a:cxnSpLocks/>
+          </p:cNvCxnSpPr>
+          <p:nvPr/>
+        </p:nvCxnSpPr>
+        <p:spPr>
+          <a:xfrm flipV="1">
+            <a:off x="7040880" y="2885441"/>
+            <a:ext cx="0" cy="1011604"/>
+          </a:xfrm>
+          <a:prstGeom prst="line">
+            <a:avLst/>
+          </a:prstGeom>
+          <a:ln w="9525" cap="flat" cmpd="sng" algn="ctr">
+            <a:solidFill>
+              <a:schemeClr val="dk1"/>
+            </a:solidFill>
+            <a:prstDash val="dash"/>
+            <a:round/>
+            <a:headEnd type="none" w="med" len="med"/>
+            <a:tailEnd type="none" w="med" len="med"/>
+          </a:ln>
+        </p:spPr>
+        <p:style>
+          <a:lnRef idx="0">
+            <a:scrgbClr r="0" g="0" b="0"/>
+          </a:lnRef>
+          <a:fillRef idx="0">
+            <a:scrgbClr r="0" g="0" b="0"/>
+          </a:fillRef>
+          <a:effectRef idx="0">
+            <a:scrgbClr r="0" g="0" b="0"/>
+          </a:effectRef>
+          <a:fontRef idx="minor">
+            <a:schemeClr val="tx1"/>
+          </a:fontRef>
+        </p:style>
+      </p:cxnSp>
+      <p:sp>
+        <p:nvSpPr>
+          <p:cNvPr id="15" name="ZoneTexte 14">
+            <a:extLst>
+              <a:ext uri="{FF2B5EF4-FFF2-40B4-BE49-F238E27FC236}">
+                <a16:creationId xmlns:a16="http://schemas.microsoft.com/office/drawing/2014/main" id="{786EA051-E41A-4505-8E20-B9BA5592EDDE}"/>
+              </a:ext>
+            </a:extLst>
+          </p:cNvPr>
+          <p:cNvSpPr txBox="1"/>
+          <p:nvPr/>
+        </p:nvSpPr>
+        <p:spPr>
+          <a:xfrm>
+            <a:off x="6207760" y="3843266"/>
+            <a:ext cx="914400" cy="369332"/>
+          </a:xfrm>
+          <a:prstGeom prst="rect">
+            <a:avLst/>
+          </a:prstGeom>
+          <a:noFill/>
+        </p:spPr>
+        <p:txBody>
+          <a:bodyPr wrap="square" rtlCol="0">
+            <a:spAutoFit/>
+          </a:bodyPr>
+          <a:lstStyle/>
+          <a:p>
+            <a:r>
+              <a:rPr lang="fr-CA" dirty="0"/>
+              <a:t>4</a:t>
+            </a:r>
+          </a:p>
+        </p:txBody>
+      </p:sp>
+      <p:sp>
+        <p:nvSpPr>
+          <p:cNvPr id="16" name="ZoneTexte 15">
+            <a:extLst>
+              <a:ext uri="{FF2B5EF4-FFF2-40B4-BE49-F238E27FC236}">
+                <a16:creationId xmlns:a16="http://schemas.microsoft.com/office/drawing/2014/main" id="{0FE27A8B-813C-462B-936E-40EEB4BC8275}"/>
+              </a:ext>
+            </a:extLst>
+          </p:cNvPr>
+          <p:cNvSpPr txBox="1"/>
+          <p:nvPr/>
+        </p:nvSpPr>
+        <p:spPr>
+          <a:xfrm>
+            <a:off x="6009481" y="3527714"/>
+            <a:ext cx="914400" cy="369332"/>
+          </a:xfrm>
+          <a:prstGeom prst="rect">
+            <a:avLst/>
+          </a:prstGeom>
+          <a:noFill/>
+        </p:spPr>
+        <p:txBody>
+          <a:bodyPr wrap="square" rtlCol="0">
+            <a:spAutoFit/>
+          </a:bodyPr>
+          <a:lstStyle/>
+          <a:p>
+            <a:r>
+              <a:rPr lang="el-GR" dirty="0">
+                <a:latin typeface="Calibri" panose="020F0502020204030204" pitchFamily="34" charset="0"/>
+                <a:cs typeface="Calibri" panose="020F0502020204030204" pitchFamily="34" charset="0"/>
+              </a:rPr>
+              <a:t>ϴ</a:t>
+            </a:r>
+            <a:endParaRPr lang="fr-CA" dirty="0"/>
+          </a:p>
+        </p:txBody>
+      </p:sp>
+      <p:sp>
+        <p:nvSpPr>
+          <p:cNvPr id="17" name="ZoneTexte 16">
+            <a:extLst>
+              <a:ext uri="{FF2B5EF4-FFF2-40B4-BE49-F238E27FC236}">
+                <a16:creationId xmlns:a16="http://schemas.microsoft.com/office/drawing/2014/main" id="{C690E83A-FFDC-49AA-8AE1-851B5B589577}"/>
+              </a:ext>
+            </a:extLst>
+          </p:cNvPr>
+          <p:cNvSpPr txBox="1"/>
+          <p:nvPr/>
+        </p:nvSpPr>
+        <p:spPr>
+          <a:xfrm>
+            <a:off x="7025481" y="3201497"/>
+            <a:ext cx="914400" cy="369332"/>
+          </a:xfrm>
+          <a:prstGeom prst="rect">
+            <a:avLst/>
+          </a:prstGeom>
+          <a:noFill/>
+        </p:spPr>
+        <p:txBody>
+          <a:bodyPr wrap="square" rtlCol="0">
+            <a:spAutoFit/>
+          </a:bodyPr>
+          <a:lstStyle/>
+          <a:p>
+            <a:r>
+              <a:rPr lang="fr-CA" dirty="0"/>
+              <a:t>3</a:t>
+            </a:r>
+          </a:p>
+        </p:txBody>
+      </p:sp>
+      <p:sp>
+        <p:nvSpPr>
+          <p:cNvPr id="18" name="Arc 17">
+            <a:extLst>
+              <a:ext uri="{FF2B5EF4-FFF2-40B4-BE49-F238E27FC236}">
+                <a16:creationId xmlns:a16="http://schemas.microsoft.com/office/drawing/2014/main" id="{387B7585-47B1-4797-80F8-84F12D8A2C24}"/>
+              </a:ext>
+            </a:extLst>
+          </p:cNvPr>
+          <p:cNvSpPr/>
+          <p:nvPr/>
+        </p:nvSpPr>
+        <p:spPr>
+          <a:xfrm rot="1099289">
+            <a:off x="5727700" y="3658600"/>
+            <a:ext cx="340360" cy="369332"/>
+          </a:xfrm>
+          <a:prstGeom prst="arc">
+            <a:avLst/>
+          </a:prstGeom>
+        </p:spPr>
+        <p:style>
+          <a:lnRef idx="1">
+            <a:schemeClr val="dk1"/>
+          </a:lnRef>
+          <a:fillRef idx="0">
+            <a:schemeClr val="dk1"/>
+          </a:fillRef>
+          <a:effectRef idx="0">
+            <a:schemeClr val="dk1"/>
+          </a:effectRef>
+          <a:fontRef idx="minor">
+            <a:schemeClr val="tx1"/>
+          </a:fontRef>
+        </p:style>
+        <p:txBody>
+          <a:bodyPr rtlCol="0" anchor="ctr"/>
+          <a:lstStyle/>
+          <a:p>
+            <a:pPr algn="ctr"/>
+            <a:endParaRPr lang="fr-CA"/>
+          </a:p>
+        </p:txBody>
+      </p:sp>
+    </p:spTree>
+    <p:extLst>
+      <p:ext uri="{BB962C8B-B14F-4D97-AF65-F5344CB8AC3E}">
+        <p14:creationId xmlns:p14="http://schemas.microsoft.com/office/powerpoint/2010/main" val="1268242944"/>
+      </p:ext>
+    </p:extLst>
+  </p:cSld>
+  <p:clrMapOvr>
+    <a:masterClrMapping/>
+  </p:clrMapOvr>
+</p:sld>
+</file>
+
+<file path=ppt/slides/slide17.xml><?xml version="1.0" encoding="utf-8"?>
+<p:sld xmlns:a="http://schemas.openxmlformats.org/drawingml/2006/main" xmlns:r="http://schemas.openxmlformats.org/officeDocument/2006/relationships" xmlns:p="http://schemas.openxmlformats.org/presentationml/2006/main">
+  <p:cSld>
+    <p:spTree>
+      <p:nvGrpSpPr>
+        <p:cNvPr id="1" name=""/>
+        <p:cNvGrpSpPr/>
+        <p:nvPr/>
+      </p:nvGrpSpPr>
+      <p:grpSpPr>
+        <a:xfrm>
+          <a:off x="0" y="0"/>
+          <a:ext cx="0" cy="0"/>
+          <a:chOff x="0" y="0"/>
+          <a:chExt cx="0" cy="0"/>
+        </a:xfrm>
+      </p:grpSpPr>
+      <p:sp>
+        <p:nvSpPr>
+          <p:cNvPr id="2" name="Titre 1">
+            <a:extLst>
+              <a:ext uri="{FF2B5EF4-FFF2-40B4-BE49-F238E27FC236}">
+                <a16:creationId xmlns:a16="http://schemas.microsoft.com/office/drawing/2014/main" id="{AE66BF5C-AB32-48B1-89CF-28E9CD908DFE}"/>
+              </a:ext>
+            </a:extLst>
+          </p:cNvPr>
+          <p:cNvSpPr>
+            <a:spLocks noGrp="1"/>
+          </p:cNvSpPr>
+          <p:nvPr>
+            <p:ph type="title"/>
+          </p:nvPr>
+        </p:nvSpPr>
+        <p:spPr/>
+        <p:txBody>
+          <a:bodyPr/>
+          <a:lstStyle/>
+          <a:p>
+            <a:r>
+              <a:rPr lang="fr-CA" dirty="0" err="1"/>
+              <a:t>Givens</a:t>
+            </a:r>
+            <a:r>
+              <a:rPr lang="fr-CA" dirty="0"/>
+              <a:t> rotation</a:t>
+            </a:r>
+          </a:p>
+        </p:txBody>
+      </p:sp>
+      <p:pic>
+        <p:nvPicPr>
+          <p:cNvPr id="4" name="Image 3">
+            <a:extLst>
+              <a:ext uri="{FF2B5EF4-FFF2-40B4-BE49-F238E27FC236}">
+                <a16:creationId xmlns:a16="http://schemas.microsoft.com/office/drawing/2014/main" id="{F7DEBEF6-B23F-4EB9-B4A8-0396358367D0}"/>
+              </a:ext>
+            </a:extLst>
+          </p:cNvPr>
+          <p:cNvPicPr>
+            <a:picLocks noChangeAspect="1"/>
+          </p:cNvPicPr>
+          <p:nvPr/>
+        </p:nvPicPr>
+        <p:blipFill>
+          <a:blip r:embed="rId2">
+            <a:clrChange>
+              <a:clrFrom>
+                <a:srgbClr val="FFFFFF"/>
+              </a:clrFrom>
+              <a:clrTo>
+                <a:srgbClr val="FFFFFF">
+                  <a:alpha val="0"/>
+                </a:srgbClr>
+              </a:clrTo>
+            </a:clrChange>
+          </a:blip>
+          <a:stretch>
+            <a:fillRect/>
+          </a:stretch>
+        </p:blipFill>
+        <p:spPr>
+          <a:xfrm>
+            <a:off x="1716089" y="2570163"/>
+            <a:ext cx="2571750" cy="2047875"/>
+          </a:xfrm>
+          <a:prstGeom prst="rect">
+            <a:avLst/>
+          </a:prstGeom>
+        </p:spPr>
+      </p:pic>
+      <p:sp>
+        <p:nvSpPr>
+          <p:cNvPr id="5" name="Ellipse 4">
+            <a:extLst>
+              <a:ext uri="{FF2B5EF4-FFF2-40B4-BE49-F238E27FC236}">
+                <a16:creationId xmlns:a16="http://schemas.microsoft.com/office/drawing/2014/main" id="{05356090-5634-47E3-BA19-A172D0542463}"/>
+              </a:ext>
+            </a:extLst>
+          </p:cNvPr>
+          <p:cNvSpPr/>
+          <p:nvPr/>
+        </p:nvSpPr>
+        <p:spPr>
+          <a:xfrm>
+            <a:off x="2162108" y="3897045"/>
+            <a:ext cx="481263" cy="462012"/>
+          </a:xfrm>
+          <a:prstGeom prst="ellipse">
+            <a:avLst/>
+          </a:prstGeom>
+          <a:noFill/>
+          <a:ln>
+            <a:solidFill>
+              <a:srgbClr val="FF0000"/>
+            </a:solidFill>
+          </a:ln>
+        </p:spPr>
+        <p:style>
+          <a:lnRef idx="2">
+            <a:schemeClr val="accent6"/>
+          </a:lnRef>
+          <a:fillRef idx="1">
+            <a:schemeClr val="lt1"/>
+          </a:fillRef>
+          <a:effectRef idx="0">
+            <a:schemeClr val="accent6"/>
+          </a:effectRef>
+          <a:fontRef idx="minor">
+            <a:schemeClr val="dk1"/>
+          </a:fontRef>
+        </p:style>
+        <p:txBody>
+          <a:bodyPr rtlCol="0" anchor="ctr"/>
+          <a:lstStyle/>
+          <a:p>
+            <a:pPr algn="ctr"/>
+            <a:endParaRPr lang="fr-CA"/>
+          </a:p>
+        </p:txBody>
+      </p:sp>
+      <p:sp>
+        <p:nvSpPr>
+          <p:cNvPr id="6" name="Ellipse 5">
+            <a:extLst>
+              <a:ext uri="{FF2B5EF4-FFF2-40B4-BE49-F238E27FC236}">
+                <a16:creationId xmlns:a16="http://schemas.microsoft.com/office/drawing/2014/main" id="{3DCD6BCB-4AAE-4556-9F61-106D522003C4}"/>
+              </a:ext>
+            </a:extLst>
+          </p:cNvPr>
+          <p:cNvSpPr/>
+          <p:nvPr/>
+        </p:nvSpPr>
+        <p:spPr>
+          <a:xfrm>
+            <a:off x="2143058" y="2802377"/>
+            <a:ext cx="481263" cy="462012"/>
+          </a:xfrm>
+          <a:prstGeom prst="ellipse">
+            <a:avLst/>
+          </a:prstGeom>
+          <a:noFill/>
+          <a:ln>
+            <a:solidFill>
+              <a:srgbClr val="FF0000"/>
+            </a:solidFill>
+          </a:ln>
+        </p:spPr>
+        <p:style>
+          <a:lnRef idx="2">
+            <a:schemeClr val="accent6"/>
+          </a:lnRef>
+          <a:fillRef idx="1">
+            <a:schemeClr val="lt1"/>
+          </a:fillRef>
+          <a:effectRef idx="0">
+            <a:schemeClr val="accent6"/>
+          </a:effectRef>
+          <a:fontRef idx="minor">
+            <a:schemeClr val="dk1"/>
+          </a:fontRef>
+        </p:style>
+        <p:txBody>
+          <a:bodyPr rtlCol="0" anchor="ctr"/>
+          <a:lstStyle/>
+          <a:p>
+            <a:pPr algn="ctr"/>
+            <a:endParaRPr lang="fr-CA"/>
+          </a:p>
+        </p:txBody>
+      </p:sp>
+      <p:cxnSp>
+        <p:nvCxnSpPr>
+          <p:cNvPr id="8" name="Connecteur droit avec flèche 7">
+            <a:extLst>
+              <a:ext uri="{FF2B5EF4-FFF2-40B4-BE49-F238E27FC236}">
+                <a16:creationId xmlns:a16="http://schemas.microsoft.com/office/drawing/2014/main" id="{CD10BEEF-496E-4701-A944-C37E6D8CE536}"/>
+              </a:ext>
+            </a:extLst>
+          </p:cNvPr>
+          <p:cNvCxnSpPr>
+            <a:cxnSpLocks/>
+          </p:cNvCxnSpPr>
+          <p:nvPr/>
+        </p:nvCxnSpPr>
+        <p:spPr>
+          <a:xfrm flipV="1">
+            <a:off x="5588000" y="3897045"/>
+            <a:ext cx="1917700" cy="1"/>
+          </a:xfrm>
+          <a:prstGeom prst="straightConnector1">
+            <a:avLst/>
+          </a:prstGeom>
+          <a:ln>
+            <a:solidFill>
+              <a:srgbClr val="00B0F0"/>
+            </a:solidFill>
+            <a:tailEnd type="triangle"/>
+          </a:ln>
+        </p:spPr>
+        <p:style>
+          <a:lnRef idx="3">
+            <a:schemeClr val="dk1"/>
+          </a:lnRef>
+          <a:fillRef idx="0">
+            <a:schemeClr val="dk1"/>
+          </a:fillRef>
+          <a:effectRef idx="2">
+            <a:schemeClr val="dk1"/>
+          </a:effectRef>
+          <a:fontRef idx="minor">
+            <a:schemeClr val="tx1"/>
+          </a:fontRef>
+        </p:style>
+      </p:cxnSp>
+      <p:sp>
+        <p:nvSpPr>
+          <p:cNvPr id="15" name="ZoneTexte 14">
+            <a:extLst>
+              <a:ext uri="{FF2B5EF4-FFF2-40B4-BE49-F238E27FC236}">
+                <a16:creationId xmlns:a16="http://schemas.microsoft.com/office/drawing/2014/main" id="{786EA051-E41A-4505-8E20-B9BA5592EDDE}"/>
+              </a:ext>
+            </a:extLst>
+          </p:cNvPr>
+          <p:cNvSpPr txBox="1"/>
+          <p:nvPr/>
+        </p:nvSpPr>
+        <p:spPr>
+          <a:xfrm>
+            <a:off x="6417310" y="3900771"/>
+            <a:ext cx="914400" cy="369332"/>
+          </a:xfrm>
+          <a:prstGeom prst="rect">
+            <a:avLst/>
+          </a:prstGeom>
+          <a:noFill/>
+        </p:spPr>
+        <p:txBody>
+          <a:bodyPr wrap="square" rtlCol="0">
+            <a:spAutoFit/>
+          </a:bodyPr>
+          <a:lstStyle/>
+          <a:p>
+            <a:r>
+              <a:rPr lang="fr-CA" dirty="0"/>
+              <a:t>5</a:t>
+            </a:r>
+          </a:p>
+        </p:txBody>
+      </p:sp>
+    </p:spTree>
+    <p:extLst>
+      <p:ext uri="{BB962C8B-B14F-4D97-AF65-F5344CB8AC3E}">
+        <p14:creationId xmlns:p14="http://schemas.microsoft.com/office/powerpoint/2010/main" val="2854138290"/>
+      </p:ext>
+    </p:extLst>
+  </p:cSld>
+  <p:clrMapOvr>
+    <a:masterClrMapping/>
+  </p:clrMapOvr>
+</p:sld>
+</file>
+
+<file path=ppt/slides/slide18.xml><?xml version="1.0" encoding="utf-8"?>
+<p:sld xmlns:a="http://schemas.openxmlformats.org/drawingml/2006/main" xmlns:r="http://schemas.openxmlformats.org/officeDocument/2006/relationships" xmlns:p="http://schemas.openxmlformats.org/presentationml/2006/main">
+  <p:cSld>
+    <p:spTree>
+      <p:nvGrpSpPr>
+        <p:cNvPr id="1" name=""/>
+        <p:cNvGrpSpPr/>
+        <p:nvPr/>
+      </p:nvGrpSpPr>
+      <p:grpSpPr>
+        <a:xfrm>
+          <a:off x="0" y="0"/>
+          <a:ext cx="0" cy="0"/>
+          <a:chOff x="0" y="0"/>
+          <a:chExt cx="0" cy="0"/>
+        </a:xfrm>
+      </p:grpSpPr>
+      <p:sp>
+        <p:nvSpPr>
+          <p:cNvPr id="2" name="Titre 1">
+            <a:extLst>
+              <a:ext uri="{FF2B5EF4-FFF2-40B4-BE49-F238E27FC236}">
+                <a16:creationId xmlns:a16="http://schemas.microsoft.com/office/drawing/2014/main" id="{42734EF5-0052-43BE-9824-A13878B90F1F}"/>
+              </a:ext>
+            </a:extLst>
+          </p:cNvPr>
+          <p:cNvSpPr>
+            <a:spLocks noGrp="1"/>
+          </p:cNvSpPr>
+          <p:nvPr>
+            <p:ph type="title"/>
+          </p:nvPr>
+        </p:nvSpPr>
+        <p:spPr/>
+        <p:txBody>
+          <a:bodyPr/>
+          <a:lstStyle/>
+          <a:p>
+            <a:endParaRPr lang="fr-CA"/>
+          </a:p>
+        </p:txBody>
+      </p:sp>
+      <p:pic>
+        <p:nvPicPr>
+          <p:cNvPr id="5" name="Espace réservé du contenu 4" descr="Une image contenant capture d’écran&#10;&#10;Description générée automatiquement">
+            <a:extLst>
+              <a:ext uri="{FF2B5EF4-FFF2-40B4-BE49-F238E27FC236}">
+                <a16:creationId xmlns:a16="http://schemas.microsoft.com/office/drawing/2014/main" id="{96765797-F901-483F-9638-B2E77ABA9C93}"/>
+              </a:ext>
+            </a:extLst>
+          </p:cNvPr>
+          <p:cNvPicPr>
+            <a:picLocks noGrp="1" noChangeAspect="1"/>
+          </p:cNvPicPr>
+          <p:nvPr>
+            <p:ph idx="1"/>
+          </p:nvPr>
+        </p:nvPicPr>
+        <p:blipFill>
+          <a:blip r:embed="rId2">
+            <a:extLst>
+              <a:ext uri="{28A0092B-C50C-407E-A947-70E740481C1C}">
+                <a14:useLocalDpi xmlns:a14="http://schemas.microsoft.com/office/drawing/2010/main" val="0"/>
+              </a:ext>
+            </a:extLst>
+          </a:blip>
+          <a:stretch>
+            <a:fillRect/>
+          </a:stretch>
+        </p:blipFill>
+        <p:spPr>
+          <a:xfrm>
+            <a:off x="420617" y="406399"/>
+            <a:ext cx="11371334" cy="6054361"/>
+          </a:xfrm>
+        </p:spPr>
+      </p:pic>
+    </p:spTree>
+    <p:extLst>
+      <p:ext uri="{BB962C8B-B14F-4D97-AF65-F5344CB8AC3E}">
+        <p14:creationId xmlns:p14="http://schemas.microsoft.com/office/powerpoint/2010/main" val="615439262"/>
+      </p:ext>
+    </p:extLst>
+  </p:cSld>
+  <p:clrMapOvr>
+    <a:masterClrMapping/>
+  </p:clrMapOvr>
+</p:sld>
+</file>
+
+<file path=ppt/slides/slide19.xml><?xml version="1.0" encoding="utf-8"?>
+<p:sld xmlns:a="http://schemas.openxmlformats.org/drawingml/2006/main" xmlns:r="http://schemas.openxmlformats.org/officeDocument/2006/relationships" xmlns:p="http://schemas.openxmlformats.org/presentationml/2006/main">
+  <p:cSld>
+    <p:spTree>
+      <p:nvGrpSpPr>
+        <p:cNvPr id="1" name=""/>
+        <p:cNvGrpSpPr/>
+        <p:nvPr/>
+      </p:nvGrpSpPr>
+      <p:grpSpPr>
+        <a:xfrm>
+          <a:off x="0" y="0"/>
+          <a:ext cx="0" cy="0"/>
+          <a:chOff x="0" y="0"/>
+          <a:chExt cx="0" cy="0"/>
+        </a:xfrm>
+      </p:grpSpPr>
+      <p:sp>
+        <p:nvSpPr>
+          <p:cNvPr id="2" name="Titre 1">
+            <a:extLst>
+              <a:ext uri="{FF2B5EF4-FFF2-40B4-BE49-F238E27FC236}">
+                <a16:creationId xmlns:a16="http://schemas.microsoft.com/office/drawing/2014/main" id="{773A4E10-6AA3-4F5A-A2DD-FD8115F2A333}"/>
+              </a:ext>
+            </a:extLst>
+          </p:cNvPr>
+          <p:cNvSpPr>
+            <a:spLocks noGrp="1"/>
+          </p:cNvSpPr>
+          <p:nvPr>
+            <p:ph type="title"/>
+          </p:nvPr>
+        </p:nvSpPr>
+        <p:spPr/>
+        <p:txBody>
+          <a:bodyPr/>
+          <a:lstStyle/>
+          <a:p>
+            <a:endParaRPr lang="fr-CA"/>
+          </a:p>
+        </p:txBody>
+      </p:sp>
+      <p:pic>
+        <p:nvPicPr>
+          <p:cNvPr id="5" name="Espace réservé du contenu 4">
+            <a:extLst>
+              <a:ext uri="{FF2B5EF4-FFF2-40B4-BE49-F238E27FC236}">
+                <a16:creationId xmlns:a16="http://schemas.microsoft.com/office/drawing/2014/main" id="{BF831146-18E7-431C-A8D7-AE7191E610CA}"/>
+              </a:ext>
+            </a:extLst>
+          </p:cNvPr>
+          <p:cNvPicPr>
+            <a:picLocks noGrp="1" noChangeAspect="1"/>
+          </p:cNvPicPr>
+          <p:nvPr>
+            <p:ph idx="1"/>
+          </p:nvPr>
+        </p:nvPicPr>
+        <p:blipFill>
+          <a:blip r:embed="rId2">
+            <a:extLst>
+              <a:ext uri="{28A0092B-C50C-407E-A947-70E740481C1C}">
+                <a14:useLocalDpi xmlns:a14="http://schemas.microsoft.com/office/drawing/2010/main" val="0"/>
+              </a:ext>
+            </a:extLst>
+          </a:blip>
+          <a:stretch>
+            <a:fillRect/>
+          </a:stretch>
+        </p:blipFill>
+        <p:spPr>
+          <a:xfrm>
+            <a:off x="413425" y="401319"/>
+            <a:ext cx="11372175" cy="6045201"/>
+          </a:xfrm>
+        </p:spPr>
+      </p:pic>
+    </p:spTree>
+    <p:extLst>
+      <p:ext uri="{BB962C8B-B14F-4D97-AF65-F5344CB8AC3E}">
+        <p14:creationId xmlns:p14="http://schemas.microsoft.com/office/powerpoint/2010/main" val="680076676"/>
       </p:ext>
     </p:extLst>
   </p:cSld>
@@ -4871,6 +7216,16 @@
         </p:nvPicPr>
         <p:blipFill>
           <a:blip r:embed="rId4">
+            <a:clrChange>
+              <a:clrFrom>
+                <a:srgbClr val="E6E6E6"/>
+              </a:clrFrom>
+              <a:clrTo>
+                <a:srgbClr val="E6E6E6">
+                  <a:alpha val="0"/>
+                </a:srgbClr>
+              </a:clrTo>
+            </a:clrChange>
             <a:extLst>
               <a:ext uri="{BEBA8EAE-BF5A-486C-A8C5-ECC9F3942E4B}">
                 <a14:imgProps xmlns:a14="http://schemas.microsoft.com/office/drawing/2010/main">
@@ -4943,6 +7298,354 @@
     <p:extLst>
       <p:ext uri="{BB962C8B-B14F-4D97-AF65-F5344CB8AC3E}">
         <p14:creationId xmlns:p14="http://schemas.microsoft.com/office/powerpoint/2010/main" val="1225257091"/>
+      </p:ext>
+    </p:extLst>
+  </p:cSld>
+  <p:clrMapOvr>
+    <a:masterClrMapping/>
+  </p:clrMapOvr>
+</p:sld>
+</file>
+
+<file path=ppt/slides/slide20.xml><?xml version="1.0" encoding="utf-8"?>
+<p:sld xmlns:a="http://schemas.openxmlformats.org/drawingml/2006/main" xmlns:r="http://schemas.openxmlformats.org/officeDocument/2006/relationships" xmlns:p="http://schemas.openxmlformats.org/presentationml/2006/main">
+  <p:cSld>
+    <p:spTree>
+      <p:nvGrpSpPr>
+        <p:cNvPr id="1" name=""/>
+        <p:cNvGrpSpPr/>
+        <p:nvPr/>
+      </p:nvGrpSpPr>
+      <p:grpSpPr>
+        <a:xfrm>
+          <a:off x="0" y="0"/>
+          <a:ext cx="0" cy="0"/>
+          <a:chOff x="0" y="0"/>
+          <a:chExt cx="0" cy="0"/>
+        </a:xfrm>
+      </p:grpSpPr>
+      <p:sp>
+        <p:nvSpPr>
+          <p:cNvPr id="2" name="Titre 1">
+            <a:extLst>
+              <a:ext uri="{FF2B5EF4-FFF2-40B4-BE49-F238E27FC236}">
+                <a16:creationId xmlns:a16="http://schemas.microsoft.com/office/drawing/2014/main" id="{7BF22E7E-5A4C-4541-B366-DB2C52AC3F37}"/>
+              </a:ext>
+            </a:extLst>
+          </p:cNvPr>
+          <p:cNvSpPr>
+            <a:spLocks noGrp="1"/>
+          </p:cNvSpPr>
+          <p:nvPr>
+            <p:ph type="title"/>
+          </p:nvPr>
+        </p:nvSpPr>
+        <p:spPr/>
+        <p:txBody>
+          <a:bodyPr/>
+          <a:lstStyle/>
+          <a:p>
+            <a:endParaRPr lang="fr-CA"/>
+          </a:p>
+        </p:txBody>
+      </p:sp>
+      <p:pic>
+        <p:nvPicPr>
+          <p:cNvPr id="5" name="Espace réservé du contenu 4" descr="Une image contenant capture d’écran, carte&#10;&#10;Description générée automatiquement">
+            <a:extLst>
+              <a:ext uri="{FF2B5EF4-FFF2-40B4-BE49-F238E27FC236}">
+                <a16:creationId xmlns:a16="http://schemas.microsoft.com/office/drawing/2014/main" id="{A88781FE-19CA-4A0F-BDE7-ADDB09B9970A}"/>
+              </a:ext>
+            </a:extLst>
+          </p:cNvPr>
+          <p:cNvPicPr>
+            <a:picLocks noGrp="1" noChangeAspect="1"/>
+          </p:cNvPicPr>
+          <p:nvPr>
+            <p:ph idx="1"/>
+          </p:nvPr>
+        </p:nvPicPr>
+        <p:blipFill>
+          <a:blip r:embed="rId2">
+            <a:extLst>
+              <a:ext uri="{28A0092B-C50C-407E-A947-70E740481C1C}">
+                <a14:useLocalDpi xmlns:a14="http://schemas.microsoft.com/office/drawing/2010/main" val="0"/>
+              </a:ext>
+            </a:extLst>
+          </a:blip>
+          <a:stretch>
+            <a:fillRect/>
+          </a:stretch>
+        </p:blipFill>
+        <p:spPr>
+          <a:xfrm>
+            <a:off x="391022" y="404970"/>
+            <a:ext cx="11409818" cy="6046630"/>
+          </a:xfrm>
+        </p:spPr>
+      </p:pic>
+    </p:spTree>
+    <p:extLst>
+      <p:ext uri="{BB962C8B-B14F-4D97-AF65-F5344CB8AC3E}">
+        <p14:creationId xmlns:p14="http://schemas.microsoft.com/office/powerpoint/2010/main" val="602111372"/>
+      </p:ext>
+    </p:extLst>
+  </p:cSld>
+  <p:clrMapOvr>
+    <a:masterClrMapping/>
+  </p:clrMapOvr>
+</p:sld>
+</file>
+
+<file path=ppt/slides/slide21.xml><?xml version="1.0" encoding="utf-8"?>
+<p:sld xmlns:a="http://schemas.openxmlformats.org/drawingml/2006/main" xmlns:r="http://schemas.openxmlformats.org/officeDocument/2006/relationships" xmlns:p="http://schemas.openxmlformats.org/presentationml/2006/main">
+  <p:cSld>
+    <p:spTree>
+      <p:nvGrpSpPr>
+        <p:cNvPr id="1" name=""/>
+        <p:cNvGrpSpPr/>
+        <p:nvPr/>
+      </p:nvGrpSpPr>
+      <p:grpSpPr>
+        <a:xfrm>
+          <a:off x="0" y="0"/>
+          <a:ext cx="0" cy="0"/>
+          <a:chOff x="0" y="0"/>
+          <a:chExt cx="0" cy="0"/>
+        </a:xfrm>
+      </p:grpSpPr>
+      <p:sp>
+        <p:nvSpPr>
+          <p:cNvPr id="2" name="Titre 1">
+            <a:extLst>
+              <a:ext uri="{FF2B5EF4-FFF2-40B4-BE49-F238E27FC236}">
+                <a16:creationId xmlns:a16="http://schemas.microsoft.com/office/drawing/2014/main" id="{4DE2DCB7-FE74-442F-9CC2-8D8ECABFD3E8}"/>
+              </a:ext>
+            </a:extLst>
+          </p:cNvPr>
+          <p:cNvSpPr>
+            <a:spLocks noGrp="1"/>
+          </p:cNvSpPr>
+          <p:nvPr>
+            <p:ph type="title"/>
+          </p:nvPr>
+        </p:nvSpPr>
+        <p:spPr/>
+        <p:txBody>
+          <a:bodyPr/>
+          <a:lstStyle/>
+          <a:p>
+            <a:r>
+              <a:rPr lang="fr-CA" dirty="0">
+                <a:latin typeface="Segoe UI Semibold" panose="020B0702040204020203" pitchFamily="34" charset="0"/>
+                <a:cs typeface="Segoe UI Semibold" panose="020B0702040204020203" pitchFamily="34" charset="0"/>
+              </a:rPr>
+              <a:t>Solutions pour l’oscillateur anharmonique</a:t>
+            </a:r>
+          </a:p>
+        </p:txBody>
+      </p:sp>
+      <p:sp>
+        <p:nvSpPr>
+          <p:cNvPr id="3" name="Espace réservé du contenu 2">
+            <a:extLst>
+              <a:ext uri="{FF2B5EF4-FFF2-40B4-BE49-F238E27FC236}">
+                <a16:creationId xmlns:a16="http://schemas.microsoft.com/office/drawing/2014/main" id="{60C44EC2-559F-4CC2-8DC1-2226C758BF8A}"/>
+              </a:ext>
+            </a:extLst>
+          </p:cNvPr>
+          <p:cNvSpPr>
+            <a:spLocks noGrp="1"/>
+          </p:cNvSpPr>
+          <p:nvPr>
+            <p:ph idx="1"/>
+          </p:nvPr>
+        </p:nvSpPr>
+        <p:spPr/>
+        <p:txBody>
+          <a:bodyPr/>
+          <a:lstStyle/>
+          <a:p>
+            <a:endParaRPr lang="fr-CA" dirty="0"/>
+          </a:p>
+        </p:txBody>
+      </p:sp>
+    </p:spTree>
+    <p:extLst>
+      <p:ext uri="{BB962C8B-B14F-4D97-AF65-F5344CB8AC3E}">
+        <p14:creationId xmlns:p14="http://schemas.microsoft.com/office/powerpoint/2010/main" val="2449801709"/>
+      </p:ext>
+    </p:extLst>
+  </p:cSld>
+  <p:clrMapOvr>
+    <a:masterClrMapping/>
+  </p:clrMapOvr>
+</p:sld>
+</file>
+
+<file path=ppt/slides/slide22.xml><?xml version="1.0" encoding="utf-8"?>
+<p:sld xmlns:a="http://schemas.openxmlformats.org/drawingml/2006/main" xmlns:r="http://schemas.openxmlformats.org/officeDocument/2006/relationships" xmlns:p="http://schemas.openxmlformats.org/presentationml/2006/main">
+  <p:cSld>
+    <p:spTree>
+      <p:nvGrpSpPr>
+        <p:cNvPr id="1" name=""/>
+        <p:cNvGrpSpPr/>
+        <p:nvPr/>
+      </p:nvGrpSpPr>
+      <p:grpSpPr>
+        <a:xfrm>
+          <a:off x="0" y="0"/>
+          <a:ext cx="0" cy="0"/>
+          <a:chOff x="0" y="0"/>
+          <a:chExt cx="0" cy="0"/>
+        </a:xfrm>
+      </p:grpSpPr>
+      <p:sp>
+        <p:nvSpPr>
+          <p:cNvPr id="2" name="Titre 1">
+            <a:extLst>
+              <a:ext uri="{FF2B5EF4-FFF2-40B4-BE49-F238E27FC236}">
+                <a16:creationId xmlns:a16="http://schemas.microsoft.com/office/drawing/2014/main" id="{4DE2DCB7-FE74-442F-9CC2-8D8ECABFD3E8}"/>
+              </a:ext>
+            </a:extLst>
+          </p:cNvPr>
+          <p:cNvSpPr>
+            <a:spLocks noGrp="1"/>
+          </p:cNvSpPr>
+          <p:nvPr>
+            <p:ph type="title"/>
+          </p:nvPr>
+        </p:nvSpPr>
+        <p:spPr/>
+        <p:txBody>
+          <a:bodyPr/>
+          <a:lstStyle/>
+          <a:p>
+            <a:r>
+              <a:rPr lang="fr-CA" dirty="0">
+                <a:latin typeface="Segoe UI Semibold" panose="020B0702040204020203" pitchFamily="34" charset="0"/>
+                <a:cs typeface="Segoe UI Semibold" panose="020B0702040204020203" pitchFamily="34" charset="0"/>
+              </a:rPr>
+              <a:t>Solutions approximatives: perturbations</a:t>
+            </a:r>
+          </a:p>
+        </p:txBody>
+      </p:sp>
+      <p:sp>
+        <p:nvSpPr>
+          <p:cNvPr id="3" name="Espace réservé du contenu 2">
+            <a:extLst>
+              <a:ext uri="{FF2B5EF4-FFF2-40B4-BE49-F238E27FC236}">
+                <a16:creationId xmlns:a16="http://schemas.microsoft.com/office/drawing/2014/main" id="{60C44EC2-559F-4CC2-8DC1-2226C758BF8A}"/>
+              </a:ext>
+            </a:extLst>
+          </p:cNvPr>
+          <p:cNvSpPr>
+            <a:spLocks noGrp="1"/>
+          </p:cNvSpPr>
+          <p:nvPr>
+            <p:ph idx="1"/>
+          </p:nvPr>
+        </p:nvSpPr>
+        <p:spPr/>
+        <p:txBody>
+          <a:bodyPr/>
+          <a:lstStyle/>
+          <a:p>
+            <a:endParaRPr lang="fr-CA" dirty="0"/>
+          </a:p>
+        </p:txBody>
+      </p:sp>
+    </p:spTree>
+    <p:extLst>
+      <p:ext uri="{BB962C8B-B14F-4D97-AF65-F5344CB8AC3E}">
+        <p14:creationId xmlns:p14="http://schemas.microsoft.com/office/powerpoint/2010/main" val="422302555"/>
+      </p:ext>
+    </p:extLst>
+  </p:cSld>
+  <p:clrMapOvr>
+    <a:masterClrMapping/>
+  </p:clrMapOvr>
+</p:sld>
+</file>
+
+<file path=ppt/slides/slide23.xml><?xml version="1.0" encoding="utf-8"?>
+<p:sld xmlns:a="http://schemas.openxmlformats.org/drawingml/2006/main" xmlns:r="http://schemas.openxmlformats.org/officeDocument/2006/relationships" xmlns:p="http://schemas.openxmlformats.org/presentationml/2006/main">
+  <p:cSld>
+    <p:spTree>
+      <p:nvGrpSpPr>
+        <p:cNvPr id="1" name=""/>
+        <p:cNvGrpSpPr/>
+        <p:nvPr/>
+      </p:nvGrpSpPr>
+      <p:grpSpPr>
+        <a:xfrm>
+          <a:off x="0" y="0"/>
+          <a:ext cx="0" cy="0"/>
+          <a:chOff x="0" y="0"/>
+          <a:chExt cx="0" cy="0"/>
+        </a:xfrm>
+      </p:grpSpPr>
+      <p:sp>
+        <p:nvSpPr>
+          <p:cNvPr id="2" name="Titre 1">
+            <a:extLst>
+              <a:ext uri="{FF2B5EF4-FFF2-40B4-BE49-F238E27FC236}">
+                <a16:creationId xmlns:a16="http://schemas.microsoft.com/office/drawing/2014/main" id="{4DE2DCB7-FE74-442F-9CC2-8D8ECABFD3E8}"/>
+              </a:ext>
+            </a:extLst>
+          </p:cNvPr>
+          <p:cNvSpPr>
+            <a:spLocks noGrp="1"/>
+          </p:cNvSpPr>
+          <p:nvPr>
+            <p:ph type="title"/>
+          </p:nvPr>
+        </p:nvSpPr>
+        <p:spPr/>
+        <p:txBody>
+          <a:bodyPr/>
+          <a:lstStyle/>
+          <a:p>
+            <a:r>
+              <a:rPr lang="fr-CA" dirty="0">
+                <a:latin typeface="Segoe UI Semibold" panose="020B0702040204020203" pitchFamily="34" charset="0"/>
+                <a:cs typeface="Segoe UI Semibold" panose="020B0702040204020203" pitchFamily="34" charset="0"/>
+              </a:rPr>
+              <a:t>Conclusion</a:t>
+            </a:r>
+          </a:p>
+        </p:txBody>
+      </p:sp>
+      <p:sp>
+        <p:nvSpPr>
+          <p:cNvPr id="3" name="Espace réservé du contenu 2">
+            <a:extLst>
+              <a:ext uri="{FF2B5EF4-FFF2-40B4-BE49-F238E27FC236}">
+                <a16:creationId xmlns:a16="http://schemas.microsoft.com/office/drawing/2014/main" id="{60C44EC2-559F-4CC2-8DC1-2226C758BF8A}"/>
+              </a:ext>
+            </a:extLst>
+          </p:cNvPr>
+          <p:cNvSpPr>
+            <a:spLocks noGrp="1"/>
+          </p:cNvSpPr>
+          <p:nvPr>
+            <p:ph idx="1"/>
+          </p:nvPr>
+        </p:nvSpPr>
+        <p:spPr/>
+        <p:txBody>
+          <a:bodyPr/>
+          <a:lstStyle/>
+          <a:p>
+            <a:endParaRPr lang="fr-CA" dirty="0"/>
+          </a:p>
+        </p:txBody>
+      </p:sp>
+    </p:spTree>
+    <p:extLst>
+      <p:ext uri="{BB962C8B-B14F-4D97-AF65-F5344CB8AC3E}">
+        <p14:creationId xmlns:p14="http://schemas.microsoft.com/office/powerpoint/2010/main" val="4032787620"/>
       </p:ext>
     </p:extLst>
   </p:cSld>
@@ -5041,6 +7744,16 @@
         </p:nvPicPr>
         <p:blipFill>
           <a:blip r:embed="rId2">
+            <a:clrChange>
+              <a:clrFrom>
+                <a:srgbClr val="E6E6E6"/>
+              </a:clrFrom>
+              <a:clrTo>
+                <a:srgbClr val="E6E6E6">
+                  <a:alpha val="0"/>
+                </a:srgbClr>
+              </a:clrTo>
+            </a:clrChange>
             <a:extLst>
               <a:ext uri="{BEBA8EAE-BF5A-486C-A8C5-ECC9F3942E4B}">
                 <a14:imgProps xmlns:a14="http://schemas.microsoft.com/office/drawing/2010/main">
@@ -5083,6 +7796,16 @@
         </p:nvPicPr>
         <p:blipFill>
           <a:blip r:embed="rId4">
+            <a:clrChange>
+              <a:clrFrom>
+                <a:srgbClr val="E6E6E6"/>
+              </a:clrFrom>
+              <a:clrTo>
+                <a:srgbClr val="E6E6E6">
+                  <a:alpha val="0"/>
+                </a:srgbClr>
+              </a:clrTo>
+            </a:clrChange>
             <a:extLst>
               <a:ext uri="{BEBA8EAE-BF5A-486C-A8C5-ECC9F3942E4B}">
                 <a14:imgProps xmlns:a14="http://schemas.microsoft.com/office/drawing/2010/main">
@@ -5211,6 +7934,16 @@
         </p:nvPicPr>
         <p:blipFill rotWithShape="1">
           <a:blip r:embed="rId2">
+            <a:clrChange>
+              <a:clrFrom>
+                <a:srgbClr val="E6E6E6"/>
+              </a:clrFrom>
+              <a:clrTo>
+                <a:srgbClr val="E6E6E6">
+                  <a:alpha val="0"/>
+                </a:srgbClr>
+              </a:clrTo>
+            </a:clrChange>
             <a:extLst>
               <a:ext uri="{BEBA8EAE-BF5A-486C-A8C5-ECC9F3942E4B}">
                 <a14:imgProps xmlns:a14="http://schemas.microsoft.com/office/drawing/2010/main">
@@ -5252,6 +7985,16 @@
         </p:nvPicPr>
         <p:blipFill>
           <a:blip r:embed="rId4">
+            <a:clrChange>
+              <a:clrFrom>
+                <a:srgbClr val="E6E6E6"/>
+              </a:clrFrom>
+              <a:clrTo>
+                <a:srgbClr val="E6E6E6">
+                  <a:alpha val="0"/>
+                </a:srgbClr>
+              </a:clrTo>
+            </a:clrChange>
             <a:extLst>
               <a:ext uri="{BEBA8EAE-BF5A-486C-A8C5-ECC9F3942E4B}">
                 <a14:imgProps xmlns:a14="http://schemas.microsoft.com/office/drawing/2010/main">
@@ -5380,6 +8123,16 @@
         </p:nvPicPr>
         <p:blipFill>
           <a:blip r:embed="rId2">
+            <a:clrChange>
+              <a:clrFrom>
+                <a:srgbClr val="E6E6E6"/>
+              </a:clrFrom>
+              <a:clrTo>
+                <a:srgbClr val="E6E6E6">
+                  <a:alpha val="0"/>
+                </a:srgbClr>
+              </a:clrTo>
+            </a:clrChange>
             <a:extLst>
               <a:ext uri="{BEBA8EAE-BF5A-486C-A8C5-ECC9F3942E4B}">
                 <a14:imgProps xmlns:a14="http://schemas.microsoft.com/office/drawing/2010/main">
@@ -5422,6 +8175,16 @@
         </p:nvPicPr>
         <p:blipFill>
           <a:blip r:embed="rId4">
+            <a:clrChange>
+              <a:clrFrom>
+                <a:srgbClr val="E6E6E6"/>
+              </a:clrFrom>
+              <a:clrTo>
+                <a:srgbClr val="E6E6E6">
+                  <a:alpha val="0"/>
+                </a:srgbClr>
+              </a:clrTo>
+            </a:clrChange>
             <a:extLst>
               <a:ext uri="{BEBA8EAE-BF5A-486C-A8C5-ECC9F3942E4B}">
                 <a14:imgProps xmlns:a14="http://schemas.microsoft.com/office/drawing/2010/main">
@@ -5597,6 +8360,16 @@
         </p:nvPicPr>
         <p:blipFill>
           <a:blip r:embed="rId2">
+            <a:clrChange>
+              <a:clrFrom>
+                <a:srgbClr val="E6E6E6"/>
+              </a:clrFrom>
+              <a:clrTo>
+                <a:srgbClr val="E6E6E6">
+                  <a:alpha val="0"/>
+                </a:srgbClr>
+              </a:clrTo>
+            </a:clrChange>
             <a:extLst>
               <a:ext uri="{BEBA8EAE-BF5A-486C-A8C5-ECC9F3942E4B}">
                 <a14:imgProps xmlns:a14="http://schemas.microsoft.com/office/drawing/2010/main">
@@ -5639,6 +8412,16 @@
         </p:nvPicPr>
         <p:blipFill rotWithShape="1">
           <a:blip r:embed="rId4">
+            <a:clrChange>
+              <a:clrFrom>
+                <a:srgbClr val="E6E6E6"/>
+              </a:clrFrom>
+              <a:clrTo>
+                <a:srgbClr val="E6E6E6">
+                  <a:alpha val="0"/>
+                </a:srgbClr>
+              </a:clrTo>
+            </a:clrChange>
             <a:extLst>
               <a:ext uri="{BEBA8EAE-BF5A-486C-A8C5-ECC9F3942E4B}">
                 <a14:imgProps xmlns:a14="http://schemas.microsoft.com/office/drawing/2010/main">
@@ -5766,6 +8549,16 @@
         </p:nvPicPr>
         <p:blipFill>
           <a:blip r:embed="rId2">
+            <a:clrChange>
+              <a:clrFrom>
+                <a:srgbClr val="E6E6E6"/>
+              </a:clrFrom>
+              <a:clrTo>
+                <a:srgbClr val="E6E6E6">
+                  <a:alpha val="0"/>
+                </a:srgbClr>
+              </a:clrTo>
+            </a:clrChange>
             <a:extLst>
               <a:ext uri="{BEBA8EAE-BF5A-486C-A8C5-ECC9F3942E4B}">
                 <a14:imgProps xmlns:a14="http://schemas.microsoft.com/office/drawing/2010/main">
@@ -5808,6 +8601,16 @@
         </p:nvPicPr>
         <p:blipFill>
           <a:blip r:embed="rId4">
+            <a:clrChange>
+              <a:clrFrom>
+                <a:srgbClr val="E6E6E6"/>
+              </a:clrFrom>
+              <a:clrTo>
+                <a:srgbClr val="E6E6E6">
+                  <a:alpha val="0"/>
+                </a:srgbClr>
+              </a:clrTo>
+            </a:clrChange>
             <a:extLst>
               <a:ext uri="{BEBA8EAE-BF5A-486C-A8C5-ECC9F3942E4B}">
                 <a14:imgProps xmlns:a14="http://schemas.microsoft.com/office/drawing/2010/main">
@@ -5850,6 +8653,16 @@
         </p:nvPicPr>
         <p:blipFill>
           <a:blip r:embed="rId6">
+            <a:clrChange>
+              <a:clrFrom>
+                <a:srgbClr val="E6E6E6"/>
+              </a:clrFrom>
+              <a:clrTo>
+                <a:srgbClr val="E6E6E6">
+                  <a:alpha val="0"/>
+                </a:srgbClr>
+              </a:clrTo>
+            </a:clrChange>
             <a:extLst>
               <a:ext uri="{BEBA8EAE-BF5A-486C-A8C5-ECC9F3942E4B}">
                 <a14:imgProps xmlns:a14="http://schemas.microsoft.com/office/drawing/2010/main">
@@ -5955,10 +8768,72 @@
         </p:nvSpPr>
         <p:spPr/>
         <p:txBody>
-          <a:bodyPr/>
+          <a:bodyPr>
+            <a:normAutofit/>
+          </a:bodyPr>
           <a:lstStyle/>
           <a:p>
-            <a:endParaRPr lang="fr-CA" dirty="0"/>
+            <a:r>
+              <a:rPr lang="fr-CA" sz="2400" dirty="0">
+                <a:latin typeface="Arial" panose="020B0604020202020204" pitchFamily="34" charset="0"/>
+                <a:cs typeface="Arial" panose="020B0604020202020204" pitchFamily="34" charset="0"/>
+              </a:rPr>
+              <a:t>Algorithme de Gram-</a:t>
+            </a:r>
+            <a:r>
+              <a:rPr lang="fr-CA" sz="2400" dirty="0" err="1">
+                <a:latin typeface="Arial" panose="020B0604020202020204" pitchFamily="34" charset="0"/>
+                <a:cs typeface="Arial" panose="020B0604020202020204" pitchFamily="34" charset="0"/>
+              </a:rPr>
+              <a:t>Shmidt</a:t>
+            </a:r>
+            <a:endParaRPr lang="fr-CA" sz="2400" dirty="0">
+              <a:latin typeface="Arial" panose="020B0604020202020204" pitchFamily="34" charset="0"/>
+              <a:cs typeface="Arial" panose="020B0604020202020204" pitchFamily="34" charset="0"/>
+            </a:endParaRPr>
+          </a:p>
+          <a:p>
+            <a:r>
+              <a:rPr lang="fr-CA" sz="2400" dirty="0">
+                <a:latin typeface="Arial" panose="020B0604020202020204" pitchFamily="34" charset="0"/>
+                <a:cs typeface="Arial" panose="020B0604020202020204" pitchFamily="34" charset="0"/>
+              </a:rPr>
+              <a:t>Algorithme de </a:t>
+            </a:r>
+            <a:r>
+              <a:rPr lang="fr-CA" sz="2400" dirty="0" err="1">
+                <a:latin typeface="Arial" panose="020B0604020202020204" pitchFamily="34" charset="0"/>
+                <a:cs typeface="Arial" panose="020B0604020202020204" pitchFamily="34" charset="0"/>
+              </a:rPr>
+              <a:t>Givens</a:t>
+            </a:r>
+            <a:r>
+              <a:rPr lang="fr-CA" sz="2400" dirty="0">
+                <a:latin typeface="Arial" panose="020B0604020202020204" pitchFamily="34" charset="0"/>
+                <a:cs typeface="Arial" panose="020B0604020202020204" pitchFamily="34" charset="0"/>
+              </a:rPr>
+              <a:t> rotation </a:t>
+            </a:r>
+          </a:p>
+          <a:p>
+            <a:r>
+              <a:rPr lang="fr-CA" sz="2400" dirty="0">
+                <a:latin typeface="Arial" panose="020B0604020202020204" pitchFamily="34" charset="0"/>
+                <a:cs typeface="Arial" panose="020B0604020202020204" pitchFamily="34" charset="0"/>
+              </a:rPr>
+              <a:t>Algorithme de Rayleigh quotient </a:t>
+            </a:r>
+            <a:r>
+              <a:rPr lang="fr-CA" sz="2400" dirty="0" err="1">
+                <a:latin typeface="Arial" panose="020B0604020202020204" pitchFamily="34" charset="0"/>
+                <a:cs typeface="Arial" panose="020B0604020202020204" pitchFamily="34" charset="0"/>
+              </a:rPr>
+              <a:t>iteration</a:t>
+            </a:r>
+            <a:endParaRPr lang="fr-CA" sz="2400" dirty="0">
+              <a:latin typeface="Arial" panose="020B0604020202020204" pitchFamily="34" charset="0"/>
+              <a:cs typeface="Arial" panose="020B0604020202020204" pitchFamily="34" charset="0"/>
+            </a:endParaRPr>
           </a:p>
         </p:txBody>
       </p:sp>
@@ -5997,7 +8872,7 @@
           <p:cNvPr id="2" name="Titre 1">
             <a:extLst>
               <a:ext uri="{FF2B5EF4-FFF2-40B4-BE49-F238E27FC236}">
-                <a16:creationId xmlns:a16="http://schemas.microsoft.com/office/drawing/2014/main" id="{4DE2DCB7-FE74-442F-9CC2-8D8ECABFD3E8}"/>
+                <a16:creationId xmlns:a16="http://schemas.microsoft.com/office/drawing/2014/main" id="{B5BEBB50-5599-44E2-AFEB-E7D4CCD08B78}"/>
               </a:ext>
             </a:extLst>
           </p:cNvPr>
@@ -6014,44 +8889,109 @@
           <a:lstStyle/>
           <a:p>
             <a:r>
-              <a:rPr lang="fr-CA" dirty="0">
-                <a:latin typeface="Segoe UI Semibold" panose="020B0702040204020203" pitchFamily="34" charset="0"/>
-                <a:cs typeface="Segoe UI Semibold" panose="020B0702040204020203" pitchFamily="34" charset="0"/>
-              </a:rPr>
-              <a:t>Solutions pour l’oscillateur anharmonique</a:t>
-            </a:r>
-          </a:p>
-        </p:txBody>
-      </p:sp>
-      <p:sp>
-        <p:nvSpPr>
-          <p:cNvPr id="3" name="Espace réservé du contenu 2">
-            <a:extLst>
-              <a:ext uri="{FF2B5EF4-FFF2-40B4-BE49-F238E27FC236}">
-                <a16:creationId xmlns:a16="http://schemas.microsoft.com/office/drawing/2014/main" id="{60C44EC2-559F-4CC2-8DC1-2226C758BF8A}"/>
-              </a:ext>
-            </a:extLst>
-          </p:cNvPr>
-          <p:cNvSpPr>
-            <a:spLocks noGrp="1"/>
-          </p:cNvSpPr>
-          <p:nvPr>
-            <p:ph idx="1"/>
-          </p:nvPr>
-        </p:nvSpPr>
-        <p:spPr/>
-        <p:txBody>
-          <a:bodyPr/>
-          <a:lstStyle/>
-          <a:p>
+              <a:rPr lang="fr-CA" dirty="0"/>
+              <a:t>Gram-</a:t>
+            </a:r>
+            <a:r>
+              <a:rPr lang="fr-CA" dirty="0" err="1"/>
+              <a:t>Shmidt</a:t>
+            </a:r>
             <a:endParaRPr lang="fr-CA" dirty="0"/>
           </a:p>
         </p:txBody>
       </p:sp>
+      <p:cxnSp>
+        <p:nvCxnSpPr>
+          <p:cNvPr id="5" name="Connecteur droit avec flèche 4">
+            <a:extLst>
+              <a:ext uri="{FF2B5EF4-FFF2-40B4-BE49-F238E27FC236}">
+                <a16:creationId xmlns:a16="http://schemas.microsoft.com/office/drawing/2014/main" id="{C84AB1A4-F937-406F-9F58-F7C0745DF598}"/>
+              </a:ext>
+            </a:extLst>
+          </p:cNvPr>
+          <p:cNvCxnSpPr>
+            <a:cxnSpLocks/>
+          </p:cNvCxnSpPr>
+          <p:nvPr/>
+        </p:nvCxnSpPr>
+        <p:spPr>
+          <a:xfrm>
+            <a:off x="4638675" y="4753664"/>
+            <a:ext cx="4095750" cy="0"/>
+          </a:xfrm>
+          <a:prstGeom prst="straightConnector1">
+            <a:avLst/>
+          </a:prstGeom>
+          <a:ln>
+            <a:solidFill>
+              <a:srgbClr val="FF0000"/>
+            </a:solidFill>
+            <a:tailEnd type="triangle"/>
+          </a:ln>
+        </p:spPr>
+        <p:style>
+          <a:lnRef idx="3">
+            <a:schemeClr val="accent2"/>
+          </a:lnRef>
+          <a:fillRef idx="0">
+            <a:schemeClr val="accent2"/>
+          </a:fillRef>
+          <a:effectRef idx="2">
+            <a:schemeClr val="accent2"/>
+          </a:effectRef>
+          <a:fontRef idx="minor">
+            <a:schemeClr val="tx1"/>
+          </a:fontRef>
+        </p:style>
+      </p:cxnSp>
+      <p:cxnSp>
+        <p:nvCxnSpPr>
+          <p:cNvPr id="7" name="Connecteur droit avec flèche 6">
+            <a:extLst>
+              <a:ext uri="{FF2B5EF4-FFF2-40B4-BE49-F238E27FC236}">
+                <a16:creationId xmlns:a16="http://schemas.microsoft.com/office/drawing/2014/main" id="{A4B5E324-35C2-4973-ABC5-C25D088495AF}"/>
+              </a:ext>
+            </a:extLst>
+          </p:cNvPr>
+          <p:cNvCxnSpPr>
+            <a:cxnSpLocks/>
+          </p:cNvCxnSpPr>
+          <p:nvPr/>
+        </p:nvCxnSpPr>
+        <p:spPr>
+          <a:xfrm flipV="1">
+            <a:off x="4638675" y="2438400"/>
+            <a:ext cx="1924050" cy="2315265"/>
+          </a:xfrm>
+          <a:prstGeom prst="straightConnector1">
+            <a:avLst/>
+          </a:prstGeom>
+          <a:ln>
+            <a:solidFill>
+              <a:srgbClr val="00B0F0"/>
+            </a:solidFill>
+            <a:tailEnd type="triangle"/>
+          </a:ln>
+        </p:spPr>
+        <p:style>
+          <a:lnRef idx="3">
+            <a:schemeClr val="dk1"/>
+          </a:lnRef>
+          <a:fillRef idx="0">
+            <a:schemeClr val="dk1"/>
+          </a:fillRef>
+          <a:effectRef idx="2">
+            <a:schemeClr val="dk1"/>
+          </a:effectRef>
+          <a:fontRef idx="minor">
+            <a:schemeClr val="tx1"/>
+          </a:fontRef>
+        </p:style>
+      </p:cxnSp>
     </p:spTree>
     <p:extLst>
       <p:ext uri="{BB962C8B-B14F-4D97-AF65-F5344CB8AC3E}">
-        <p14:creationId xmlns:p14="http://schemas.microsoft.com/office/powerpoint/2010/main" val="2449801709"/>
+        <p14:creationId xmlns:p14="http://schemas.microsoft.com/office/powerpoint/2010/main" val="912843857"/>
       </p:ext>
     </p:extLst>
   </p:cSld>

--- a/Solutions d’une équation aux valeurs propres.pptx
+++ b/Solutions d’une équation aux valeurs propres.pptx
@@ -5837,13 +5837,14 @@
           <a:lstStyle/>
           <a:p>
             <a:r>
+              <a:rPr lang="fr-CA" dirty="0"/>
+              <a:t>Rotation de </a:t>
+            </a:r>
+            <a:r>
               <a:rPr lang="fr-CA" dirty="0" err="1"/>
               <a:t>Givens</a:t>
             </a:r>
-            <a:r>
-              <a:rPr lang="fr-CA" dirty="0"/>
-              <a:t> rotation</a:t>
-            </a:r>
+            <a:endParaRPr lang="fr-CA" dirty="0"/>
           </a:p>
         </p:txBody>
       </p:sp>
@@ -5965,13 +5966,14 @@
           <a:lstStyle/>
           <a:p>
             <a:r>
+              <a:rPr lang="fr-CA" dirty="0"/>
+              <a:t>Rotation de </a:t>
+            </a:r>
+            <a:r>
               <a:rPr lang="fr-CA" dirty="0" err="1"/>
               <a:t>Givens</a:t>
             </a:r>
-            <a:r>
-              <a:rPr lang="fr-CA" dirty="0"/>
-              <a:t> rotation</a:t>
-            </a:r>
+            <a:endParaRPr lang="fr-CA" dirty="0"/>
           </a:p>
         </p:txBody>
       </p:sp>
@@ -6193,13 +6195,14 @@
           <a:lstStyle/>
           <a:p>
             <a:r>
+              <a:rPr lang="fr-CA" dirty="0"/>
+              <a:t>Rotation de </a:t>
+            </a:r>
+            <a:r>
               <a:rPr lang="fr-CA" dirty="0" err="1"/>
               <a:t>Givens</a:t>
             </a:r>
-            <a:r>
-              <a:rPr lang="fr-CA" dirty="0"/>
-              <a:t> rotation</a:t>
-            </a:r>
+            <a:endParaRPr lang="fr-CA" dirty="0"/>
           </a:p>
         </p:txBody>
       </p:sp>
@@ -6685,13 +6688,14 @@
           <a:lstStyle/>
           <a:p>
             <a:r>
+              <a:rPr lang="fr-CA" dirty="0"/>
+              <a:t>Rotation de </a:t>
+            </a:r>
+            <a:r>
               <a:rPr lang="fr-CA" dirty="0" err="1"/>
               <a:t>Givens</a:t>
             </a:r>
-            <a:r>
-              <a:rPr lang="fr-CA" dirty="0"/>
-              <a:t> rotation</a:t>
-            </a:r>
+            <a:endParaRPr lang="fr-CA" dirty="0"/>
           </a:p>
         </p:txBody>
       </p:sp>
@@ -8798,7 +8802,7 @@
                 <a:latin typeface="Arial" panose="020B0604020202020204" pitchFamily="34" charset="0"/>
                 <a:cs typeface="Arial" panose="020B0604020202020204" pitchFamily="34" charset="0"/>
               </a:rPr>
-              <a:t>Algorithme de </a:t>
+              <a:t>Algorithme de rotation de </a:t>
             </a:r>
             <a:r>
               <a:rPr lang="fr-CA" sz="2400" dirty="0" err="1">
@@ -8807,33 +8811,19 @@
               </a:rPr>
               <a:t>Givens</a:t>
             </a:r>
+            <a:endParaRPr lang="fr-CA" sz="2400" dirty="0">
+              <a:latin typeface="Arial" panose="020B0604020202020204" pitchFamily="34" charset="0"/>
+              <a:cs typeface="Arial" panose="020B0604020202020204" pitchFamily="34" charset="0"/>
+            </a:endParaRPr>
+          </a:p>
+          <a:p>
             <a:r>
               <a:rPr lang="fr-CA" sz="2400" dirty="0">
                 <a:latin typeface="Arial" panose="020B0604020202020204" pitchFamily="34" charset="0"/>
                 <a:cs typeface="Arial" panose="020B0604020202020204" pitchFamily="34" charset="0"/>
               </a:rPr>
-              <a:t> rotation </a:t>
-            </a:r>
-          </a:p>
-          <a:p>
-            <a:r>
-              <a:rPr lang="fr-CA" sz="2400" dirty="0">
-                <a:latin typeface="Arial" panose="020B0604020202020204" pitchFamily="34" charset="0"/>
-                <a:cs typeface="Arial" panose="020B0604020202020204" pitchFamily="34" charset="0"/>
-              </a:rPr>
-              <a:t>Algorithme de Rayleigh quotient </a:t>
-            </a:r>
-            <a:r>
-              <a:rPr lang="fr-CA" sz="2400" dirty="0" err="1">
-                <a:latin typeface="Arial" panose="020B0604020202020204" pitchFamily="34" charset="0"/>
-                <a:cs typeface="Arial" panose="020B0604020202020204" pitchFamily="34" charset="0"/>
-              </a:rPr>
-              <a:t>iteration</a:t>
-            </a:r>
-            <a:endParaRPr lang="fr-CA" sz="2400" dirty="0">
-              <a:latin typeface="Arial" panose="020B0604020202020204" pitchFamily="34" charset="0"/>
-              <a:cs typeface="Arial" panose="020B0604020202020204" pitchFamily="34" charset="0"/>
-            </a:endParaRPr>
+              <a:t>Algorithme des itérations de quotients de Rayleigh</a:t>
+            </a:r>
           </a:p>
         </p:txBody>
       </p:sp>

--- a/Solutions d’une équation aux valeurs propres.pptx
+++ b/Solutions d’une équation aux valeurs propres.pptx
@@ -27,7 +27,10 @@
     <p:sldId id="277" r:id="rId21"/>
     <p:sldId id="261" r:id="rId22"/>
     <p:sldId id="264" r:id="rId23"/>
-    <p:sldId id="266" r:id="rId24"/>
+    <p:sldId id="279" r:id="rId24"/>
+    <p:sldId id="280" r:id="rId25"/>
+    <p:sldId id="266" r:id="rId26"/>
+    <p:sldId id="281" r:id="rId27"/>
   </p:sldIdLst>
   <p:sldSz cx="12192000" cy="6858000"/>
   <p:notesSz cx="6858000" cy="9144000"/>
@@ -4643,13 +4646,8 @@
           <a:p>
             <a:r>
               <a:rPr lang="fr-CA" dirty="0"/>
-              <a:t>Gram-</a:t>
-            </a:r>
-            <a:r>
-              <a:rPr lang="fr-CA" dirty="0" err="1"/>
-              <a:t>Shmidt</a:t>
-            </a:r>
-            <a:endParaRPr lang="fr-CA" dirty="0"/>
+              <a:t>Gram-Schmidt</a:t>
+            </a:r>
           </a:p>
         </p:txBody>
       </p:sp>
@@ -4975,13 +4973,8 @@
           <a:p>
             <a:r>
               <a:rPr lang="fr-CA" dirty="0"/>
-              <a:t>Gram-</a:t>
-            </a:r>
-            <a:r>
-              <a:rPr lang="fr-CA" dirty="0" err="1"/>
-              <a:t>Shmidt</a:t>
-            </a:r>
-            <a:endParaRPr lang="fr-CA" dirty="0"/>
+              <a:t>Gram-Schmidt</a:t>
+            </a:r>
           </a:p>
         </p:txBody>
       </p:sp>
@@ -5351,13 +5344,8 @@
           <a:p>
             <a:r>
               <a:rPr lang="fr-CA" dirty="0"/>
-              <a:t>Gram-</a:t>
-            </a:r>
-            <a:r>
-              <a:rPr lang="fr-CA" dirty="0" err="1"/>
-              <a:t>Shmidt</a:t>
-            </a:r>
-            <a:endParaRPr lang="fr-CA" dirty="0"/>
+              <a:t>Gram-Schmidt</a:t>
+            </a:r>
           </a:p>
         </p:txBody>
       </p:sp>
@@ -5593,13 +5581,8 @@
           <a:p>
             <a:r>
               <a:rPr lang="fr-CA" dirty="0"/>
-              <a:t>Gram-</a:t>
-            </a:r>
-            <a:r>
-              <a:rPr lang="fr-CA" dirty="0" err="1"/>
-              <a:t>Shmidt</a:t>
-            </a:r>
-            <a:endParaRPr lang="fr-CA" dirty="0"/>
+              <a:t>Gram-Schmidt</a:t>
+            </a:r>
           </a:p>
         </p:txBody>
       </p:sp>
@@ -5838,7 +5821,7 @@
           <a:p>
             <a:r>
               <a:rPr lang="fr-CA" dirty="0"/>
-              <a:t>Rotation de </a:t>
+              <a:t>Rotations de </a:t>
             </a:r>
             <a:r>
               <a:rPr lang="fr-CA" dirty="0" err="1"/>
@@ -5967,7 +5950,7 @@
           <a:p>
             <a:r>
               <a:rPr lang="fr-CA" dirty="0"/>
-              <a:t>Rotation de </a:t>
+              <a:t>Rotations de </a:t>
             </a:r>
             <a:r>
               <a:rPr lang="fr-CA" dirty="0" err="1"/>
@@ -6196,7 +6179,7 @@
           <a:p>
             <a:r>
               <a:rPr lang="fr-CA" dirty="0"/>
-              <a:t>Rotation de </a:t>
+              <a:t>Rotations de </a:t>
             </a:r>
             <a:r>
               <a:rPr lang="fr-CA" dirty="0" err="1"/>
@@ -6356,13 +6339,15 @@
               </a:ext>
             </a:extLst>
           </p:cNvPr>
-          <p:cNvCxnSpPr/>
+          <p:cNvCxnSpPr>
+            <a:cxnSpLocks/>
+          </p:cNvCxnSpPr>
           <p:nvPr/>
         </p:nvCxnSpPr>
         <p:spPr>
           <a:xfrm flipV="1">
-            <a:off x="5588000" y="2885440"/>
-            <a:ext cx="1473200" cy="1011605"/>
+            <a:off x="5588000" y="2329746"/>
+            <a:ext cx="956733" cy="1567300"/>
           </a:xfrm>
           <a:prstGeom prst="straightConnector1">
             <a:avLst/>
@@ -6406,7 +6391,7 @@
         <p:spPr>
           <a:xfrm>
             <a:off x="5588000" y="3897045"/>
-            <a:ext cx="1452880" cy="0"/>
+            <a:ext cx="1010761" cy="0"/>
           </a:xfrm>
           <a:prstGeom prst="line">
             <a:avLst/>
@@ -6452,8 +6437,8 @@
         </p:nvCxnSpPr>
         <p:spPr>
           <a:xfrm flipV="1">
-            <a:off x="7040880" y="2885441"/>
-            <a:ext cx="0" cy="1011604"/>
+            <a:off x="6544733" y="2374559"/>
+            <a:ext cx="0" cy="1522486"/>
           </a:xfrm>
           <a:prstGeom prst="line">
             <a:avLst/>
@@ -6497,7 +6482,7 @@
         </p:nvSpPr>
         <p:spPr>
           <a:xfrm>
-            <a:off x="6207760" y="3843266"/>
+            <a:off x="6544733" y="3016831"/>
             <a:ext cx="914400" cy="369332"/>
           </a:xfrm>
           <a:prstGeom prst="rect">
@@ -6532,8 +6517,8 @@
         </p:nvSpPr>
         <p:spPr>
           <a:xfrm>
-            <a:off x="6009481" y="3527714"/>
-            <a:ext cx="914400" cy="369332"/>
+            <a:off x="5945981" y="3468010"/>
+            <a:ext cx="956733" cy="369332"/>
           </a:xfrm>
           <a:prstGeom prst="rect">
             <a:avLst/>
@@ -6571,7 +6556,7 @@
         </p:nvSpPr>
         <p:spPr>
           <a:xfrm>
-            <a:off x="7025481" y="3201497"/>
+            <a:off x="5988314" y="3925349"/>
             <a:ext cx="914400" cy="369332"/>
           </a:xfrm>
           <a:prstGeom prst="rect">
@@ -6606,8 +6591,8 @@
         </p:nvSpPr>
         <p:spPr>
           <a:xfrm rot="1099289">
-            <a:off x="5727700" y="3658600"/>
-            <a:ext cx="340360" cy="369332"/>
+            <a:off x="5410281" y="3527282"/>
+            <a:ext cx="583492" cy="555963"/>
           </a:xfrm>
           <a:prstGeom prst="arc">
             <a:avLst/>
@@ -6633,6 +6618,156 @@
           <a:p>
             <a:pPr algn="ctr"/>
             <a:endParaRPr lang="fr-CA"/>
+          </a:p>
+        </p:txBody>
+      </p:sp>
+      <p:cxnSp>
+        <p:nvCxnSpPr>
+          <p:cNvPr id="14" name="Connecteur droit avec flèche 13">
+            <a:extLst>
+              <a:ext uri="{FF2B5EF4-FFF2-40B4-BE49-F238E27FC236}">
+                <a16:creationId xmlns:a16="http://schemas.microsoft.com/office/drawing/2014/main" id="{8F33C90D-7168-4AE3-A722-C6D647303135}"/>
+              </a:ext>
+            </a:extLst>
+          </p:cNvPr>
+          <p:cNvCxnSpPr/>
+          <p:nvPr/>
+        </p:nvCxnSpPr>
+        <p:spPr>
+          <a:xfrm flipV="1">
+            <a:off x="5588000" y="3547533"/>
+            <a:ext cx="0" cy="349512"/>
+          </a:xfrm>
+          <a:prstGeom prst="straightConnector1">
+            <a:avLst/>
+          </a:prstGeom>
+          <a:ln>
+            <a:tailEnd type="triangle"/>
+          </a:ln>
+        </p:spPr>
+        <p:style>
+          <a:lnRef idx="1">
+            <a:schemeClr val="dk1"/>
+          </a:lnRef>
+          <a:fillRef idx="0">
+            <a:schemeClr val="dk1"/>
+          </a:fillRef>
+          <a:effectRef idx="0">
+            <a:schemeClr val="dk1"/>
+          </a:effectRef>
+          <a:fontRef idx="minor">
+            <a:schemeClr val="tx1"/>
+          </a:fontRef>
+        </p:style>
+      </p:cxnSp>
+      <p:cxnSp>
+        <p:nvCxnSpPr>
+          <p:cNvPr id="19" name="Connecteur droit avec flèche 18">
+            <a:extLst>
+              <a:ext uri="{FF2B5EF4-FFF2-40B4-BE49-F238E27FC236}">
+                <a16:creationId xmlns:a16="http://schemas.microsoft.com/office/drawing/2014/main" id="{7FD76041-5418-4D15-87B6-31AD907BF9AA}"/>
+              </a:ext>
+            </a:extLst>
+          </p:cNvPr>
+          <p:cNvCxnSpPr>
+            <a:cxnSpLocks/>
+          </p:cNvCxnSpPr>
+          <p:nvPr/>
+        </p:nvCxnSpPr>
+        <p:spPr>
+          <a:xfrm>
+            <a:off x="5588000" y="3897045"/>
+            <a:ext cx="357981" cy="0"/>
+          </a:xfrm>
+          <a:prstGeom prst="straightConnector1">
+            <a:avLst/>
+          </a:prstGeom>
+          <a:ln>
+            <a:tailEnd type="triangle"/>
+          </a:ln>
+        </p:spPr>
+        <p:style>
+          <a:lnRef idx="1">
+            <a:schemeClr val="dk1"/>
+          </a:lnRef>
+          <a:fillRef idx="0">
+            <a:schemeClr val="dk1"/>
+          </a:fillRef>
+          <a:effectRef idx="0">
+            <a:schemeClr val="dk1"/>
+          </a:effectRef>
+          <a:fontRef idx="minor">
+            <a:schemeClr val="tx1"/>
+          </a:fontRef>
+        </p:style>
+      </p:cxnSp>
+      <p:sp>
+        <p:nvSpPr>
+          <p:cNvPr id="23" name="ZoneTexte 22">
+            <a:extLst>
+              <a:ext uri="{FF2B5EF4-FFF2-40B4-BE49-F238E27FC236}">
+                <a16:creationId xmlns:a16="http://schemas.microsoft.com/office/drawing/2014/main" id="{695608AF-59A7-4A30-B9B7-3B4168DA8BB2}"/>
+              </a:ext>
+            </a:extLst>
+          </p:cNvPr>
+          <p:cNvSpPr txBox="1"/>
+          <p:nvPr/>
+        </p:nvSpPr>
+        <p:spPr>
+          <a:xfrm>
+            <a:off x="5383406" y="3537623"/>
+            <a:ext cx="45719" cy="369332"/>
+          </a:xfrm>
+          <a:prstGeom prst="rect">
+            <a:avLst/>
+          </a:prstGeom>
+          <a:noFill/>
+        </p:spPr>
+        <p:txBody>
+          <a:bodyPr wrap="square" rtlCol="0">
+            <a:spAutoFit/>
+          </a:bodyPr>
+          <a:lstStyle/>
+          <a:p>
+            <a:r>
+              <a:rPr lang="fr-CA" dirty="0"/>
+              <a:t>y</a:t>
+            </a:r>
+          </a:p>
+        </p:txBody>
+      </p:sp>
+      <p:sp>
+        <p:nvSpPr>
+          <p:cNvPr id="24" name="ZoneTexte 23">
+            <a:extLst>
+              <a:ext uri="{FF2B5EF4-FFF2-40B4-BE49-F238E27FC236}">
+                <a16:creationId xmlns:a16="http://schemas.microsoft.com/office/drawing/2014/main" id="{81DB0EA0-3EC6-4160-86BF-DEBF496F7F5D}"/>
+              </a:ext>
+            </a:extLst>
+          </p:cNvPr>
+          <p:cNvSpPr txBox="1"/>
+          <p:nvPr/>
+        </p:nvSpPr>
+        <p:spPr>
+          <a:xfrm>
+            <a:off x="5687904" y="3813224"/>
+            <a:ext cx="204045" cy="369332"/>
+          </a:xfrm>
+          <a:prstGeom prst="rect">
+            <a:avLst/>
+          </a:prstGeom>
+          <a:noFill/>
+        </p:spPr>
+        <p:txBody>
+          <a:bodyPr wrap="square" rtlCol="0">
+            <a:spAutoFit/>
+          </a:bodyPr>
+          <a:lstStyle/>
+          <a:p>
+            <a:r>
+              <a:rPr lang="fr-CA" dirty="0"/>
+              <a:t>x</a:t>
+            </a:r>
           </a:p>
         </p:txBody>
       </p:sp>
@@ -6689,7 +6824,7 @@
           <a:p>
             <a:r>
               <a:rPr lang="fr-CA" dirty="0"/>
-              <a:t>Rotation de </a:t>
+              <a:t>Rotations de </a:t>
             </a:r>
             <a:r>
               <a:rPr lang="fr-CA" dirty="0" err="1"/>
@@ -6915,6 +7050,156 @@
             <a:r>
               <a:rPr lang="fr-CA" dirty="0"/>
               <a:t>5</a:t>
+            </a:r>
+          </a:p>
+        </p:txBody>
+      </p:sp>
+      <p:cxnSp>
+        <p:nvCxnSpPr>
+          <p:cNvPr id="9" name="Connecteur droit avec flèche 8">
+            <a:extLst>
+              <a:ext uri="{FF2B5EF4-FFF2-40B4-BE49-F238E27FC236}">
+                <a16:creationId xmlns:a16="http://schemas.microsoft.com/office/drawing/2014/main" id="{D2C8225D-52C0-41B0-91EF-2BAACEF0ED14}"/>
+              </a:ext>
+            </a:extLst>
+          </p:cNvPr>
+          <p:cNvCxnSpPr/>
+          <p:nvPr/>
+        </p:nvCxnSpPr>
+        <p:spPr>
+          <a:xfrm flipV="1">
+            <a:off x="5588000" y="3547533"/>
+            <a:ext cx="0" cy="349512"/>
+          </a:xfrm>
+          <a:prstGeom prst="straightConnector1">
+            <a:avLst/>
+          </a:prstGeom>
+          <a:ln>
+            <a:tailEnd type="triangle"/>
+          </a:ln>
+        </p:spPr>
+        <p:style>
+          <a:lnRef idx="1">
+            <a:schemeClr val="dk1"/>
+          </a:lnRef>
+          <a:fillRef idx="0">
+            <a:schemeClr val="dk1"/>
+          </a:fillRef>
+          <a:effectRef idx="0">
+            <a:schemeClr val="dk1"/>
+          </a:effectRef>
+          <a:fontRef idx="minor">
+            <a:schemeClr val="tx1"/>
+          </a:fontRef>
+        </p:style>
+      </p:cxnSp>
+      <p:cxnSp>
+        <p:nvCxnSpPr>
+          <p:cNvPr id="10" name="Connecteur droit avec flèche 9">
+            <a:extLst>
+              <a:ext uri="{FF2B5EF4-FFF2-40B4-BE49-F238E27FC236}">
+                <a16:creationId xmlns:a16="http://schemas.microsoft.com/office/drawing/2014/main" id="{C98660D2-AFA1-4472-808E-9FA479A13A87}"/>
+              </a:ext>
+            </a:extLst>
+          </p:cNvPr>
+          <p:cNvCxnSpPr>
+            <a:cxnSpLocks/>
+          </p:cNvCxnSpPr>
+          <p:nvPr/>
+        </p:nvCxnSpPr>
+        <p:spPr>
+          <a:xfrm>
+            <a:off x="5588000" y="3897045"/>
+            <a:ext cx="357981" cy="0"/>
+          </a:xfrm>
+          <a:prstGeom prst="straightConnector1">
+            <a:avLst/>
+          </a:prstGeom>
+          <a:ln>
+            <a:tailEnd type="triangle"/>
+          </a:ln>
+        </p:spPr>
+        <p:style>
+          <a:lnRef idx="1">
+            <a:schemeClr val="dk1"/>
+          </a:lnRef>
+          <a:fillRef idx="0">
+            <a:schemeClr val="dk1"/>
+          </a:fillRef>
+          <a:effectRef idx="0">
+            <a:schemeClr val="dk1"/>
+          </a:effectRef>
+          <a:fontRef idx="minor">
+            <a:schemeClr val="tx1"/>
+          </a:fontRef>
+        </p:style>
+      </p:cxnSp>
+      <p:sp>
+        <p:nvSpPr>
+          <p:cNvPr id="11" name="ZoneTexte 10">
+            <a:extLst>
+              <a:ext uri="{FF2B5EF4-FFF2-40B4-BE49-F238E27FC236}">
+                <a16:creationId xmlns:a16="http://schemas.microsoft.com/office/drawing/2014/main" id="{B17A52D9-D9BC-4C29-8811-188F59A513CB}"/>
+              </a:ext>
+            </a:extLst>
+          </p:cNvPr>
+          <p:cNvSpPr txBox="1"/>
+          <p:nvPr/>
+        </p:nvSpPr>
+        <p:spPr>
+          <a:xfrm>
+            <a:off x="5383406" y="3537623"/>
+            <a:ext cx="45719" cy="369332"/>
+          </a:xfrm>
+          <a:prstGeom prst="rect">
+            <a:avLst/>
+          </a:prstGeom>
+          <a:noFill/>
+        </p:spPr>
+        <p:txBody>
+          <a:bodyPr wrap="square" rtlCol="0">
+            <a:spAutoFit/>
+          </a:bodyPr>
+          <a:lstStyle/>
+          <a:p>
+            <a:r>
+              <a:rPr lang="fr-CA" dirty="0"/>
+              <a:t>y</a:t>
+            </a:r>
+          </a:p>
+        </p:txBody>
+      </p:sp>
+      <p:sp>
+        <p:nvSpPr>
+          <p:cNvPr id="12" name="ZoneTexte 11">
+            <a:extLst>
+              <a:ext uri="{FF2B5EF4-FFF2-40B4-BE49-F238E27FC236}">
+                <a16:creationId xmlns:a16="http://schemas.microsoft.com/office/drawing/2014/main" id="{7B2B7144-4B19-43E5-B6DA-C96CA816A1DD}"/>
+              </a:ext>
+            </a:extLst>
+          </p:cNvPr>
+          <p:cNvSpPr txBox="1"/>
+          <p:nvPr/>
+        </p:nvSpPr>
+        <p:spPr>
+          <a:xfrm>
+            <a:off x="5687904" y="3813224"/>
+            <a:ext cx="204045" cy="369332"/>
+          </a:xfrm>
+          <a:prstGeom prst="rect">
+            <a:avLst/>
+          </a:prstGeom>
+          <a:noFill/>
+        </p:spPr>
+        <p:txBody>
+          <a:bodyPr wrap="square" rtlCol="0">
+            <a:spAutoFit/>
+          </a:bodyPr>
+          <a:lstStyle/>
+          <a:p>
+            <a:r>
+              <a:rPr lang="fr-CA" dirty="0"/>
+              <a:t>x</a:t>
             </a:r>
           </a:p>
         </p:txBody>
@@ -7218,7 +7503,7 @@
           </p:cNvPicPr>
           <p:nvPr/>
         </p:nvPicPr>
-        <p:blipFill>
+        <p:blipFill rotWithShape="1">
           <a:blip r:embed="rId4">
             <a:clrChange>
               <a:clrFrom>
@@ -7242,14 +7527,13 @@
               </a:ext>
             </a:extLst>
           </a:blip>
-          <a:stretch>
-            <a:fillRect/>
-          </a:stretch>
+          <a:srcRect b="6279"/>
+          <a:stretch/>
         </p:blipFill>
         <p:spPr>
           <a:xfrm>
-            <a:off x="2895600" y="2103120"/>
-            <a:ext cx="6400800" cy="1171575"/>
+            <a:off x="2895600" y="2103121"/>
+            <a:ext cx="6400800" cy="1098008"/>
           </a:xfrm>
           <a:prstGeom prst="rect">
             <a:avLst/>
@@ -7298,6 +7582,111 @@
           </a:prstGeom>
         </p:spPr>
       </p:pic>
+      <p:sp>
+        <p:nvSpPr>
+          <p:cNvPr id="3" name="ZoneTexte 2">
+            <a:extLst>
+              <a:ext uri="{FF2B5EF4-FFF2-40B4-BE49-F238E27FC236}">
+                <a16:creationId xmlns:a16="http://schemas.microsoft.com/office/drawing/2014/main" id="{5E591446-DAEE-422A-BA2D-2528A913496B}"/>
+              </a:ext>
+            </a:extLst>
+          </p:cNvPr>
+          <p:cNvSpPr txBox="1"/>
+          <p:nvPr/>
+        </p:nvSpPr>
+        <p:spPr>
+          <a:xfrm>
+            <a:off x="1066799" y="1829528"/>
+            <a:ext cx="4673601" cy="369332"/>
+          </a:xfrm>
+          <a:prstGeom prst="rect">
+            <a:avLst/>
+          </a:prstGeom>
+          <a:noFill/>
+        </p:spPr>
+        <p:txBody>
+          <a:bodyPr wrap="square" rtlCol="0">
+            <a:spAutoFit/>
+          </a:bodyPr>
+          <a:lstStyle/>
+          <a:p>
+            <a:r>
+              <a:rPr lang="fr-CA" dirty="0"/>
+              <a:t>Nous avons l’Hamiltonien suivant:</a:t>
+            </a:r>
+          </a:p>
+        </p:txBody>
+      </p:sp>
+      <p:sp>
+        <p:nvSpPr>
+          <p:cNvPr id="6" name="ZoneTexte 5">
+            <a:extLst>
+              <a:ext uri="{FF2B5EF4-FFF2-40B4-BE49-F238E27FC236}">
+                <a16:creationId xmlns:a16="http://schemas.microsoft.com/office/drawing/2014/main" id="{9A1FCC69-17AC-4493-8246-24C3071E98C8}"/>
+              </a:ext>
+            </a:extLst>
+          </p:cNvPr>
+          <p:cNvSpPr txBox="1"/>
+          <p:nvPr/>
+        </p:nvSpPr>
+        <p:spPr>
+          <a:xfrm>
+            <a:off x="1066800" y="3398640"/>
+            <a:ext cx="8796867" cy="369332"/>
+          </a:xfrm>
+          <a:prstGeom prst="rect">
+            <a:avLst/>
+          </a:prstGeom>
+          <a:noFill/>
+        </p:spPr>
+        <p:txBody>
+          <a:bodyPr wrap="square" rtlCol="0">
+            <a:spAutoFit/>
+          </a:bodyPr>
+          <a:lstStyle/>
+          <a:p>
+            <a:r>
+              <a:rPr lang="fr-CA" dirty="0"/>
+              <a:t>Que  nous pouvons séparer en une partie harmonique et une partie perturbation </a:t>
+            </a:r>
+          </a:p>
+        </p:txBody>
+      </p:sp>
+      <p:sp>
+        <p:nvSpPr>
+          <p:cNvPr id="8" name="ZoneTexte 7">
+            <a:extLst>
+              <a:ext uri="{FF2B5EF4-FFF2-40B4-BE49-F238E27FC236}">
+                <a16:creationId xmlns:a16="http://schemas.microsoft.com/office/drawing/2014/main" id="{666EC0D2-40D7-4C4F-8903-6A5C081F1E93}"/>
+              </a:ext>
+            </a:extLst>
+          </p:cNvPr>
+          <p:cNvSpPr txBox="1"/>
+          <p:nvPr/>
+        </p:nvSpPr>
+        <p:spPr>
+          <a:xfrm>
+            <a:off x="1066799" y="4530224"/>
+            <a:ext cx="8796867" cy="369332"/>
+          </a:xfrm>
+          <a:prstGeom prst="rect">
+            <a:avLst/>
+          </a:prstGeom>
+          <a:noFill/>
+        </p:spPr>
+        <p:txBody>
+          <a:bodyPr wrap="square" rtlCol="0">
+            <a:spAutoFit/>
+          </a:bodyPr>
+          <a:lstStyle/>
+          <a:p>
+            <a:r>
+              <a:rPr lang="fr-CA" dirty="0"/>
+              <a:t>Nous cherchons à résoudre l’équation de Schrödinger indépendante du temps</a:t>
+            </a:r>
+          </a:p>
+        </p:txBody>
+      </p:sp>
     </p:spTree>
     <p:extLst>
       <p:ext uri="{BB962C8B-B14F-4D97-AF65-F5344CB8AC3E}">
@@ -7535,31 +7924,129 @@
           </a:p>
         </p:txBody>
       </p:sp>
-      <p:sp>
-        <p:nvSpPr>
-          <p:cNvPr id="3" name="Espace réservé du contenu 2">
-            <a:extLst>
-              <a:ext uri="{FF2B5EF4-FFF2-40B4-BE49-F238E27FC236}">
-                <a16:creationId xmlns:a16="http://schemas.microsoft.com/office/drawing/2014/main" id="{60C44EC2-559F-4CC2-8DC1-2226C758BF8A}"/>
-              </a:ext>
-            </a:extLst>
-          </p:cNvPr>
-          <p:cNvSpPr>
-            <a:spLocks noGrp="1"/>
-          </p:cNvSpPr>
-          <p:nvPr>
-            <p:ph idx="1"/>
-          </p:nvPr>
-        </p:nvSpPr>
-        <p:spPr/>
-        <p:txBody>
-          <a:bodyPr/>
-          <a:lstStyle/>
-          <a:p>
-            <a:endParaRPr lang="fr-CA" dirty="0"/>
-          </a:p>
-        </p:txBody>
-      </p:sp>
+      <p:pic>
+        <p:nvPicPr>
+          <p:cNvPr id="4" name="Image 3">
+            <a:extLst>
+              <a:ext uri="{FF2B5EF4-FFF2-40B4-BE49-F238E27FC236}">
+                <a16:creationId xmlns:a16="http://schemas.microsoft.com/office/drawing/2014/main" id="{07F18835-066C-420C-918E-97D0CDE00B2F}"/>
+              </a:ext>
+            </a:extLst>
+          </p:cNvPr>
+          <p:cNvPicPr>
+            <a:picLocks noChangeAspect="1"/>
+          </p:cNvPicPr>
+          <p:nvPr/>
+        </p:nvPicPr>
+        <p:blipFill>
+          <a:blip r:embed="rId2">
+            <a:clrChange>
+              <a:clrFrom>
+                <a:srgbClr val="FFFFFF"/>
+              </a:clrFrom>
+              <a:clrTo>
+                <a:srgbClr val="FFFFFF">
+                  <a:alpha val="0"/>
+                </a:srgbClr>
+              </a:clrTo>
+            </a:clrChange>
+          </a:blip>
+          <a:stretch>
+            <a:fillRect/>
+          </a:stretch>
+        </p:blipFill>
+        <p:spPr>
+          <a:xfrm>
+            <a:off x="4638675" y="1933576"/>
+            <a:ext cx="2914650" cy="552450"/>
+          </a:xfrm>
+          <a:prstGeom prst="rect">
+            <a:avLst/>
+          </a:prstGeom>
+        </p:spPr>
+      </p:pic>
+      <p:pic>
+        <p:nvPicPr>
+          <p:cNvPr id="5" name="Image 4">
+            <a:extLst>
+              <a:ext uri="{FF2B5EF4-FFF2-40B4-BE49-F238E27FC236}">
+                <a16:creationId xmlns:a16="http://schemas.microsoft.com/office/drawing/2014/main" id="{35E388EE-307D-4671-882A-B4F027B02231}"/>
+              </a:ext>
+            </a:extLst>
+          </p:cNvPr>
+          <p:cNvPicPr>
+            <a:picLocks noChangeAspect="1"/>
+          </p:cNvPicPr>
+          <p:nvPr/>
+        </p:nvPicPr>
+        <p:blipFill>
+          <a:blip r:embed="rId3">
+            <a:clrChange>
+              <a:clrFrom>
+                <a:srgbClr val="FFFFFF"/>
+              </a:clrFrom>
+              <a:clrTo>
+                <a:srgbClr val="FFFFFF">
+                  <a:alpha val="0"/>
+                </a:srgbClr>
+              </a:clrTo>
+            </a:clrChange>
+          </a:blip>
+          <a:stretch>
+            <a:fillRect/>
+          </a:stretch>
+        </p:blipFill>
+        <p:spPr>
+          <a:xfrm>
+            <a:off x="2799290" y="3305176"/>
+            <a:ext cx="6915150" cy="704850"/>
+          </a:xfrm>
+          <a:prstGeom prst="rect">
+            <a:avLst/>
+          </a:prstGeom>
+        </p:spPr>
+      </p:pic>
+      <p:pic>
+        <p:nvPicPr>
+          <p:cNvPr id="6" name="Image 5">
+            <a:extLst>
+              <a:ext uri="{FF2B5EF4-FFF2-40B4-BE49-F238E27FC236}">
+                <a16:creationId xmlns:a16="http://schemas.microsoft.com/office/drawing/2014/main" id="{096F9F1F-EB44-41BB-AEDA-09916F5C331C}"/>
+              </a:ext>
+            </a:extLst>
+          </p:cNvPr>
+          <p:cNvPicPr>
+            <a:picLocks noChangeAspect="1"/>
+          </p:cNvPicPr>
+          <p:nvPr/>
+        </p:nvPicPr>
+        <p:blipFill>
+          <a:blip r:embed="rId4">
+            <a:clrChange>
+              <a:clrFrom>
+                <a:srgbClr val="FFFFFF"/>
+              </a:clrFrom>
+              <a:clrTo>
+                <a:srgbClr val="FFFFFF">
+                  <a:alpha val="0"/>
+                </a:srgbClr>
+              </a:clrTo>
+            </a:clrChange>
+          </a:blip>
+          <a:stretch>
+            <a:fillRect/>
+          </a:stretch>
+        </p:blipFill>
+        <p:spPr>
+          <a:xfrm>
+            <a:off x="3823228" y="4870979"/>
+            <a:ext cx="4867275" cy="638175"/>
+          </a:xfrm>
+          <a:prstGeom prst="rect">
+            <a:avLst/>
+          </a:prstGeom>
+        </p:spPr>
+      </p:pic>
     </p:spTree>
     <p:extLst>
       <p:ext uri="{BB962C8B-B14F-4D97-AF65-F5344CB8AC3E}">
@@ -7616,7 +8103,293 @@
                 <a:latin typeface="Segoe UI Semibold" panose="020B0702040204020203" pitchFamily="34" charset="0"/>
                 <a:cs typeface="Segoe UI Semibold" panose="020B0702040204020203" pitchFamily="34" charset="0"/>
               </a:rPr>
-              <a:t>Conclusion</a:t>
+              <a:t>Solutions approximatives: perturbations</a:t>
+            </a:r>
+          </a:p>
+        </p:txBody>
+      </p:sp>
+      <p:pic>
+        <p:nvPicPr>
+          <p:cNvPr id="3" name="Image 2">
+            <a:extLst>
+              <a:ext uri="{FF2B5EF4-FFF2-40B4-BE49-F238E27FC236}">
+                <a16:creationId xmlns:a16="http://schemas.microsoft.com/office/drawing/2014/main" id="{FD068053-DA43-4DA1-8C2B-9C293EF0A0F8}"/>
+              </a:ext>
+            </a:extLst>
+          </p:cNvPr>
+          <p:cNvPicPr>
+            <a:picLocks noChangeAspect="1"/>
+          </p:cNvPicPr>
+          <p:nvPr/>
+        </p:nvPicPr>
+        <p:blipFill>
+          <a:blip r:embed="rId2">
+            <a:clrChange>
+              <a:clrFrom>
+                <a:srgbClr val="FFFFFF"/>
+              </a:clrFrom>
+              <a:clrTo>
+                <a:srgbClr val="FFFFFF">
+                  <a:alpha val="0"/>
+                </a:srgbClr>
+              </a:clrTo>
+            </a:clrChange>
+          </a:blip>
+          <a:stretch>
+            <a:fillRect/>
+          </a:stretch>
+        </p:blipFill>
+        <p:spPr>
+          <a:xfrm>
+            <a:off x="4471986" y="2522194"/>
+            <a:ext cx="3248025" cy="723900"/>
+          </a:xfrm>
+          <a:prstGeom prst="rect">
+            <a:avLst/>
+          </a:prstGeom>
+        </p:spPr>
+      </p:pic>
+      <p:pic>
+        <p:nvPicPr>
+          <p:cNvPr id="7" name="Image 6">
+            <a:extLst>
+              <a:ext uri="{FF2B5EF4-FFF2-40B4-BE49-F238E27FC236}">
+                <a16:creationId xmlns:a16="http://schemas.microsoft.com/office/drawing/2014/main" id="{A7DE497F-268B-4AFE-9C8E-66A481146C43}"/>
+              </a:ext>
+            </a:extLst>
+          </p:cNvPr>
+          <p:cNvPicPr>
+            <a:picLocks noChangeAspect="1"/>
+          </p:cNvPicPr>
+          <p:nvPr/>
+        </p:nvPicPr>
+        <p:blipFill>
+          <a:blip r:embed="rId3">
+            <a:clrChange>
+              <a:clrFrom>
+                <a:srgbClr val="FFFFFF"/>
+              </a:clrFrom>
+              <a:clrTo>
+                <a:srgbClr val="FFFFFF">
+                  <a:alpha val="0"/>
+                </a:srgbClr>
+              </a:clrTo>
+            </a:clrChange>
+          </a:blip>
+          <a:stretch>
+            <a:fillRect/>
+          </a:stretch>
+        </p:blipFill>
+        <p:spPr>
+          <a:xfrm>
+            <a:off x="3933824" y="4109694"/>
+            <a:ext cx="4324350" cy="1114425"/>
+          </a:xfrm>
+          <a:prstGeom prst="rect">
+            <a:avLst/>
+          </a:prstGeom>
+        </p:spPr>
+      </p:pic>
+    </p:spTree>
+    <p:extLst>
+      <p:ext uri="{BB962C8B-B14F-4D97-AF65-F5344CB8AC3E}">
+        <p14:creationId xmlns:p14="http://schemas.microsoft.com/office/powerpoint/2010/main" val="1098673664"/>
+      </p:ext>
+    </p:extLst>
+  </p:cSld>
+  <p:clrMapOvr>
+    <a:masterClrMapping/>
+  </p:clrMapOvr>
+</p:sld>
+</file>
+
+<file path=ppt/slides/slide24.xml><?xml version="1.0" encoding="utf-8"?>
+<p:sld xmlns:a="http://schemas.openxmlformats.org/drawingml/2006/main" xmlns:r="http://schemas.openxmlformats.org/officeDocument/2006/relationships" xmlns:p="http://schemas.openxmlformats.org/presentationml/2006/main">
+  <p:cSld>
+    <p:spTree>
+      <p:nvGrpSpPr>
+        <p:cNvPr id="1" name=""/>
+        <p:cNvGrpSpPr/>
+        <p:nvPr/>
+      </p:nvGrpSpPr>
+      <p:grpSpPr>
+        <a:xfrm>
+          <a:off x="0" y="0"/>
+          <a:ext cx="0" cy="0"/>
+          <a:chOff x="0" y="0"/>
+          <a:chExt cx="0" cy="0"/>
+        </a:xfrm>
+      </p:grpSpPr>
+      <p:sp>
+        <p:nvSpPr>
+          <p:cNvPr id="2" name="Titre 1">
+            <a:extLst>
+              <a:ext uri="{FF2B5EF4-FFF2-40B4-BE49-F238E27FC236}">
+                <a16:creationId xmlns:a16="http://schemas.microsoft.com/office/drawing/2014/main" id="{4DE2DCB7-FE74-442F-9CC2-8D8ECABFD3E8}"/>
+              </a:ext>
+            </a:extLst>
+          </p:cNvPr>
+          <p:cNvSpPr>
+            <a:spLocks noGrp="1"/>
+          </p:cNvSpPr>
+          <p:nvPr>
+            <p:ph type="title"/>
+          </p:nvPr>
+        </p:nvSpPr>
+        <p:spPr/>
+        <p:txBody>
+          <a:bodyPr/>
+          <a:lstStyle/>
+          <a:p>
+            <a:r>
+              <a:rPr lang="fr-CA" dirty="0">
+                <a:latin typeface="Segoe UI Semibold" panose="020B0702040204020203" pitchFamily="34" charset="0"/>
+                <a:cs typeface="Segoe UI Semibold" panose="020B0702040204020203" pitchFamily="34" charset="0"/>
+              </a:rPr>
+              <a:t>Solutions approximatives: perturbations</a:t>
+            </a:r>
+          </a:p>
+        </p:txBody>
+      </p:sp>
+      <p:pic>
+        <p:nvPicPr>
+          <p:cNvPr id="4" name="Image 3">
+            <a:extLst>
+              <a:ext uri="{FF2B5EF4-FFF2-40B4-BE49-F238E27FC236}">
+                <a16:creationId xmlns:a16="http://schemas.microsoft.com/office/drawing/2014/main" id="{45D7B551-3FB3-4E68-993A-88DE5D70C115}"/>
+              </a:ext>
+            </a:extLst>
+          </p:cNvPr>
+          <p:cNvPicPr>
+            <a:picLocks noChangeAspect="1"/>
+          </p:cNvPicPr>
+          <p:nvPr/>
+        </p:nvPicPr>
+        <p:blipFill>
+          <a:blip r:embed="rId2">
+            <a:clrChange>
+              <a:clrFrom>
+                <a:srgbClr val="FFFFFF"/>
+              </a:clrFrom>
+              <a:clrTo>
+                <a:srgbClr val="FFFFFF">
+                  <a:alpha val="0"/>
+                </a:srgbClr>
+              </a:clrTo>
+            </a:clrChange>
+          </a:blip>
+          <a:stretch>
+            <a:fillRect/>
+          </a:stretch>
+        </p:blipFill>
+        <p:spPr>
+          <a:xfrm>
+            <a:off x="4424359" y="2476857"/>
+            <a:ext cx="3343275" cy="533400"/>
+          </a:xfrm>
+          <a:prstGeom prst="rect">
+            <a:avLst/>
+          </a:prstGeom>
+        </p:spPr>
+      </p:pic>
+      <p:pic>
+        <p:nvPicPr>
+          <p:cNvPr id="5" name="Image 4">
+            <a:extLst>
+              <a:ext uri="{FF2B5EF4-FFF2-40B4-BE49-F238E27FC236}">
+                <a16:creationId xmlns:a16="http://schemas.microsoft.com/office/drawing/2014/main" id="{F226B24E-D890-47B7-9914-AFCFD18031BC}"/>
+              </a:ext>
+            </a:extLst>
+          </p:cNvPr>
+          <p:cNvPicPr>
+            <a:picLocks noChangeAspect="1"/>
+          </p:cNvPicPr>
+          <p:nvPr/>
+        </p:nvPicPr>
+        <p:blipFill>
+          <a:blip r:embed="rId3">
+            <a:clrChange>
+              <a:clrFrom>
+                <a:srgbClr val="FFFFFF"/>
+              </a:clrFrom>
+              <a:clrTo>
+                <a:srgbClr val="FFFFFF">
+                  <a:alpha val="0"/>
+                </a:srgbClr>
+              </a:clrTo>
+            </a:clrChange>
+          </a:blip>
+          <a:stretch>
+            <a:fillRect/>
+          </a:stretch>
+        </p:blipFill>
+        <p:spPr>
+          <a:xfrm>
+            <a:off x="3290885" y="4006320"/>
+            <a:ext cx="5610225" cy="1114425"/>
+          </a:xfrm>
+          <a:prstGeom prst="rect">
+            <a:avLst/>
+          </a:prstGeom>
+        </p:spPr>
+      </p:pic>
+    </p:spTree>
+    <p:extLst>
+      <p:ext uri="{BB962C8B-B14F-4D97-AF65-F5344CB8AC3E}">
+        <p14:creationId xmlns:p14="http://schemas.microsoft.com/office/powerpoint/2010/main" val="3145349343"/>
+      </p:ext>
+    </p:extLst>
+  </p:cSld>
+  <p:clrMapOvr>
+    <a:masterClrMapping/>
+  </p:clrMapOvr>
+</p:sld>
+</file>
+
+<file path=ppt/slides/slide25.xml><?xml version="1.0" encoding="utf-8"?>
+<p:sld xmlns:a="http://schemas.openxmlformats.org/drawingml/2006/main" xmlns:r="http://schemas.openxmlformats.org/officeDocument/2006/relationships" xmlns:p="http://schemas.openxmlformats.org/presentationml/2006/main">
+  <p:cSld>
+    <p:spTree>
+      <p:nvGrpSpPr>
+        <p:cNvPr id="1" name=""/>
+        <p:cNvGrpSpPr/>
+        <p:nvPr/>
+      </p:nvGrpSpPr>
+      <p:grpSpPr>
+        <a:xfrm>
+          <a:off x="0" y="0"/>
+          <a:ext cx="0" cy="0"/>
+          <a:chOff x="0" y="0"/>
+          <a:chExt cx="0" cy="0"/>
+        </a:xfrm>
+      </p:grpSpPr>
+      <p:sp>
+        <p:nvSpPr>
+          <p:cNvPr id="2" name="Titre 1">
+            <a:extLst>
+              <a:ext uri="{FF2B5EF4-FFF2-40B4-BE49-F238E27FC236}">
+                <a16:creationId xmlns:a16="http://schemas.microsoft.com/office/drawing/2014/main" id="{4DE2DCB7-FE74-442F-9CC2-8D8ECABFD3E8}"/>
+              </a:ext>
+            </a:extLst>
+          </p:cNvPr>
+          <p:cNvSpPr>
+            <a:spLocks noGrp="1"/>
+          </p:cNvSpPr>
+          <p:nvPr>
+            <p:ph type="title"/>
+          </p:nvPr>
+        </p:nvSpPr>
+        <p:spPr/>
+        <p:txBody>
+          <a:bodyPr/>
+          <a:lstStyle/>
+          <a:p>
+            <a:r>
+              <a:rPr lang="fr-CA" dirty="0">
+                <a:latin typeface="Segoe UI Semibold" panose="020B0702040204020203" pitchFamily="34" charset="0"/>
+                <a:cs typeface="Segoe UI Semibold" panose="020B0702040204020203" pitchFamily="34" charset="0"/>
+              </a:rPr>
+              <a:t>Solutions approximatives: perturbations</a:t>
             </a:r>
           </a:p>
         </p:txBody>
@@ -7639,10 +8412,147 @@
         </p:nvSpPr>
         <p:spPr/>
         <p:txBody>
-          <a:bodyPr/>
+          <a:bodyPr>
+            <a:normAutofit/>
+          </a:bodyPr>
           <a:lstStyle/>
           <a:p>
-            <a:endParaRPr lang="fr-CA" dirty="0"/>
+            <a:pPr marL="0" indent="0">
+              <a:buNone/>
+            </a:pPr>
+            <a:r>
+              <a:rPr lang="fr-CA" sz="1800" dirty="0"/>
+              <a:t>Nous avons considéré les cas suivants:</a:t>
+            </a:r>
+          </a:p>
+          <a:p>
+            <a:r>
+              <a:rPr lang="fr-CA" sz="1800" dirty="0"/>
+              <a:t>Le cas où </a:t>
+            </a:r>
+            <a:r>
+              <a:rPr lang="el-GR" sz="1800" dirty="0">
+                <a:latin typeface="Calibri" panose="020F0502020204030204" pitchFamily="34" charset="0"/>
+                <a:cs typeface="Calibri" panose="020F0502020204030204" pitchFamily="34" charset="0"/>
+              </a:rPr>
+              <a:t>α</a:t>
+            </a:r>
+            <a:r>
+              <a:rPr lang="fr-CA" sz="1800" dirty="0">
+                <a:latin typeface="Calibri" panose="020F0502020204030204" pitchFamily="34" charset="0"/>
+                <a:cs typeface="Calibri" panose="020F0502020204030204" pitchFamily="34" charset="0"/>
+              </a:rPr>
+              <a:t> </a:t>
+            </a:r>
+            <a:r>
+              <a:rPr lang="fr-CA" sz="1800" dirty="0">
+                <a:cs typeface="Calibri" panose="020F0502020204030204" pitchFamily="34" charset="0"/>
+              </a:rPr>
+              <a:t>ou </a:t>
+            </a:r>
+            <a:r>
+              <a:rPr lang="el-GR" sz="1800" dirty="0">
+                <a:latin typeface="Calibri" panose="020F0502020204030204" pitchFamily="34" charset="0"/>
+                <a:cs typeface="Calibri" panose="020F0502020204030204" pitchFamily="34" charset="0"/>
+              </a:rPr>
+              <a:t>β</a:t>
+            </a:r>
+            <a:r>
+              <a:rPr lang="fr-CA" sz="1800" dirty="0">
+                <a:cs typeface="Calibri" panose="020F0502020204030204" pitchFamily="34" charset="0"/>
+              </a:rPr>
+              <a:t> est nuls</a:t>
+            </a:r>
+          </a:p>
+          <a:p>
+            <a:r>
+              <a:rPr lang="fr-CA" sz="1800" dirty="0">
+                <a:cs typeface="Calibri" panose="020F0502020204030204" pitchFamily="34" charset="0"/>
+              </a:rPr>
+              <a:t>Le cas où </a:t>
+            </a:r>
+            <a:r>
+              <a:rPr lang="el-GR" sz="1800" dirty="0">
+                <a:latin typeface="Calibri" panose="020F0502020204030204" pitchFamily="34" charset="0"/>
+                <a:cs typeface="Calibri" panose="020F0502020204030204" pitchFamily="34" charset="0"/>
+              </a:rPr>
+              <a:t>α</a:t>
+            </a:r>
+            <a:r>
+              <a:rPr lang="fr-CA" sz="1800" dirty="0">
+                <a:latin typeface="Calibri" panose="020F0502020204030204" pitchFamily="34" charset="0"/>
+                <a:cs typeface="Calibri" panose="020F0502020204030204" pitchFamily="34" charset="0"/>
+              </a:rPr>
+              <a:t> </a:t>
+            </a:r>
+            <a:r>
+              <a:rPr lang="fr-CA" sz="1800" dirty="0">
+                <a:cs typeface="Calibri" panose="020F0502020204030204" pitchFamily="34" charset="0"/>
+              </a:rPr>
+              <a:t>est proportionnel à </a:t>
+            </a:r>
+            <a:r>
+              <a:rPr lang="el-GR" sz="1800" dirty="0">
+                <a:latin typeface="Calibri" panose="020F0502020204030204" pitchFamily="34" charset="0"/>
+                <a:cs typeface="Calibri" panose="020F0502020204030204" pitchFamily="34" charset="0"/>
+              </a:rPr>
+              <a:t>β</a:t>
+            </a:r>
+            <a:r>
+              <a:rPr lang="fr-CA" sz="1800" dirty="0">
+                <a:cs typeface="Calibri" panose="020F0502020204030204" pitchFamily="34" charset="0"/>
+              </a:rPr>
+              <a:t> </a:t>
+            </a:r>
+          </a:p>
+          <a:p>
+            <a:r>
+              <a:rPr lang="fr-CA" sz="1800" dirty="0">
+                <a:cs typeface="Calibri" panose="020F0502020204030204" pitchFamily="34" charset="0"/>
+              </a:rPr>
+              <a:t>Le cas où </a:t>
+            </a:r>
+            <a:r>
+              <a:rPr lang="el-GR" sz="1800" dirty="0">
+                <a:latin typeface="Calibri" panose="020F0502020204030204" pitchFamily="34" charset="0"/>
+                <a:cs typeface="Calibri" panose="020F0502020204030204" pitchFamily="34" charset="0"/>
+              </a:rPr>
+              <a:t>α</a:t>
+            </a:r>
+            <a:r>
+              <a:rPr lang="fr-CA" sz="1800" dirty="0">
+                <a:latin typeface="Calibri" panose="020F0502020204030204" pitchFamily="34" charset="0"/>
+                <a:cs typeface="Calibri" panose="020F0502020204030204" pitchFamily="34" charset="0"/>
+              </a:rPr>
+              <a:t> =</a:t>
+            </a:r>
+            <a:r>
+              <a:rPr lang="fr-CA" sz="1800" dirty="0">
+                <a:cs typeface="Calibri" panose="020F0502020204030204" pitchFamily="34" charset="0"/>
+              </a:rPr>
+              <a:t> </a:t>
+            </a:r>
+            <a:r>
+              <a:rPr lang="el-GR" sz="1800" dirty="0">
+                <a:latin typeface="Calibri" panose="020F0502020204030204" pitchFamily="34" charset="0"/>
+                <a:cs typeface="Calibri" panose="020F0502020204030204" pitchFamily="34" charset="0"/>
+              </a:rPr>
+              <a:t>β</a:t>
+            </a:r>
+            <a:r>
+              <a:rPr lang="fr-CA" sz="1800" baseline="30000" dirty="0">
+                <a:latin typeface="Calibri" panose="020F0502020204030204" pitchFamily="34" charset="0"/>
+                <a:cs typeface="Calibri" panose="020F0502020204030204" pitchFamily="34" charset="0"/>
+              </a:rPr>
+              <a:t>2</a:t>
+            </a:r>
+            <a:r>
+              <a:rPr lang="fr-CA" sz="1800" dirty="0">
+                <a:cs typeface="Calibri" panose="020F0502020204030204" pitchFamily="34" charset="0"/>
+              </a:rPr>
+              <a:t> </a:t>
+            </a:r>
+            <a:endParaRPr lang="fr-CA" sz="1800" dirty="0"/>
           </a:p>
         </p:txBody>
       </p:sp>
@@ -7650,6 +8560,92 @@
     <p:extLst>
       <p:ext uri="{BB962C8B-B14F-4D97-AF65-F5344CB8AC3E}">
         <p14:creationId xmlns:p14="http://schemas.microsoft.com/office/powerpoint/2010/main" val="4032787620"/>
+      </p:ext>
+    </p:extLst>
+  </p:cSld>
+  <p:clrMapOvr>
+    <a:masterClrMapping/>
+  </p:clrMapOvr>
+</p:sld>
+</file>
+
+<file path=ppt/slides/slide26.xml><?xml version="1.0" encoding="utf-8"?>
+<p:sld xmlns:a="http://schemas.openxmlformats.org/drawingml/2006/main" xmlns:r="http://schemas.openxmlformats.org/officeDocument/2006/relationships" xmlns:p="http://schemas.openxmlformats.org/presentationml/2006/main">
+  <p:cSld>
+    <p:spTree>
+      <p:nvGrpSpPr>
+        <p:cNvPr id="1" name=""/>
+        <p:cNvGrpSpPr/>
+        <p:nvPr/>
+      </p:nvGrpSpPr>
+      <p:grpSpPr>
+        <a:xfrm>
+          <a:off x="0" y="0"/>
+          <a:ext cx="0" cy="0"/>
+          <a:chOff x="0" y="0"/>
+          <a:chExt cx="0" cy="0"/>
+        </a:xfrm>
+      </p:grpSpPr>
+      <p:sp>
+        <p:nvSpPr>
+          <p:cNvPr id="2" name="Titre 1">
+            <a:extLst>
+              <a:ext uri="{FF2B5EF4-FFF2-40B4-BE49-F238E27FC236}">
+                <a16:creationId xmlns:a16="http://schemas.microsoft.com/office/drawing/2014/main" id="{4DE2DCB7-FE74-442F-9CC2-8D8ECABFD3E8}"/>
+              </a:ext>
+            </a:extLst>
+          </p:cNvPr>
+          <p:cNvSpPr>
+            <a:spLocks noGrp="1"/>
+          </p:cNvSpPr>
+          <p:nvPr>
+            <p:ph type="title"/>
+          </p:nvPr>
+        </p:nvSpPr>
+        <p:spPr/>
+        <p:txBody>
+          <a:bodyPr/>
+          <a:lstStyle/>
+          <a:p>
+            <a:r>
+              <a:rPr lang="fr-CA" dirty="0">
+                <a:latin typeface="Segoe UI Semibold" panose="020B0702040204020203" pitchFamily="34" charset="0"/>
+                <a:cs typeface="Segoe UI Semibold" panose="020B0702040204020203" pitchFamily="34" charset="0"/>
+              </a:rPr>
+              <a:t>Conclusion</a:t>
+            </a:r>
+          </a:p>
+        </p:txBody>
+      </p:sp>
+      <p:sp>
+        <p:nvSpPr>
+          <p:cNvPr id="3" name="Espace réservé du contenu 2">
+            <a:extLst>
+              <a:ext uri="{FF2B5EF4-FFF2-40B4-BE49-F238E27FC236}">
+                <a16:creationId xmlns:a16="http://schemas.microsoft.com/office/drawing/2014/main" id="{60C44EC2-559F-4CC2-8DC1-2226C758BF8A}"/>
+              </a:ext>
+            </a:extLst>
+          </p:cNvPr>
+          <p:cNvSpPr>
+            <a:spLocks noGrp="1"/>
+          </p:cNvSpPr>
+          <p:nvPr>
+            <p:ph idx="1"/>
+          </p:nvPr>
+        </p:nvSpPr>
+        <p:spPr/>
+        <p:txBody>
+          <a:bodyPr/>
+          <a:lstStyle/>
+          <a:p>
+            <a:endParaRPr lang="fr-CA" dirty="0"/>
+          </a:p>
+        </p:txBody>
+      </p:sp>
+    </p:spTree>
+    <p:extLst>
+      <p:ext uri="{BB962C8B-B14F-4D97-AF65-F5344CB8AC3E}">
+        <p14:creationId xmlns:p14="http://schemas.microsoft.com/office/powerpoint/2010/main" val="1638903209"/>
       </p:ext>
     </p:extLst>
   </p:cSld>
@@ -7707,31 +8703,6 @@
           </a:p>
         </p:txBody>
       </p:sp>
-      <p:sp>
-        <p:nvSpPr>
-          <p:cNvPr id="3" name="Espace réservé du contenu 2">
-            <a:extLst>
-              <a:ext uri="{FF2B5EF4-FFF2-40B4-BE49-F238E27FC236}">
-                <a16:creationId xmlns:a16="http://schemas.microsoft.com/office/drawing/2014/main" id="{60C44EC2-559F-4CC2-8DC1-2226C758BF8A}"/>
-              </a:ext>
-            </a:extLst>
-          </p:cNvPr>
-          <p:cNvSpPr>
-            <a:spLocks noGrp="1"/>
-          </p:cNvSpPr>
-          <p:nvPr>
-            <p:ph idx="1"/>
-          </p:nvPr>
-        </p:nvSpPr>
-        <p:spPr/>
-        <p:txBody>
-          <a:bodyPr/>
-          <a:lstStyle/>
-          <a:p>
-            <a:endParaRPr lang="fr-CA" dirty="0"/>
-          </a:p>
-        </p:txBody>
-      </p:sp>
       <p:pic>
         <p:nvPicPr>
           <p:cNvPr id="6" name="Image 5">
@@ -7776,7 +8747,7 @@
         </p:blipFill>
         <p:spPr>
           <a:xfrm>
-            <a:off x="3809033" y="2103120"/>
+            <a:off x="3809032" y="2448560"/>
             <a:ext cx="4573934" cy="980440"/>
           </a:xfrm>
           <a:prstGeom prst="rect">
@@ -7836,6 +8807,76 @@
           </a:prstGeom>
         </p:spPr>
       </p:pic>
+      <p:sp>
+        <p:nvSpPr>
+          <p:cNvPr id="5" name="ZoneTexte 4">
+            <a:extLst>
+              <a:ext uri="{FF2B5EF4-FFF2-40B4-BE49-F238E27FC236}">
+                <a16:creationId xmlns:a16="http://schemas.microsoft.com/office/drawing/2014/main" id="{940A8F42-9666-44AA-8463-8DF39A5DC151}"/>
+              </a:ext>
+            </a:extLst>
+          </p:cNvPr>
+          <p:cNvSpPr txBox="1"/>
+          <p:nvPr/>
+        </p:nvSpPr>
+        <p:spPr>
+          <a:xfrm>
+            <a:off x="1066800" y="1900589"/>
+            <a:ext cx="5249333" cy="369332"/>
+          </a:xfrm>
+          <a:prstGeom prst="rect">
+            <a:avLst/>
+          </a:prstGeom>
+          <a:noFill/>
+        </p:spPr>
+        <p:txBody>
+          <a:bodyPr wrap="square" rtlCol="0">
+            <a:spAutoFit/>
+          </a:bodyPr>
+          <a:lstStyle/>
+          <a:p>
+            <a:r>
+              <a:rPr lang="fr-CA" dirty="0"/>
+              <a:t>L’hamiltonien de l’oscillateur harmonique est</a:t>
+            </a:r>
+          </a:p>
+        </p:txBody>
+      </p:sp>
+      <p:sp>
+        <p:nvSpPr>
+          <p:cNvPr id="8" name="ZoneTexte 7">
+            <a:extLst>
+              <a:ext uri="{FF2B5EF4-FFF2-40B4-BE49-F238E27FC236}">
+                <a16:creationId xmlns:a16="http://schemas.microsoft.com/office/drawing/2014/main" id="{A30F8300-B7B1-4324-BB1E-222235E47C58}"/>
+              </a:ext>
+            </a:extLst>
+          </p:cNvPr>
+          <p:cNvSpPr txBox="1"/>
+          <p:nvPr/>
+        </p:nvSpPr>
+        <p:spPr>
+          <a:xfrm>
+            <a:off x="1066799" y="3516570"/>
+            <a:ext cx="5249333" cy="369332"/>
+          </a:xfrm>
+          <a:prstGeom prst="rect">
+            <a:avLst/>
+          </a:prstGeom>
+          <a:noFill/>
+        </p:spPr>
+        <p:txBody>
+          <a:bodyPr wrap="square" rtlCol="0">
+            <a:spAutoFit/>
+          </a:bodyPr>
+          <a:lstStyle/>
+          <a:p>
+            <a:r>
+              <a:rPr lang="fr-CA" dirty="0"/>
+              <a:t>Nous avons réécrit l’équation de Schrödinger</a:t>
+            </a:r>
+          </a:p>
+        </p:txBody>
+      </p:sp>
     </p:spTree>
     <p:extLst>
       <p:ext uri="{BB962C8B-B14F-4D97-AF65-F5344CB8AC3E}">
@@ -7897,31 +8938,6 @@
           </a:p>
         </p:txBody>
       </p:sp>
-      <p:sp>
-        <p:nvSpPr>
-          <p:cNvPr id="3" name="Espace réservé du contenu 2">
-            <a:extLst>
-              <a:ext uri="{FF2B5EF4-FFF2-40B4-BE49-F238E27FC236}">
-                <a16:creationId xmlns:a16="http://schemas.microsoft.com/office/drawing/2014/main" id="{60C44EC2-559F-4CC2-8DC1-2226C758BF8A}"/>
-              </a:ext>
-            </a:extLst>
-          </p:cNvPr>
-          <p:cNvSpPr>
-            <a:spLocks noGrp="1"/>
-          </p:cNvSpPr>
-          <p:nvPr>
-            <p:ph idx="1"/>
-          </p:nvPr>
-        </p:nvSpPr>
-        <p:spPr/>
-        <p:txBody>
-          <a:bodyPr/>
-          <a:lstStyle/>
-          <a:p>
-            <a:endParaRPr lang="fr-CA" dirty="0"/>
-          </a:p>
-        </p:txBody>
-      </p:sp>
       <p:pic>
         <p:nvPicPr>
           <p:cNvPr id="4" name="Image 3">
@@ -8017,8 +9033,119 @@
         </p:blipFill>
         <p:spPr>
           <a:xfrm>
-            <a:off x="4700587" y="2562225"/>
+            <a:off x="4404253" y="2358152"/>
             <a:ext cx="2790825" cy="1733550"/>
+          </a:xfrm>
+          <a:prstGeom prst="rect">
+            <a:avLst/>
+          </a:prstGeom>
+        </p:spPr>
+      </p:pic>
+      <p:sp>
+        <p:nvSpPr>
+          <p:cNvPr id="6" name="ZoneTexte 5">
+            <a:extLst>
+              <a:ext uri="{FF2B5EF4-FFF2-40B4-BE49-F238E27FC236}">
+                <a16:creationId xmlns:a16="http://schemas.microsoft.com/office/drawing/2014/main" id="{714D7823-E121-4150-9EB1-E6DB19A7F59D}"/>
+              </a:ext>
+            </a:extLst>
+          </p:cNvPr>
+          <p:cNvSpPr txBox="1"/>
+          <p:nvPr/>
+        </p:nvSpPr>
+        <p:spPr>
+          <a:xfrm>
+            <a:off x="1176867" y="1879120"/>
+            <a:ext cx="4546600" cy="369332"/>
+          </a:xfrm>
+          <a:prstGeom prst="rect">
+            <a:avLst/>
+          </a:prstGeom>
+          <a:noFill/>
+        </p:spPr>
+        <p:txBody>
+          <a:bodyPr wrap="square" rtlCol="0">
+            <a:spAutoFit/>
+          </a:bodyPr>
+          <a:lstStyle/>
+          <a:p>
+            <a:r>
+              <a:rPr lang="fr-CA" dirty="0"/>
+              <a:t>Nous introduisons les opérateurs d’échelle</a:t>
+            </a:r>
+          </a:p>
+        </p:txBody>
+      </p:sp>
+      <p:sp>
+        <p:nvSpPr>
+          <p:cNvPr id="7" name="ZoneTexte 6">
+            <a:extLst>
+              <a:ext uri="{FF2B5EF4-FFF2-40B4-BE49-F238E27FC236}">
+                <a16:creationId xmlns:a16="http://schemas.microsoft.com/office/drawing/2014/main" id="{74CA5E85-C33A-4C9D-8009-7C7A6A3149F4}"/>
+              </a:ext>
+            </a:extLst>
+          </p:cNvPr>
+          <p:cNvSpPr txBox="1"/>
+          <p:nvPr/>
+        </p:nvSpPr>
+        <p:spPr>
+          <a:xfrm>
+            <a:off x="1176867" y="4091702"/>
+            <a:ext cx="4809066" cy="369332"/>
+          </a:xfrm>
+          <a:prstGeom prst="rect">
+            <a:avLst/>
+          </a:prstGeom>
+          <a:noFill/>
+        </p:spPr>
+        <p:txBody>
+          <a:bodyPr wrap="square" rtlCol="0">
+            <a:spAutoFit/>
+          </a:bodyPr>
+          <a:lstStyle/>
+          <a:p>
+            <a:r>
+              <a:rPr lang="fr-CA" dirty="0"/>
+              <a:t>Qui ont  l’effet suivant sur les vecteurs propres: </a:t>
+            </a:r>
+          </a:p>
+        </p:txBody>
+      </p:sp>
+      <p:pic>
+        <p:nvPicPr>
+          <p:cNvPr id="8" name="Image 7">
+            <a:extLst>
+              <a:ext uri="{FF2B5EF4-FFF2-40B4-BE49-F238E27FC236}">
+                <a16:creationId xmlns:a16="http://schemas.microsoft.com/office/drawing/2014/main" id="{8D091F75-A770-40F1-AD3B-F701E758BD9D}"/>
+              </a:ext>
+            </a:extLst>
+          </p:cNvPr>
+          <p:cNvPicPr>
+            <a:picLocks noChangeAspect="1"/>
+          </p:cNvPicPr>
+          <p:nvPr/>
+        </p:nvPicPr>
+        <p:blipFill>
+          <a:blip r:embed="rId6">
+            <a:clrChange>
+              <a:clrFrom>
+                <a:srgbClr val="FFFFFF"/>
+              </a:clrFrom>
+              <a:clrTo>
+                <a:srgbClr val="FFFFFF">
+                  <a:alpha val="0"/>
+                </a:srgbClr>
+              </a:clrTo>
+            </a:clrChange>
+          </a:blip>
+          <a:stretch>
+            <a:fillRect/>
+          </a:stretch>
+        </p:blipFill>
+        <p:spPr>
+          <a:xfrm>
+            <a:off x="3718452" y="4696883"/>
+            <a:ext cx="4162425" cy="1314450"/>
           </a:xfrm>
           <a:prstGeom prst="rect">
             <a:avLst/>
@@ -8086,37 +9213,12 @@
           </a:p>
         </p:txBody>
       </p:sp>
-      <p:sp>
-        <p:nvSpPr>
-          <p:cNvPr id="3" name="Espace réservé du contenu 2">
-            <a:extLst>
-              <a:ext uri="{FF2B5EF4-FFF2-40B4-BE49-F238E27FC236}">
-                <a16:creationId xmlns:a16="http://schemas.microsoft.com/office/drawing/2014/main" id="{60C44EC2-559F-4CC2-8DC1-2226C758BF8A}"/>
-              </a:ext>
-            </a:extLst>
-          </p:cNvPr>
-          <p:cNvSpPr>
-            <a:spLocks noGrp="1"/>
-          </p:cNvSpPr>
-          <p:nvPr>
-            <p:ph idx="1"/>
-          </p:nvPr>
-        </p:nvSpPr>
-        <p:spPr/>
-        <p:txBody>
-          <a:bodyPr/>
-          <a:lstStyle/>
-          <a:p>
-            <a:endParaRPr lang="fr-CA" dirty="0"/>
-          </a:p>
-        </p:txBody>
-      </p:sp>
       <p:pic>
         <p:nvPicPr>
-          <p:cNvPr id="4" name="Image 3">
-            <a:extLst>
-              <a:ext uri="{FF2B5EF4-FFF2-40B4-BE49-F238E27FC236}">
-                <a16:creationId xmlns:a16="http://schemas.microsoft.com/office/drawing/2014/main" id="{038791E8-A28F-4141-85D7-363AC195564F}"/>
+          <p:cNvPr id="5" name="Image 4">
+            <a:extLst>
+              <a:ext uri="{FF2B5EF4-FFF2-40B4-BE49-F238E27FC236}">
+                <a16:creationId xmlns:a16="http://schemas.microsoft.com/office/drawing/2014/main" id="{C97442D6-74E1-4141-A00F-6B185A26AD7B}"/>
               </a:ext>
             </a:extLst>
           </p:cNvPr>
@@ -8125,7 +9227,7 @@
           </p:cNvPicPr>
           <p:nvPr/>
         </p:nvPicPr>
-        <p:blipFill>
+        <p:blipFill rotWithShape="1">
           <a:blip r:embed="rId2">
             <a:clrChange>
               <a:clrFrom>
@@ -8149,14 +9251,13 @@
               </a:ext>
             </a:extLst>
           </a:blip>
-          <a:stretch>
-            <a:fillRect/>
-          </a:stretch>
+          <a:srcRect b="8591"/>
+          <a:stretch/>
         </p:blipFill>
         <p:spPr>
           <a:xfrm>
-            <a:off x="4090985" y="2103120"/>
-            <a:ext cx="4010025" cy="819150"/>
+            <a:off x="4776784" y="3342131"/>
+            <a:ext cx="2638425" cy="1001269"/>
           </a:xfrm>
           <a:prstGeom prst="rect">
             <a:avLst/>
@@ -8165,10 +9266,10 @@
       </p:pic>
       <p:pic>
         <p:nvPicPr>
-          <p:cNvPr id="5" name="Image 4">
-            <a:extLst>
-              <a:ext uri="{FF2B5EF4-FFF2-40B4-BE49-F238E27FC236}">
-                <a16:creationId xmlns:a16="http://schemas.microsoft.com/office/drawing/2014/main" id="{C97442D6-74E1-4141-A00F-6B185A26AD7B}"/>
+          <p:cNvPr id="6" name="Image 5">
+            <a:extLst>
+              <a:ext uri="{FF2B5EF4-FFF2-40B4-BE49-F238E27FC236}">
+                <a16:creationId xmlns:a16="http://schemas.microsoft.com/office/drawing/2014/main" id="{19960FFA-DF48-4E3E-B71A-C2FBB6B22FD1}"/>
               </a:ext>
             </a:extLst>
           </p:cNvPr>
@@ -8179,16 +9280,6 @@
         </p:nvPicPr>
         <p:blipFill>
           <a:blip r:embed="rId4">
-            <a:clrChange>
-              <a:clrFrom>
-                <a:srgbClr val="E6E6E6"/>
-              </a:clrFrom>
-              <a:clrTo>
-                <a:srgbClr val="E6E6E6">
-                  <a:alpha val="0"/>
-                </a:srgbClr>
-              </a:clrTo>
-            </a:clrChange>
             <a:extLst>
               <a:ext uri="{BEBA8EAE-BF5A-486C-A8C5-ECC9F3942E4B}">
                 <a14:imgProps xmlns:a14="http://schemas.microsoft.com/office/drawing/2010/main">
@@ -8207,20 +9298,130 @@
         </p:blipFill>
         <p:spPr>
           <a:xfrm>
-            <a:off x="4776784" y="3342131"/>
-            <a:ext cx="2638425" cy="1095375"/>
+            <a:off x="2728908" y="4661725"/>
+            <a:ext cx="6734175" cy="1066800"/>
           </a:xfrm>
           <a:prstGeom prst="rect">
             <a:avLst/>
           </a:prstGeom>
+          <a:ln>
+            <a:solidFill>
+              <a:schemeClr val="tx1"/>
+            </a:solidFill>
+          </a:ln>
         </p:spPr>
       </p:pic>
+      <p:sp>
+        <p:nvSpPr>
+          <p:cNvPr id="7" name="ZoneTexte 6">
+            <a:extLst>
+              <a:ext uri="{FF2B5EF4-FFF2-40B4-BE49-F238E27FC236}">
+                <a16:creationId xmlns:a16="http://schemas.microsoft.com/office/drawing/2014/main" id="{7065FA43-15AD-4720-A726-56025A8E0D86}"/>
+              </a:ext>
+            </a:extLst>
+          </p:cNvPr>
+          <p:cNvSpPr txBox="1"/>
+          <p:nvPr/>
+        </p:nvSpPr>
+        <p:spPr>
+          <a:xfrm>
+            <a:off x="1158340" y="1832113"/>
+            <a:ext cx="3618443" cy="369332"/>
+          </a:xfrm>
+          <a:prstGeom prst="rect">
+            <a:avLst/>
+          </a:prstGeom>
+          <a:noFill/>
+        </p:spPr>
+        <p:txBody>
+          <a:bodyPr wrap="square" rtlCol="0">
+            <a:spAutoFit/>
+          </a:bodyPr>
+          <a:lstStyle/>
+          <a:p>
+            <a:r>
+              <a:rPr lang="fr-CA" dirty="0"/>
+              <a:t>Les valeurs propres (énergies) sont:</a:t>
+            </a:r>
+          </a:p>
+        </p:txBody>
+      </p:sp>
+      <p:sp>
+        <p:nvSpPr>
+          <p:cNvPr id="8" name="ZoneTexte 7">
+            <a:extLst>
+              <a:ext uri="{FF2B5EF4-FFF2-40B4-BE49-F238E27FC236}">
+                <a16:creationId xmlns:a16="http://schemas.microsoft.com/office/drawing/2014/main" id="{E4C9805F-CA79-4CAE-8CC5-AEDE577A51E6}"/>
+              </a:ext>
+            </a:extLst>
+          </p:cNvPr>
+          <p:cNvSpPr txBox="1"/>
+          <p:nvPr/>
+        </p:nvSpPr>
+        <p:spPr>
+          <a:xfrm>
+            <a:off x="1158339" y="2947534"/>
+            <a:ext cx="3618443" cy="369332"/>
+          </a:xfrm>
+          <a:prstGeom prst="rect">
+            <a:avLst/>
+          </a:prstGeom>
+          <a:noFill/>
+        </p:spPr>
+        <p:txBody>
+          <a:bodyPr wrap="square" rtlCol="0">
+            <a:spAutoFit/>
+          </a:bodyPr>
+          <a:lstStyle/>
+          <a:p>
+            <a:r>
+              <a:rPr lang="fr-CA" dirty="0"/>
+              <a:t>Les vecteurs propres sont:</a:t>
+            </a:r>
+          </a:p>
+        </p:txBody>
+      </p:sp>
+      <p:sp>
+        <p:nvSpPr>
+          <p:cNvPr id="10" name="ZoneTexte 9">
+            <a:extLst>
+              <a:ext uri="{FF2B5EF4-FFF2-40B4-BE49-F238E27FC236}">
+                <a16:creationId xmlns:a16="http://schemas.microsoft.com/office/drawing/2014/main" id="{B228788D-20B4-4428-BC41-47ECEDF87013}"/>
+              </a:ext>
+            </a:extLst>
+          </p:cNvPr>
+          <p:cNvSpPr txBox="1"/>
+          <p:nvPr/>
+        </p:nvSpPr>
+        <p:spPr>
+          <a:xfrm>
+            <a:off x="1158339" y="5898189"/>
+            <a:ext cx="8400528" cy="369332"/>
+          </a:xfrm>
+          <a:prstGeom prst="rect">
+            <a:avLst/>
+          </a:prstGeom>
+          <a:noFill/>
+        </p:spPr>
+        <p:txBody>
+          <a:bodyPr wrap="square" rtlCol="0">
+            <a:spAutoFit/>
+          </a:bodyPr>
+          <a:lstStyle/>
+          <a:p>
+            <a:r>
+              <a:rPr lang="fr-CA" dirty="0"/>
+              <a:t>Les vecteurs propres sont proportionnels aux polynômes d’Hermite </a:t>
+            </a:r>
+          </a:p>
+        </p:txBody>
+      </p:sp>
       <p:pic>
         <p:nvPicPr>
-          <p:cNvPr id="6" name="Image 5">
-            <a:extLst>
-              <a:ext uri="{FF2B5EF4-FFF2-40B4-BE49-F238E27FC236}">
-                <a16:creationId xmlns:a16="http://schemas.microsoft.com/office/drawing/2014/main" id="{19960FFA-DF48-4E3E-B71A-C2FBB6B22FD1}"/>
+          <p:cNvPr id="11" name="Image 10">
+            <a:extLst>
+              <a:ext uri="{FF2B5EF4-FFF2-40B4-BE49-F238E27FC236}">
+                <a16:creationId xmlns:a16="http://schemas.microsoft.com/office/drawing/2014/main" id="{A1927A0E-58E6-4E92-83D6-B9DC936A4B01}"/>
               </a:ext>
             </a:extLst>
           </p:cNvPr>
@@ -8231,17 +9432,16 @@
         </p:nvPicPr>
         <p:blipFill>
           <a:blip r:embed="rId6">
-            <a:extLst>
-              <a:ext uri="{BEBA8EAE-BF5A-486C-A8C5-ECC9F3942E4B}">
-                <a14:imgProps xmlns:a14="http://schemas.microsoft.com/office/drawing/2010/main">
-                  <a14:imgLayer r:embed="rId7">
-                    <a14:imgEffect>
-                      <a14:brightnessContrast bright="-20000" contrast="40000"/>
-                    </a14:imgEffect>
-                  </a14:imgLayer>
-                </a14:imgProps>
-              </a:ext>
-            </a:extLst>
+            <a:clrChange>
+              <a:clrFrom>
+                <a:srgbClr val="FFFFFF"/>
+              </a:clrFrom>
+              <a:clrTo>
+                <a:srgbClr val="FFFFFF">
+                  <a:alpha val="0"/>
+                </a:srgbClr>
+              </a:clrTo>
+            </a:clrChange>
           </a:blip>
           <a:stretch>
             <a:fillRect/>
@@ -8249,17 +9449,12 @@
         </p:blipFill>
         <p:spPr>
           <a:xfrm>
-            <a:off x="2728908" y="4661725"/>
-            <a:ext cx="6734175" cy="1066800"/>
+            <a:off x="4306251" y="2196274"/>
+            <a:ext cx="3761423" cy="875751"/>
           </a:xfrm>
           <a:prstGeom prst="rect">
             <a:avLst/>
           </a:prstGeom>
-          <a:ln>
-            <a:solidFill>
-              <a:schemeClr val="tx1"/>
-            </a:solidFill>
-          </a:ln>
         </p:spPr>
       </p:pic>
     </p:spTree>
@@ -8323,31 +9518,6 @@
           </a:p>
         </p:txBody>
       </p:sp>
-      <p:sp>
-        <p:nvSpPr>
-          <p:cNvPr id="3" name="Espace réservé du contenu 2">
-            <a:extLst>
-              <a:ext uri="{FF2B5EF4-FFF2-40B4-BE49-F238E27FC236}">
-                <a16:creationId xmlns:a16="http://schemas.microsoft.com/office/drawing/2014/main" id="{60C44EC2-559F-4CC2-8DC1-2226C758BF8A}"/>
-              </a:ext>
-            </a:extLst>
-          </p:cNvPr>
-          <p:cNvSpPr>
-            <a:spLocks noGrp="1"/>
-          </p:cNvSpPr>
-          <p:nvPr>
-            <p:ph idx="1"/>
-          </p:nvPr>
-        </p:nvSpPr>
-        <p:spPr/>
-        <p:txBody>
-          <a:bodyPr/>
-          <a:lstStyle/>
-          <a:p>
-            <a:endParaRPr lang="fr-CA" dirty="0"/>
-          </a:p>
-        </p:txBody>
-      </p:sp>
       <p:pic>
         <p:nvPicPr>
           <p:cNvPr id="4" name="Image 3">
@@ -8392,7 +9562,7 @@
         </p:blipFill>
         <p:spPr>
           <a:xfrm>
-            <a:off x="3819525" y="1724025"/>
+            <a:off x="3819524" y="2088091"/>
             <a:ext cx="4552950" cy="1962150"/>
           </a:xfrm>
           <a:prstGeom prst="rect">
@@ -8443,14 +9613,49 @@
         </p:blipFill>
         <p:spPr>
           <a:xfrm>
-            <a:off x="1785937" y="3686175"/>
-            <a:ext cx="8620125" cy="2455863"/>
+            <a:off x="2031999" y="4076683"/>
+            <a:ext cx="7653867" cy="2180577"/>
           </a:xfrm>
           <a:prstGeom prst="rect">
             <a:avLst/>
           </a:prstGeom>
         </p:spPr>
       </p:pic>
+      <p:sp>
+        <p:nvSpPr>
+          <p:cNvPr id="6" name="ZoneTexte 5">
+            <a:extLst>
+              <a:ext uri="{FF2B5EF4-FFF2-40B4-BE49-F238E27FC236}">
+                <a16:creationId xmlns:a16="http://schemas.microsoft.com/office/drawing/2014/main" id="{DEAB6E46-EB98-42CD-BD82-3D8FCC601DD9}"/>
+              </a:ext>
+            </a:extLst>
+          </p:cNvPr>
+          <p:cNvSpPr txBox="1"/>
+          <p:nvPr/>
+        </p:nvSpPr>
+        <p:spPr>
+          <a:xfrm>
+            <a:off x="990598" y="1691028"/>
+            <a:ext cx="9973735" cy="646331"/>
+          </a:xfrm>
+          <a:prstGeom prst="rect">
+            <a:avLst/>
+          </a:prstGeom>
+          <a:noFill/>
+        </p:spPr>
+        <p:txBody>
+          <a:bodyPr wrap="square" rtlCol="0">
+            <a:spAutoFit/>
+          </a:bodyPr>
+          <a:lstStyle/>
+          <a:p>
+            <a:r>
+              <a:rPr lang="fr-CA" dirty="0"/>
+              <a:t>L’espace des fonctions avec les opérateurs différentiels est un isomorphisme avec un espace vectoriel avec des opérateurs matriciels</a:t>
+            </a:r>
+          </a:p>
+        </p:txBody>
+      </p:sp>
     </p:spTree>
     <p:extLst>
       <p:ext uri="{BB962C8B-B14F-4D97-AF65-F5344CB8AC3E}">
@@ -8512,31 +9717,6 @@
           </a:p>
         </p:txBody>
       </p:sp>
-      <p:sp>
-        <p:nvSpPr>
-          <p:cNvPr id="3" name="Espace réservé du contenu 2">
-            <a:extLst>
-              <a:ext uri="{FF2B5EF4-FFF2-40B4-BE49-F238E27FC236}">
-                <a16:creationId xmlns:a16="http://schemas.microsoft.com/office/drawing/2014/main" id="{60C44EC2-559F-4CC2-8DC1-2226C758BF8A}"/>
-              </a:ext>
-            </a:extLst>
-          </p:cNvPr>
-          <p:cNvSpPr>
-            <a:spLocks noGrp="1"/>
-          </p:cNvSpPr>
-          <p:nvPr>
-            <p:ph idx="1"/>
-          </p:nvPr>
-        </p:nvSpPr>
-        <p:spPr/>
-        <p:txBody>
-          <a:bodyPr/>
-          <a:lstStyle/>
-          <a:p>
-            <a:endParaRPr lang="fr-CA" dirty="0"/>
-          </a:p>
-        </p:txBody>
-      </p:sp>
       <p:pic>
         <p:nvPicPr>
           <p:cNvPr id="4" name="Image 3">
@@ -8655,7 +9835,7 @@
           </p:cNvPicPr>
           <p:nvPr/>
         </p:nvPicPr>
-        <p:blipFill>
+        <p:blipFill rotWithShape="1">
           <a:blip r:embed="rId6">
             <a:clrChange>
               <a:clrFrom>
@@ -8679,14 +9859,13 @@
               </a:ext>
             </a:extLst>
           </a:blip>
-          <a:stretch>
-            <a:fillRect/>
-          </a:stretch>
+          <a:srcRect b="7705"/>
+          <a:stretch/>
         </p:blipFill>
         <p:spPr>
           <a:xfrm>
             <a:off x="2895321" y="2103120"/>
-            <a:ext cx="6401355" cy="1170533"/>
+            <a:ext cx="6401355" cy="1080347"/>
           </a:xfrm>
           <a:prstGeom prst="rect">
             <a:avLst/>
@@ -8782,19 +9961,8 @@
                 <a:latin typeface="Arial" panose="020B0604020202020204" pitchFamily="34" charset="0"/>
                 <a:cs typeface="Arial" panose="020B0604020202020204" pitchFamily="34" charset="0"/>
               </a:rPr>
-              <a:t>Algorithme de Gram-</a:t>
-            </a:r>
-            <a:r>
-              <a:rPr lang="fr-CA" sz="2400" dirty="0" err="1">
-                <a:latin typeface="Arial" panose="020B0604020202020204" pitchFamily="34" charset="0"/>
-                <a:cs typeface="Arial" panose="020B0604020202020204" pitchFamily="34" charset="0"/>
-              </a:rPr>
-              <a:t>Shmidt</a:t>
-            </a:r>
-            <a:endParaRPr lang="fr-CA" sz="2400" dirty="0">
-              <a:latin typeface="Arial" panose="020B0604020202020204" pitchFamily="34" charset="0"/>
-              <a:cs typeface="Arial" panose="020B0604020202020204" pitchFamily="34" charset="0"/>
-            </a:endParaRPr>
+              <a:t>Algorithme de Gram-Schmidt</a:t>
+            </a:r>
           </a:p>
           <a:p>
             <a:r>
@@ -8802,7 +9970,7 @@
                 <a:latin typeface="Arial" panose="020B0604020202020204" pitchFamily="34" charset="0"/>
                 <a:cs typeface="Arial" panose="020B0604020202020204" pitchFamily="34" charset="0"/>
               </a:rPr>
-              <a:t>Algorithme de rotation de </a:t>
+              <a:t>Algorithme des rotations de </a:t>
             </a:r>
             <a:r>
               <a:rPr lang="fr-CA" sz="2400" dirty="0" err="1">
@@ -8880,13 +10048,8 @@
           <a:p>
             <a:r>
               <a:rPr lang="fr-CA" dirty="0"/>
-              <a:t>Gram-</a:t>
-            </a:r>
-            <a:r>
-              <a:rPr lang="fr-CA" dirty="0" err="1"/>
-              <a:t>Shmidt</a:t>
-            </a:r>
-            <a:endParaRPr lang="fr-CA" dirty="0"/>
+              <a:t>Gram-Schmidt</a:t>
+            </a:r>
           </a:p>
         </p:txBody>
       </p:sp>

--- a/Solutions d’une équation aux valeurs propres.pptx
+++ b/Solutions d’une équation aux valeurs propres.pptx
@@ -25,12 +25,17 @@
     <p:sldId id="275" r:id="rId19"/>
     <p:sldId id="276" r:id="rId20"/>
     <p:sldId id="277" r:id="rId21"/>
-    <p:sldId id="261" r:id="rId22"/>
-    <p:sldId id="264" r:id="rId23"/>
-    <p:sldId id="279" r:id="rId24"/>
-    <p:sldId id="280" r:id="rId25"/>
-    <p:sldId id="266" r:id="rId26"/>
-    <p:sldId id="281" r:id="rId27"/>
+    <p:sldId id="282" r:id="rId22"/>
+    <p:sldId id="283" r:id="rId23"/>
+    <p:sldId id="284" r:id="rId24"/>
+    <p:sldId id="285" r:id="rId25"/>
+    <p:sldId id="286" r:id="rId26"/>
+    <p:sldId id="261" r:id="rId27"/>
+    <p:sldId id="264" r:id="rId28"/>
+    <p:sldId id="279" r:id="rId29"/>
+    <p:sldId id="280" r:id="rId30"/>
+    <p:sldId id="266" r:id="rId31"/>
+    <p:sldId id="281" r:id="rId32"/>
   </p:sldIdLst>
   <p:sldSz cx="12192000" cy="6858000"/>
   <p:notesSz cx="6858000" cy="9144000"/>
@@ -7812,7 +7817,7 @@
           <p:cNvPr id="2" name="Titre 1">
             <a:extLst>
               <a:ext uri="{FF2B5EF4-FFF2-40B4-BE49-F238E27FC236}">
-                <a16:creationId xmlns:a16="http://schemas.microsoft.com/office/drawing/2014/main" id="{4DE2DCB7-FE74-442F-9CC2-8D8ECABFD3E8}"/>
+                <a16:creationId xmlns:a16="http://schemas.microsoft.com/office/drawing/2014/main" id="{3E13ED08-A0A9-44FD-B62E-0392D7F8D782}"/>
               </a:ext>
             </a:extLst>
           </p:cNvPr>
@@ -7828,45 +7833,49 @@
           <a:bodyPr/>
           <a:lstStyle/>
           <a:p>
-            <a:r>
-              <a:rPr lang="fr-CA" dirty="0">
-                <a:latin typeface="Segoe UI Semibold" panose="020B0702040204020203" pitchFamily="34" charset="0"/>
-                <a:cs typeface="Segoe UI Semibold" panose="020B0702040204020203" pitchFamily="34" charset="0"/>
-              </a:rPr>
-              <a:t>Solutions pour l’oscillateur anharmonique</a:t>
-            </a:r>
-          </a:p>
-        </p:txBody>
-      </p:sp>
-      <p:sp>
-        <p:nvSpPr>
-          <p:cNvPr id="3" name="Espace réservé du contenu 2">
-            <a:extLst>
-              <a:ext uri="{FF2B5EF4-FFF2-40B4-BE49-F238E27FC236}">
-                <a16:creationId xmlns:a16="http://schemas.microsoft.com/office/drawing/2014/main" id="{60C44EC2-559F-4CC2-8DC1-2226C758BF8A}"/>
-              </a:ext>
-            </a:extLst>
-          </p:cNvPr>
-          <p:cNvSpPr>
-            <a:spLocks noGrp="1"/>
-          </p:cNvSpPr>
+            <a:endParaRPr lang="fr-CA"/>
+          </a:p>
+        </p:txBody>
+      </p:sp>
+      <p:pic>
+        <p:nvPicPr>
+          <p:cNvPr id="5" name="Espace réservé du contenu 4" descr="Une image contenant capture d’écran&#10;&#10;Description générée automatiquement">
+            <a:extLst>
+              <a:ext uri="{FF2B5EF4-FFF2-40B4-BE49-F238E27FC236}">
+                <a16:creationId xmlns:a16="http://schemas.microsoft.com/office/drawing/2014/main" id="{89B134A6-B549-4875-99DC-A766F3BEF45A}"/>
+              </a:ext>
+            </a:extLst>
+          </p:cNvPr>
+          <p:cNvPicPr>
+            <a:picLocks noGrp="1" noChangeAspect="1"/>
+          </p:cNvPicPr>
           <p:nvPr>
             <p:ph idx="1"/>
           </p:nvPr>
-        </p:nvSpPr>
-        <p:spPr/>
-        <p:txBody>
-          <a:bodyPr/>
-          <a:lstStyle/>
-          <a:p>
-            <a:endParaRPr lang="fr-CA" dirty="0"/>
-          </a:p>
-        </p:txBody>
-      </p:sp>
+        </p:nvPicPr>
+        <p:blipFill>
+          <a:blip r:embed="rId2">
+            <a:extLst>
+              <a:ext uri="{28A0092B-C50C-407E-A947-70E740481C1C}">
+                <a14:useLocalDpi xmlns:a14="http://schemas.microsoft.com/office/drawing/2010/main" val="0"/>
+              </a:ext>
+            </a:extLst>
+          </a:blip>
+          <a:stretch>
+            <a:fillRect/>
+          </a:stretch>
+        </p:blipFill>
+        <p:spPr>
+          <a:xfrm>
+            <a:off x="457200" y="430951"/>
+            <a:ext cx="11277600" cy="6007949"/>
+          </a:xfrm>
+        </p:spPr>
+      </p:pic>
     </p:spTree>
     <p:extLst>
       <p:ext uri="{BB962C8B-B14F-4D97-AF65-F5344CB8AC3E}">
-        <p14:creationId xmlns:p14="http://schemas.microsoft.com/office/powerpoint/2010/main" val="2449801709"/>
+        <p14:creationId xmlns:p14="http://schemas.microsoft.com/office/powerpoint/2010/main" val="518085413"/>
       </p:ext>
     </p:extLst>
   </p:cSld>
@@ -7898,7 +7907,7 @@
           <p:cNvPr id="2" name="Titre 1">
             <a:extLst>
               <a:ext uri="{FF2B5EF4-FFF2-40B4-BE49-F238E27FC236}">
-                <a16:creationId xmlns:a16="http://schemas.microsoft.com/office/drawing/2014/main" id="{4DE2DCB7-FE74-442F-9CC2-8D8ECABFD3E8}"/>
+                <a16:creationId xmlns:a16="http://schemas.microsoft.com/office/drawing/2014/main" id="{3D41FECC-B744-4795-A994-6D9C708A0019}"/>
               </a:ext>
             </a:extLst>
           </p:cNvPr>
@@ -7914,42 +7923,33 @@
           <a:bodyPr/>
           <a:lstStyle/>
           <a:p>
-            <a:r>
-              <a:rPr lang="fr-CA" dirty="0">
-                <a:latin typeface="Segoe UI Semibold" panose="020B0702040204020203" pitchFamily="34" charset="0"/>
-                <a:cs typeface="Segoe UI Semibold" panose="020B0702040204020203" pitchFamily="34" charset="0"/>
-              </a:rPr>
-              <a:t>Solutions approximatives: perturbations</a:t>
-            </a:r>
+            <a:endParaRPr lang="fr-CA"/>
           </a:p>
         </p:txBody>
       </p:sp>
       <p:pic>
         <p:nvPicPr>
-          <p:cNvPr id="4" name="Image 3">
-            <a:extLst>
-              <a:ext uri="{FF2B5EF4-FFF2-40B4-BE49-F238E27FC236}">
-                <a16:creationId xmlns:a16="http://schemas.microsoft.com/office/drawing/2014/main" id="{07F18835-066C-420C-918E-97D0CDE00B2F}"/>
+          <p:cNvPr id="5" name="Espace réservé du contenu 4">
+            <a:extLst>
+              <a:ext uri="{FF2B5EF4-FFF2-40B4-BE49-F238E27FC236}">
+                <a16:creationId xmlns:a16="http://schemas.microsoft.com/office/drawing/2014/main" id="{D887A651-5C7E-4782-B609-336036094297}"/>
               </a:ext>
             </a:extLst>
           </p:cNvPr>
           <p:cNvPicPr>
-            <a:picLocks noChangeAspect="1"/>
+            <a:picLocks noGrp="1" noChangeAspect="1"/>
           </p:cNvPicPr>
-          <p:nvPr/>
+          <p:nvPr>
+            <p:ph idx="1"/>
+          </p:nvPr>
         </p:nvPicPr>
         <p:blipFill>
           <a:blip r:embed="rId2">
-            <a:clrChange>
-              <a:clrFrom>
-                <a:srgbClr val="FFFFFF"/>
-              </a:clrFrom>
-              <a:clrTo>
-                <a:srgbClr val="FFFFFF">
-                  <a:alpha val="0"/>
-                </a:srgbClr>
-              </a:clrTo>
-            </a:clrChange>
+            <a:extLst>
+              <a:ext uri="{28A0092B-C50C-407E-A947-70E740481C1C}">
+                <a14:useLocalDpi xmlns:a14="http://schemas.microsoft.com/office/drawing/2010/main" val="0"/>
+              </a:ext>
+            </a:extLst>
           </a:blip>
           <a:stretch>
             <a:fillRect/>
@@ -7957,100 +7957,15 @@
         </p:blipFill>
         <p:spPr>
           <a:xfrm>
-            <a:off x="4638675" y="1933576"/>
-            <a:ext cx="2914650" cy="552450"/>
-          </a:xfrm>
-          <a:prstGeom prst="rect">
-            <a:avLst/>
-          </a:prstGeom>
-        </p:spPr>
-      </p:pic>
-      <p:pic>
-        <p:nvPicPr>
-          <p:cNvPr id="5" name="Image 4">
-            <a:extLst>
-              <a:ext uri="{FF2B5EF4-FFF2-40B4-BE49-F238E27FC236}">
-                <a16:creationId xmlns:a16="http://schemas.microsoft.com/office/drawing/2014/main" id="{35E388EE-307D-4671-882A-B4F027B02231}"/>
-              </a:ext>
-            </a:extLst>
-          </p:cNvPr>
-          <p:cNvPicPr>
-            <a:picLocks noChangeAspect="1"/>
-          </p:cNvPicPr>
-          <p:nvPr/>
-        </p:nvPicPr>
-        <p:blipFill>
-          <a:blip r:embed="rId3">
-            <a:clrChange>
-              <a:clrFrom>
-                <a:srgbClr val="FFFFFF"/>
-              </a:clrFrom>
-              <a:clrTo>
-                <a:srgbClr val="FFFFFF">
-                  <a:alpha val="0"/>
-                </a:srgbClr>
-              </a:clrTo>
-            </a:clrChange>
-          </a:blip>
-          <a:stretch>
-            <a:fillRect/>
-          </a:stretch>
-        </p:blipFill>
-        <p:spPr>
-          <a:xfrm>
-            <a:off x="2799290" y="3305176"/>
-            <a:ext cx="6915150" cy="704850"/>
-          </a:xfrm>
-          <a:prstGeom prst="rect">
-            <a:avLst/>
-          </a:prstGeom>
-        </p:spPr>
-      </p:pic>
-      <p:pic>
-        <p:nvPicPr>
-          <p:cNvPr id="6" name="Image 5">
-            <a:extLst>
-              <a:ext uri="{FF2B5EF4-FFF2-40B4-BE49-F238E27FC236}">
-                <a16:creationId xmlns:a16="http://schemas.microsoft.com/office/drawing/2014/main" id="{096F9F1F-EB44-41BB-AEDA-09916F5C331C}"/>
-              </a:ext>
-            </a:extLst>
-          </p:cNvPr>
-          <p:cNvPicPr>
-            <a:picLocks noChangeAspect="1"/>
-          </p:cNvPicPr>
-          <p:nvPr/>
-        </p:nvPicPr>
-        <p:blipFill>
-          <a:blip r:embed="rId4">
-            <a:clrChange>
-              <a:clrFrom>
-                <a:srgbClr val="FFFFFF"/>
-              </a:clrFrom>
-              <a:clrTo>
-                <a:srgbClr val="FFFFFF">
-                  <a:alpha val="0"/>
-                </a:srgbClr>
-              </a:clrTo>
-            </a:clrChange>
-          </a:blip>
-          <a:stretch>
-            <a:fillRect/>
-          </a:stretch>
-        </p:blipFill>
-        <p:spPr>
-          <a:xfrm>
-            <a:off x="3823228" y="4870979"/>
-            <a:ext cx="4867275" cy="638175"/>
-          </a:xfrm>
-          <a:prstGeom prst="rect">
-            <a:avLst/>
-          </a:prstGeom>
+            <a:off x="511025" y="435031"/>
+            <a:ext cx="11214250" cy="5968263"/>
+          </a:xfrm>
         </p:spPr>
       </p:pic>
     </p:spTree>
     <p:extLst>
       <p:ext uri="{BB962C8B-B14F-4D97-AF65-F5344CB8AC3E}">
-        <p14:creationId xmlns:p14="http://schemas.microsoft.com/office/powerpoint/2010/main" val="422302555"/>
+        <p14:creationId xmlns:p14="http://schemas.microsoft.com/office/powerpoint/2010/main" val="782010169"/>
       </p:ext>
     </p:extLst>
   </p:cSld>
@@ -8082,7 +7997,7 @@
           <p:cNvPr id="2" name="Titre 1">
             <a:extLst>
               <a:ext uri="{FF2B5EF4-FFF2-40B4-BE49-F238E27FC236}">
-                <a16:creationId xmlns:a16="http://schemas.microsoft.com/office/drawing/2014/main" id="{4DE2DCB7-FE74-442F-9CC2-8D8ECABFD3E8}"/>
+                <a16:creationId xmlns:a16="http://schemas.microsoft.com/office/drawing/2014/main" id="{F6ECABA7-F827-460B-8FA3-C2E35A93330A}"/>
               </a:ext>
             </a:extLst>
           </p:cNvPr>
@@ -8098,42 +8013,33 @@
           <a:bodyPr/>
           <a:lstStyle/>
           <a:p>
-            <a:r>
-              <a:rPr lang="fr-CA" dirty="0">
-                <a:latin typeface="Segoe UI Semibold" panose="020B0702040204020203" pitchFamily="34" charset="0"/>
-                <a:cs typeface="Segoe UI Semibold" panose="020B0702040204020203" pitchFamily="34" charset="0"/>
-              </a:rPr>
-              <a:t>Solutions approximatives: perturbations</a:t>
-            </a:r>
+            <a:endParaRPr lang="fr-CA"/>
           </a:p>
         </p:txBody>
       </p:sp>
       <p:pic>
         <p:nvPicPr>
-          <p:cNvPr id="3" name="Image 2">
-            <a:extLst>
-              <a:ext uri="{FF2B5EF4-FFF2-40B4-BE49-F238E27FC236}">
-                <a16:creationId xmlns:a16="http://schemas.microsoft.com/office/drawing/2014/main" id="{FD068053-DA43-4DA1-8C2B-9C293EF0A0F8}"/>
+          <p:cNvPr id="5" name="Espace réservé du contenu 4">
+            <a:extLst>
+              <a:ext uri="{FF2B5EF4-FFF2-40B4-BE49-F238E27FC236}">
+                <a16:creationId xmlns:a16="http://schemas.microsoft.com/office/drawing/2014/main" id="{54D13A60-00A8-4E64-A7E8-C8ED72CF4EF9}"/>
               </a:ext>
             </a:extLst>
           </p:cNvPr>
           <p:cNvPicPr>
-            <a:picLocks noChangeAspect="1"/>
+            <a:picLocks noGrp="1" noChangeAspect="1"/>
           </p:cNvPicPr>
-          <p:nvPr/>
+          <p:nvPr>
+            <p:ph idx="1"/>
+          </p:nvPr>
         </p:nvPicPr>
         <p:blipFill>
           <a:blip r:embed="rId2">
-            <a:clrChange>
-              <a:clrFrom>
-                <a:srgbClr val="FFFFFF"/>
-              </a:clrFrom>
-              <a:clrTo>
-                <a:srgbClr val="FFFFFF">
-                  <a:alpha val="0"/>
-                </a:srgbClr>
-              </a:clrTo>
-            </a:clrChange>
+            <a:extLst>
+              <a:ext uri="{28A0092B-C50C-407E-A947-70E740481C1C}">
+                <a14:useLocalDpi xmlns:a14="http://schemas.microsoft.com/office/drawing/2010/main" val="0"/>
+              </a:ext>
+            </a:extLst>
           </a:blip>
           <a:stretch>
             <a:fillRect/>
@@ -8141,59 +8047,15 @@
         </p:blipFill>
         <p:spPr>
           <a:xfrm>
-            <a:off x="4471986" y="2522194"/>
-            <a:ext cx="3248025" cy="723900"/>
-          </a:xfrm>
-          <a:prstGeom prst="rect">
-            <a:avLst/>
-          </a:prstGeom>
-        </p:spPr>
-      </p:pic>
-      <p:pic>
-        <p:nvPicPr>
-          <p:cNvPr id="7" name="Image 6">
-            <a:extLst>
-              <a:ext uri="{FF2B5EF4-FFF2-40B4-BE49-F238E27FC236}">
-                <a16:creationId xmlns:a16="http://schemas.microsoft.com/office/drawing/2014/main" id="{A7DE497F-268B-4AFE-9C8E-66A481146C43}"/>
-              </a:ext>
-            </a:extLst>
-          </p:cNvPr>
-          <p:cNvPicPr>
-            <a:picLocks noChangeAspect="1"/>
-          </p:cNvPicPr>
-          <p:nvPr/>
-        </p:nvPicPr>
-        <p:blipFill>
-          <a:blip r:embed="rId3">
-            <a:clrChange>
-              <a:clrFrom>
-                <a:srgbClr val="FFFFFF"/>
-              </a:clrFrom>
-              <a:clrTo>
-                <a:srgbClr val="FFFFFF">
-                  <a:alpha val="0"/>
-                </a:srgbClr>
-              </a:clrTo>
-            </a:clrChange>
-          </a:blip>
-          <a:stretch>
-            <a:fillRect/>
-          </a:stretch>
-        </p:blipFill>
-        <p:spPr>
-          <a:xfrm>
-            <a:off x="3933824" y="4109694"/>
-            <a:ext cx="4324350" cy="1114425"/>
-          </a:xfrm>
-          <a:prstGeom prst="rect">
-            <a:avLst/>
-          </a:prstGeom>
+            <a:off x="657588" y="438734"/>
+            <a:ext cx="10939326" cy="5973912"/>
+          </a:xfrm>
         </p:spPr>
       </p:pic>
     </p:spTree>
     <p:extLst>
       <p:ext uri="{BB962C8B-B14F-4D97-AF65-F5344CB8AC3E}">
-        <p14:creationId xmlns:p14="http://schemas.microsoft.com/office/powerpoint/2010/main" val="1098673664"/>
+        <p14:creationId xmlns:p14="http://schemas.microsoft.com/office/powerpoint/2010/main" val="660287049"/>
       </p:ext>
     </p:extLst>
   </p:cSld>
@@ -8225,7 +8087,7 @@
           <p:cNvPr id="2" name="Titre 1">
             <a:extLst>
               <a:ext uri="{FF2B5EF4-FFF2-40B4-BE49-F238E27FC236}">
-                <a16:creationId xmlns:a16="http://schemas.microsoft.com/office/drawing/2014/main" id="{4DE2DCB7-FE74-442F-9CC2-8D8ECABFD3E8}"/>
+                <a16:creationId xmlns:a16="http://schemas.microsoft.com/office/drawing/2014/main" id="{F6ECABA7-F827-460B-8FA3-C2E35A93330A}"/>
               </a:ext>
             </a:extLst>
           </p:cNvPr>
@@ -8241,42 +8103,33 @@
           <a:bodyPr/>
           <a:lstStyle/>
           <a:p>
-            <a:r>
-              <a:rPr lang="fr-CA" dirty="0">
-                <a:latin typeface="Segoe UI Semibold" panose="020B0702040204020203" pitchFamily="34" charset="0"/>
-                <a:cs typeface="Segoe UI Semibold" panose="020B0702040204020203" pitchFamily="34" charset="0"/>
-              </a:rPr>
-              <a:t>Solutions approximatives: perturbations</a:t>
-            </a:r>
+            <a:endParaRPr lang="fr-CA"/>
           </a:p>
         </p:txBody>
       </p:sp>
       <p:pic>
         <p:nvPicPr>
-          <p:cNvPr id="4" name="Image 3">
-            <a:extLst>
-              <a:ext uri="{FF2B5EF4-FFF2-40B4-BE49-F238E27FC236}">
-                <a16:creationId xmlns:a16="http://schemas.microsoft.com/office/drawing/2014/main" id="{45D7B551-3FB3-4E68-993A-88DE5D70C115}"/>
+          <p:cNvPr id="7" name="Espace réservé du contenu 6" descr="Une image contenant texte&#10;&#10;Description générée automatiquement">
+            <a:extLst>
+              <a:ext uri="{FF2B5EF4-FFF2-40B4-BE49-F238E27FC236}">
+                <a16:creationId xmlns:a16="http://schemas.microsoft.com/office/drawing/2014/main" id="{EA427FA2-23F4-46CD-AC1A-D8995075484B}"/>
               </a:ext>
             </a:extLst>
           </p:cNvPr>
           <p:cNvPicPr>
-            <a:picLocks noChangeAspect="1"/>
+            <a:picLocks noGrp="1" noChangeAspect="1"/>
           </p:cNvPicPr>
-          <p:nvPr/>
+          <p:nvPr>
+            <p:ph idx="1"/>
+          </p:nvPr>
         </p:nvPicPr>
         <p:blipFill>
           <a:blip r:embed="rId2">
-            <a:clrChange>
-              <a:clrFrom>
-                <a:srgbClr val="FFFFFF"/>
-              </a:clrFrom>
-              <a:clrTo>
-                <a:srgbClr val="FFFFFF">
-                  <a:alpha val="0"/>
-                </a:srgbClr>
-              </a:clrTo>
-            </a:clrChange>
+            <a:extLst>
+              <a:ext uri="{28A0092B-C50C-407E-A947-70E740481C1C}">
+                <a14:useLocalDpi xmlns:a14="http://schemas.microsoft.com/office/drawing/2010/main" val="0"/>
+              </a:ext>
+            </a:extLst>
           </a:blip>
           <a:stretch>
             <a:fillRect/>
@@ -8284,59 +8137,15 @@
         </p:blipFill>
         <p:spPr>
           <a:xfrm>
-            <a:off x="4424359" y="2476857"/>
-            <a:ext cx="3343275" cy="533400"/>
-          </a:xfrm>
-          <a:prstGeom prst="rect">
-            <a:avLst/>
-          </a:prstGeom>
-        </p:spPr>
-      </p:pic>
-      <p:pic>
-        <p:nvPicPr>
-          <p:cNvPr id="5" name="Image 4">
-            <a:extLst>
-              <a:ext uri="{FF2B5EF4-FFF2-40B4-BE49-F238E27FC236}">
-                <a16:creationId xmlns:a16="http://schemas.microsoft.com/office/drawing/2014/main" id="{F226B24E-D890-47B7-9914-AFCFD18031BC}"/>
-              </a:ext>
-            </a:extLst>
-          </p:cNvPr>
-          <p:cNvPicPr>
-            <a:picLocks noChangeAspect="1"/>
-          </p:cNvPicPr>
-          <p:nvPr/>
-        </p:nvPicPr>
-        <p:blipFill>
-          <a:blip r:embed="rId3">
-            <a:clrChange>
-              <a:clrFrom>
-                <a:srgbClr val="FFFFFF"/>
-              </a:clrFrom>
-              <a:clrTo>
-                <a:srgbClr val="FFFFFF">
-                  <a:alpha val="0"/>
-                </a:srgbClr>
-              </a:clrTo>
-            </a:clrChange>
-          </a:blip>
-          <a:stretch>
-            <a:fillRect/>
-          </a:stretch>
-        </p:blipFill>
-        <p:spPr>
-          <a:xfrm>
-            <a:off x="3290885" y="4006320"/>
-            <a:ext cx="5610225" cy="1114425"/>
-          </a:xfrm>
-          <a:prstGeom prst="rect">
-            <a:avLst/>
-          </a:prstGeom>
+            <a:off x="418494" y="485775"/>
+            <a:ext cx="11355012" cy="5886450"/>
+          </a:xfrm>
         </p:spPr>
       </p:pic>
     </p:spTree>
     <p:extLst>
       <p:ext uri="{BB962C8B-B14F-4D97-AF65-F5344CB8AC3E}">
-        <p14:creationId xmlns:p14="http://schemas.microsoft.com/office/powerpoint/2010/main" val="3145349343"/>
+        <p14:creationId xmlns:p14="http://schemas.microsoft.com/office/powerpoint/2010/main" val="1751043232"/>
       </p:ext>
     </p:extLst>
   </p:cSld>
@@ -8368,7 +8177,7 @@
           <p:cNvPr id="2" name="Titre 1">
             <a:extLst>
               <a:ext uri="{FF2B5EF4-FFF2-40B4-BE49-F238E27FC236}">
-                <a16:creationId xmlns:a16="http://schemas.microsoft.com/office/drawing/2014/main" id="{4DE2DCB7-FE74-442F-9CC2-8D8ECABFD3E8}"/>
+                <a16:creationId xmlns:a16="http://schemas.microsoft.com/office/drawing/2014/main" id="{82B75B72-3D6A-4BD1-903F-AC7D3246AC74}"/>
               </a:ext>
             </a:extLst>
           </p:cNvPr>
@@ -8384,182 +8193,49 @@
           <a:bodyPr/>
           <a:lstStyle/>
           <a:p>
-            <a:r>
-              <a:rPr lang="fr-CA" dirty="0">
-                <a:latin typeface="Segoe UI Semibold" panose="020B0702040204020203" pitchFamily="34" charset="0"/>
-                <a:cs typeface="Segoe UI Semibold" panose="020B0702040204020203" pitchFamily="34" charset="0"/>
-              </a:rPr>
-              <a:t>Solutions approximatives: perturbations</a:t>
-            </a:r>
-          </a:p>
-        </p:txBody>
-      </p:sp>
-      <p:sp>
-        <p:nvSpPr>
-          <p:cNvPr id="3" name="Espace réservé du contenu 2">
-            <a:extLst>
-              <a:ext uri="{FF2B5EF4-FFF2-40B4-BE49-F238E27FC236}">
-                <a16:creationId xmlns:a16="http://schemas.microsoft.com/office/drawing/2014/main" id="{60C44EC2-559F-4CC2-8DC1-2226C758BF8A}"/>
-              </a:ext>
-            </a:extLst>
-          </p:cNvPr>
-          <p:cNvSpPr>
-            <a:spLocks noGrp="1"/>
-          </p:cNvSpPr>
+            <a:endParaRPr lang="fr-CA"/>
+          </a:p>
+        </p:txBody>
+      </p:sp>
+      <p:pic>
+        <p:nvPicPr>
+          <p:cNvPr id="5" name="Espace réservé du contenu 4" descr="Une image contenant capture d’écran&#10;&#10;Description générée automatiquement">
+            <a:extLst>
+              <a:ext uri="{FF2B5EF4-FFF2-40B4-BE49-F238E27FC236}">
+                <a16:creationId xmlns:a16="http://schemas.microsoft.com/office/drawing/2014/main" id="{43A3294A-5C84-4C77-9380-83DCA580B7A6}"/>
+              </a:ext>
+            </a:extLst>
+          </p:cNvPr>
+          <p:cNvPicPr>
+            <a:picLocks noGrp="1" noChangeAspect="1"/>
+          </p:cNvPicPr>
           <p:nvPr>
             <p:ph idx="1"/>
           </p:nvPr>
-        </p:nvSpPr>
-        <p:spPr/>
-        <p:txBody>
-          <a:bodyPr>
-            <a:normAutofit/>
-          </a:bodyPr>
-          <a:lstStyle/>
-          <a:p>
-            <a:pPr marL="0" indent="0">
-              <a:buNone/>
-            </a:pPr>
-            <a:r>
-              <a:rPr lang="fr-CA" sz="1800" dirty="0"/>
-              <a:t>Nous avons considéré les cas suivants:</a:t>
-            </a:r>
-          </a:p>
-          <a:p>
-            <a:r>
-              <a:rPr lang="fr-CA" sz="1800" dirty="0"/>
-              <a:t>Le cas où </a:t>
-            </a:r>
-            <a:r>
-              <a:rPr lang="el-GR" sz="1800" dirty="0">
-                <a:latin typeface="Calibri" panose="020F0502020204030204" pitchFamily="34" charset="0"/>
-                <a:cs typeface="Calibri" panose="020F0502020204030204" pitchFamily="34" charset="0"/>
-              </a:rPr>
-              <a:t>α</a:t>
-            </a:r>
-            <a:r>
-              <a:rPr lang="fr-CA" sz="1800" dirty="0">
-                <a:latin typeface="Calibri" panose="020F0502020204030204" pitchFamily="34" charset="0"/>
-                <a:cs typeface="Calibri" panose="020F0502020204030204" pitchFamily="34" charset="0"/>
-              </a:rPr>
-              <a:t> </a:t>
-            </a:r>
-            <a:r>
-              <a:rPr lang="fr-CA" sz="1800" dirty="0">
-                <a:cs typeface="Calibri" panose="020F0502020204030204" pitchFamily="34" charset="0"/>
-              </a:rPr>
-              <a:t>ou </a:t>
-            </a:r>
-            <a:r>
-              <a:rPr lang="el-GR" sz="1800" dirty="0">
-                <a:latin typeface="Calibri" panose="020F0502020204030204" pitchFamily="34" charset="0"/>
-                <a:cs typeface="Calibri" panose="020F0502020204030204" pitchFamily="34" charset="0"/>
-              </a:rPr>
-              <a:t>β</a:t>
-            </a:r>
-            <a:r>
-              <a:rPr lang="fr-CA" sz="1800" dirty="0">
-                <a:cs typeface="Calibri" panose="020F0502020204030204" pitchFamily="34" charset="0"/>
-              </a:rPr>
-              <a:t> est nuls</a:t>
-            </a:r>
-          </a:p>
-          <a:p>
-            <a:r>
-              <a:rPr lang="fr-CA" sz="1800" dirty="0">
-                <a:cs typeface="Calibri" panose="020F0502020204030204" pitchFamily="34" charset="0"/>
-              </a:rPr>
-              <a:t>Le cas où </a:t>
-            </a:r>
-            <a:r>
-              <a:rPr lang="el-GR" sz="1800" dirty="0">
-                <a:latin typeface="Calibri" panose="020F0502020204030204" pitchFamily="34" charset="0"/>
-                <a:cs typeface="Calibri" panose="020F0502020204030204" pitchFamily="34" charset="0"/>
-              </a:rPr>
-              <a:t>α</a:t>
-            </a:r>
-            <a:r>
-              <a:rPr lang="fr-CA" sz="1800" dirty="0">
-                <a:latin typeface="Calibri" panose="020F0502020204030204" pitchFamily="34" charset="0"/>
-                <a:cs typeface="Calibri" panose="020F0502020204030204" pitchFamily="34" charset="0"/>
-              </a:rPr>
-              <a:t> </a:t>
-            </a:r>
-            <a:r>
-              <a:rPr lang="fr-CA" sz="1800" dirty="0">
-                <a:cs typeface="Calibri" panose="020F0502020204030204" pitchFamily="34" charset="0"/>
-              </a:rPr>
-              <a:t>est proportionnel à </a:t>
-            </a:r>
-            <a:r>
-              <a:rPr lang="el-GR" sz="1800" dirty="0">
-                <a:latin typeface="Calibri" panose="020F0502020204030204" pitchFamily="34" charset="0"/>
-                <a:cs typeface="Calibri" panose="020F0502020204030204" pitchFamily="34" charset="0"/>
-              </a:rPr>
-              <a:t>β</a:t>
-            </a:r>
-            <a:r>
-              <a:rPr lang="fr-CA" sz="1800" dirty="0">
-                <a:cs typeface="Calibri" panose="020F0502020204030204" pitchFamily="34" charset="0"/>
-              </a:rPr>
-              <a:t> </a:t>
-            </a:r>
-          </a:p>
-          <a:p>
-            <a:r>
-              <a:rPr lang="fr-CA" sz="1800" dirty="0">
-                <a:cs typeface="Calibri" panose="020F0502020204030204" pitchFamily="34" charset="0"/>
-              </a:rPr>
-              <a:t>Le cas où </a:t>
-            </a:r>
-            <a:r>
-              <a:rPr lang="el-GR" sz="1800" dirty="0">
-                <a:latin typeface="Calibri" panose="020F0502020204030204" pitchFamily="34" charset="0"/>
-                <a:cs typeface="Calibri" panose="020F0502020204030204" pitchFamily="34" charset="0"/>
-              </a:rPr>
-              <a:t>α</a:t>
-            </a:r>
-            <a:r>
-              <a:rPr lang="fr-CA" sz="1800" dirty="0">
-                <a:latin typeface="Calibri" panose="020F0502020204030204" pitchFamily="34" charset="0"/>
-                <a:cs typeface="Calibri" panose="020F0502020204030204" pitchFamily="34" charset="0"/>
-              </a:rPr>
-              <a:t> =</a:t>
-            </a:r>
-            <a:r>
-              <a:rPr lang="fr-CA" sz="1800" dirty="0">
-                <a:cs typeface="Calibri" panose="020F0502020204030204" pitchFamily="34" charset="0"/>
-              </a:rPr>
-              <a:t> </a:t>
-            </a:r>
-            <a:r>
-              <a:rPr lang="el-GR" sz="1800" dirty="0">
-                <a:latin typeface="Calibri" panose="020F0502020204030204" pitchFamily="34" charset="0"/>
-                <a:cs typeface="Calibri" panose="020F0502020204030204" pitchFamily="34" charset="0"/>
-              </a:rPr>
-              <a:t>β</a:t>
-            </a:r>
-            <a:r>
-              <a:rPr lang="fr-CA" sz="1800" baseline="30000" dirty="0">
-                <a:latin typeface="Calibri" panose="020F0502020204030204" pitchFamily="34" charset="0"/>
-                <a:cs typeface="Calibri" panose="020F0502020204030204" pitchFamily="34" charset="0"/>
-              </a:rPr>
-              <a:t>2</a:t>
-            </a:r>
-            <a:r>
-              <a:rPr lang="fr-CA" sz="1800" dirty="0">
-                <a:cs typeface="Calibri" panose="020F0502020204030204" pitchFamily="34" charset="0"/>
-              </a:rPr>
-              <a:t> </a:t>
-            </a:r>
-            <a:endParaRPr lang="fr-CA" sz="1800" dirty="0"/>
-          </a:p>
-        </p:txBody>
-      </p:sp>
+        </p:nvPicPr>
+        <p:blipFill>
+          <a:blip r:embed="rId2">
+            <a:extLst>
+              <a:ext uri="{28A0092B-C50C-407E-A947-70E740481C1C}">
+                <a14:useLocalDpi xmlns:a14="http://schemas.microsoft.com/office/drawing/2010/main" val="0"/>
+              </a:ext>
+            </a:extLst>
+          </a:blip>
+          <a:stretch>
+            <a:fillRect/>
+          </a:stretch>
+        </p:blipFill>
+        <p:spPr>
+          <a:xfrm>
+            <a:off x="430560" y="453120"/>
+            <a:ext cx="11341791" cy="5890530"/>
+          </a:xfrm>
+        </p:spPr>
+      </p:pic>
     </p:spTree>
     <p:extLst>
       <p:ext uri="{BB962C8B-B14F-4D97-AF65-F5344CB8AC3E}">
-        <p14:creationId xmlns:p14="http://schemas.microsoft.com/office/powerpoint/2010/main" val="4032787620"/>
+        <p14:creationId xmlns:p14="http://schemas.microsoft.com/office/powerpoint/2010/main" val="3886300781"/>
       </p:ext>
     </p:extLst>
   </p:cSld>
@@ -8612,7 +8288,7 @@
                 <a:latin typeface="Segoe UI Semibold" panose="020B0702040204020203" pitchFamily="34" charset="0"/>
                 <a:cs typeface="Segoe UI Semibold" panose="020B0702040204020203" pitchFamily="34" charset="0"/>
               </a:rPr>
-              <a:t>Conclusion</a:t>
+              <a:t>Solutions pour l’oscillateur anharmonique</a:t>
             </a:r>
           </a:p>
         </p:txBody>
@@ -8645,7 +8321,477 @@
     </p:spTree>
     <p:extLst>
       <p:ext uri="{BB962C8B-B14F-4D97-AF65-F5344CB8AC3E}">
-        <p14:creationId xmlns:p14="http://schemas.microsoft.com/office/powerpoint/2010/main" val="1638903209"/>
+        <p14:creationId xmlns:p14="http://schemas.microsoft.com/office/powerpoint/2010/main" val="2449801709"/>
+      </p:ext>
+    </p:extLst>
+  </p:cSld>
+  <p:clrMapOvr>
+    <a:masterClrMapping/>
+  </p:clrMapOvr>
+</p:sld>
+</file>
+
+<file path=ppt/slides/slide27.xml><?xml version="1.0" encoding="utf-8"?>
+<p:sld xmlns:a="http://schemas.openxmlformats.org/drawingml/2006/main" xmlns:r="http://schemas.openxmlformats.org/officeDocument/2006/relationships" xmlns:p="http://schemas.openxmlformats.org/presentationml/2006/main">
+  <p:cSld>
+    <p:spTree>
+      <p:nvGrpSpPr>
+        <p:cNvPr id="1" name=""/>
+        <p:cNvGrpSpPr/>
+        <p:nvPr/>
+      </p:nvGrpSpPr>
+      <p:grpSpPr>
+        <a:xfrm>
+          <a:off x="0" y="0"/>
+          <a:ext cx="0" cy="0"/>
+          <a:chOff x="0" y="0"/>
+          <a:chExt cx="0" cy="0"/>
+        </a:xfrm>
+      </p:grpSpPr>
+      <p:sp>
+        <p:nvSpPr>
+          <p:cNvPr id="2" name="Titre 1">
+            <a:extLst>
+              <a:ext uri="{FF2B5EF4-FFF2-40B4-BE49-F238E27FC236}">
+                <a16:creationId xmlns:a16="http://schemas.microsoft.com/office/drawing/2014/main" id="{4DE2DCB7-FE74-442F-9CC2-8D8ECABFD3E8}"/>
+              </a:ext>
+            </a:extLst>
+          </p:cNvPr>
+          <p:cNvSpPr>
+            <a:spLocks noGrp="1"/>
+          </p:cNvSpPr>
+          <p:nvPr>
+            <p:ph type="title"/>
+          </p:nvPr>
+        </p:nvSpPr>
+        <p:spPr/>
+        <p:txBody>
+          <a:bodyPr/>
+          <a:lstStyle/>
+          <a:p>
+            <a:r>
+              <a:rPr lang="fr-CA" dirty="0">
+                <a:latin typeface="Segoe UI Semibold" panose="020B0702040204020203" pitchFamily="34" charset="0"/>
+                <a:cs typeface="Segoe UI Semibold" panose="020B0702040204020203" pitchFamily="34" charset="0"/>
+              </a:rPr>
+              <a:t>Solutions approximatives: perturbations</a:t>
+            </a:r>
+          </a:p>
+        </p:txBody>
+      </p:sp>
+      <p:pic>
+        <p:nvPicPr>
+          <p:cNvPr id="4" name="Image 3">
+            <a:extLst>
+              <a:ext uri="{FF2B5EF4-FFF2-40B4-BE49-F238E27FC236}">
+                <a16:creationId xmlns:a16="http://schemas.microsoft.com/office/drawing/2014/main" id="{07F18835-066C-420C-918E-97D0CDE00B2F}"/>
+              </a:ext>
+            </a:extLst>
+          </p:cNvPr>
+          <p:cNvPicPr>
+            <a:picLocks noChangeAspect="1"/>
+          </p:cNvPicPr>
+          <p:nvPr/>
+        </p:nvPicPr>
+        <p:blipFill>
+          <a:blip r:embed="rId2">
+            <a:clrChange>
+              <a:clrFrom>
+                <a:srgbClr val="FFFFFF"/>
+              </a:clrFrom>
+              <a:clrTo>
+                <a:srgbClr val="FFFFFF">
+                  <a:alpha val="0"/>
+                </a:srgbClr>
+              </a:clrTo>
+            </a:clrChange>
+          </a:blip>
+          <a:stretch>
+            <a:fillRect/>
+          </a:stretch>
+        </p:blipFill>
+        <p:spPr>
+          <a:xfrm>
+            <a:off x="4638675" y="1933576"/>
+            <a:ext cx="2914650" cy="552450"/>
+          </a:xfrm>
+          <a:prstGeom prst="rect">
+            <a:avLst/>
+          </a:prstGeom>
+        </p:spPr>
+      </p:pic>
+      <p:pic>
+        <p:nvPicPr>
+          <p:cNvPr id="5" name="Image 4">
+            <a:extLst>
+              <a:ext uri="{FF2B5EF4-FFF2-40B4-BE49-F238E27FC236}">
+                <a16:creationId xmlns:a16="http://schemas.microsoft.com/office/drawing/2014/main" id="{35E388EE-307D-4671-882A-B4F027B02231}"/>
+              </a:ext>
+            </a:extLst>
+          </p:cNvPr>
+          <p:cNvPicPr>
+            <a:picLocks noChangeAspect="1"/>
+          </p:cNvPicPr>
+          <p:nvPr/>
+        </p:nvPicPr>
+        <p:blipFill>
+          <a:blip r:embed="rId3">
+            <a:clrChange>
+              <a:clrFrom>
+                <a:srgbClr val="FFFFFF"/>
+              </a:clrFrom>
+              <a:clrTo>
+                <a:srgbClr val="FFFFFF">
+                  <a:alpha val="0"/>
+                </a:srgbClr>
+              </a:clrTo>
+            </a:clrChange>
+          </a:blip>
+          <a:stretch>
+            <a:fillRect/>
+          </a:stretch>
+        </p:blipFill>
+        <p:spPr>
+          <a:xfrm>
+            <a:off x="2799290" y="3305176"/>
+            <a:ext cx="6915150" cy="704850"/>
+          </a:xfrm>
+          <a:prstGeom prst="rect">
+            <a:avLst/>
+          </a:prstGeom>
+        </p:spPr>
+      </p:pic>
+      <p:pic>
+        <p:nvPicPr>
+          <p:cNvPr id="6" name="Image 5">
+            <a:extLst>
+              <a:ext uri="{FF2B5EF4-FFF2-40B4-BE49-F238E27FC236}">
+                <a16:creationId xmlns:a16="http://schemas.microsoft.com/office/drawing/2014/main" id="{096F9F1F-EB44-41BB-AEDA-09916F5C331C}"/>
+              </a:ext>
+            </a:extLst>
+          </p:cNvPr>
+          <p:cNvPicPr>
+            <a:picLocks noChangeAspect="1"/>
+          </p:cNvPicPr>
+          <p:nvPr/>
+        </p:nvPicPr>
+        <p:blipFill>
+          <a:blip r:embed="rId4">
+            <a:clrChange>
+              <a:clrFrom>
+                <a:srgbClr val="FFFFFF"/>
+              </a:clrFrom>
+              <a:clrTo>
+                <a:srgbClr val="FFFFFF">
+                  <a:alpha val="0"/>
+                </a:srgbClr>
+              </a:clrTo>
+            </a:clrChange>
+          </a:blip>
+          <a:stretch>
+            <a:fillRect/>
+          </a:stretch>
+        </p:blipFill>
+        <p:spPr>
+          <a:xfrm>
+            <a:off x="3823228" y="4870979"/>
+            <a:ext cx="4867275" cy="638175"/>
+          </a:xfrm>
+          <a:prstGeom prst="rect">
+            <a:avLst/>
+          </a:prstGeom>
+        </p:spPr>
+      </p:pic>
+    </p:spTree>
+    <p:extLst>
+      <p:ext uri="{BB962C8B-B14F-4D97-AF65-F5344CB8AC3E}">
+        <p14:creationId xmlns:p14="http://schemas.microsoft.com/office/powerpoint/2010/main" val="422302555"/>
+      </p:ext>
+    </p:extLst>
+  </p:cSld>
+  <p:clrMapOvr>
+    <a:masterClrMapping/>
+  </p:clrMapOvr>
+</p:sld>
+</file>
+
+<file path=ppt/slides/slide28.xml><?xml version="1.0" encoding="utf-8"?>
+<p:sld xmlns:a="http://schemas.openxmlformats.org/drawingml/2006/main" xmlns:r="http://schemas.openxmlformats.org/officeDocument/2006/relationships" xmlns:p="http://schemas.openxmlformats.org/presentationml/2006/main">
+  <p:cSld>
+    <p:spTree>
+      <p:nvGrpSpPr>
+        <p:cNvPr id="1" name=""/>
+        <p:cNvGrpSpPr/>
+        <p:nvPr/>
+      </p:nvGrpSpPr>
+      <p:grpSpPr>
+        <a:xfrm>
+          <a:off x="0" y="0"/>
+          <a:ext cx="0" cy="0"/>
+          <a:chOff x="0" y="0"/>
+          <a:chExt cx="0" cy="0"/>
+        </a:xfrm>
+      </p:grpSpPr>
+      <p:sp>
+        <p:nvSpPr>
+          <p:cNvPr id="2" name="Titre 1">
+            <a:extLst>
+              <a:ext uri="{FF2B5EF4-FFF2-40B4-BE49-F238E27FC236}">
+                <a16:creationId xmlns:a16="http://schemas.microsoft.com/office/drawing/2014/main" id="{4DE2DCB7-FE74-442F-9CC2-8D8ECABFD3E8}"/>
+              </a:ext>
+            </a:extLst>
+          </p:cNvPr>
+          <p:cNvSpPr>
+            <a:spLocks noGrp="1"/>
+          </p:cNvSpPr>
+          <p:nvPr>
+            <p:ph type="title"/>
+          </p:nvPr>
+        </p:nvSpPr>
+        <p:spPr/>
+        <p:txBody>
+          <a:bodyPr/>
+          <a:lstStyle/>
+          <a:p>
+            <a:r>
+              <a:rPr lang="fr-CA" dirty="0">
+                <a:latin typeface="Segoe UI Semibold" panose="020B0702040204020203" pitchFamily="34" charset="0"/>
+                <a:cs typeface="Segoe UI Semibold" panose="020B0702040204020203" pitchFamily="34" charset="0"/>
+              </a:rPr>
+              <a:t>Solutions approximatives: perturbations</a:t>
+            </a:r>
+          </a:p>
+        </p:txBody>
+      </p:sp>
+      <p:pic>
+        <p:nvPicPr>
+          <p:cNvPr id="3" name="Image 2">
+            <a:extLst>
+              <a:ext uri="{FF2B5EF4-FFF2-40B4-BE49-F238E27FC236}">
+                <a16:creationId xmlns:a16="http://schemas.microsoft.com/office/drawing/2014/main" id="{FD068053-DA43-4DA1-8C2B-9C293EF0A0F8}"/>
+              </a:ext>
+            </a:extLst>
+          </p:cNvPr>
+          <p:cNvPicPr>
+            <a:picLocks noChangeAspect="1"/>
+          </p:cNvPicPr>
+          <p:nvPr/>
+        </p:nvPicPr>
+        <p:blipFill>
+          <a:blip r:embed="rId2">
+            <a:clrChange>
+              <a:clrFrom>
+                <a:srgbClr val="FFFFFF"/>
+              </a:clrFrom>
+              <a:clrTo>
+                <a:srgbClr val="FFFFFF">
+                  <a:alpha val="0"/>
+                </a:srgbClr>
+              </a:clrTo>
+            </a:clrChange>
+          </a:blip>
+          <a:stretch>
+            <a:fillRect/>
+          </a:stretch>
+        </p:blipFill>
+        <p:spPr>
+          <a:xfrm>
+            <a:off x="4471986" y="2522194"/>
+            <a:ext cx="3248025" cy="723900"/>
+          </a:xfrm>
+          <a:prstGeom prst="rect">
+            <a:avLst/>
+          </a:prstGeom>
+        </p:spPr>
+      </p:pic>
+      <p:pic>
+        <p:nvPicPr>
+          <p:cNvPr id="7" name="Image 6">
+            <a:extLst>
+              <a:ext uri="{FF2B5EF4-FFF2-40B4-BE49-F238E27FC236}">
+                <a16:creationId xmlns:a16="http://schemas.microsoft.com/office/drawing/2014/main" id="{A7DE497F-268B-4AFE-9C8E-66A481146C43}"/>
+              </a:ext>
+            </a:extLst>
+          </p:cNvPr>
+          <p:cNvPicPr>
+            <a:picLocks noChangeAspect="1"/>
+          </p:cNvPicPr>
+          <p:nvPr/>
+        </p:nvPicPr>
+        <p:blipFill>
+          <a:blip r:embed="rId3">
+            <a:clrChange>
+              <a:clrFrom>
+                <a:srgbClr val="FFFFFF"/>
+              </a:clrFrom>
+              <a:clrTo>
+                <a:srgbClr val="FFFFFF">
+                  <a:alpha val="0"/>
+                </a:srgbClr>
+              </a:clrTo>
+            </a:clrChange>
+          </a:blip>
+          <a:stretch>
+            <a:fillRect/>
+          </a:stretch>
+        </p:blipFill>
+        <p:spPr>
+          <a:xfrm>
+            <a:off x="3933824" y="4109694"/>
+            <a:ext cx="4324350" cy="1114425"/>
+          </a:xfrm>
+          <a:prstGeom prst="rect">
+            <a:avLst/>
+          </a:prstGeom>
+        </p:spPr>
+      </p:pic>
+    </p:spTree>
+    <p:extLst>
+      <p:ext uri="{BB962C8B-B14F-4D97-AF65-F5344CB8AC3E}">
+        <p14:creationId xmlns:p14="http://schemas.microsoft.com/office/powerpoint/2010/main" val="1098673664"/>
+      </p:ext>
+    </p:extLst>
+  </p:cSld>
+  <p:clrMapOvr>
+    <a:masterClrMapping/>
+  </p:clrMapOvr>
+</p:sld>
+</file>
+
+<file path=ppt/slides/slide29.xml><?xml version="1.0" encoding="utf-8"?>
+<p:sld xmlns:a="http://schemas.openxmlformats.org/drawingml/2006/main" xmlns:r="http://schemas.openxmlformats.org/officeDocument/2006/relationships" xmlns:p="http://schemas.openxmlformats.org/presentationml/2006/main">
+  <p:cSld>
+    <p:spTree>
+      <p:nvGrpSpPr>
+        <p:cNvPr id="1" name=""/>
+        <p:cNvGrpSpPr/>
+        <p:nvPr/>
+      </p:nvGrpSpPr>
+      <p:grpSpPr>
+        <a:xfrm>
+          <a:off x="0" y="0"/>
+          <a:ext cx="0" cy="0"/>
+          <a:chOff x="0" y="0"/>
+          <a:chExt cx="0" cy="0"/>
+        </a:xfrm>
+      </p:grpSpPr>
+      <p:sp>
+        <p:nvSpPr>
+          <p:cNvPr id="2" name="Titre 1">
+            <a:extLst>
+              <a:ext uri="{FF2B5EF4-FFF2-40B4-BE49-F238E27FC236}">
+                <a16:creationId xmlns:a16="http://schemas.microsoft.com/office/drawing/2014/main" id="{4DE2DCB7-FE74-442F-9CC2-8D8ECABFD3E8}"/>
+              </a:ext>
+            </a:extLst>
+          </p:cNvPr>
+          <p:cNvSpPr>
+            <a:spLocks noGrp="1"/>
+          </p:cNvSpPr>
+          <p:nvPr>
+            <p:ph type="title"/>
+          </p:nvPr>
+        </p:nvSpPr>
+        <p:spPr/>
+        <p:txBody>
+          <a:bodyPr/>
+          <a:lstStyle/>
+          <a:p>
+            <a:r>
+              <a:rPr lang="fr-CA" dirty="0">
+                <a:latin typeface="Segoe UI Semibold" panose="020B0702040204020203" pitchFamily="34" charset="0"/>
+                <a:cs typeface="Segoe UI Semibold" panose="020B0702040204020203" pitchFamily="34" charset="0"/>
+              </a:rPr>
+              <a:t>Solutions approximatives: perturbations</a:t>
+            </a:r>
+          </a:p>
+        </p:txBody>
+      </p:sp>
+      <p:pic>
+        <p:nvPicPr>
+          <p:cNvPr id="4" name="Image 3">
+            <a:extLst>
+              <a:ext uri="{FF2B5EF4-FFF2-40B4-BE49-F238E27FC236}">
+                <a16:creationId xmlns:a16="http://schemas.microsoft.com/office/drawing/2014/main" id="{45D7B551-3FB3-4E68-993A-88DE5D70C115}"/>
+              </a:ext>
+            </a:extLst>
+          </p:cNvPr>
+          <p:cNvPicPr>
+            <a:picLocks noChangeAspect="1"/>
+          </p:cNvPicPr>
+          <p:nvPr/>
+        </p:nvPicPr>
+        <p:blipFill>
+          <a:blip r:embed="rId2">
+            <a:clrChange>
+              <a:clrFrom>
+                <a:srgbClr val="FFFFFF"/>
+              </a:clrFrom>
+              <a:clrTo>
+                <a:srgbClr val="FFFFFF">
+                  <a:alpha val="0"/>
+                </a:srgbClr>
+              </a:clrTo>
+            </a:clrChange>
+          </a:blip>
+          <a:stretch>
+            <a:fillRect/>
+          </a:stretch>
+        </p:blipFill>
+        <p:spPr>
+          <a:xfrm>
+            <a:off x="4424359" y="2476857"/>
+            <a:ext cx="3343275" cy="533400"/>
+          </a:xfrm>
+          <a:prstGeom prst="rect">
+            <a:avLst/>
+          </a:prstGeom>
+        </p:spPr>
+      </p:pic>
+      <p:pic>
+        <p:nvPicPr>
+          <p:cNvPr id="5" name="Image 4">
+            <a:extLst>
+              <a:ext uri="{FF2B5EF4-FFF2-40B4-BE49-F238E27FC236}">
+                <a16:creationId xmlns:a16="http://schemas.microsoft.com/office/drawing/2014/main" id="{F226B24E-D890-47B7-9914-AFCFD18031BC}"/>
+              </a:ext>
+            </a:extLst>
+          </p:cNvPr>
+          <p:cNvPicPr>
+            <a:picLocks noChangeAspect="1"/>
+          </p:cNvPicPr>
+          <p:nvPr/>
+        </p:nvPicPr>
+        <p:blipFill>
+          <a:blip r:embed="rId3">
+            <a:clrChange>
+              <a:clrFrom>
+                <a:srgbClr val="FFFFFF"/>
+              </a:clrFrom>
+              <a:clrTo>
+                <a:srgbClr val="FFFFFF">
+                  <a:alpha val="0"/>
+                </a:srgbClr>
+              </a:clrTo>
+            </a:clrChange>
+          </a:blip>
+          <a:stretch>
+            <a:fillRect/>
+          </a:stretch>
+        </p:blipFill>
+        <p:spPr>
+          <a:xfrm>
+            <a:off x="3290885" y="4006320"/>
+            <a:ext cx="5610225" cy="1114425"/>
+          </a:xfrm>
+          <a:prstGeom prst="rect">
+            <a:avLst/>
+          </a:prstGeom>
+        </p:spPr>
+      </p:pic>
+    </p:spTree>
+    <p:extLst>
+      <p:ext uri="{BB962C8B-B14F-4D97-AF65-F5344CB8AC3E}">
+        <p14:creationId xmlns:p14="http://schemas.microsoft.com/office/powerpoint/2010/main" val="3145349343"/>
       </p:ext>
     </p:extLst>
   </p:cSld>
@@ -8881,6 +9027,315 @@
     <p:extLst>
       <p:ext uri="{BB962C8B-B14F-4D97-AF65-F5344CB8AC3E}">
         <p14:creationId xmlns:p14="http://schemas.microsoft.com/office/powerpoint/2010/main" val="3984372262"/>
+      </p:ext>
+    </p:extLst>
+  </p:cSld>
+  <p:clrMapOvr>
+    <a:masterClrMapping/>
+  </p:clrMapOvr>
+</p:sld>
+</file>
+
+<file path=ppt/slides/slide30.xml><?xml version="1.0" encoding="utf-8"?>
+<p:sld xmlns:a="http://schemas.openxmlformats.org/drawingml/2006/main" xmlns:r="http://schemas.openxmlformats.org/officeDocument/2006/relationships" xmlns:p="http://schemas.openxmlformats.org/presentationml/2006/main">
+  <p:cSld>
+    <p:spTree>
+      <p:nvGrpSpPr>
+        <p:cNvPr id="1" name=""/>
+        <p:cNvGrpSpPr/>
+        <p:nvPr/>
+      </p:nvGrpSpPr>
+      <p:grpSpPr>
+        <a:xfrm>
+          <a:off x="0" y="0"/>
+          <a:ext cx="0" cy="0"/>
+          <a:chOff x="0" y="0"/>
+          <a:chExt cx="0" cy="0"/>
+        </a:xfrm>
+      </p:grpSpPr>
+      <p:sp>
+        <p:nvSpPr>
+          <p:cNvPr id="2" name="Titre 1">
+            <a:extLst>
+              <a:ext uri="{FF2B5EF4-FFF2-40B4-BE49-F238E27FC236}">
+                <a16:creationId xmlns:a16="http://schemas.microsoft.com/office/drawing/2014/main" id="{4DE2DCB7-FE74-442F-9CC2-8D8ECABFD3E8}"/>
+              </a:ext>
+            </a:extLst>
+          </p:cNvPr>
+          <p:cNvSpPr>
+            <a:spLocks noGrp="1"/>
+          </p:cNvSpPr>
+          <p:nvPr>
+            <p:ph type="title"/>
+          </p:nvPr>
+        </p:nvSpPr>
+        <p:spPr/>
+        <p:txBody>
+          <a:bodyPr/>
+          <a:lstStyle/>
+          <a:p>
+            <a:r>
+              <a:rPr lang="fr-CA" dirty="0">
+                <a:latin typeface="Segoe UI Semibold" panose="020B0702040204020203" pitchFamily="34" charset="0"/>
+                <a:cs typeface="Segoe UI Semibold" panose="020B0702040204020203" pitchFamily="34" charset="0"/>
+              </a:rPr>
+              <a:t>Solutions approximatives: perturbations</a:t>
+            </a:r>
+          </a:p>
+        </p:txBody>
+      </p:sp>
+      <p:sp>
+        <p:nvSpPr>
+          <p:cNvPr id="3" name="Espace réservé du contenu 2">
+            <a:extLst>
+              <a:ext uri="{FF2B5EF4-FFF2-40B4-BE49-F238E27FC236}">
+                <a16:creationId xmlns:a16="http://schemas.microsoft.com/office/drawing/2014/main" id="{60C44EC2-559F-4CC2-8DC1-2226C758BF8A}"/>
+              </a:ext>
+            </a:extLst>
+          </p:cNvPr>
+          <p:cNvSpPr>
+            <a:spLocks noGrp="1"/>
+          </p:cNvSpPr>
+          <p:nvPr>
+            <p:ph idx="1"/>
+          </p:nvPr>
+        </p:nvSpPr>
+        <p:spPr/>
+        <p:txBody>
+          <a:bodyPr>
+            <a:normAutofit/>
+          </a:bodyPr>
+          <a:lstStyle/>
+          <a:p>
+            <a:pPr marL="0" indent="0">
+              <a:buNone/>
+            </a:pPr>
+            <a:r>
+              <a:rPr lang="fr-CA" sz="1800" dirty="0"/>
+              <a:t>Nous avons considéré les cas suivants:</a:t>
+            </a:r>
+          </a:p>
+          <a:p>
+            <a:r>
+              <a:rPr lang="fr-CA" sz="1800" dirty="0"/>
+              <a:t>Le cas où </a:t>
+            </a:r>
+            <a:r>
+              <a:rPr lang="el-GR" sz="1800" dirty="0">
+                <a:latin typeface="Calibri" panose="020F0502020204030204" pitchFamily="34" charset="0"/>
+                <a:cs typeface="Calibri" panose="020F0502020204030204" pitchFamily="34" charset="0"/>
+              </a:rPr>
+              <a:t>α</a:t>
+            </a:r>
+            <a:r>
+              <a:rPr lang="fr-CA" sz="1800" dirty="0">
+                <a:latin typeface="Calibri" panose="020F0502020204030204" pitchFamily="34" charset="0"/>
+                <a:cs typeface="Calibri" panose="020F0502020204030204" pitchFamily="34" charset="0"/>
+              </a:rPr>
+              <a:t> </a:t>
+            </a:r>
+            <a:r>
+              <a:rPr lang="fr-CA" sz="1800" dirty="0">
+                <a:cs typeface="Calibri" panose="020F0502020204030204" pitchFamily="34" charset="0"/>
+              </a:rPr>
+              <a:t>ou </a:t>
+            </a:r>
+            <a:r>
+              <a:rPr lang="el-GR" sz="1800" dirty="0">
+                <a:latin typeface="Calibri" panose="020F0502020204030204" pitchFamily="34" charset="0"/>
+                <a:cs typeface="Calibri" panose="020F0502020204030204" pitchFamily="34" charset="0"/>
+              </a:rPr>
+              <a:t>β</a:t>
+            </a:r>
+            <a:r>
+              <a:rPr lang="fr-CA" sz="1800" dirty="0">
+                <a:cs typeface="Calibri" panose="020F0502020204030204" pitchFamily="34" charset="0"/>
+              </a:rPr>
+              <a:t> est nuls</a:t>
+            </a:r>
+          </a:p>
+          <a:p>
+            <a:r>
+              <a:rPr lang="fr-CA" sz="1800" dirty="0">
+                <a:cs typeface="Calibri" panose="020F0502020204030204" pitchFamily="34" charset="0"/>
+              </a:rPr>
+              <a:t>Le cas où </a:t>
+            </a:r>
+            <a:r>
+              <a:rPr lang="el-GR" sz="1800" dirty="0">
+                <a:latin typeface="Calibri" panose="020F0502020204030204" pitchFamily="34" charset="0"/>
+                <a:cs typeface="Calibri" panose="020F0502020204030204" pitchFamily="34" charset="0"/>
+              </a:rPr>
+              <a:t>α</a:t>
+            </a:r>
+            <a:r>
+              <a:rPr lang="fr-CA" sz="1800" dirty="0">
+                <a:latin typeface="Calibri" panose="020F0502020204030204" pitchFamily="34" charset="0"/>
+                <a:cs typeface="Calibri" panose="020F0502020204030204" pitchFamily="34" charset="0"/>
+              </a:rPr>
+              <a:t> </a:t>
+            </a:r>
+            <a:r>
+              <a:rPr lang="fr-CA" sz="1800" dirty="0">
+                <a:cs typeface="Calibri" panose="020F0502020204030204" pitchFamily="34" charset="0"/>
+              </a:rPr>
+              <a:t>est proportionnel à </a:t>
+            </a:r>
+            <a:r>
+              <a:rPr lang="el-GR" sz="1800" dirty="0">
+                <a:latin typeface="Calibri" panose="020F0502020204030204" pitchFamily="34" charset="0"/>
+                <a:cs typeface="Calibri" panose="020F0502020204030204" pitchFamily="34" charset="0"/>
+              </a:rPr>
+              <a:t>β</a:t>
+            </a:r>
+            <a:r>
+              <a:rPr lang="fr-CA" sz="1800" dirty="0">
+                <a:cs typeface="Calibri" panose="020F0502020204030204" pitchFamily="34" charset="0"/>
+              </a:rPr>
+              <a:t> </a:t>
+            </a:r>
+          </a:p>
+          <a:p>
+            <a:r>
+              <a:rPr lang="fr-CA" sz="1800" dirty="0">
+                <a:cs typeface="Calibri" panose="020F0502020204030204" pitchFamily="34" charset="0"/>
+              </a:rPr>
+              <a:t>Le cas où </a:t>
+            </a:r>
+            <a:r>
+              <a:rPr lang="el-GR" sz="1800" dirty="0">
+                <a:latin typeface="Calibri" panose="020F0502020204030204" pitchFamily="34" charset="0"/>
+                <a:cs typeface="Calibri" panose="020F0502020204030204" pitchFamily="34" charset="0"/>
+              </a:rPr>
+              <a:t>α</a:t>
+            </a:r>
+            <a:r>
+              <a:rPr lang="fr-CA" sz="1800" dirty="0">
+                <a:latin typeface="Calibri" panose="020F0502020204030204" pitchFamily="34" charset="0"/>
+                <a:cs typeface="Calibri" panose="020F0502020204030204" pitchFamily="34" charset="0"/>
+              </a:rPr>
+              <a:t> =</a:t>
+            </a:r>
+            <a:r>
+              <a:rPr lang="fr-CA" sz="1800" dirty="0">
+                <a:cs typeface="Calibri" panose="020F0502020204030204" pitchFamily="34" charset="0"/>
+              </a:rPr>
+              <a:t> </a:t>
+            </a:r>
+            <a:r>
+              <a:rPr lang="el-GR" sz="1800" dirty="0">
+                <a:latin typeface="Calibri" panose="020F0502020204030204" pitchFamily="34" charset="0"/>
+                <a:cs typeface="Calibri" panose="020F0502020204030204" pitchFamily="34" charset="0"/>
+              </a:rPr>
+              <a:t>β</a:t>
+            </a:r>
+            <a:r>
+              <a:rPr lang="fr-CA" sz="1800" baseline="30000" dirty="0">
+                <a:latin typeface="Calibri" panose="020F0502020204030204" pitchFamily="34" charset="0"/>
+                <a:cs typeface="Calibri" panose="020F0502020204030204" pitchFamily="34" charset="0"/>
+              </a:rPr>
+              <a:t>2</a:t>
+            </a:r>
+            <a:r>
+              <a:rPr lang="fr-CA" sz="1800" dirty="0">
+                <a:cs typeface="Calibri" panose="020F0502020204030204" pitchFamily="34" charset="0"/>
+              </a:rPr>
+              <a:t> </a:t>
+            </a:r>
+            <a:endParaRPr lang="fr-CA" sz="1800" dirty="0"/>
+          </a:p>
+        </p:txBody>
+      </p:sp>
+    </p:spTree>
+    <p:extLst>
+      <p:ext uri="{BB962C8B-B14F-4D97-AF65-F5344CB8AC3E}">
+        <p14:creationId xmlns:p14="http://schemas.microsoft.com/office/powerpoint/2010/main" val="4032787620"/>
+      </p:ext>
+    </p:extLst>
+  </p:cSld>
+  <p:clrMapOvr>
+    <a:masterClrMapping/>
+  </p:clrMapOvr>
+</p:sld>
+</file>
+
+<file path=ppt/slides/slide31.xml><?xml version="1.0" encoding="utf-8"?>
+<p:sld xmlns:a="http://schemas.openxmlformats.org/drawingml/2006/main" xmlns:r="http://schemas.openxmlformats.org/officeDocument/2006/relationships" xmlns:p="http://schemas.openxmlformats.org/presentationml/2006/main">
+  <p:cSld>
+    <p:spTree>
+      <p:nvGrpSpPr>
+        <p:cNvPr id="1" name=""/>
+        <p:cNvGrpSpPr/>
+        <p:nvPr/>
+      </p:nvGrpSpPr>
+      <p:grpSpPr>
+        <a:xfrm>
+          <a:off x="0" y="0"/>
+          <a:ext cx="0" cy="0"/>
+          <a:chOff x="0" y="0"/>
+          <a:chExt cx="0" cy="0"/>
+        </a:xfrm>
+      </p:grpSpPr>
+      <p:sp>
+        <p:nvSpPr>
+          <p:cNvPr id="2" name="Titre 1">
+            <a:extLst>
+              <a:ext uri="{FF2B5EF4-FFF2-40B4-BE49-F238E27FC236}">
+                <a16:creationId xmlns:a16="http://schemas.microsoft.com/office/drawing/2014/main" id="{4DE2DCB7-FE74-442F-9CC2-8D8ECABFD3E8}"/>
+              </a:ext>
+            </a:extLst>
+          </p:cNvPr>
+          <p:cNvSpPr>
+            <a:spLocks noGrp="1"/>
+          </p:cNvSpPr>
+          <p:nvPr>
+            <p:ph type="title"/>
+          </p:nvPr>
+        </p:nvSpPr>
+        <p:spPr/>
+        <p:txBody>
+          <a:bodyPr/>
+          <a:lstStyle/>
+          <a:p>
+            <a:r>
+              <a:rPr lang="fr-CA" dirty="0">
+                <a:latin typeface="Segoe UI Semibold" panose="020B0702040204020203" pitchFamily="34" charset="0"/>
+                <a:cs typeface="Segoe UI Semibold" panose="020B0702040204020203" pitchFamily="34" charset="0"/>
+              </a:rPr>
+              <a:t>Conclusion</a:t>
+            </a:r>
+          </a:p>
+        </p:txBody>
+      </p:sp>
+      <p:sp>
+        <p:nvSpPr>
+          <p:cNvPr id="3" name="Espace réservé du contenu 2">
+            <a:extLst>
+              <a:ext uri="{FF2B5EF4-FFF2-40B4-BE49-F238E27FC236}">
+                <a16:creationId xmlns:a16="http://schemas.microsoft.com/office/drawing/2014/main" id="{60C44EC2-559F-4CC2-8DC1-2226C758BF8A}"/>
+              </a:ext>
+            </a:extLst>
+          </p:cNvPr>
+          <p:cNvSpPr>
+            <a:spLocks noGrp="1"/>
+          </p:cNvSpPr>
+          <p:nvPr>
+            <p:ph idx="1"/>
+          </p:nvPr>
+        </p:nvSpPr>
+        <p:spPr/>
+        <p:txBody>
+          <a:bodyPr/>
+          <a:lstStyle/>
+          <a:p>
+            <a:endParaRPr lang="fr-CA" dirty="0"/>
+          </a:p>
+        </p:txBody>
+      </p:sp>
+    </p:spTree>
+    <p:extLst>
+      <p:ext uri="{BB962C8B-B14F-4D97-AF65-F5344CB8AC3E}">
+        <p14:creationId xmlns:p14="http://schemas.microsoft.com/office/powerpoint/2010/main" val="1638903209"/>
       </p:ext>
     </p:extLst>
   </p:cSld>

--- a/Solutions d’une équation aux valeurs propres.pptx
+++ b/Solutions d’une équation aux valeurs propres.pptx
@@ -8412,7 +8412,7 @@
         </p:blipFill>
         <p:spPr>
           <a:xfrm>
-            <a:off x="4638675" y="1933576"/>
+            <a:off x="4638675" y="2212815"/>
             <a:ext cx="2914650" cy="552450"/>
           </a:xfrm>
           <a:prstGeom prst="rect">
@@ -8453,7 +8453,7 @@
         </p:blipFill>
         <p:spPr>
           <a:xfrm>
-            <a:off x="2799290" y="3305176"/>
+            <a:off x="2799289" y="3594284"/>
             <a:ext cx="6915150" cy="704850"/>
           </a:xfrm>
           <a:prstGeom prst="rect">
@@ -8494,7 +8494,7 @@
         </p:blipFill>
         <p:spPr>
           <a:xfrm>
-            <a:off x="3823228" y="4870979"/>
+            <a:off x="3823227" y="5128154"/>
             <a:ext cx="4867275" cy="638175"/>
           </a:xfrm>
           <a:prstGeom prst="rect">
@@ -8502,6 +8502,111 @@
           </a:prstGeom>
         </p:spPr>
       </p:pic>
+      <p:sp>
+        <p:nvSpPr>
+          <p:cNvPr id="3" name="ZoneTexte 2">
+            <a:extLst>
+              <a:ext uri="{FF2B5EF4-FFF2-40B4-BE49-F238E27FC236}">
+                <a16:creationId xmlns:a16="http://schemas.microsoft.com/office/drawing/2014/main" id="{C4D9321A-5553-45F4-BD18-77E9039FD148}"/>
+              </a:ext>
+            </a:extLst>
+          </p:cNvPr>
+          <p:cNvSpPr txBox="1"/>
+          <p:nvPr/>
+        </p:nvSpPr>
+        <p:spPr>
+          <a:xfrm>
+            <a:off x="1066800" y="1843483"/>
+            <a:ext cx="3686175" cy="369332"/>
+          </a:xfrm>
+          <a:prstGeom prst="rect">
+            <a:avLst/>
+          </a:prstGeom>
+          <a:noFill/>
+        </p:spPr>
+        <p:txBody>
+          <a:bodyPr wrap="square" rtlCol="0">
+            <a:spAutoFit/>
+          </a:bodyPr>
+          <a:lstStyle/>
+          <a:p>
+            <a:r>
+              <a:rPr lang="fr-CA" dirty="0"/>
+              <a:t>Si l’hamiltonien peut s’écrire comme</a:t>
+            </a:r>
+          </a:p>
+        </p:txBody>
+      </p:sp>
+      <p:sp>
+        <p:nvSpPr>
+          <p:cNvPr id="7" name="ZoneTexte 6">
+            <a:extLst>
+              <a:ext uri="{FF2B5EF4-FFF2-40B4-BE49-F238E27FC236}">
+                <a16:creationId xmlns:a16="http://schemas.microsoft.com/office/drawing/2014/main" id="{1432DEC1-3834-41ED-BED9-29E8A179FD01}"/>
+              </a:ext>
+            </a:extLst>
+          </p:cNvPr>
+          <p:cNvSpPr txBox="1"/>
+          <p:nvPr/>
+        </p:nvSpPr>
+        <p:spPr>
+          <a:xfrm>
+            <a:off x="1066800" y="2971322"/>
+            <a:ext cx="3686175" cy="369332"/>
+          </a:xfrm>
+          <a:prstGeom prst="rect">
+            <a:avLst/>
+          </a:prstGeom>
+          <a:noFill/>
+        </p:spPr>
+        <p:txBody>
+          <a:bodyPr wrap="square" rtlCol="0">
+            <a:spAutoFit/>
+          </a:bodyPr>
+          <a:lstStyle/>
+          <a:p>
+            <a:r>
+              <a:rPr lang="fr-CA" dirty="0"/>
+              <a:t>La solution aura la forme</a:t>
+            </a:r>
+          </a:p>
+        </p:txBody>
+      </p:sp>
+      <p:sp>
+        <p:nvSpPr>
+          <p:cNvPr id="8" name="ZoneTexte 7">
+            <a:extLst>
+              <a:ext uri="{FF2B5EF4-FFF2-40B4-BE49-F238E27FC236}">
+                <a16:creationId xmlns:a16="http://schemas.microsoft.com/office/drawing/2014/main" id="{0DBDA4F4-F6FB-478C-A3CC-97D692808C29}"/>
+              </a:ext>
+            </a:extLst>
+          </p:cNvPr>
+          <p:cNvSpPr txBox="1"/>
+          <p:nvPr/>
+        </p:nvSpPr>
+        <p:spPr>
+          <a:xfrm>
+            <a:off x="1066799" y="4628672"/>
+            <a:ext cx="3686175" cy="369332"/>
+          </a:xfrm>
+          <a:prstGeom prst="rect">
+            <a:avLst/>
+          </a:prstGeom>
+          <a:noFill/>
+        </p:spPr>
+        <p:txBody>
+          <a:bodyPr wrap="square" rtlCol="0">
+            <a:spAutoFit/>
+          </a:bodyPr>
+          <a:lstStyle/>
+          <a:p>
+            <a:r>
+              <a:rPr lang="fr-CA" dirty="0"/>
+              <a:t>Et l’énergie aura la  forme</a:t>
+            </a:r>
+          </a:p>
+        </p:txBody>
+      </p:sp>
     </p:spTree>
     <p:extLst>
       <p:ext uri="{BB962C8B-B14F-4D97-AF65-F5344CB8AC3E}">
@@ -8645,6 +8750,76 @@
           </a:prstGeom>
         </p:spPr>
       </p:pic>
+      <p:sp>
+        <p:nvSpPr>
+          <p:cNvPr id="4" name="ZoneTexte 3">
+            <a:extLst>
+              <a:ext uri="{FF2B5EF4-FFF2-40B4-BE49-F238E27FC236}">
+                <a16:creationId xmlns:a16="http://schemas.microsoft.com/office/drawing/2014/main" id="{A75B7330-987A-464D-A68C-FA4D2BC91515}"/>
+              </a:ext>
+            </a:extLst>
+          </p:cNvPr>
+          <p:cNvSpPr txBox="1"/>
+          <p:nvPr/>
+        </p:nvSpPr>
+        <p:spPr>
+          <a:xfrm>
+            <a:off x="1066800" y="1889549"/>
+            <a:ext cx="4829175" cy="369332"/>
+          </a:xfrm>
+          <a:prstGeom prst="rect">
+            <a:avLst/>
+          </a:prstGeom>
+          <a:noFill/>
+        </p:spPr>
+        <p:txBody>
+          <a:bodyPr wrap="square" rtlCol="0">
+            <a:spAutoFit/>
+          </a:bodyPr>
+          <a:lstStyle/>
+          <a:p>
+            <a:r>
+              <a:rPr lang="fr-CA" dirty="0"/>
+              <a:t>La première correction sur l’énergie sera</a:t>
+            </a:r>
+          </a:p>
+        </p:txBody>
+      </p:sp>
+      <p:sp>
+        <p:nvSpPr>
+          <p:cNvPr id="8" name="ZoneTexte 7">
+            <a:extLst>
+              <a:ext uri="{FF2B5EF4-FFF2-40B4-BE49-F238E27FC236}">
+                <a16:creationId xmlns:a16="http://schemas.microsoft.com/office/drawing/2014/main" id="{DD97BE43-CE57-49A2-8E51-2F982848ABF6}"/>
+              </a:ext>
+            </a:extLst>
+          </p:cNvPr>
+          <p:cNvSpPr txBox="1"/>
+          <p:nvPr/>
+        </p:nvSpPr>
+        <p:spPr>
+          <a:xfrm>
+            <a:off x="1066800" y="3569428"/>
+            <a:ext cx="4829175" cy="369332"/>
+          </a:xfrm>
+          <a:prstGeom prst="rect">
+            <a:avLst/>
+          </a:prstGeom>
+          <a:noFill/>
+        </p:spPr>
+        <p:txBody>
+          <a:bodyPr wrap="square" rtlCol="0">
+            <a:spAutoFit/>
+          </a:bodyPr>
+          <a:lstStyle/>
+          <a:p>
+            <a:r>
+              <a:rPr lang="fr-CA" dirty="0"/>
+              <a:t>La première correction aux vecteurs propres est</a:t>
+            </a:r>
+          </a:p>
+        </p:txBody>
+      </p:sp>
     </p:spTree>
     <p:extLst>
       <p:ext uri="{BB962C8B-B14F-4D97-AF65-F5344CB8AC3E}">
@@ -8780,7 +8955,7 @@
         </p:blipFill>
         <p:spPr>
           <a:xfrm>
-            <a:off x="3290885" y="4006320"/>
+            <a:off x="3290883" y="4949295"/>
             <a:ext cx="5610225" cy="1114425"/>
           </a:xfrm>
           <a:prstGeom prst="rect">
@@ -8788,6 +8963,141 @@
           </a:prstGeom>
         </p:spPr>
       </p:pic>
+      <p:sp>
+        <p:nvSpPr>
+          <p:cNvPr id="7" name="ZoneTexte 6">
+            <a:extLst>
+              <a:ext uri="{FF2B5EF4-FFF2-40B4-BE49-F238E27FC236}">
+                <a16:creationId xmlns:a16="http://schemas.microsoft.com/office/drawing/2014/main" id="{BE387114-4D11-4268-BDFB-06651FAEDEB3}"/>
+              </a:ext>
+            </a:extLst>
+          </p:cNvPr>
+          <p:cNvSpPr txBox="1"/>
+          <p:nvPr/>
+        </p:nvSpPr>
+        <p:spPr>
+          <a:xfrm>
+            <a:off x="1066800" y="2060859"/>
+            <a:ext cx="3976690" cy="369332"/>
+          </a:xfrm>
+          <a:prstGeom prst="rect">
+            <a:avLst/>
+          </a:prstGeom>
+          <a:noFill/>
+        </p:spPr>
+        <p:txBody>
+          <a:bodyPr wrap="square" rtlCol="0">
+            <a:spAutoFit/>
+          </a:bodyPr>
+          <a:lstStyle/>
+          <a:p>
+            <a:r>
+              <a:rPr lang="fr-CA" dirty="0"/>
+              <a:t>Si l’hamiltonien peut s’écrire comme</a:t>
+            </a:r>
+          </a:p>
+        </p:txBody>
+      </p:sp>
+      <p:sp>
+        <p:nvSpPr>
+          <p:cNvPr id="8" name="ZoneTexte 7">
+            <a:extLst>
+              <a:ext uri="{FF2B5EF4-FFF2-40B4-BE49-F238E27FC236}">
+                <a16:creationId xmlns:a16="http://schemas.microsoft.com/office/drawing/2014/main" id="{E59FE1B8-D657-4531-AEA6-65052B7D093B}"/>
+              </a:ext>
+            </a:extLst>
+          </p:cNvPr>
+          <p:cNvSpPr txBox="1"/>
+          <p:nvPr/>
+        </p:nvSpPr>
+        <p:spPr>
+          <a:xfrm>
+            <a:off x="1066799" y="3247191"/>
+            <a:ext cx="5419725" cy="369332"/>
+          </a:xfrm>
+          <a:prstGeom prst="rect">
+            <a:avLst/>
+          </a:prstGeom>
+          <a:noFill/>
+        </p:spPr>
+        <p:txBody>
+          <a:bodyPr wrap="square" rtlCol="0">
+            <a:spAutoFit/>
+          </a:bodyPr>
+          <a:lstStyle/>
+          <a:p>
+            <a:r>
+              <a:rPr lang="fr-CA" dirty="0"/>
+              <a:t>La première correction sur l’énergie sera encore</a:t>
+            </a:r>
+          </a:p>
+        </p:txBody>
+      </p:sp>
+      <p:pic>
+        <p:nvPicPr>
+          <p:cNvPr id="9" name="Image 8">
+            <a:extLst>
+              <a:ext uri="{FF2B5EF4-FFF2-40B4-BE49-F238E27FC236}">
+                <a16:creationId xmlns:a16="http://schemas.microsoft.com/office/drawing/2014/main" id="{08B1EAC3-5B58-4A00-86B8-CD48B19FA4E7}"/>
+              </a:ext>
+            </a:extLst>
+          </p:cNvPr>
+          <p:cNvPicPr>
+            <a:picLocks noChangeAspect="1"/>
+          </p:cNvPicPr>
+          <p:nvPr/>
+        </p:nvPicPr>
+        <p:blipFill>
+          <a:blip r:embed="rId4"/>
+          <a:stretch>
+            <a:fillRect/>
+          </a:stretch>
+        </p:blipFill>
+        <p:spPr>
+          <a:xfrm>
+            <a:off x="4662439" y="3680512"/>
+            <a:ext cx="2867112" cy="635938"/>
+          </a:xfrm>
+          <a:prstGeom prst="rect">
+            <a:avLst/>
+          </a:prstGeom>
+        </p:spPr>
+      </p:pic>
+      <p:sp>
+        <p:nvSpPr>
+          <p:cNvPr id="10" name="ZoneTexte 9">
+            <a:extLst>
+              <a:ext uri="{FF2B5EF4-FFF2-40B4-BE49-F238E27FC236}">
+                <a16:creationId xmlns:a16="http://schemas.microsoft.com/office/drawing/2014/main" id="{FB3EB5CB-C583-4910-9C16-FEB21CACD811}"/>
+              </a:ext>
+            </a:extLst>
+          </p:cNvPr>
+          <p:cNvSpPr txBox="1"/>
+          <p:nvPr/>
+        </p:nvSpPr>
+        <p:spPr>
+          <a:xfrm>
+            <a:off x="1066799" y="4480188"/>
+            <a:ext cx="6700835" cy="369332"/>
+          </a:xfrm>
+          <a:prstGeom prst="rect">
+            <a:avLst/>
+          </a:prstGeom>
+          <a:noFill/>
+        </p:spPr>
+        <p:txBody>
+          <a:bodyPr wrap="square" rtlCol="0">
+            <a:spAutoFit/>
+          </a:bodyPr>
+          <a:lstStyle/>
+          <a:p>
+            <a:r>
+              <a:rPr lang="fr-CA" dirty="0"/>
+              <a:t>Une seconde correction sur l’énergie est nécessaire dans ce cas-ci</a:t>
+            </a:r>
+          </a:p>
+        </p:txBody>
+      </p:sp>
     </p:spTree>
     <p:extLst>
       <p:ext uri="{BB962C8B-B14F-4D97-AF65-F5344CB8AC3E}">
@@ -9325,10 +9635,80 @@
         </p:nvSpPr>
         <p:spPr/>
         <p:txBody>
-          <a:bodyPr/>
+          <a:bodyPr>
+            <a:normAutofit/>
+          </a:bodyPr>
           <a:lstStyle/>
           <a:p>
-            <a:endParaRPr lang="fr-CA" dirty="0"/>
+            <a:r>
+              <a:rPr lang="fr-CA" sz="2400" dirty="0"/>
+              <a:t>Notre méthode est confirmé par la théorie de la perturbation</a:t>
+            </a:r>
+          </a:p>
+          <a:p>
+            <a:r>
+              <a:rPr lang="fr-CA" sz="2400" dirty="0"/>
+              <a:t>L'algorithme des rotations de </a:t>
+            </a:r>
+            <a:r>
+              <a:rPr lang="fr-CA" sz="2400" dirty="0" err="1"/>
+              <a:t>Givens</a:t>
+            </a:r>
+            <a:r>
+              <a:rPr lang="fr-CA" sz="2400" dirty="0"/>
+              <a:t> est le plus précis pour des grandes valeurs de </a:t>
+            </a:r>
+            <a:r>
+              <a:rPr lang="fr-CA" sz="2400" dirty="0">
+                <a:latin typeface="Calibri" panose="020F0502020204030204" pitchFamily="34" charset="0"/>
+                <a:cs typeface="Calibri" panose="020F0502020204030204" pitchFamily="34" charset="0"/>
+              </a:rPr>
+              <a:t>α, </a:t>
+            </a:r>
+            <a:r>
+              <a:rPr lang="el-GR" sz="2400" dirty="0">
+                <a:latin typeface="Calibri" panose="020F0502020204030204" pitchFamily="34" charset="0"/>
+                <a:cs typeface="Calibri" panose="020F0502020204030204" pitchFamily="34" charset="0"/>
+              </a:rPr>
+              <a:t>β</a:t>
+            </a:r>
+            <a:r>
+              <a:rPr lang="fr-CA" sz="2400" dirty="0"/>
+              <a:t> et pour les plus grandes dimensions N</a:t>
+            </a:r>
+          </a:p>
+          <a:p>
+            <a:r>
+              <a:rPr lang="fr-CA" sz="2400" dirty="0"/>
+              <a:t>L'algorithme des itérations de quotient de Rayleigh est le plus précis et le plus rapide pour des plus petites valeurs de </a:t>
+            </a:r>
+            <a:r>
+              <a:rPr lang="fr-CA" sz="2400" dirty="0">
+                <a:latin typeface="Calibri" panose="020F0502020204030204" pitchFamily="34" charset="0"/>
+                <a:cs typeface="Calibri" panose="020F0502020204030204" pitchFamily="34" charset="0"/>
+              </a:rPr>
+              <a:t>α, </a:t>
+            </a:r>
+            <a:r>
+              <a:rPr lang="el-GR" sz="2400" dirty="0">
+                <a:latin typeface="Calibri" panose="020F0502020204030204" pitchFamily="34" charset="0"/>
+                <a:cs typeface="Calibri" panose="020F0502020204030204" pitchFamily="34" charset="0"/>
+              </a:rPr>
+              <a:t>β</a:t>
+            </a:r>
+            <a:r>
+              <a:rPr lang="fr-CA" sz="2400" dirty="0"/>
+              <a:t>, et pour les plus petites dimensions N. </a:t>
+            </a:r>
+          </a:p>
+          <a:p>
+            <a:r>
+              <a:rPr lang="fr-CA" sz="2400" dirty="0"/>
+              <a:t>Il serait possible d’accélérer l’algorithme des itérations de quotient de Rayleigh</a:t>
+            </a:r>
+          </a:p>
+          <a:p>
+            <a:endParaRPr lang="fr-CA" sz="2400" dirty="0"/>
           </a:p>
         </p:txBody>
       </p:sp>

--- a/Solutions d’une équation aux valeurs propres.pptx
+++ b/Solutions d’une équation aux valeurs propres.pptx
@@ -22,20 +22,21 @@
     <p:sldId id="273" r:id="rId16"/>
     <p:sldId id="274" r:id="rId17"/>
     <p:sldId id="278" r:id="rId18"/>
-    <p:sldId id="275" r:id="rId19"/>
-    <p:sldId id="276" r:id="rId20"/>
-    <p:sldId id="277" r:id="rId21"/>
-    <p:sldId id="282" r:id="rId22"/>
-    <p:sldId id="283" r:id="rId23"/>
-    <p:sldId id="284" r:id="rId24"/>
-    <p:sldId id="285" r:id="rId25"/>
-    <p:sldId id="286" r:id="rId26"/>
-    <p:sldId id="261" r:id="rId27"/>
-    <p:sldId id="264" r:id="rId28"/>
-    <p:sldId id="279" r:id="rId29"/>
-    <p:sldId id="280" r:id="rId30"/>
-    <p:sldId id="266" r:id="rId31"/>
-    <p:sldId id="281" r:id="rId32"/>
+    <p:sldId id="287" r:id="rId19"/>
+    <p:sldId id="275" r:id="rId20"/>
+    <p:sldId id="276" r:id="rId21"/>
+    <p:sldId id="277" r:id="rId22"/>
+    <p:sldId id="282" r:id="rId23"/>
+    <p:sldId id="283" r:id="rId24"/>
+    <p:sldId id="284" r:id="rId25"/>
+    <p:sldId id="285" r:id="rId26"/>
+    <p:sldId id="286" r:id="rId27"/>
+    <p:sldId id="261" r:id="rId28"/>
+    <p:sldId id="264" r:id="rId29"/>
+    <p:sldId id="279" r:id="rId30"/>
+    <p:sldId id="280" r:id="rId31"/>
+    <p:sldId id="266" r:id="rId32"/>
+    <p:sldId id="281" r:id="rId33"/>
   </p:sldIdLst>
   <p:sldSz cx="12192000" cy="6858000"/>
   <p:notesSz cx="6858000" cy="9144000"/>
@@ -685,7 +686,7 @@
           <a:p>
             <a:fld id="{34B7E4EF-A1BD-40F4-AB7B-04F084DD991D}" type="slidenum">
               <a:rPr lang="en-US" smtClean="0"/>
-              <a:t>‹N°›</a:t>
+              <a:t>‹#›</a:t>
             </a:fld>
             <a:endParaRPr lang="en-US" dirty="0"/>
           </a:p>
@@ -855,7 +856,7 @@
           <a:p>
             <a:fld id="{34B7E4EF-A1BD-40F4-AB7B-04F084DD991D}" type="slidenum">
               <a:rPr lang="en-US" smtClean="0"/>
-              <a:t>‹N°›</a:t>
+              <a:t>‹#›</a:t>
             </a:fld>
             <a:endParaRPr lang="en-US"/>
           </a:p>
@@ -1035,7 +1036,7 @@
           <a:p>
             <a:fld id="{34B7E4EF-A1BD-40F4-AB7B-04F084DD991D}" type="slidenum">
               <a:rPr lang="en-US" smtClean="0"/>
-              <a:t>‹N°›</a:t>
+              <a:t>‹#›</a:t>
             </a:fld>
             <a:endParaRPr lang="en-US"/>
           </a:p>
@@ -1205,7 +1206,7 @@
           <a:p>
             <a:fld id="{34B7E4EF-A1BD-40F4-AB7B-04F084DD991D}" type="slidenum">
               <a:rPr lang="en-US" smtClean="0"/>
-              <a:t>‹N°›</a:t>
+              <a:t>‹#›</a:t>
             </a:fld>
             <a:endParaRPr lang="en-US"/>
           </a:p>
@@ -1836,7 +1837,7 @@
           <a:p>
             <a:fld id="{34B7E4EF-A1BD-40F4-AB7B-04F084DD991D}" type="slidenum">
               <a:rPr lang="en-US" smtClean="0"/>
-              <a:t>‹N°›</a:t>
+              <a:t>‹#›</a:t>
             </a:fld>
             <a:endParaRPr lang="en-US" dirty="0"/>
           </a:p>
@@ -2124,7 +2125,7 @@
           <a:p>
             <a:fld id="{34B7E4EF-A1BD-40F4-AB7B-04F084DD991D}" type="slidenum">
               <a:rPr lang="en-US" smtClean="0"/>
-              <a:t>‹N°›</a:t>
+              <a:t>‹#›</a:t>
             </a:fld>
             <a:endParaRPr lang="en-US"/>
           </a:p>
@@ -2559,7 +2560,7 @@
           <a:p>
             <a:fld id="{34B7E4EF-A1BD-40F4-AB7B-04F084DD991D}" type="slidenum">
               <a:rPr lang="en-US" smtClean="0"/>
-              <a:t>‹N°›</a:t>
+              <a:t>‹#›</a:t>
             </a:fld>
             <a:endParaRPr lang="en-US"/>
           </a:p>
@@ -2677,7 +2678,7 @@
           <a:p>
             <a:fld id="{34B7E4EF-A1BD-40F4-AB7B-04F084DD991D}" type="slidenum">
               <a:rPr lang="en-US" smtClean="0"/>
-              <a:t>‹N°›</a:t>
+              <a:t>‹#›</a:t>
             </a:fld>
             <a:endParaRPr lang="en-US"/>
           </a:p>
@@ -2772,7 +2773,7 @@
           <a:p>
             <a:fld id="{34B7E4EF-A1BD-40F4-AB7B-04F084DD991D}" type="slidenum">
               <a:rPr lang="en-US" smtClean="0"/>
-              <a:t>‹N°›</a:t>
+              <a:t>‹#›</a:t>
             </a:fld>
             <a:endParaRPr lang="en-US"/>
           </a:p>
@@ -3214,7 +3215,7 @@
           <a:p>
             <a:fld id="{34B7E4EF-A1BD-40F4-AB7B-04F084DD991D}" type="slidenum">
               <a:rPr lang="en-US" smtClean="0"/>
-              <a:t>‹N°›</a:t>
+              <a:t>‹#›</a:t>
             </a:fld>
             <a:endParaRPr lang="en-US"/>
           </a:p>
@@ -3480,7 +3481,7 @@
           <a:p>
             <a:fld id="{34B7E4EF-A1BD-40F4-AB7B-04F084DD991D}" type="slidenum">
               <a:rPr lang="en-US" smtClean="0"/>
-              <a:t>‹N°›</a:t>
+              <a:t>‹#›</a:t>
             </a:fld>
             <a:endParaRPr lang="en-US"/>
           </a:p>
@@ -4005,7 +4006,7 @@
           <a:p>
             <a:fld id="{34B7E4EF-A1BD-40F4-AB7B-04F084DD991D}" type="slidenum">
               <a:rPr lang="en-US" smtClean="0"/>
-              <a:t>‹N°›</a:t>
+              <a:t>‹#›</a:t>
             </a:fld>
             <a:endParaRPr lang="en-US"/>
           </a:p>
@@ -7244,7 +7245,7 @@
           <p:cNvPr id="2" name="Titre 1">
             <a:extLst>
               <a:ext uri="{FF2B5EF4-FFF2-40B4-BE49-F238E27FC236}">
-                <a16:creationId xmlns:a16="http://schemas.microsoft.com/office/drawing/2014/main" id="{42734EF5-0052-43BE-9824-A13878B90F1F}"/>
+                <a16:creationId xmlns:a16="http://schemas.microsoft.com/office/drawing/2014/main" id="{AE66BF5C-AB32-48B1-89CF-28E9CD908DFE}"/>
               </a:ext>
             </a:extLst>
           </p:cNvPr>
@@ -7260,49 +7261,385 @@
           <a:bodyPr/>
           <a:lstStyle/>
           <a:p>
-            <a:endParaRPr lang="fr-CA"/>
-          </a:p>
-        </p:txBody>
-      </p:sp>
-      <p:pic>
-        <p:nvPicPr>
-          <p:cNvPr id="5" name="Espace réservé du contenu 4" descr="Une image contenant capture d’écran&#10;&#10;Description générée automatiquement">
-            <a:extLst>
-              <a:ext uri="{FF2B5EF4-FFF2-40B4-BE49-F238E27FC236}">
-                <a16:creationId xmlns:a16="http://schemas.microsoft.com/office/drawing/2014/main" id="{96765797-F901-483F-9638-B2E77ABA9C93}"/>
-              </a:ext>
-            </a:extLst>
-          </p:cNvPr>
-          <p:cNvPicPr>
-            <a:picLocks noGrp="1" noChangeAspect="1"/>
-          </p:cNvPicPr>
-          <p:nvPr>
-            <p:ph idx="1"/>
-          </p:nvPr>
-        </p:nvPicPr>
-        <p:blipFill>
-          <a:blip r:embed="rId2">
-            <a:extLst>
-              <a:ext uri="{28A0092B-C50C-407E-A947-70E740481C1C}">
-                <a14:useLocalDpi xmlns:a14="http://schemas.microsoft.com/office/drawing/2010/main" val="0"/>
-              </a:ext>
-            </a:extLst>
-          </a:blip>
-          <a:stretch>
-            <a:fillRect/>
-          </a:stretch>
-        </p:blipFill>
-        <p:spPr>
-          <a:xfrm>
-            <a:off x="420617" y="406399"/>
-            <a:ext cx="11371334" cy="6054361"/>
-          </a:xfrm>
-        </p:spPr>
-      </p:pic>
+            <a:r>
+              <a:rPr lang="fr-CA" dirty="0"/>
+              <a:t>Itérations de quotients de Rayleigh</a:t>
+            </a:r>
+          </a:p>
+        </p:txBody>
+      </p:sp>
+      <mc:AlternateContent xmlns:mc="http://schemas.openxmlformats.org/markup-compatibility/2006">
+        <mc:Choice xmlns:a14="http://schemas.microsoft.com/office/drawing/2010/main" Requires="a14">
+          <p:sp>
+            <p:nvSpPr>
+              <p:cNvPr id="3" name="TextBox 2">
+                <a:extLst>
+                  <a:ext uri="{FF2B5EF4-FFF2-40B4-BE49-F238E27FC236}">
+                    <a16:creationId xmlns:a16="http://schemas.microsoft.com/office/drawing/2014/main" id="{E2E9A118-3816-40DD-9360-5FA4238B4DFF}"/>
+                  </a:ext>
+                </a:extLst>
+              </p:cNvPr>
+              <p:cNvSpPr txBox="1"/>
+              <p:nvPr/>
+            </p:nvSpPr>
+            <p:spPr>
+              <a:xfrm>
+                <a:off x="1066799" y="1778466"/>
+                <a:ext cx="10166059" cy="2308324"/>
+              </a:xfrm>
+              <a:prstGeom prst="rect">
+                <a:avLst/>
+              </a:prstGeom>
+              <a:noFill/>
+            </p:spPr>
+            <p:txBody>
+              <a:bodyPr wrap="square" rtlCol="0">
+                <a:spAutoFit/>
+              </a:bodyPr>
+              <a:lstStyle/>
+              <a:p>
+                <a:pPr marL="285750" indent="-285750">
+                  <a:buFont typeface="Arial" panose="020B0604020202020204" pitchFamily="34" charset="0"/>
+                  <a:buChar char="•"/>
+                </a:pPr>
+                <a:r>
+                  <a:rPr lang="fr-CA" dirty="0"/>
+                  <a:t>Quotient de Rayleigh: produit scalaire d’un vecteur avec soi-même suite à l’application d’une matrice</a:t>
+                </a:r>
+              </a:p>
+              <a:p>
+                <a:pPr marL="285750" indent="-285750">
+                  <a:buFont typeface="Arial" panose="020B0604020202020204" pitchFamily="34" charset="0"/>
+                  <a:buChar char="•"/>
+                </a:pPr>
+                <a:endParaRPr lang="fr-CA" dirty="0"/>
+              </a:p>
+              <a:p>
+                <a:pPr marL="285750" indent="-285750">
+                  <a:buFont typeface="Arial" panose="020B0604020202020204" pitchFamily="34" charset="0"/>
+                  <a:buChar char="•"/>
+                </a:pPr>
+                <a:r>
+                  <a:rPr lang="fr-CA" dirty="0"/>
+                  <a:t>Itérations de puissances: appliquer la matrice sur un vecteur et le normaliser, puis recommencer. À la fin, trouve la valeur propre (quotient de Rayleigh). Converge vers plus haute valeur propre</a:t>
+                </a:r>
+              </a:p>
+              <a:p>
+                <a:pPr marL="285750" indent="-285750">
+                  <a:buFont typeface="Arial" panose="020B0604020202020204" pitchFamily="34" charset="0"/>
+                  <a:buChar char="•"/>
+                </a:pPr>
+                <a:endParaRPr lang="fr-CA" dirty="0"/>
+              </a:p>
+              <a:p>
+                <a:pPr marL="285750" indent="-285750">
+                  <a:buFont typeface="Arial" panose="020B0604020202020204" pitchFamily="34" charset="0"/>
+                  <a:buChar char="•"/>
+                </a:pPr>
+                <a:r>
+                  <a:rPr lang="en-CA" dirty="0" err="1"/>
+                  <a:t>Itérations</a:t>
+                </a:r>
+                <a:r>
+                  <a:rPr lang="en-CA" dirty="0"/>
+                  <a:t> inverses: appliquer </a:t>
+                </a:r>
+                <a14:m>
+                  <m:oMath xmlns:m="http://schemas.openxmlformats.org/officeDocument/2006/math">
+                    <m:sSup>
+                      <m:sSupPr>
+                        <m:ctrlPr>
+                          <a:rPr lang="fr-CA" b="0" i="1" smtClean="0">
+                            <a:latin typeface="Cambria Math" panose="02040503050406030204" pitchFamily="18" charset="0"/>
+                          </a:rPr>
+                        </m:ctrlPr>
+                      </m:sSupPr>
+                      <m:e>
+                        <m:r>
+                          <a:rPr lang="fr-CA">
+                            <a:latin typeface="Cambria Math" panose="02040503050406030204" pitchFamily="18" charset="0"/>
+                          </a:rPr>
+                          <m:t>(</m:t>
+                        </m:r>
+                        <m:r>
+                          <m:rPr>
+                            <m:sty m:val="p"/>
+                          </m:rPr>
+                          <a:rPr lang="fr-CA">
+                            <a:latin typeface="Cambria Math" panose="02040503050406030204" pitchFamily="18" charset="0"/>
+                          </a:rPr>
+                          <m:t>M</m:t>
+                        </m:r>
+                        <m:r>
+                          <a:rPr lang="fr-CA">
+                            <a:latin typeface="Cambria Math" panose="02040503050406030204" pitchFamily="18" charset="0"/>
+                          </a:rPr>
+                          <m:t>−</m:t>
+                        </m:r>
+                        <m:r>
+                          <a:rPr lang="fr-CA" i="1">
+                            <a:latin typeface="Cambria Math" panose="02040503050406030204" pitchFamily="18" charset="0"/>
+                          </a:rPr>
+                          <m:t>𝜆</m:t>
+                        </m:r>
+                        <m:r>
+                          <a:rPr lang="fr-CA" i="1">
+                            <a:latin typeface="Cambria Math" panose="02040503050406030204" pitchFamily="18" charset="0"/>
+                          </a:rPr>
+                          <m:t>𝐼</m:t>
+                        </m:r>
+                        <m:r>
+                          <a:rPr lang="fr-CA" i="1">
+                            <a:latin typeface="Cambria Math" panose="02040503050406030204" pitchFamily="18" charset="0"/>
+                          </a:rPr>
+                          <m:t>)</m:t>
+                        </m:r>
+                      </m:e>
+                      <m:sup>
+                        <m:r>
+                          <a:rPr lang="fr-CA" b="0" i="1" smtClean="0">
+                            <a:latin typeface="Cambria Math" panose="02040503050406030204" pitchFamily="18" charset="0"/>
+                          </a:rPr>
+                          <m:t>−1</m:t>
+                        </m:r>
+                      </m:sup>
+                    </m:sSup>
+                  </m:oMath>
+                </a14:m>
+                <a:r>
+                  <a:rPr lang="en-CA" dirty="0"/>
+                  <a:t> à la place. Converge </a:t>
+                </a:r>
+                <a:r>
+                  <a:rPr lang="en-CA" dirty="0" err="1"/>
+                  <a:t>vers</a:t>
+                </a:r>
+                <a:r>
+                  <a:rPr lang="en-CA" dirty="0"/>
+                  <a:t> </a:t>
+                </a:r>
+                <a:r>
+                  <a:rPr lang="en-CA" dirty="0" err="1"/>
+                  <a:t>valeur</a:t>
+                </a:r>
+                <a:r>
+                  <a:rPr lang="en-CA" dirty="0"/>
+                  <a:t> </a:t>
+                </a:r>
+                <a:r>
+                  <a:rPr lang="en-CA" dirty="0" err="1"/>
+                  <a:t>propre</a:t>
+                </a:r>
+                <a:r>
+                  <a:rPr lang="en-CA" dirty="0"/>
+                  <a:t> la plus </a:t>
+                </a:r>
+                <a:r>
+                  <a:rPr lang="en-CA" dirty="0" err="1"/>
+                  <a:t>proche</a:t>
+                </a:r>
+                <a:r>
+                  <a:rPr lang="en-CA" dirty="0"/>
+                  <a:t> de </a:t>
+                </a:r>
+                <a14:m>
+                  <m:oMath xmlns:m="http://schemas.openxmlformats.org/officeDocument/2006/math">
+                    <m:r>
+                      <a:rPr lang="fr-CA" i="1">
+                        <a:latin typeface="Cambria Math" panose="02040503050406030204" pitchFamily="18" charset="0"/>
+                      </a:rPr>
+                      <m:t>𝜆</m:t>
+                    </m:r>
+                  </m:oMath>
+                </a14:m>
+                <a:endParaRPr lang="en-CA" dirty="0"/>
+              </a:p>
+              <a:p>
+                <a:pPr marL="285750" indent="-285750">
+                  <a:buFont typeface="Arial" panose="020B0604020202020204" pitchFamily="34" charset="0"/>
+                  <a:buChar char="•"/>
+                </a:pPr>
+                <a:endParaRPr lang="en-CA" dirty="0"/>
+              </a:p>
+              <a:p>
+                <a:pPr marL="285750" indent="-285750">
+                  <a:buFont typeface="Arial" panose="020B0604020202020204" pitchFamily="34" charset="0"/>
+                  <a:buChar char="•"/>
+                </a:pPr>
+                <a:r>
+                  <a:rPr lang="en-CA" dirty="0" err="1"/>
+                  <a:t>Itérations</a:t>
+                </a:r>
+                <a:r>
+                  <a:rPr lang="en-CA" dirty="0"/>
+                  <a:t> de quotients de Rayleigh: applique</a:t>
+                </a:r>
+                <a:r>
+                  <a:rPr lang="fr-CA" dirty="0"/>
+                  <a:t> </a:t>
+                </a:r>
+                <a14:m>
+                  <m:oMath xmlns:m="http://schemas.openxmlformats.org/officeDocument/2006/math">
+                    <m:sSup>
+                      <m:sSupPr>
+                        <m:ctrlPr>
+                          <a:rPr lang="fr-CA" i="1">
+                            <a:latin typeface="Cambria Math" panose="02040503050406030204" pitchFamily="18" charset="0"/>
+                          </a:rPr>
+                        </m:ctrlPr>
+                      </m:sSupPr>
+                      <m:e>
+                        <m:r>
+                          <a:rPr lang="fr-CA">
+                            <a:latin typeface="Cambria Math" panose="02040503050406030204" pitchFamily="18" charset="0"/>
+                          </a:rPr>
+                          <m:t>(</m:t>
+                        </m:r>
+                        <m:r>
+                          <m:rPr>
+                            <m:sty m:val="p"/>
+                          </m:rPr>
+                          <a:rPr lang="fr-CA">
+                            <a:latin typeface="Cambria Math" panose="02040503050406030204" pitchFamily="18" charset="0"/>
+                          </a:rPr>
+                          <m:t>M</m:t>
+                        </m:r>
+                        <m:r>
+                          <a:rPr lang="fr-CA">
+                            <a:latin typeface="Cambria Math" panose="02040503050406030204" pitchFamily="18" charset="0"/>
+                          </a:rPr>
+                          <m:t>−</m:t>
+                        </m:r>
+                        <m:r>
+                          <a:rPr lang="fr-CA" i="1">
+                            <a:latin typeface="Cambria Math" panose="02040503050406030204" pitchFamily="18" charset="0"/>
+                          </a:rPr>
+                          <m:t>𝜆</m:t>
+                        </m:r>
+                        <m:r>
+                          <a:rPr lang="fr-CA" i="1">
+                            <a:latin typeface="Cambria Math" panose="02040503050406030204" pitchFamily="18" charset="0"/>
+                          </a:rPr>
+                          <m:t>𝐼</m:t>
+                        </m:r>
+                        <m:r>
+                          <a:rPr lang="fr-CA" i="1">
+                            <a:latin typeface="Cambria Math" panose="02040503050406030204" pitchFamily="18" charset="0"/>
+                          </a:rPr>
+                          <m:t>)</m:t>
+                        </m:r>
+                      </m:e>
+                      <m:sup>
+                        <m:r>
+                          <a:rPr lang="fr-CA" i="1">
+                            <a:latin typeface="Cambria Math" panose="02040503050406030204" pitchFamily="18" charset="0"/>
+                          </a:rPr>
+                          <m:t>−1</m:t>
+                        </m:r>
+                      </m:sup>
+                    </m:sSup>
+                  </m:oMath>
+                </a14:m>
+                <a:r>
+                  <a:rPr lang="en-CA" dirty="0"/>
+                  <a:t>, </a:t>
+                </a:r>
+                <a:r>
+                  <a:rPr lang="en-CA" dirty="0" err="1"/>
+                  <a:t>mais</a:t>
+                </a:r>
+                <a:r>
+                  <a:rPr lang="en-CA" dirty="0"/>
+                  <a:t> </a:t>
+                </a:r>
+                <a:r>
+                  <a:rPr lang="en-CA" dirty="0" err="1"/>
+                  <a:t>recalcule</a:t>
+                </a:r>
+                <a:r>
+                  <a:rPr lang="en-CA" dirty="0"/>
+                  <a:t> </a:t>
+                </a:r>
+                <a14:m>
+                  <m:oMath xmlns:m="http://schemas.openxmlformats.org/officeDocument/2006/math">
+                    <m:r>
+                      <a:rPr lang="fr-CA" i="1">
+                        <a:latin typeface="Cambria Math" panose="02040503050406030204" pitchFamily="18" charset="0"/>
+                      </a:rPr>
+                      <m:t>𝜆</m:t>
+                    </m:r>
+                  </m:oMath>
+                </a14:m>
+                <a:r>
+                  <a:rPr lang="en-CA" dirty="0"/>
+                  <a:t> à </a:t>
+                </a:r>
+                <a:r>
+                  <a:rPr lang="en-CA" dirty="0" err="1"/>
+                  <a:t>chaque</a:t>
+                </a:r>
+                <a:r>
+                  <a:rPr lang="en-CA" dirty="0"/>
+                  <a:t> </a:t>
+                </a:r>
+                <a:r>
+                  <a:rPr lang="en-CA" dirty="0" err="1"/>
+                  <a:t>étape</a:t>
+                </a:r>
+                <a:endParaRPr lang="en-CA" dirty="0"/>
+              </a:p>
+            </p:txBody>
+          </p:sp>
+        </mc:Choice>
+        <mc:Fallback>
+          <p:sp>
+            <p:nvSpPr>
+              <p:cNvPr id="3" name="TextBox 2">
+                <a:extLst>
+                  <a:ext uri="{FF2B5EF4-FFF2-40B4-BE49-F238E27FC236}">
+                    <a16:creationId xmlns:a16="http://schemas.microsoft.com/office/drawing/2014/main" id="{E2E9A118-3816-40DD-9360-5FA4238B4DFF}"/>
+                  </a:ext>
+                </a:extLst>
+              </p:cNvPr>
+              <p:cNvSpPr txBox="1">
+                <a:spLocks noRot="1" noChangeAspect="1" noMove="1" noResize="1" noEditPoints="1" noAdjustHandles="1" noChangeArrowheads="1" noChangeShapeType="1" noTextEdit="1"/>
+              </p:cNvSpPr>
+              <p:nvPr/>
+            </p:nvSpPr>
+            <p:spPr>
+              <a:xfrm>
+                <a:off x="1066799" y="1778466"/>
+                <a:ext cx="10166059" cy="2308324"/>
+              </a:xfrm>
+              <a:prstGeom prst="rect">
+                <a:avLst/>
+              </a:prstGeom>
+              <a:blipFill>
+                <a:blip r:embed="rId2"/>
+                <a:stretch>
+                  <a:fillRect l="-360" t="-1323" r="-180" b="-3704"/>
+                </a:stretch>
+              </a:blipFill>
+            </p:spPr>
+            <p:txBody>
+              <a:bodyPr/>
+              <a:lstStyle/>
+              <a:p>
+                <a:r>
+                  <a:rPr lang="en-CA">
+                    <a:noFill/>
+                  </a:rPr>
+                  <a:t> </a:t>
+                </a:r>
+              </a:p>
+            </p:txBody>
+          </p:sp>
+        </mc:Fallback>
+      </mc:AlternateContent>
     </p:spTree>
     <p:extLst>
       <p:ext uri="{BB962C8B-B14F-4D97-AF65-F5344CB8AC3E}">
-        <p14:creationId xmlns:p14="http://schemas.microsoft.com/office/powerpoint/2010/main" val="615439262"/>
+        <p14:creationId xmlns:p14="http://schemas.microsoft.com/office/powerpoint/2010/main" val="38947868"/>
       </p:ext>
     </p:extLst>
   </p:cSld>
@@ -7334,7 +7671,7 @@
           <p:cNvPr id="2" name="Titre 1">
             <a:extLst>
               <a:ext uri="{FF2B5EF4-FFF2-40B4-BE49-F238E27FC236}">
-                <a16:creationId xmlns:a16="http://schemas.microsoft.com/office/drawing/2014/main" id="{773A4E10-6AA3-4F5A-A2DD-FD8115F2A333}"/>
+                <a16:creationId xmlns:a16="http://schemas.microsoft.com/office/drawing/2014/main" id="{42734EF5-0052-43BE-9824-A13878B90F1F}"/>
               </a:ext>
             </a:extLst>
           </p:cNvPr>
@@ -7356,10 +7693,10 @@
       </p:sp>
       <p:pic>
         <p:nvPicPr>
-          <p:cNvPr id="5" name="Espace réservé du contenu 4">
-            <a:extLst>
-              <a:ext uri="{FF2B5EF4-FFF2-40B4-BE49-F238E27FC236}">
-                <a16:creationId xmlns:a16="http://schemas.microsoft.com/office/drawing/2014/main" id="{BF831146-18E7-431C-A8D7-AE7191E610CA}"/>
+          <p:cNvPr id="5" name="Espace réservé du contenu 4" descr="Une image contenant capture d’écran&#10;&#10;Description générée automatiquement">
+            <a:extLst>
+              <a:ext uri="{FF2B5EF4-FFF2-40B4-BE49-F238E27FC236}">
+                <a16:creationId xmlns:a16="http://schemas.microsoft.com/office/drawing/2014/main" id="{96765797-F901-483F-9638-B2E77ABA9C93}"/>
               </a:ext>
             </a:extLst>
           </p:cNvPr>
@@ -7384,15 +7721,15 @@
         </p:blipFill>
         <p:spPr>
           <a:xfrm>
-            <a:off x="413425" y="401319"/>
-            <a:ext cx="11372175" cy="6045201"/>
+            <a:off x="420617" y="406399"/>
+            <a:ext cx="11371334" cy="6054361"/>
           </a:xfrm>
         </p:spPr>
       </p:pic>
     </p:spTree>
     <p:extLst>
       <p:ext uri="{BB962C8B-B14F-4D97-AF65-F5344CB8AC3E}">
-        <p14:creationId xmlns:p14="http://schemas.microsoft.com/office/powerpoint/2010/main" val="680076676"/>
+        <p14:creationId xmlns:p14="http://schemas.microsoft.com/office/powerpoint/2010/main" val="615439262"/>
       </p:ext>
     </p:extLst>
   </p:cSld>
@@ -7727,7 +8064,7 @@
           <p:cNvPr id="2" name="Titre 1">
             <a:extLst>
               <a:ext uri="{FF2B5EF4-FFF2-40B4-BE49-F238E27FC236}">
-                <a16:creationId xmlns:a16="http://schemas.microsoft.com/office/drawing/2014/main" id="{7BF22E7E-5A4C-4541-B366-DB2C52AC3F37}"/>
+                <a16:creationId xmlns:a16="http://schemas.microsoft.com/office/drawing/2014/main" id="{773A4E10-6AA3-4F5A-A2DD-FD8115F2A333}"/>
               </a:ext>
             </a:extLst>
           </p:cNvPr>
@@ -7749,10 +8086,10 @@
       </p:sp>
       <p:pic>
         <p:nvPicPr>
-          <p:cNvPr id="5" name="Espace réservé du contenu 4" descr="Une image contenant capture d’écran, carte&#10;&#10;Description générée automatiquement">
-            <a:extLst>
-              <a:ext uri="{FF2B5EF4-FFF2-40B4-BE49-F238E27FC236}">
-                <a16:creationId xmlns:a16="http://schemas.microsoft.com/office/drawing/2014/main" id="{A88781FE-19CA-4A0F-BDE7-ADDB09B9970A}"/>
+          <p:cNvPr id="5" name="Espace réservé du contenu 4">
+            <a:extLst>
+              <a:ext uri="{FF2B5EF4-FFF2-40B4-BE49-F238E27FC236}">
+                <a16:creationId xmlns:a16="http://schemas.microsoft.com/office/drawing/2014/main" id="{BF831146-18E7-431C-A8D7-AE7191E610CA}"/>
               </a:ext>
             </a:extLst>
           </p:cNvPr>
@@ -7777,15 +8114,15 @@
         </p:blipFill>
         <p:spPr>
           <a:xfrm>
-            <a:off x="391022" y="404970"/>
-            <a:ext cx="11409818" cy="6046630"/>
+            <a:off x="413425" y="401319"/>
+            <a:ext cx="11372175" cy="6045201"/>
           </a:xfrm>
         </p:spPr>
       </p:pic>
     </p:spTree>
     <p:extLst>
       <p:ext uri="{BB962C8B-B14F-4D97-AF65-F5344CB8AC3E}">
-        <p14:creationId xmlns:p14="http://schemas.microsoft.com/office/powerpoint/2010/main" val="602111372"/>
+        <p14:creationId xmlns:p14="http://schemas.microsoft.com/office/powerpoint/2010/main" val="680076676"/>
       </p:ext>
     </p:extLst>
   </p:cSld>
@@ -7817,7 +8154,7 @@
           <p:cNvPr id="2" name="Titre 1">
             <a:extLst>
               <a:ext uri="{FF2B5EF4-FFF2-40B4-BE49-F238E27FC236}">
-                <a16:creationId xmlns:a16="http://schemas.microsoft.com/office/drawing/2014/main" id="{3E13ED08-A0A9-44FD-B62E-0392D7F8D782}"/>
+                <a16:creationId xmlns:a16="http://schemas.microsoft.com/office/drawing/2014/main" id="{7BF22E7E-5A4C-4541-B366-DB2C52AC3F37}"/>
               </a:ext>
             </a:extLst>
           </p:cNvPr>
@@ -7839,10 +8176,10 @@
       </p:sp>
       <p:pic>
         <p:nvPicPr>
-          <p:cNvPr id="5" name="Espace réservé du contenu 4" descr="Une image contenant capture d’écran&#10;&#10;Description générée automatiquement">
-            <a:extLst>
-              <a:ext uri="{FF2B5EF4-FFF2-40B4-BE49-F238E27FC236}">
-                <a16:creationId xmlns:a16="http://schemas.microsoft.com/office/drawing/2014/main" id="{89B134A6-B549-4875-99DC-A766F3BEF45A}"/>
+          <p:cNvPr id="5" name="Espace réservé du contenu 4" descr="Une image contenant capture d’écran, carte&#10;&#10;Description générée automatiquement">
+            <a:extLst>
+              <a:ext uri="{FF2B5EF4-FFF2-40B4-BE49-F238E27FC236}">
+                <a16:creationId xmlns:a16="http://schemas.microsoft.com/office/drawing/2014/main" id="{A88781FE-19CA-4A0F-BDE7-ADDB09B9970A}"/>
               </a:ext>
             </a:extLst>
           </p:cNvPr>
@@ -7867,15 +8204,15 @@
         </p:blipFill>
         <p:spPr>
           <a:xfrm>
-            <a:off x="457200" y="430951"/>
-            <a:ext cx="11277600" cy="6007949"/>
+            <a:off x="391022" y="404970"/>
+            <a:ext cx="11409818" cy="6046630"/>
           </a:xfrm>
         </p:spPr>
       </p:pic>
     </p:spTree>
     <p:extLst>
       <p:ext uri="{BB962C8B-B14F-4D97-AF65-F5344CB8AC3E}">
-        <p14:creationId xmlns:p14="http://schemas.microsoft.com/office/powerpoint/2010/main" val="518085413"/>
+        <p14:creationId xmlns:p14="http://schemas.microsoft.com/office/powerpoint/2010/main" val="602111372"/>
       </p:ext>
     </p:extLst>
   </p:cSld>
@@ -7907,7 +8244,7 @@
           <p:cNvPr id="2" name="Titre 1">
             <a:extLst>
               <a:ext uri="{FF2B5EF4-FFF2-40B4-BE49-F238E27FC236}">
-                <a16:creationId xmlns:a16="http://schemas.microsoft.com/office/drawing/2014/main" id="{3D41FECC-B744-4795-A994-6D9C708A0019}"/>
+                <a16:creationId xmlns:a16="http://schemas.microsoft.com/office/drawing/2014/main" id="{3E13ED08-A0A9-44FD-B62E-0392D7F8D782}"/>
               </a:ext>
             </a:extLst>
           </p:cNvPr>
@@ -7929,10 +8266,10 @@
       </p:sp>
       <p:pic>
         <p:nvPicPr>
-          <p:cNvPr id="5" name="Espace réservé du contenu 4">
-            <a:extLst>
-              <a:ext uri="{FF2B5EF4-FFF2-40B4-BE49-F238E27FC236}">
-                <a16:creationId xmlns:a16="http://schemas.microsoft.com/office/drawing/2014/main" id="{D887A651-5C7E-4782-B609-336036094297}"/>
+          <p:cNvPr id="5" name="Espace réservé du contenu 4" descr="Une image contenant capture d’écran&#10;&#10;Description générée automatiquement">
+            <a:extLst>
+              <a:ext uri="{FF2B5EF4-FFF2-40B4-BE49-F238E27FC236}">
+                <a16:creationId xmlns:a16="http://schemas.microsoft.com/office/drawing/2014/main" id="{89B134A6-B549-4875-99DC-A766F3BEF45A}"/>
               </a:ext>
             </a:extLst>
           </p:cNvPr>
@@ -7957,15 +8294,15 @@
         </p:blipFill>
         <p:spPr>
           <a:xfrm>
-            <a:off x="511025" y="435031"/>
-            <a:ext cx="11214250" cy="5968263"/>
+            <a:off x="457200" y="430951"/>
+            <a:ext cx="11277600" cy="6007949"/>
           </a:xfrm>
         </p:spPr>
       </p:pic>
     </p:spTree>
     <p:extLst>
       <p:ext uri="{BB962C8B-B14F-4D97-AF65-F5344CB8AC3E}">
-        <p14:creationId xmlns:p14="http://schemas.microsoft.com/office/powerpoint/2010/main" val="782010169"/>
+        <p14:creationId xmlns:p14="http://schemas.microsoft.com/office/powerpoint/2010/main" val="518085413"/>
       </p:ext>
     </p:extLst>
   </p:cSld>
@@ -7997,7 +8334,7 @@
           <p:cNvPr id="2" name="Titre 1">
             <a:extLst>
               <a:ext uri="{FF2B5EF4-FFF2-40B4-BE49-F238E27FC236}">
-                <a16:creationId xmlns:a16="http://schemas.microsoft.com/office/drawing/2014/main" id="{F6ECABA7-F827-460B-8FA3-C2E35A93330A}"/>
+                <a16:creationId xmlns:a16="http://schemas.microsoft.com/office/drawing/2014/main" id="{3D41FECC-B744-4795-A994-6D9C708A0019}"/>
               </a:ext>
             </a:extLst>
           </p:cNvPr>
@@ -8022,7 +8359,7 @@
           <p:cNvPr id="5" name="Espace réservé du contenu 4">
             <a:extLst>
               <a:ext uri="{FF2B5EF4-FFF2-40B4-BE49-F238E27FC236}">
-                <a16:creationId xmlns:a16="http://schemas.microsoft.com/office/drawing/2014/main" id="{54D13A60-00A8-4E64-A7E8-C8ED72CF4EF9}"/>
+                <a16:creationId xmlns:a16="http://schemas.microsoft.com/office/drawing/2014/main" id="{D887A651-5C7E-4782-B609-336036094297}"/>
               </a:ext>
             </a:extLst>
           </p:cNvPr>
@@ -8047,15 +8384,15 @@
         </p:blipFill>
         <p:spPr>
           <a:xfrm>
-            <a:off x="657588" y="438734"/>
-            <a:ext cx="10939326" cy="5973912"/>
+            <a:off x="511025" y="435031"/>
+            <a:ext cx="11214250" cy="5968263"/>
           </a:xfrm>
         </p:spPr>
       </p:pic>
     </p:spTree>
     <p:extLst>
       <p:ext uri="{BB962C8B-B14F-4D97-AF65-F5344CB8AC3E}">
-        <p14:creationId xmlns:p14="http://schemas.microsoft.com/office/powerpoint/2010/main" val="660287049"/>
+        <p14:creationId xmlns:p14="http://schemas.microsoft.com/office/powerpoint/2010/main" val="782010169"/>
       </p:ext>
     </p:extLst>
   </p:cSld>
@@ -8109,10 +8446,10 @@
       </p:sp>
       <p:pic>
         <p:nvPicPr>
-          <p:cNvPr id="7" name="Espace réservé du contenu 6" descr="Une image contenant texte&#10;&#10;Description générée automatiquement">
-            <a:extLst>
-              <a:ext uri="{FF2B5EF4-FFF2-40B4-BE49-F238E27FC236}">
-                <a16:creationId xmlns:a16="http://schemas.microsoft.com/office/drawing/2014/main" id="{EA427FA2-23F4-46CD-AC1A-D8995075484B}"/>
+          <p:cNvPr id="5" name="Espace réservé du contenu 4">
+            <a:extLst>
+              <a:ext uri="{FF2B5EF4-FFF2-40B4-BE49-F238E27FC236}">
+                <a16:creationId xmlns:a16="http://schemas.microsoft.com/office/drawing/2014/main" id="{54D13A60-00A8-4E64-A7E8-C8ED72CF4EF9}"/>
               </a:ext>
             </a:extLst>
           </p:cNvPr>
@@ -8137,15 +8474,15 @@
         </p:blipFill>
         <p:spPr>
           <a:xfrm>
-            <a:off x="418494" y="485775"/>
-            <a:ext cx="11355012" cy="5886450"/>
+            <a:off x="657588" y="438734"/>
+            <a:ext cx="10939326" cy="5973912"/>
           </a:xfrm>
         </p:spPr>
       </p:pic>
     </p:spTree>
     <p:extLst>
       <p:ext uri="{BB962C8B-B14F-4D97-AF65-F5344CB8AC3E}">
-        <p14:creationId xmlns:p14="http://schemas.microsoft.com/office/powerpoint/2010/main" val="1751043232"/>
+        <p14:creationId xmlns:p14="http://schemas.microsoft.com/office/powerpoint/2010/main" val="660287049"/>
       </p:ext>
     </p:extLst>
   </p:cSld>
@@ -8177,7 +8514,7 @@
           <p:cNvPr id="2" name="Titre 1">
             <a:extLst>
               <a:ext uri="{FF2B5EF4-FFF2-40B4-BE49-F238E27FC236}">
-                <a16:creationId xmlns:a16="http://schemas.microsoft.com/office/drawing/2014/main" id="{82B75B72-3D6A-4BD1-903F-AC7D3246AC74}"/>
+                <a16:creationId xmlns:a16="http://schemas.microsoft.com/office/drawing/2014/main" id="{F6ECABA7-F827-460B-8FA3-C2E35A93330A}"/>
               </a:ext>
             </a:extLst>
           </p:cNvPr>
@@ -8199,10 +8536,10 @@
       </p:sp>
       <p:pic>
         <p:nvPicPr>
-          <p:cNvPr id="5" name="Espace réservé du contenu 4" descr="Une image contenant capture d’écran&#10;&#10;Description générée automatiquement">
-            <a:extLst>
-              <a:ext uri="{FF2B5EF4-FFF2-40B4-BE49-F238E27FC236}">
-                <a16:creationId xmlns:a16="http://schemas.microsoft.com/office/drawing/2014/main" id="{43A3294A-5C84-4C77-9380-83DCA580B7A6}"/>
+          <p:cNvPr id="7" name="Espace réservé du contenu 6" descr="Une image contenant texte&#10;&#10;Description générée automatiquement">
+            <a:extLst>
+              <a:ext uri="{FF2B5EF4-FFF2-40B4-BE49-F238E27FC236}">
+                <a16:creationId xmlns:a16="http://schemas.microsoft.com/office/drawing/2014/main" id="{EA427FA2-23F4-46CD-AC1A-D8995075484B}"/>
               </a:ext>
             </a:extLst>
           </p:cNvPr>
@@ -8227,15 +8564,15 @@
         </p:blipFill>
         <p:spPr>
           <a:xfrm>
-            <a:off x="430560" y="453120"/>
-            <a:ext cx="11341791" cy="5890530"/>
+            <a:off x="418494" y="485775"/>
+            <a:ext cx="11355012" cy="5886450"/>
           </a:xfrm>
         </p:spPr>
       </p:pic>
     </p:spTree>
     <p:extLst>
       <p:ext uri="{BB962C8B-B14F-4D97-AF65-F5344CB8AC3E}">
-        <p14:creationId xmlns:p14="http://schemas.microsoft.com/office/powerpoint/2010/main" val="3886300781"/>
+        <p14:creationId xmlns:p14="http://schemas.microsoft.com/office/powerpoint/2010/main" val="1751043232"/>
       </p:ext>
     </p:extLst>
   </p:cSld>
@@ -8267,7 +8604,7 @@
           <p:cNvPr id="2" name="Titre 1">
             <a:extLst>
               <a:ext uri="{FF2B5EF4-FFF2-40B4-BE49-F238E27FC236}">
-                <a16:creationId xmlns:a16="http://schemas.microsoft.com/office/drawing/2014/main" id="{4DE2DCB7-FE74-442F-9CC2-8D8ECABFD3E8}"/>
+                <a16:creationId xmlns:a16="http://schemas.microsoft.com/office/drawing/2014/main" id="{82B75B72-3D6A-4BD1-903F-AC7D3246AC74}"/>
               </a:ext>
             </a:extLst>
           </p:cNvPr>
@@ -8283,45 +8620,49 @@
           <a:bodyPr/>
           <a:lstStyle/>
           <a:p>
-            <a:r>
-              <a:rPr lang="fr-CA" dirty="0">
-                <a:latin typeface="Segoe UI Semibold" panose="020B0702040204020203" pitchFamily="34" charset="0"/>
-                <a:cs typeface="Segoe UI Semibold" panose="020B0702040204020203" pitchFamily="34" charset="0"/>
-              </a:rPr>
-              <a:t>Solutions pour l’oscillateur anharmonique</a:t>
-            </a:r>
-          </a:p>
-        </p:txBody>
-      </p:sp>
-      <p:sp>
-        <p:nvSpPr>
-          <p:cNvPr id="3" name="Espace réservé du contenu 2">
-            <a:extLst>
-              <a:ext uri="{FF2B5EF4-FFF2-40B4-BE49-F238E27FC236}">
-                <a16:creationId xmlns:a16="http://schemas.microsoft.com/office/drawing/2014/main" id="{60C44EC2-559F-4CC2-8DC1-2226C758BF8A}"/>
-              </a:ext>
-            </a:extLst>
-          </p:cNvPr>
-          <p:cNvSpPr>
-            <a:spLocks noGrp="1"/>
-          </p:cNvSpPr>
+            <a:endParaRPr lang="fr-CA"/>
+          </a:p>
+        </p:txBody>
+      </p:sp>
+      <p:pic>
+        <p:nvPicPr>
+          <p:cNvPr id="5" name="Espace réservé du contenu 4" descr="Une image contenant capture d’écran&#10;&#10;Description générée automatiquement">
+            <a:extLst>
+              <a:ext uri="{FF2B5EF4-FFF2-40B4-BE49-F238E27FC236}">
+                <a16:creationId xmlns:a16="http://schemas.microsoft.com/office/drawing/2014/main" id="{43A3294A-5C84-4C77-9380-83DCA580B7A6}"/>
+              </a:ext>
+            </a:extLst>
+          </p:cNvPr>
+          <p:cNvPicPr>
+            <a:picLocks noGrp="1" noChangeAspect="1"/>
+          </p:cNvPicPr>
           <p:nvPr>
             <p:ph idx="1"/>
           </p:nvPr>
-        </p:nvSpPr>
-        <p:spPr/>
-        <p:txBody>
-          <a:bodyPr/>
-          <a:lstStyle/>
-          <a:p>
-            <a:endParaRPr lang="fr-CA" dirty="0"/>
-          </a:p>
-        </p:txBody>
-      </p:sp>
+        </p:nvPicPr>
+        <p:blipFill>
+          <a:blip r:embed="rId2">
+            <a:extLst>
+              <a:ext uri="{28A0092B-C50C-407E-A947-70E740481C1C}">
+                <a14:useLocalDpi xmlns:a14="http://schemas.microsoft.com/office/drawing/2010/main" val="0"/>
+              </a:ext>
+            </a:extLst>
+          </a:blip>
+          <a:stretch>
+            <a:fillRect/>
+          </a:stretch>
+        </p:blipFill>
+        <p:spPr>
+          <a:xfrm>
+            <a:off x="430560" y="453120"/>
+            <a:ext cx="11341791" cy="5890530"/>
+          </a:xfrm>
+        </p:spPr>
+      </p:pic>
     </p:spTree>
     <p:extLst>
       <p:ext uri="{BB962C8B-B14F-4D97-AF65-F5344CB8AC3E}">
-        <p14:creationId xmlns:p14="http://schemas.microsoft.com/office/powerpoint/2010/main" val="2449801709"/>
+        <p14:creationId xmlns:p14="http://schemas.microsoft.com/office/powerpoint/2010/main" val="3886300781"/>
       </p:ext>
     </p:extLst>
   </p:cSld>
@@ -8374,243 +8715,40 @@
                 <a:latin typeface="Segoe UI Semibold" panose="020B0702040204020203" pitchFamily="34" charset="0"/>
                 <a:cs typeface="Segoe UI Semibold" panose="020B0702040204020203" pitchFamily="34" charset="0"/>
               </a:rPr>
-              <a:t>Solutions approximatives: perturbations</a:t>
-            </a:r>
-          </a:p>
-        </p:txBody>
-      </p:sp>
-      <p:pic>
-        <p:nvPicPr>
-          <p:cNvPr id="4" name="Image 3">
-            <a:extLst>
-              <a:ext uri="{FF2B5EF4-FFF2-40B4-BE49-F238E27FC236}">
-                <a16:creationId xmlns:a16="http://schemas.microsoft.com/office/drawing/2014/main" id="{07F18835-066C-420C-918E-97D0CDE00B2F}"/>
-              </a:ext>
-            </a:extLst>
-          </p:cNvPr>
-          <p:cNvPicPr>
-            <a:picLocks noChangeAspect="1"/>
-          </p:cNvPicPr>
-          <p:nvPr/>
-        </p:nvPicPr>
-        <p:blipFill>
-          <a:blip r:embed="rId2">
-            <a:clrChange>
-              <a:clrFrom>
-                <a:srgbClr val="FFFFFF"/>
-              </a:clrFrom>
-              <a:clrTo>
-                <a:srgbClr val="FFFFFF">
-                  <a:alpha val="0"/>
-                </a:srgbClr>
-              </a:clrTo>
-            </a:clrChange>
-          </a:blip>
-          <a:stretch>
-            <a:fillRect/>
-          </a:stretch>
-        </p:blipFill>
-        <p:spPr>
-          <a:xfrm>
-            <a:off x="4638675" y="2212815"/>
-            <a:ext cx="2914650" cy="552450"/>
-          </a:xfrm>
-          <a:prstGeom prst="rect">
-            <a:avLst/>
-          </a:prstGeom>
-        </p:spPr>
-      </p:pic>
-      <p:pic>
-        <p:nvPicPr>
-          <p:cNvPr id="5" name="Image 4">
-            <a:extLst>
-              <a:ext uri="{FF2B5EF4-FFF2-40B4-BE49-F238E27FC236}">
-                <a16:creationId xmlns:a16="http://schemas.microsoft.com/office/drawing/2014/main" id="{35E388EE-307D-4671-882A-B4F027B02231}"/>
-              </a:ext>
-            </a:extLst>
-          </p:cNvPr>
-          <p:cNvPicPr>
-            <a:picLocks noChangeAspect="1"/>
-          </p:cNvPicPr>
-          <p:nvPr/>
-        </p:nvPicPr>
-        <p:blipFill>
-          <a:blip r:embed="rId3">
-            <a:clrChange>
-              <a:clrFrom>
-                <a:srgbClr val="FFFFFF"/>
-              </a:clrFrom>
-              <a:clrTo>
-                <a:srgbClr val="FFFFFF">
-                  <a:alpha val="0"/>
-                </a:srgbClr>
-              </a:clrTo>
-            </a:clrChange>
-          </a:blip>
-          <a:stretch>
-            <a:fillRect/>
-          </a:stretch>
-        </p:blipFill>
-        <p:spPr>
-          <a:xfrm>
-            <a:off x="2799289" y="3594284"/>
-            <a:ext cx="6915150" cy="704850"/>
-          </a:xfrm>
-          <a:prstGeom prst="rect">
-            <a:avLst/>
-          </a:prstGeom>
-        </p:spPr>
-      </p:pic>
-      <p:pic>
-        <p:nvPicPr>
-          <p:cNvPr id="6" name="Image 5">
-            <a:extLst>
-              <a:ext uri="{FF2B5EF4-FFF2-40B4-BE49-F238E27FC236}">
-                <a16:creationId xmlns:a16="http://schemas.microsoft.com/office/drawing/2014/main" id="{096F9F1F-EB44-41BB-AEDA-09916F5C331C}"/>
-              </a:ext>
-            </a:extLst>
-          </p:cNvPr>
-          <p:cNvPicPr>
-            <a:picLocks noChangeAspect="1"/>
-          </p:cNvPicPr>
-          <p:nvPr/>
-        </p:nvPicPr>
-        <p:blipFill>
-          <a:blip r:embed="rId4">
-            <a:clrChange>
-              <a:clrFrom>
-                <a:srgbClr val="FFFFFF"/>
-              </a:clrFrom>
-              <a:clrTo>
-                <a:srgbClr val="FFFFFF">
-                  <a:alpha val="0"/>
-                </a:srgbClr>
-              </a:clrTo>
-            </a:clrChange>
-          </a:blip>
-          <a:stretch>
-            <a:fillRect/>
-          </a:stretch>
-        </p:blipFill>
-        <p:spPr>
-          <a:xfrm>
-            <a:off x="3823227" y="5128154"/>
-            <a:ext cx="4867275" cy="638175"/>
-          </a:xfrm>
-          <a:prstGeom prst="rect">
-            <a:avLst/>
-          </a:prstGeom>
-        </p:spPr>
-      </p:pic>
-      <p:sp>
-        <p:nvSpPr>
-          <p:cNvPr id="3" name="ZoneTexte 2">
-            <a:extLst>
-              <a:ext uri="{FF2B5EF4-FFF2-40B4-BE49-F238E27FC236}">
-                <a16:creationId xmlns:a16="http://schemas.microsoft.com/office/drawing/2014/main" id="{C4D9321A-5553-45F4-BD18-77E9039FD148}"/>
-              </a:ext>
-            </a:extLst>
-          </p:cNvPr>
-          <p:cNvSpPr txBox="1"/>
-          <p:nvPr/>
-        </p:nvSpPr>
-        <p:spPr>
-          <a:xfrm>
-            <a:off x="1066800" y="1843483"/>
-            <a:ext cx="3686175" cy="369332"/>
-          </a:xfrm>
-          <a:prstGeom prst="rect">
-            <a:avLst/>
-          </a:prstGeom>
-          <a:noFill/>
-        </p:spPr>
-        <p:txBody>
-          <a:bodyPr wrap="square" rtlCol="0">
-            <a:spAutoFit/>
-          </a:bodyPr>
+              <a:t>Solutions pour l’oscillateur anharmonique</a:t>
+            </a:r>
+          </a:p>
+        </p:txBody>
+      </p:sp>
+      <p:sp>
+        <p:nvSpPr>
+          <p:cNvPr id="3" name="Espace réservé du contenu 2">
+            <a:extLst>
+              <a:ext uri="{FF2B5EF4-FFF2-40B4-BE49-F238E27FC236}">
+                <a16:creationId xmlns:a16="http://schemas.microsoft.com/office/drawing/2014/main" id="{60C44EC2-559F-4CC2-8DC1-2226C758BF8A}"/>
+              </a:ext>
+            </a:extLst>
+          </p:cNvPr>
+          <p:cNvSpPr>
+            <a:spLocks noGrp="1"/>
+          </p:cNvSpPr>
+          <p:nvPr>
+            <p:ph idx="1"/>
+          </p:nvPr>
+        </p:nvSpPr>
+        <p:spPr/>
+        <p:txBody>
+          <a:bodyPr/>
           <a:lstStyle/>
           <a:p>
-            <a:r>
-              <a:rPr lang="fr-CA" dirty="0"/>
-              <a:t>Si l’hamiltonien peut s’écrire comme</a:t>
-            </a:r>
-          </a:p>
-        </p:txBody>
-      </p:sp>
-      <p:sp>
-        <p:nvSpPr>
-          <p:cNvPr id="7" name="ZoneTexte 6">
-            <a:extLst>
-              <a:ext uri="{FF2B5EF4-FFF2-40B4-BE49-F238E27FC236}">
-                <a16:creationId xmlns:a16="http://schemas.microsoft.com/office/drawing/2014/main" id="{1432DEC1-3834-41ED-BED9-29E8A179FD01}"/>
-              </a:ext>
-            </a:extLst>
-          </p:cNvPr>
-          <p:cNvSpPr txBox="1"/>
-          <p:nvPr/>
-        </p:nvSpPr>
-        <p:spPr>
-          <a:xfrm>
-            <a:off x="1066800" y="2971322"/>
-            <a:ext cx="3686175" cy="369332"/>
-          </a:xfrm>
-          <a:prstGeom prst="rect">
-            <a:avLst/>
-          </a:prstGeom>
-          <a:noFill/>
-        </p:spPr>
-        <p:txBody>
-          <a:bodyPr wrap="square" rtlCol="0">
-            <a:spAutoFit/>
-          </a:bodyPr>
-          <a:lstStyle/>
-          <a:p>
-            <a:r>
-              <a:rPr lang="fr-CA" dirty="0"/>
-              <a:t>La solution aura la forme</a:t>
-            </a:r>
-          </a:p>
-        </p:txBody>
-      </p:sp>
-      <p:sp>
-        <p:nvSpPr>
-          <p:cNvPr id="8" name="ZoneTexte 7">
-            <a:extLst>
-              <a:ext uri="{FF2B5EF4-FFF2-40B4-BE49-F238E27FC236}">
-                <a16:creationId xmlns:a16="http://schemas.microsoft.com/office/drawing/2014/main" id="{0DBDA4F4-F6FB-478C-A3CC-97D692808C29}"/>
-              </a:ext>
-            </a:extLst>
-          </p:cNvPr>
-          <p:cNvSpPr txBox="1"/>
-          <p:nvPr/>
-        </p:nvSpPr>
-        <p:spPr>
-          <a:xfrm>
-            <a:off x="1066799" y="4628672"/>
-            <a:ext cx="3686175" cy="369332"/>
-          </a:xfrm>
-          <a:prstGeom prst="rect">
-            <a:avLst/>
-          </a:prstGeom>
-          <a:noFill/>
-        </p:spPr>
-        <p:txBody>
-          <a:bodyPr wrap="square" rtlCol="0">
-            <a:spAutoFit/>
-          </a:bodyPr>
-          <a:lstStyle/>
-          <a:p>
-            <a:r>
-              <a:rPr lang="fr-CA" dirty="0"/>
-              <a:t>Et l’énergie aura la  forme</a:t>
-            </a:r>
+            <a:endParaRPr lang="fr-CA" dirty="0"/>
           </a:p>
         </p:txBody>
       </p:sp>
     </p:spTree>
     <p:extLst>
       <p:ext uri="{BB962C8B-B14F-4D97-AF65-F5344CB8AC3E}">
-        <p14:creationId xmlns:p14="http://schemas.microsoft.com/office/powerpoint/2010/main" val="422302555"/>
+        <p14:creationId xmlns:p14="http://schemas.microsoft.com/office/powerpoint/2010/main" val="2449801709"/>
       </p:ext>
     </p:extLst>
   </p:cSld>
@@ -8670,10 +8808,10 @@
       </p:sp>
       <p:pic>
         <p:nvPicPr>
-          <p:cNvPr id="3" name="Image 2">
-            <a:extLst>
-              <a:ext uri="{FF2B5EF4-FFF2-40B4-BE49-F238E27FC236}">
-                <a16:creationId xmlns:a16="http://schemas.microsoft.com/office/drawing/2014/main" id="{FD068053-DA43-4DA1-8C2B-9C293EF0A0F8}"/>
+          <p:cNvPr id="4" name="Image 3">
+            <a:extLst>
+              <a:ext uri="{FF2B5EF4-FFF2-40B4-BE49-F238E27FC236}">
+                <a16:creationId xmlns:a16="http://schemas.microsoft.com/office/drawing/2014/main" id="{07F18835-066C-420C-918E-97D0CDE00B2F}"/>
               </a:ext>
             </a:extLst>
           </p:cNvPr>
@@ -8701,8 +8839,8 @@
         </p:blipFill>
         <p:spPr>
           <a:xfrm>
-            <a:off x="4471986" y="2522194"/>
-            <a:ext cx="3248025" cy="723900"/>
+            <a:off x="4638675" y="2212815"/>
+            <a:ext cx="2914650" cy="552450"/>
           </a:xfrm>
           <a:prstGeom prst="rect">
             <a:avLst/>
@@ -8711,10 +8849,10 @@
       </p:pic>
       <p:pic>
         <p:nvPicPr>
-          <p:cNvPr id="7" name="Image 6">
-            <a:extLst>
-              <a:ext uri="{FF2B5EF4-FFF2-40B4-BE49-F238E27FC236}">
-                <a16:creationId xmlns:a16="http://schemas.microsoft.com/office/drawing/2014/main" id="{A7DE497F-268B-4AFE-9C8E-66A481146C43}"/>
+          <p:cNvPr id="5" name="Image 4">
+            <a:extLst>
+              <a:ext uri="{FF2B5EF4-FFF2-40B4-BE49-F238E27FC236}">
+                <a16:creationId xmlns:a16="http://schemas.microsoft.com/office/drawing/2014/main" id="{35E388EE-307D-4671-882A-B4F027B02231}"/>
               </a:ext>
             </a:extLst>
           </p:cNvPr>
@@ -8742,20 +8880,61 @@
         </p:blipFill>
         <p:spPr>
           <a:xfrm>
-            <a:off x="3933824" y="4109694"/>
-            <a:ext cx="4324350" cy="1114425"/>
+            <a:off x="2799289" y="3594284"/>
+            <a:ext cx="6915150" cy="704850"/>
           </a:xfrm>
           <a:prstGeom prst="rect">
             <a:avLst/>
           </a:prstGeom>
         </p:spPr>
       </p:pic>
-      <p:sp>
-        <p:nvSpPr>
-          <p:cNvPr id="4" name="ZoneTexte 3">
-            <a:extLst>
-              <a:ext uri="{FF2B5EF4-FFF2-40B4-BE49-F238E27FC236}">
-                <a16:creationId xmlns:a16="http://schemas.microsoft.com/office/drawing/2014/main" id="{A75B7330-987A-464D-A68C-FA4D2BC91515}"/>
+      <p:pic>
+        <p:nvPicPr>
+          <p:cNvPr id="6" name="Image 5">
+            <a:extLst>
+              <a:ext uri="{FF2B5EF4-FFF2-40B4-BE49-F238E27FC236}">
+                <a16:creationId xmlns:a16="http://schemas.microsoft.com/office/drawing/2014/main" id="{096F9F1F-EB44-41BB-AEDA-09916F5C331C}"/>
+              </a:ext>
+            </a:extLst>
+          </p:cNvPr>
+          <p:cNvPicPr>
+            <a:picLocks noChangeAspect="1"/>
+          </p:cNvPicPr>
+          <p:nvPr/>
+        </p:nvPicPr>
+        <p:blipFill>
+          <a:blip r:embed="rId4">
+            <a:clrChange>
+              <a:clrFrom>
+                <a:srgbClr val="FFFFFF"/>
+              </a:clrFrom>
+              <a:clrTo>
+                <a:srgbClr val="FFFFFF">
+                  <a:alpha val="0"/>
+                </a:srgbClr>
+              </a:clrTo>
+            </a:clrChange>
+          </a:blip>
+          <a:stretch>
+            <a:fillRect/>
+          </a:stretch>
+        </p:blipFill>
+        <p:spPr>
+          <a:xfrm>
+            <a:off x="3823227" y="5128154"/>
+            <a:ext cx="4867275" cy="638175"/>
+          </a:xfrm>
+          <a:prstGeom prst="rect">
+            <a:avLst/>
+          </a:prstGeom>
+        </p:spPr>
+      </p:pic>
+      <p:sp>
+        <p:nvSpPr>
+          <p:cNvPr id="3" name="ZoneTexte 2">
+            <a:extLst>
+              <a:ext uri="{FF2B5EF4-FFF2-40B4-BE49-F238E27FC236}">
+                <a16:creationId xmlns:a16="http://schemas.microsoft.com/office/drawing/2014/main" id="{C4D9321A-5553-45F4-BD18-77E9039FD148}"/>
               </a:ext>
             </a:extLst>
           </p:cNvPr>
@@ -8764,8 +8943,8 @@
         </p:nvSpPr>
         <p:spPr>
           <a:xfrm>
-            <a:off x="1066800" y="1889549"/>
-            <a:ext cx="4829175" cy="369332"/>
+            <a:off x="1066800" y="1843483"/>
+            <a:ext cx="3686175" cy="369332"/>
           </a:xfrm>
           <a:prstGeom prst="rect">
             <a:avLst/>
@@ -8780,17 +8959,17 @@
           <a:p>
             <a:r>
               <a:rPr lang="fr-CA" dirty="0"/>
-              <a:t>La première correction sur l’énergie sera</a:t>
-            </a:r>
-          </a:p>
-        </p:txBody>
-      </p:sp>
-      <p:sp>
-        <p:nvSpPr>
-          <p:cNvPr id="8" name="ZoneTexte 7">
-            <a:extLst>
-              <a:ext uri="{FF2B5EF4-FFF2-40B4-BE49-F238E27FC236}">
-                <a16:creationId xmlns:a16="http://schemas.microsoft.com/office/drawing/2014/main" id="{DD97BE43-CE57-49A2-8E51-2F982848ABF6}"/>
+              <a:t>Si l’hamiltonien peut s’écrire comme</a:t>
+            </a:r>
+          </a:p>
+        </p:txBody>
+      </p:sp>
+      <p:sp>
+        <p:nvSpPr>
+          <p:cNvPr id="7" name="ZoneTexte 6">
+            <a:extLst>
+              <a:ext uri="{FF2B5EF4-FFF2-40B4-BE49-F238E27FC236}">
+                <a16:creationId xmlns:a16="http://schemas.microsoft.com/office/drawing/2014/main" id="{1432DEC1-3834-41ED-BED9-29E8A179FD01}"/>
               </a:ext>
             </a:extLst>
           </p:cNvPr>
@@ -8799,8 +8978,8 @@
         </p:nvSpPr>
         <p:spPr>
           <a:xfrm>
-            <a:off x="1066800" y="3569428"/>
-            <a:ext cx="4829175" cy="369332"/>
+            <a:off x="1066800" y="2971322"/>
+            <a:ext cx="3686175" cy="369332"/>
           </a:xfrm>
           <a:prstGeom prst="rect">
             <a:avLst/>
@@ -8815,7 +8994,42 @@
           <a:p>
             <a:r>
               <a:rPr lang="fr-CA" dirty="0"/>
-              <a:t>La première correction aux vecteurs propres est</a:t>
+              <a:t>La solution aura la forme</a:t>
+            </a:r>
+          </a:p>
+        </p:txBody>
+      </p:sp>
+      <p:sp>
+        <p:nvSpPr>
+          <p:cNvPr id="8" name="ZoneTexte 7">
+            <a:extLst>
+              <a:ext uri="{FF2B5EF4-FFF2-40B4-BE49-F238E27FC236}">
+                <a16:creationId xmlns:a16="http://schemas.microsoft.com/office/drawing/2014/main" id="{0DBDA4F4-F6FB-478C-A3CC-97D692808C29}"/>
+              </a:ext>
+            </a:extLst>
+          </p:cNvPr>
+          <p:cNvSpPr txBox="1"/>
+          <p:nvPr/>
+        </p:nvSpPr>
+        <p:spPr>
+          <a:xfrm>
+            <a:off x="1066799" y="4628672"/>
+            <a:ext cx="3686175" cy="369332"/>
+          </a:xfrm>
+          <a:prstGeom prst="rect">
+            <a:avLst/>
+          </a:prstGeom>
+          <a:noFill/>
+        </p:spPr>
+        <p:txBody>
+          <a:bodyPr wrap="square" rtlCol="0">
+            <a:spAutoFit/>
+          </a:bodyPr>
+          <a:lstStyle/>
+          <a:p>
+            <a:r>
+              <a:rPr lang="fr-CA" dirty="0"/>
+              <a:t>Et l’énergie aura la  forme</a:t>
             </a:r>
           </a:p>
         </p:txBody>
@@ -8823,7 +9037,7 @@
     </p:spTree>
     <p:extLst>
       <p:ext uri="{BB962C8B-B14F-4D97-AF65-F5344CB8AC3E}">
-        <p14:creationId xmlns:p14="http://schemas.microsoft.com/office/powerpoint/2010/main" val="1098673664"/>
+        <p14:creationId xmlns:p14="http://schemas.microsoft.com/office/powerpoint/2010/main" val="422302555"/>
       </p:ext>
     </p:extLst>
   </p:cSld>
@@ -8883,10 +9097,10 @@
       </p:sp>
       <p:pic>
         <p:nvPicPr>
-          <p:cNvPr id="4" name="Image 3">
-            <a:extLst>
-              <a:ext uri="{FF2B5EF4-FFF2-40B4-BE49-F238E27FC236}">
-                <a16:creationId xmlns:a16="http://schemas.microsoft.com/office/drawing/2014/main" id="{45D7B551-3FB3-4E68-993A-88DE5D70C115}"/>
+          <p:cNvPr id="3" name="Image 2">
+            <a:extLst>
+              <a:ext uri="{FF2B5EF4-FFF2-40B4-BE49-F238E27FC236}">
+                <a16:creationId xmlns:a16="http://schemas.microsoft.com/office/drawing/2014/main" id="{FD068053-DA43-4DA1-8C2B-9C293EF0A0F8}"/>
               </a:ext>
             </a:extLst>
           </p:cNvPr>
@@ -8914,8 +9128,8 @@
         </p:blipFill>
         <p:spPr>
           <a:xfrm>
-            <a:off x="4424359" y="2476857"/>
-            <a:ext cx="3343275" cy="533400"/>
+            <a:off x="4471986" y="2522194"/>
+            <a:ext cx="3248025" cy="723900"/>
           </a:xfrm>
           <a:prstGeom prst="rect">
             <a:avLst/>
@@ -8924,10 +9138,10 @@
       </p:pic>
       <p:pic>
         <p:nvPicPr>
-          <p:cNvPr id="5" name="Image 4">
-            <a:extLst>
-              <a:ext uri="{FF2B5EF4-FFF2-40B4-BE49-F238E27FC236}">
-                <a16:creationId xmlns:a16="http://schemas.microsoft.com/office/drawing/2014/main" id="{F226B24E-D890-47B7-9914-AFCFD18031BC}"/>
+          <p:cNvPr id="7" name="Image 6">
+            <a:extLst>
+              <a:ext uri="{FF2B5EF4-FFF2-40B4-BE49-F238E27FC236}">
+                <a16:creationId xmlns:a16="http://schemas.microsoft.com/office/drawing/2014/main" id="{A7DE497F-268B-4AFE-9C8E-66A481146C43}"/>
               </a:ext>
             </a:extLst>
           </p:cNvPr>
@@ -8955,8 +9169,8 @@
         </p:blipFill>
         <p:spPr>
           <a:xfrm>
-            <a:off x="3290883" y="4949295"/>
-            <a:ext cx="5610225" cy="1114425"/>
+            <a:off x="3933824" y="4109694"/>
+            <a:ext cx="4324350" cy="1114425"/>
           </a:xfrm>
           <a:prstGeom prst="rect">
             <a:avLst/>
@@ -8965,10 +9179,10 @@
       </p:pic>
       <p:sp>
         <p:nvSpPr>
-          <p:cNvPr id="7" name="ZoneTexte 6">
-            <a:extLst>
-              <a:ext uri="{FF2B5EF4-FFF2-40B4-BE49-F238E27FC236}">
-                <a16:creationId xmlns:a16="http://schemas.microsoft.com/office/drawing/2014/main" id="{BE387114-4D11-4268-BDFB-06651FAEDEB3}"/>
+          <p:cNvPr id="4" name="ZoneTexte 3">
+            <a:extLst>
+              <a:ext uri="{FF2B5EF4-FFF2-40B4-BE49-F238E27FC236}">
+                <a16:creationId xmlns:a16="http://schemas.microsoft.com/office/drawing/2014/main" id="{A75B7330-987A-464D-A68C-FA4D2BC91515}"/>
               </a:ext>
             </a:extLst>
           </p:cNvPr>
@@ -8977,8 +9191,8 @@
         </p:nvSpPr>
         <p:spPr>
           <a:xfrm>
-            <a:off x="1066800" y="2060859"/>
-            <a:ext cx="3976690" cy="369332"/>
+            <a:off x="1066800" y="1889549"/>
+            <a:ext cx="4829175" cy="369332"/>
           </a:xfrm>
           <a:prstGeom prst="rect">
             <a:avLst/>
@@ -8993,7 +9207,7 @@
           <a:p>
             <a:r>
               <a:rPr lang="fr-CA" dirty="0"/>
-              <a:t>Si l’hamiltonien peut s’écrire comme</a:t>
+              <a:t>La première correction sur l’énergie sera</a:t>
             </a:r>
           </a:p>
         </p:txBody>
@@ -9003,7 +9217,7 @@
           <p:cNvPr id="8" name="ZoneTexte 7">
             <a:extLst>
               <a:ext uri="{FF2B5EF4-FFF2-40B4-BE49-F238E27FC236}">
-                <a16:creationId xmlns:a16="http://schemas.microsoft.com/office/drawing/2014/main" id="{E59FE1B8-D657-4531-AEA6-65052B7D093B}"/>
+                <a16:creationId xmlns:a16="http://schemas.microsoft.com/office/drawing/2014/main" id="{DD97BE43-CE57-49A2-8E51-2F982848ABF6}"/>
               </a:ext>
             </a:extLst>
           </p:cNvPr>
@@ -9012,8 +9226,8 @@
         </p:nvSpPr>
         <p:spPr>
           <a:xfrm>
-            <a:off x="1066799" y="3247191"/>
-            <a:ext cx="5419725" cy="369332"/>
+            <a:off x="1066800" y="3569428"/>
+            <a:ext cx="4829175" cy="369332"/>
           </a:xfrm>
           <a:prstGeom prst="rect">
             <a:avLst/>
@@ -9028,72 +9242,7 @@
           <a:p>
             <a:r>
               <a:rPr lang="fr-CA" dirty="0"/>
-              <a:t>La première correction sur l’énergie sera encore</a:t>
-            </a:r>
-          </a:p>
-        </p:txBody>
-      </p:sp>
-      <p:pic>
-        <p:nvPicPr>
-          <p:cNvPr id="9" name="Image 8">
-            <a:extLst>
-              <a:ext uri="{FF2B5EF4-FFF2-40B4-BE49-F238E27FC236}">
-                <a16:creationId xmlns:a16="http://schemas.microsoft.com/office/drawing/2014/main" id="{08B1EAC3-5B58-4A00-86B8-CD48B19FA4E7}"/>
-              </a:ext>
-            </a:extLst>
-          </p:cNvPr>
-          <p:cNvPicPr>
-            <a:picLocks noChangeAspect="1"/>
-          </p:cNvPicPr>
-          <p:nvPr/>
-        </p:nvPicPr>
-        <p:blipFill>
-          <a:blip r:embed="rId4"/>
-          <a:stretch>
-            <a:fillRect/>
-          </a:stretch>
-        </p:blipFill>
-        <p:spPr>
-          <a:xfrm>
-            <a:off x="4662439" y="3680512"/>
-            <a:ext cx="2867112" cy="635938"/>
-          </a:xfrm>
-          <a:prstGeom prst="rect">
-            <a:avLst/>
-          </a:prstGeom>
-        </p:spPr>
-      </p:pic>
-      <p:sp>
-        <p:nvSpPr>
-          <p:cNvPr id="10" name="ZoneTexte 9">
-            <a:extLst>
-              <a:ext uri="{FF2B5EF4-FFF2-40B4-BE49-F238E27FC236}">
-                <a16:creationId xmlns:a16="http://schemas.microsoft.com/office/drawing/2014/main" id="{FB3EB5CB-C583-4910-9C16-FEB21CACD811}"/>
-              </a:ext>
-            </a:extLst>
-          </p:cNvPr>
-          <p:cNvSpPr txBox="1"/>
-          <p:nvPr/>
-        </p:nvSpPr>
-        <p:spPr>
-          <a:xfrm>
-            <a:off x="1066799" y="4480188"/>
-            <a:ext cx="6700835" cy="369332"/>
-          </a:xfrm>
-          <a:prstGeom prst="rect">
-            <a:avLst/>
-          </a:prstGeom>
-          <a:noFill/>
-        </p:spPr>
-        <p:txBody>
-          <a:bodyPr wrap="square" rtlCol="0">
-            <a:spAutoFit/>
-          </a:bodyPr>
-          <a:lstStyle/>
-          <a:p>
-            <a:r>
-              <a:rPr lang="fr-CA" dirty="0"/>
-              <a:t>Une seconde correction sur l’énergie est nécessaire dans ce cas-ci</a:t>
+              <a:t>La première correction aux vecteurs propres est</a:t>
             </a:r>
           </a:p>
         </p:txBody>
@@ -9101,7 +9250,7 @@
     </p:spTree>
     <p:extLst>
       <p:ext uri="{BB962C8B-B14F-4D97-AF65-F5344CB8AC3E}">
-        <p14:creationId xmlns:p14="http://schemas.microsoft.com/office/powerpoint/2010/main" val="3145349343"/>
+        <p14:creationId xmlns:p14="http://schemas.microsoft.com/office/powerpoint/2010/main" val="1098673664"/>
       </p:ext>
     </p:extLst>
   </p:cSld>
@@ -9394,6 +9543,284 @@
           </a:p>
         </p:txBody>
       </p:sp>
+      <p:pic>
+        <p:nvPicPr>
+          <p:cNvPr id="4" name="Image 3">
+            <a:extLst>
+              <a:ext uri="{FF2B5EF4-FFF2-40B4-BE49-F238E27FC236}">
+                <a16:creationId xmlns:a16="http://schemas.microsoft.com/office/drawing/2014/main" id="{45D7B551-3FB3-4E68-993A-88DE5D70C115}"/>
+              </a:ext>
+            </a:extLst>
+          </p:cNvPr>
+          <p:cNvPicPr>
+            <a:picLocks noChangeAspect="1"/>
+          </p:cNvPicPr>
+          <p:nvPr/>
+        </p:nvPicPr>
+        <p:blipFill>
+          <a:blip r:embed="rId2">
+            <a:clrChange>
+              <a:clrFrom>
+                <a:srgbClr val="FFFFFF"/>
+              </a:clrFrom>
+              <a:clrTo>
+                <a:srgbClr val="FFFFFF">
+                  <a:alpha val="0"/>
+                </a:srgbClr>
+              </a:clrTo>
+            </a:clrChange>
+          </a:blip>
+          <a:stretch>
+            <a:fillRect/>
+          </a:stretch>
+        </p:blipFill>
+        <p:spPr>
+          <a:xfrm>
+            <a:off x="4424359" y="2476857"/>
+            <a:ext cx="3343275" cy="533400"/>
+          </a:xfrm>
+          <a:prstGeom prst="rect">
+            <a:avLst/>
+          </a:prstGeom>
+        </p:spPr>
+      </p:pic>
+      <p:pic>
+        <p:nvPicPr>
+          <p:cNvPr id="5" name="Image 4">
+            <a:extLst>
+              <a:ext uri="{FF2B5EF4-FFF2-40B4-BE49-F238E27FC236}">
+                <a16:creationId xmlns:a16="http://schemas.microsoft.com/office/drawing/2014/main" id="{F226B24E-D890-47B7-9914-AFCFD18031BC}"/>
+              </a:ext>
+            </a:extLst>
+          </p:cNvPr>
+          <p:cNvPicPr>
+            <a:picLocks noChangeAspect="1"/>
+          </p:cNvPicPr>
+          <p:nvPr/>
+        </p:nvPicPr>
+        <p:blipFill>
+          <a:blip r:embed="rId3">
+            <a:clrChange>
+              <a:clrFrom>
+                <a:srgbClr val="FFFFFF"/>
+              </a:clrFrom>
+              <a:clrTo>
+                <a:srgbClr val="FFFFFF">
+                  <a:alpha val="0"/>
+                </a:srgbClr>
+              </a:clrTo>
+            </a:clrChange>
+          </a:blip>
+          <a:stretch>
+            <a:fillRect/>
+          </a:stretch>
+        </p:blipFill>
+        <p:spPr>
+          <a:xfrm>
+            <a:off x="3290883" y="4949295"/>
+            <a:ext cx="5610225" cy="1114425"/>
+          </a:xfrm>
+          <a:prstGeom prst="rect">
+            <a:avLst/>
+          </a:prstGeom>
+        </p:spPr>
+      </p:pic>
+      <p:sp>
+        <p:nvSpPr>
+          <p:cNvPr id="7" name="ZoneTexte 6">
+            <a:extLst>
+              <a:ext uri="{FF2B5EF4-FFF2-40B4-BE49-F238E27FC236}">
+                <a16:creationId xmlns:a16="http://schemas.microsoft.com/office/drawing/2014/main" id="{BE387114-4D11-4268-BDFB-06651FAEDEB3}"/>
+              </a:ext>
+            </a:extLst>
+          </p:cNvPr>
+          <p:cNvSpPr txBox="1"/>
+          <p:nvPr/>
+        </p:nvSpPr>
+        <p:spPr>
+          <a:xfrm>
+            <a:off x="1066800" y="2060859"/>
+            <a:ext cx="3976690" cy="369332"/>
+          </a:xfrm>
+          <a:prstGeom prst="rect">
+            <a:avLst/>
+          </a:prstGeom>
+          <a:noFill/>
+        </p:spPr>
+        <p:txBody>
+          <a:bodyPr wrap="square" rtlCol="0">
+            <a:spAutoFit/>
+          </a:bodyPr>
+          <a:lstStyle/>
+          <a:p>
+            <a:r>
+              <a:rPr lang="fr-CA" dirty="0"/>
+              <a:t>Si l’hamiltonien peut s’écrire comme</a:t>
+            </a:r>
+          </a:p>
+        </p:txBody>
+      </p:sp>
+      <p:sp>
+        <p:nvSpPr>
+          <p:cNvPr id="8" name="ZoneTexte 7">
+            <a:extLst>
+              <a:ext uri="{FF2B5EF4-FFF2-40B4-BE49-F238E27FC236}">
+                <a16:creationId xmlns:a16="http://schemas.microsoft.com/office/drawing/2014/main" id="{E59FE1B8-D657-4531-AEA6-65052B7D093B}"/>
+              </a:ext>
+            </a:extLst>
+          </p:cNvPr>
+          <p:cNvSpPr txBox="1"/>
+          <p:nvPr/>
+        </p:nvSpPr>
+        <p:spPr>
+          <a:xfrm>
+            <a:off x="1066799" y="3247191"/>
+            <a:ext cx="5419725" cy="369332"/>
+          </a:xfrm>
+          <a:prstGeom prst="rect">
+            <a:avLst/>
+          </a:prstGeom>
+          <a:noFill/>
+        </p:spPr>
+        <p:txBody>
+          <a:bodyPr wrap="square" rtlCol="0">
+            <a:spAutoFit/>
+          </a:bodyPr>
+          <a:lstStyle/>
+          <a:p>
+            <a:r>
+              <a:rPr lang="fr-CA" dirty="0"/>
+              <a:t>La première correction sur l’énergie sera encore</a:t>
+            </a:r>
+          </a:p>
+        </p:txBody>
+      </p:sp>
+      <p:pic>
+        <p:nvPicPr>
+          <p:cNvPr id="9" name="Image 8">
+            <a:extLst>
+              <a:ext uri="{FF2B5EF4-FFF2-40B4-BE49-F238E27FC236}">
+                <a16:creationId xmlns:a16="http://schemas.microsoft.com/office/drawing/2014/main" id="{08B1EAC3-5B58-4A00-86B8-CD48B19FA4E7}"/>
+              </a:ext>
+            </a:extLst>
+          </p:cNvPr>
+          <p:cNvPicPr>
+            <a:picLocks noChangeAspect="1"/>
+          </p:cNvPicPr>
+          <p:nvPr/>
+        </p:nvPicPr>
+        <p:blipFill>
+          <a:blip r:embed="rId4"/>
+          <a:stretch>
+            <a:fillRect/>
+          </a:stretch>
+        </p:blipFill>
+        <p:spPr>
+          <a:xfrm>
+            <a:off x="4662439" y="3680512"/>
+            <a:ext cx="2867112" cy="635938"/>
+          </a:xfrm>
+          <a:prstGeom prst="rect">
+            <a:avLst/>
+          </a:prstGeom>
+        </p:spPr>
+      </p:pic>
+      <p:sp>
+        <p:nvSpPr>
+          <p:cNvPr id="10" name="ZoneTexte 9">
+            <a:extLst>
+              <a:ext uri="{FF2B5EF4-FFF2-40B4-BE49-F238E27FC236}">
+                <a16:creationId xmlns:a16="http://schemas.microsoft.com/office/drawing/2014/main" id="{FB3EB5CB-C583-4910-9C16-FEB21CACD811}"/>
+              </a:ext>
+            </a:extLst>
+          </p:cNvPr>
+          <p:cNvSpPr txBox="1"/>
+          <p:nvPr/>
+        </p:nvSpPr>
+        <p:spPr>
+          <a:xfrm>
+            <a:off x="1066799" y="4480188"/>
+            <a:ext cx="6700835" cy="369332"/>
+          </a:xfrm>
+          <a:prstGeom prst="rect">
+            <a:avLst/>
+          </a:prstGeom>
+          <a:noFill/>
+        </p:spPr>
+        <p:txBody>
+          <a:bodyPr wrap="square" rtlCol="0">
+            <a:spAutoFit/>
+          </a:bodyPr>
+          <a:lstStyle/>
+          <a:p>
+            <a:r>
+              <a:rPr lang="fr-CA" dirty="0"/>
+              <a:t>Une seconde correction sur l’énergie est nécessaire dans ce cas-ci</a:t>
+            </a:r>
+          </a:p>
+        </p:txBody>
+      </p:sp>
+    </p:spTree>
+    <p:extLst>
+      <p:ext uri="{BB962C8B-B14F-4D97-AF65-F5344CB8AC3E}">
+        <p14:creationId xmlns:p14="http://schemas.microsoft.com/office/powerpoint/2010/main" val="3145349343"/>
+      </p:ext>
+    </p:extLst>
+  </p:cSld>
+  <p:clrMapOvr>
+    <a:masterClrMapping/>
+  </p:clrMapOvr>
+</p:sld>
+</file>
+
+<file path=ppt/slides/slide31.xml><?xml version="1.0" encoding="utf-8"?>
+<p:sld xmlns:a="http://schemas.openxmlformats.org/drawingml/2006/main" xmlns:r="http://schemas.openxmlformats.org/officeDocument/2006/relationships" xmlns:p="http://schemas.openxmlformats.org/presentationml/2006/main">
+  <p:cSld>
+    <p:spTree>
+      <p:nvGrpSpPr>
+        <p:cNvPr id="1" name=""/>
+        <p:cNvGrpSpPr/>
+        <p:nvPr/>
+      </p:nvGrpSpPr>
+      <p:grpSpPr>
+        <a:xfrm>
+          <a:off x="0" y="0"/>
+          <a:ext cx="0" cy="0"/>
+          <a:chOff x="0" y="0"/>
+          <a:chExt cx="0" cy="0"/>
+        </a:xfrm>
+      </p:grpSpPr>
+      <p:sp>
+        <p:nvSpPr>
+          <p:cNvPr id="2" name="Titre 1">
+            <a:extLst>
+              <a:ext uri="{FF2B5EF4-FFF2-40B4-BE49-F238E27FC236}">
+                <a16:creationId xmlns:a16="http://schemas.microsoft.com/office/drawing/2014/main" id="{4DE2DCB7-FE74-442F-9CC2-8D8ECABFD3E8}"/>
+              </a:ext>
+            </a:extLst>
+          </p:cNvPr>
+          <p:cNvSpPr>
+            <a:spLocks noGrp="1"/>
+          </p:cNvSpPr>
+          <p:nvPr>
+            <p:ph type="title"/>
+          </p:nvPr>
+        </p:nvSpPr>
+        <p:spPr/>
+        <p:txBody>
+          <a:bodyPr/>
+          <a:lstStyle/>
+          <a:p>
+            <a:r>
+              <a:rPr lang="fr-CA" dirty="0">
+                <a:latin typeface="Segoe UI Semibold" panose="020B0702040204020203" pitchFamily="34" charset="0"/>
+                <a:cs typeface="Segoe UI Semibold" panose="020B0702040204020203" pitchFamily="34" charset="0"/>
+              </a:rPr>
+              <a:t>Solutions approximatives: perturbations</a:t>
+            </a:r>
+          </a:p>
+        </p:txBody>
+      </p:sp>
       <p:sp>
         <p:nvSpPr>
           <p:cNvPr id="3" name="Espace réservé du contenu 2">
@@ -9569,7 +9996,7 @@
 </p:sld>
 </file>
 
-<file path=ppt/slides/slide31.xml><?xml version="1.0" encoding="utf-8"?>
+<file path=ppt/slides/slide32.xml><?xml version="1.0" encoding="utf-8"?>
 <p:sld xmlns:a="http://schemas.openxmlformats.org/drawingml/2006/main" xmlns:r="http://schemas.openxmlformats.org/officeDocument/2006/relationships" xmlns:p="http://schemas.openxmlformats.org/presentationml/2006/main">
   <p:cSld>
     <p:spTree>

--- a/Solutions d’une équation aux valeurs propres.pptx
+++ b/Solutions d’une équation aux valeurs propres.pptx
@@ -31,12 +31,11 @@
     <p:sldId id="284" r:id="rId25"/>
     <p:sldId id="285" r:id="rId26"/>
     <p:sldId id="286" r:id="rId27"/>
-    <p:sldId id="261" r:id="rId28"/>
-    <p:sldId id="264" r:id="rId29"/>
-    <p:sldId id="279" r:id="rId30"/>
-    <p:sldId id="280" r:id="rId31"/>
-    <p:sldId id="266" r:id="rId32"/>
-    <p:sldId id="281" r:id="rId33"/>
+    <p:sldId id="264" r:id="rId28"/>
+    <p:sldId id="279" r:id="rId29"/>
+    <p:sldId id="280" r:id="rId30"/>
+    <p:sldId id="266" r:id="rId31"/>
+    <p:sldId id="281" r:id="rId32"/>
   </p:sldIdLst>
   <p:sldSz cx="12192000" cy="6858000"/>
   <p:notesSz cx="6858000" cy="9144000"/>
@@ -7268,8 +7267,8 @@
           </a:p>
         </p:txBody>
       </p:sp>
-      <mc:AlternateContent xmlns:mc="http://schemas.openxmlformats.org/markup-compatibility/2006">
-        <mc:Choice xmlns:a14="http://schemas.microsoft.com/office/drawing/2010/main" Requires="a14">
+      <mc:AlternateContent xmlns:mc="http://schemas.openxmlformats.org/markup-compatibility/2006" xmlns:a14="http://schemas.microsoft.com/office/drawing/2010/main">
+        <mc:Choice Requires="a14">
           <p:sp>
             <p:nvSpPr>
               <p:cNvPr id="3" name="TextBox 2">
@@ -7591,7 +7590,7 @@
             </p:txBody>
           </p:sp>
         </mc:Choice>
-        <mc:Fallback>
+        <mc:Fallback xmlns="">
           <p:sp>
             <p:nvSpPr>
               <p:cNvPr id="3" name="TextBox 2">
@@ -8715,40 +8714,243 @@
                 <a:latin typeface="Segoe UI Semibold" panose="020B0702040204020203" pitchFamily="34" charset="0"/>
                 <a:cs typeface="Segoe UI Semibold" panose="020B0702040204020203" pitchFamily="34" charset="0"/>
               </a:rPr>
-              <a:t>Solutions pour l’oscillateur anharmonique</a:t>
-            </a:r>
-          </a:p>
-        </p:txBody>
-      </p:sp>
-      <p:sp>
-        <p:nvSpPr>
-          <p:cNvPr id="3" name="Espace réservé du contenu 2">
-            <a:extLst>
-              <a:ext uri="{FF2B5EF4-FFF2-40B4-BE49-F238E27FC236}">
-                <a16:creationId xmlns:a16="http://schemas.microsoft.com/office/drawing/2014/main" id="{60C44EC2-559F-4CC2-8DC1-2226C758BF8A}"/>
-              </a:ext>
-            </a:extLst>
-          </p:cNvPr>
-          <p:cNvSpPr>
-            <a:spLocks noGrp="1"/>
-          </p:cNvSpPr>
-          <p:nvPr>
-            <p:ph idx="1"/>
-          </p:nvPr>
-        </p:nvSpPr>
-        <p:spPr/>
-        <p:txBody>
-          <a:bodyPr/>
+              <a:t>Solutions approximatives: perturbations</a:t>
+            </a:r>
+          </a:p>
+        </p:txBody>
+      </p:sp>
+      <p:pic>
+        <p:nvPicPr>
+          <p:cNvPr id="4" name="Image 3">
+            <a:extLst>
+              <a:ext uri="{FF2B5EF4-FFF2-40B4-BE49-F238E27FC236}">
+                <a16:creationId xmlns:a16="http://schemas.microsoft.com/office/drawing/2014/main" id="{07F18835-066C-420C-918E-97D0CDE00B2F}"/>
+              </a:ext>
+            </a:extLst>
+          </p:cNvPr>
+          <p:cNvPicPr>
+            <a:picLocks noChangeAspect="1"/>
+          </p:cNvPicPr>
+          <p:nvPr/>
+        </p:nvPicPr>
+        <p:blipFill>
+          <a:blip r:embed="rId2">
+            <a:clrChange>
+              <a:clrFrom>
+                <a:srgbClr val="FFFFFF"/>
+              </a:clrFrom>
+              <a:clrTo>
+                <a:srgbClr val="FFFFFF">
+                  <a:alpha val="0"/>
+                </a:srgbClr>
+              </a:clrTo>
+            </a:clrChange>
+          </a:blip>
+          <a:stretch>
+            <a:fillRect/>
+          </a:stretch>
+        </p:blipFill>
+        <p:spPr>
+          <a:xfrm>
+            <a:off x="4638675" y="2212815"/>
+            <a:ext cx="2914650" cy="552450"/>
+          </a:xfrm>
+          <a:prstGeom prst="rect">
+            <a:avLst/>
+          </a:prstGeom>
+        </p:spPr>
+      </p:pic>
+      <p:pic>
+        <p:nvPicPr>
+          <p:cNvPr id="5" name="Image 4">
+            <a:extLst>
+              <a:ext uri="{FF2B5EF4-FFF2-40B4-BE49-F238E27FC236}">
+                <a16:creationId xmlns:a16="http://schemas.microsoft.com/office/drawing/2014/main" id="{35E388EE-307D-4671-882A-B4F027B02231}"/>
+              </a:ext>
+            </a:extLst>
+          </p:cNvPr>
+          <p:cNvPicPr>
+            <a:picLocks noChangeAspect="1"/>
+          </p:cNvPicPr>
+          <p:nvPr/>
+        </p:nvPicPr>
+        <p:blipFill>
+          <a:blip r:embed="rId3">
+            <a:clrChange>
+              <a:clrFrom>
+                <a:srgbClr val="FFFFFF"/>
+              </a:clrFrom>
+              <a:clrTo>
+                <a:srgbClr val="FFFFFF">
+                  <a:alpha val="0"/>
+                </a:srgbClr>
+              </a:clrTo>
+            </a:clrChange>
+          </a:blip>
+          <a:stretch>
+            <a:fillRect/>
+          </a:stretch>
+        </p:blipFill>
+        <p:spPr>
+          <a:xfrm>
+            <a:off x="2799289" y="3594284"/>
+            <a:ext cx="6915150" cy="704850"/>
+          </a:xfrm>
+          <a:prstGeom prst="rect">
+            <a:avLst/>
+          </a:prstGeom>
+        </p:spPr>
+      </p:pic>
+      <p:pic>
+        <p:nvPicPr>
+          <p:cNvPr id="6" name="Image 5">
+            <a:extLst>
+              <a:ext uri="{FF2B5EF4-FFF2-40B4-BE49-F238E27FC236}">
+                <a16:creationId xmlns:a16="http://schemas.microsoft.com/office/drawing/2014/main" id="{096F9F1F-EB44-41BB-AEDA-09916F5C331C}"/>
+              </a:ext>
+            </a:extLst>
+          </p:cNvPr>
+          <p:cNvPicPr>
+            <a:picLocks noChangeAspect="1"/>
+          </p:cNvPicPr>
+          <p:nvPr/>
+        </p:nvPicPr>
+        <p:blipFill>
+          <a:blip r:embed="rId4">
+            <a:clrChange>
+              <a:clrFrom>
+                <a:srgbClr val="FFFFFF"/>
+              </a:clrFrom>
+              <a:clrTo>
+                <a:srgbClr val="FFFFFF">
+                  <a:alpha val="0"/>
+                </a:srgbClr>
+              </a:clrTo>
+            </a:clrChange>
+          </a:blip>
+          <a:stretch>
+            <a:fillRect/>
+          </a:stretch>
+        </p:blipFill>
+        <p:spPr>
+          <a:xfrm>
+            <a:off x="3823227" y="5128154"/>
+            <a:ext cx="4867275" cy="638175"/>
+          </a:xfrm>
+          <a:prstGeom prst="rect">
+            <a:avLst/>
+          </a:prstGeom>
+        </p:spPr>
+      </p:pic>
+      <p:sp>
+        <p:nvSpPr>
+          <p:cNvPr id="3" name="ZoneTexte 2">
+            <a:extLst>
+              <a:ext uri="{FF2B5EF4-FFF2-40B4-BE49-F238E27FC236}">
+                <a16:creationId xmlns:a16="http://schemas.microsoft.com/office/drawing/2014/main" id="{C4D9321A-5553-45F4-BD18-77E9039FD148}"/>
+              </a:ext>
+            </a:extLst>
+          </p:cNvPr>
+          <p:cNvSpPr txBox="1"/>
+          <p:nvPr/>
+        </p:nvSpPr>
+        <p:spPr>
+          <a:xfrm>
+            <a:off x="1066800" y="1843483"/>
+            <a:ext cx="3686175" cy="369332"/>
+          </a:xfrm>
+          <a:prstGeom prst="rect">
+            <a:avLst/>
+          </a:prstGeom>
+          <a:noFill/>
+        </p:spPr>
+        <p:txBody>
+          <a:bodyPr wrap="square" rtlCol="0">
+            <a:spAutoFit/>
+          </a:bodyPr>
           <a:lstStyle/>
           <a:p>
-            <a:endParaRPr lang="fr-CA" dirty="0"/>
+            <a:r>
+              <a:rPr lang="fr-CA" dirty="0"/>
+              <a:t>Si l’hamiltonien peut s’écrire comme</a:t>
+            </a:r>
+          </a:p>
+        </p:txBody>
+      </p:sp>
+      <p:sp>
+        <p:nvSpPr>
+          <p:cNvPr id="7" name="ZoneTexte 6">
+            <a:extLst>
+              <a:ext uri="{FF2B5EF4-FFF2-40B4-BE49-F238E27FC236}">
+                <a16:creationId xmlns:a16="http://schemas.microsoft.com/office/drawing/2014/main" id="{1432DEC1-3834-41ED-BED9-29E8A179FD01}"/>
+              </a:ext>
+            </a:extLst>
+          </p:cNvPr>
+          <p:cNvSpPr txBox="1"/>
+          <p:nvPr/>
+        </p:nvSpPr>
+        <p:spPr>
+          <a:xfrm>
+            <a:off x="1066800" y="2971322"/>
+            <a:ext cx="3686175" cy="369332"/>
+          </a:xfrm>
+          <a:prstGeom prst="rect">
+            <a:avLst/>
+          </a:prstGeom>
+          <a:noFill/>
+        </p:spPr>
+        <p:txBody>
+          <a:bodyPr wrap="square" rtlCol="0">
+            <a:spAutoFit/>
+          </a:bodyPr>
+          <a:lstStyle/>
+          <a:p>
+            <a:r>
+              <a:rPr lang="fr-CA" dirty="0"/>
+              <a:t>La solution aura la forme</a:t>
+            </a:r>
+          </a:p>
+        </p:txBody>
+      </p:sp>
+      <p:sp>
+        <p:nvSpPr>
+          <p:cNvPr id="8" name="ZoneTexte 7">
+            <a:extLst>
+              <a:ext uri="{FF2B5EF4-FFF2-40B4-BE49-F238E27FC236}">
+                <a16:creationId xmlns:a16="http://schemas.microsoft.com/office/drawing/2014/main" id="{0DBDA4F4-F6FB-478C-A3CC-97D692808C29}"/>
+              </a:ext>
+            </a:extLst>
+          </p:cNvPr>
+          <p:cNvSpPr txBox="1"/>
+          <p:nvPr/>
+        </p:nvSpPr>
+        <p:spPr>
+          <a:xfrm>
+            <a:off x="1066799" y="4628672"/>
+            <a:ext cx="3686175" cy="369332"/>
+          </a:xfrm>
+          <a:prstGeom prst="rect">
+            <a:avLst/>
+          </a:prstGeom>
+          <a:noFill/>
+        </p:spPr>
+        <p:txBody>
+          <a:bodyPr wrap="square" rtlCol="0">
+            <a:spAutoFit/>
+          </a:bodyPr>
+          <a:lstStyle/>
+          <a:p>
+            <a:r>
+              <a:rPr lang="fr-CA" dirty="0"/>
+              <a:t>Et l’énergie aura la  forme</a:t>
+            </a:r>
           </a:p>
         </p:txBody>
       </p:sp>
     </p:spTree>
     <p:extLst>
       <p:ext uri="{BB962C8B-B14F-4D97-AF65-F5344CB8AC3E}">
-        <p14:creationId xmlns:p14="http://schemas.microsoft.com/office/powerpoint/2010/main" val="2449801709"/>
+        <p14:creationId xmlns:p14="http://schemas.microsoft.com/office/powerpoint/2010/main" val="422302555"/>
       </p:ext>
     </p:extLst>
   </p:cSld>
@@ -8808,10 +9010,10 @@
       </p:sp>
       <p:pic>
         <p:nvPicPr>
-          <p:cNvPr id="4" name="Image 3">
-            <a:extLst>
-              <a:ext uri="{FF2B5EF4-FFF2-40B4-BE49-F238E27FC236}">
-                <a16:creationId xmlns:a16="http://schemas.microsoft.com/office/drawing/2014/main" id="{07F18835-066C-420C-918E-97D0CDE00B2F}"/>
+          <p:cNvPr id="3" name="Image 2">
+            <a:extLst>
+              <a:ext uri="{FF2B5EF4-FFF2-40B4-BE49-F238E27FC236}">
+                <a16:creationId xmlns:a16="http://schemas.microsoft.com/office/drawing/2014/main" id="{FD068053-DA43-4DA1-8C2B-9C293EF0A0F8}"/>
               </a:ext>
             </a:extLst>
           </p:cNvPr>
@@ -8839,8 +9041,8 @@
         </p:blipFill>
         <p:spPr>
           <a:xfrm>
-            <a:off x="4638675" y="2212815"/>
-            <a:ext cx="2914650" cy="552450"/>
+            <a:off x="4471986" y="2522194"/>
+            <a:ext cx="3248025" cy="723900"/>
           </a:xfrm>
           <a:prstGeom prst="rect">
             <a:avLst/>
@@ -8849,10 +9051,10 @@
       </p:pic>
       <p:pic>
         <p:nvPicPr>
-          <p:cNvPr id="5" name="Image 4">
-            <a:extLst>
-              <a:ext uri="{FF2B5EF4-FFF2-40B4-BE49-F238E27FC236}">
-                <a16:creationId xmlns:a16="http://schemas.microsoft.com/office/drawing/2014/main" id="{35E388EE-307D-4671-882A-B4F027B02231}"/>
+          <p:cNvPr id="7" name="Image 6">
+            <a:extLst>
+              <a:ext uri="{FF2B5EF4-FFF2-40B4-BE49-F238E27FC236}">
+                <a16:creationId xmlns:a16="http://schemas.microsoft.com/office/drawing/2014/main" id="{A7DE497F-268B-4AFE-9C8E-66A481146C43}"/>
               </a:ext>
             </a:extLst>
           </p:cNvPr>
@@ -8880,61 +9082,20 @@
         </p:blipFill>
         <p:spPr>
           <a:xfrm>
-            <a:off x="2799289" y="3594284"/>
-            <a:ext cx="6915150" cy="704850"/>
+            <a:off x="3933824" y="4109694"/>
+            <a:ext cx="4324350" cy="1114425"/>
           </a:xfrm>
           <a:prstGeom prst="rect">
             <a:avLst/>
           </a:prstGeom>
         </p:spPr>
       </p:pic>
-      <p:pic>
-        <p:nvPicPr>
-          <p:cNvPr id="6" name="Image 5">
-            <a:extLst>
-              <a:ext uri="{FF2B5EF4-FFF2-40B4-BE49-F238E27FC236}">
-                <a16:creationId xmlns:a16="http://schemas.microsoft.com/office/drawing/2014/main" id="{096F9F1F-EB44-41BB-AEDA-09916F5C331C}"/>
-              </a:ext>
-            </a:extLst>
-          </p:cNvPr>
-          <p:cNvPicPr>
-            <a:picLocks noChangeAspect="1"/>
-          </p:cNvPicPr>
-          <p:nvPr/>
-        </p:nvPicPr>
-        <p:blipFill>
-          <a:blip r:embed="rId4">
-            <a:clrChange>
-              <a:clrFrom>
-                <a:srgbClr val="FFFFFF"/>
-              </a:clrFrom>
-              <a:clrTo>
-                <a:srgbClr val="FFFFFF">
-                  <a:alpha val="0"/>
-                </a:srgbClr>
-              </a:clrTo>
-            </a:clrChange>
-          </a:blip>
-          <a:stretch>
-            <a:fillRect/>
-          </a:stretch>
-        </p:blipFill>
-        <p:spPr>
-          <a:xfrm>
-            <a:off x="3823227" y="5128154"/>
-            <a:ext cx="4867275" cy="638175"/>
-          </a:xfrm>
-          <a:prstGeom prst="rect">
-            <a:avLst/>
-          </a:prstGeom>
-        </p:spPr>
-      </p:pic>
-      <p:sp>
-        <p:nvSpPr>
-          <p:cNvPr id="3" name="ZoneTexte 2">
-            <a:extLst>
-              <a:ext uri="{FF2B5EF4-FFF2-40B4-BE49-F238E27FC236}">
-                <a16:creationId xmlns:a16="http://schemas.microsoft.com/office/drawing/2014/main" id="{C4D9321A-5553-45F4-BD18-77E9039FD148}"/>
+      <p:sp>
+        <p:nvSpPr>
+          <p:cNvPr id="4" name="ZoneTexte 3">
+            <a:extLst>
+              <a:ext uri="{FF2B5EF4-FFF2-40B4-BE49-F238E27FC236}">
+                <a16:creationId xmlns:a16="http://schemas.microsoft.com/office/drawing/2014/main" id="{A75B7330-987A-464D-A68C-FA4D2BC91515}"/>
               </a:ext>
             </a:extLst>
           </p:cNvPr>
@@ -8943,8 +9104,8 @@
         </p:nvSpPr>
         <p:spPr>
           <a:xfrm>
-            <a:off x="1066800" y="1843483"/>
-            <a:ext cx="3686175" cy="369332"/>
+            <a:off x="1066800" y="1889549"/>
+            <a:ext cx="4829175" cy="369332"/>
           </a:xfrm>
           <a:prstGeom prst="rect">
             <a:avLst/>
@@ -8959,17 +9120,17 @@
           <a:p>
             <a:r>
               <a:rPr lang="fr-CA" dirty="0"/>
-              <a:t>Si l’hamiltonien peut s’écrire comme</a:t>
-            </a:r>
-          </a:p>
-        </p:txBody>
-      </p:sp>
-      <p:sp>
-        <p:nvSpPr>
-          <p:cNvPr id="7" name="ZoneTexte 6">
-            <a:extLst>
-              <a:ext uri="{FF2B5EF4-FFF2-40B4-BE49-F238E27FC236}">
-                <a16:creationId xmlns:a16="http://schemas.microsoft.com/office/drawing/2014/main" id="{1432DEC1-3834-41ED-BED9-29E8A179FD01}"/>
+              <a:t>La première correction sur l’énergie sera</a:t>
+            </a:r>
+          </a:p>
+        </p:txBody>
+      </p:sp>
+      <p:sp>
+        <p:nvSpPr>
+          <p:cNvPr id="8" name="ZoneTexte 7">
+            <a:extLst>
+              <a:ext uri="{FF2B5EF4-FFF2-40B4-BE49-F238E27FC236}">
+                <a16:creationId xmlns:a16="http://schemas.microsoft.com/office/drawing/2014/main" id="{DD97BE43-CE57-49A2-8E51-2F982848ABF6}"/>
               </a:ext>
             </a:extLst>
           </p:cNvPr>
@@ -8978,8 +9139,8 @@
         </p:nvSpPr>
         <p:spPr>
           <a:xfrm>
-            <a:off x="1066800" y="2971322"/>
-            <a:ext cx="3686175" cy="369332"/>
+            <a:off x="1066800" y="3569428"/>
+            <a:ext cx="4829175" cy="369332"/>
           </a:xfrm>
           <a:prstGeom prst="rect">
             <a:avLst/>
@@ -8994,42 +9155,7 @@
           <a:p>
             <a:r>
               <a:rPr lang="fr-CA" dirty="0"/>
-              <a:t>La solution aura la forme</a:t>
-            </a:r>
-          </a:p>
-        </p:txBody>
-      </p:sp>
-      <p:sp>
-        <p:nvSpPr>
-          <p:cNvPr id="8" name="ZoneTexte 7">
-            <a:extLst>
-              <a:ext uri="{FF2B5EF4-FFF2-40B4-BE49-F238E27FC236}">
-                <a16:creationId xmlns:a16="http://schemas.microsoft.com/office/drawing/2014/main" id="{0DBDA4F4-F6FB-478C-A3CC-97D692808C29}"/>
-              </a:ext>
-            </a:extLst>
-          </p:cNvPr>
-          <p:cNvSpPr txBox="1"/>
-          <p:nvPr/>
-        </p:nvSpPr>
-        <p:spPr>
-          <a:xfrm>
-            <a:off x="1066799" y="4628672"/>
-            <a:ext cx="3686175" cy="369332"/>
-          </a:xfrm>
-          <a:prstGeom prst="rect">
-            <a:avLst/>
-          </a:prstGeom>
-          <a:noFill/>
-        </p:spPr>
-        <p:txBody>
-          <a:bodyPr wrap="square" rtlCol="0">
-            <a:spAutoFit/>
-          </a:bodyPr>
-          <a:lstStyle/>
-          <a:p>
-            <a:r>
-              <a:rPr lang="fr-CA" dirty="0"/>
-              <a:t>Et l’énergie aura la  forme</a:t>
+              <a:t>La première correction aux vecteurs propres est</a:t>
             </a:r>
           </a:p>
         </p:txBody>
@@ -9037,7 +9163,7 @@
     </p:spTree>
     <p:extLst>
       <p:ext uri="{BB962C8B-B14F-4D97-AF65-F5344CB8AC3E}">
-        <p14:creationId xmlns:p14="http://schemas.microsoft.com/office/powerpoint/2010/main" val="422302555"/>
+        <p14:creationId xmlns:p14="http://schemas.microsoft.com/office/powerpoint/2010/main" val="1098673664"/>
       </p:ext>
     </p:extLst>
   </p:cSld>
@@ -9097,10 +9223,10 @@
       </p:sp>
       <p:pic>
         <p:nvPicPr>
-          <p:cNvPr id="3" name="Image 2">
-            <a:extLst>
-              <a:ext uri="{FF2B5EF4-FFF2-40B4-BE49-F238E27FC236}">
-                <a16:creationId xmlns:a16="http://schemas.microsoft.com/office/drawing/2014/main" id="{FD068053-DA43-4DA1-8C2B-9C293EF0A0F8}"/>
+          <p:cNvPr id="4" name="Image 3">
+            <a:extLst>
+              <a:ext uri="{FF2B5EF4-FFF2-40B4-BE49-F238E27FC236}">
+                <a16:creationId xmlns:a16="http://schemas.microsoft.com/office/drawing/2014/main" id="{45D7B551-3FB3-4E68-993A-88DE5D70C115}"/>
               </a:ext>
             </a:extLst>
           </p:cNvPr>
@@ -9128,8 +9254,8 @@
         </p:blipFill>
         <p:spPr>
           <a:xfrm>
-            <a:off x="4471986" y="2522194"/>
-            <a:ext cx="3248025" cy="723900"/>
+            <a:off x="4424359" y="2476857"/>
+            <a:ext cx="3343275" cy="533400"/>
           </a:xfrm>
           <a:prstGeom prst="rect">
             <a:avLst/>
@@ -9138,10 +9264,10 @@
       </p:pic>
       <p:pic>
         <p:nvPicPr>
-          <p:cNvPr id="7" name="Image 6">
-            <a:extLst>
-              <a:ext uri="{FF2B5EF4-FFF2-40B4-BE49-F238E27FC236}">
-                <a16:creationId xmlns:a16="http://schemas.microsoft.com/office/drawing/2014/main" id="{A7DE497F-268B-4AFE-9C8E-66A481146C43}"/>
+          <p:cNvPr id="5" name="Image 4">
+            <a:extLst>
+              <a:ext uri="{FF2B5EF4-FFF2-40B4-BE49-F238E27FC236}">
+                <a16:creationId xmlns:a16="http://schemas.microsoft.com/office/drawing/2014/main" id="{F226B24E-D890-47B7-9914-AFCFD18031BC}"/>
               </a:ext>
             </a:extLst>
           </p:cNvPr>
@@ -9169,8 +9295,8 @@
         </p:blipFill>
         <p:spPr>
           <a:xfrm>
-            <a:off x="3933824" y="4109694"/>
-            <a:ext cx="4324350" cy="1114425"/>
+            <a:off x="3290883" y="4949295"/>
+            <a:ext cx="5610225" cy="1114425"/>
           </a:xfrm>
           <a:prstGeom prst="rect">
             <a:avLst/>
@@ -9179,10 +9305,10 @@
       </p:pic>
       <p:sp>
         <p:nvSpPr>
-          <p:cNvPr id="4" name="ZoneTexte 3">
-            <a:extLst>
-              <a:ext uri="{FF2B5EF4-FFF2-40B4-BE49-F238E27FC236}">
-                <a16:creationId xmlns:a16="http://schemas.microsoft.com/office/drawing/2014/main" id="{A75B7330-987A-464D-A68C-FA4D2BC91515}"/>
+          <p:cNvPr id="7" name="ZoneTexte 6">
+            <a:extLst>
+              <a:ext uri="{FF2B5EF4-FFF2-40B4-BE49-F238E27FC236}">
+                <a16:creationId xmlns:a16="http://schemas.microsoft.com/office/drawing/2014/main" id="{BE387114-4D11-4268-BDFB-06651FAEDEB3}"/>
               </a:ext>
             </a:extLst>
           </p:cNvPr>
@@ -9191,8 +9317,8 @@
         </p:nvSpPr>
         <p:spPr>
           <a:xfrm>
-            <a:off x="1066800" y="1889549"/>
-            <a:ext cx="4829175" cy="369332"/>
+            <a:off x="1066800" y="2060859"/>
+            <a:ext cx="3976690" cy="369332"/>
           </a:xfrm>
           <a:prstGeom prst="rect">
             <a:avLst/>
@@ -9207,7 +9333,7 @@
           <a:p>
             <a:r>
               <a:rPr lang="fr-CA" dirty="0"/>
-              <a:t>La première correction sur l’énergie sera</a:t>
+              <a:t>Si l’hamiltonien peut s’écrire comme</a:t>
             </a:r>
           </a:p>
         </p:txBody>
@@ -9217,7 +9343,7 @@
           <p:cNvPr id="8" name="ZoneTexte 7">
             <a:extLst>
               <a:ext uri="{FF2B5EF4-FFF2-40B4-BE49-F238E27FC236}">
-                <a16:creationId xmlns:a16="http://schemas.microsoft.com/office/drawing/2014/main" id="{DD97BE43-CE57-49A2-8E51-2F982848ABF6}"/>
+                <a16:creationId xmlns:a16="http://schemas.microsoft.com/office/drawing/2014/main" id="{E59FE1B8-D657-4531-AEA6-65052B7D093B}"/>
               </a:ext>
             </a:extLst>
           </p:cNvPr>
@@ -9226,8 +9352,8 @@
         </p:nvSpPr>
         <p:spPr>
           <a:xfrm>
-            <a:off x="1066800" y="3569428"/>
-            <a:ext cx="4829175" cy="369332"/>
+            <a:off x="1066799" y="3247191"/>
+            <a:ext cx="5419725" cy="369332"/>
           </a:xfrm>
           <a:prstGeom prst="rect">
             <a:avLst/>
@@ -9242,7 +9368,72 @@
           <a:p>
             <a:r>
               <a:rPr lang="fr-CA" dirty="0"/>
-              <a:t>La première correction aux vecteurs propres est</a:t>
+              <a:t>La première correction sur l’énergie sera encore</a:t>
+            </a:r>
+          </a:p>
+        </p:txBody>
+      </p:sp>
+      <p:pic>
+        <p:nvPicPr>
+          <p:cNvPr id="9" name="Image 8">
+            <a:extLst>
+              <a:ext uri="{FF2B5EF4-FFF2-40B4-BE49-F238E27FC236}">
+                <a16:creationId xmlns:a16="http://schemas.microsoft.com/office/drawing/2014/main" id="{08B1EAC3-5B58-4A00-86B8-CD48B19FA4E7}"/>
+              </a:ext>
+            </a:extLst>
+          </p:cNvPr>
+          <p:cNvPicPr>
+            <a:picLocks noChangeAspect="1"/>
+          </p:cNvPicPr>
+          <p:nvPr/>
+        </p:nvPicPr>
+        <p:blipFill>
+          <a:blip r:embed="rId4"/>
+          <a:stretch>
+            <a:fillRect/>
+          </a:stretch>
+        </p:blipFill>
+        <p:spPr>
+          <a:xfrm>
+            <a:off x="4662439" y="3680512"/>
+            <a:ext cx="2867112" cy="635938"/>
+          </a:xfrm>
+          <a:prstGeom prst="rect">
+            <a:avLst/>
+          </a:prstGeom>
+        </p:spPr>
+      </p:pic>
+      <p:sp>
+        <p:nvSpPr>
+          <p:cNvPr id="10" name="ZoneTexte 9">
+            <a:extLst>
+              <a:ext uri="{FF2B5EF4-FFF2-40B4-BE49-F238E27FC236}">
+                <a16:creationId xmlns:a16="http://schemas.microsoft.com/office/drawing/2014/main" id="{FB3EB5CB-C583-4910-9C16-FEB21CACD811}"/>
+              </a:ext>
+            </a:extLst>
+          </p:cNvPr>
+          <p:cNvSpPr txBox="1"/>
+          <p:nvPr/>
+        </p:nvSpPr>
+        <p:spPr>
+          <a:xfrm>
+            <a:off x="1066799" y="4480188"/>
+            <a:ext cx="6700835" cy="369332"/>
+          </a:xfrm>
+          <a:prstGeom prst="rect">
+            <a:avLst/>
+          </a:prstGeom>
+          <a:noFill/>
+        </p:spPr>
+        <p:txBody>
+          <a:bodyPr wrap="square" rtlCol="0">
+            <a:spAutoFit/>
+          </a:bodyPr>
+          <a:lstStyle/>
+          <a:p>
+            <a:r>
+              <a:rPr lang="fr-CA" dirty="0"/>
+              <a:t>Une seconde correction sur l’énergie est nécessaire dans ce cas-ci</a:t>
             </a:r>
           </a:p>
         </p:txBody>
@@ -9250,7 +9441,7 @@
     </p:spTree>
     <p:extLst>
       <p:ext uri="{BB962C8B-B14F-4D97-AF65-F5344CB8AC3E}">
-        <p14:creationId xmlns:p14="http://schemas.microsoft.com/office/powerpoint/2010/main" val="1098673664"/>
+        <p14:creationId xmlns:p14="http://schemas.microsoft.com/office/powerpoint/2010/main" val="3145349343"/>
       </p:ext>
     </p:extLst>
   </p:cSld>
@@ -9543,284 +9734,6 @@
           </a:p>
         </p:txBody>
       </p:sp>
-      <p:pic>
-        <p:nvPicPr>
-          <p:cNvPr id="4" name="Image 3">
-            <a:extLst>
-              <a:ext uri="{FF2B5EF4-FFF2-40B4-BE49-F238E27FC236}">
-                <a16:creationId xmlns:a16="http://schemas.microsoft.com/office/drawing/2014/main" id="{45D7B551-3FB3-4E68-993A-88DE5D70C115}"/>
-              </a:ext>
-            </a:extLst>
-          </p:cNvPr>
-          <p:cNvPicPr>
-            <a:picLocks noChangeAspect="1"/>
-          </p:cNvPicPr>
-          <p:nvPr/>
-        </p:nvPicPr>
-        <p:blipFill>
-          <a:blip r:embed="rId2">
-            <a:clrChange>
-              <a:clrFrom>
-                <a:srgbClr val="FFFFFF"/>
-              </a:clrFrom>
-              <a:clrTo>
-                <a:srgbClr val="FFFFFF">
-                  <a:alpha val="0"/>
-                </a:srgbClr>
-              </a:clrTo>
-            </a:clrChange>
-          </a:blip>
-          <a:stretch>
-            <a:fillRect/>
-          </a:stretch>
-        </p:blipFill>
-        <p:spPr>
-          <a:xfrm>
-            <a:off x="4424359" y="2476857"/>
-            <a:ext cx="3343275" cy="533400"/>
-          </a:xfrm>
-          <a:prstGeom prst="rect">
-            <a:avLst/>
-          </a:prstGeom>
-        </p:spPr>
-      </p:pic>
-      <p:pic>
-        <p:nvPicPr>
-          <p:cNvPr id="5" name="Image 4">
-            <a:extLst>
-              <a:ext uri="{FF2B5EF4-FFF2-40B4-BE49-F238E27FC236}">
-                <a16:creationId xmlns:a16="http://schemas.microsoft.com/office/drawing/2014/main" id="{F226B24E-D890-47B7-9914-AFCFD18031BC}"/>
-              </a:ext>
-            </a:extLst>
-          </p:cNvPr>
-          <p:cNvPicPr>
-            <a:picLocks noChangeAspect="1"/>
-          </p:cNvPicPr>
-          <p:nvPr/>
-        </p:nvPicPr>
-        <p:blipFill>
-          <a:blip r:embed="rId3">
-            <a:clrChange>
-              <a:clrFrom>
-                <a:srgbClr val="FFFFFF"/>
-              </a:clrFrom>
-              <a:clrTo>
-                <a:srgbClr val="FFFFFF">
-                  <a:alpha val="0"/>
-                </a:srgbClr>
-              </a:clrTo>
-            </a:clrChange>
-          </a:blip>
-          <a:stretch>
-            <a:fillRect/>
-          </a:stretch>
-        </p:blipFill>
-        <p:spPr>
-          <a:xfrm>
-            <a:off x="3290883" y="4949295"/>
-            <a:ext cx="5610225" cy="1114425"/>
-          </a:xfrm>
-          <a:prstGeom prst="rect">
-            <a:avLst/>
-          </a:prstGeom>
-        </p:spPr>
-      </p:pic>
-      <p:sp>
-        <p:nvSpPr>
-          <p:cNvPr id="7" name="ZoneTexte 6">
-            <a:extLst>
-              <a:ext uri="{FF2B5EF4-FFF2-40B4-BE49-F238E27FC236}">
-                <a16:creationId xmlns:a16="http://schemas.microsoft.com/office/drawing/2014/main" id="{BE387114-4D11-4268-BDFB-06651FAEDEB3}"/>
-              </a:ext>
-            </a:extLst>
-          </p:cNvPr>
-          <p:cNvSpPr txBox="1"/>
-          <p:nvPr/>
-        </p:nvSpPr>
-        <p:spPr>
-          <a:xfrm>
-            <a:off x="1066800" y="2060859"/>
-            <a:ext cx="3976690" cy="369332"/>
-          </a:xfrm>
-          <a:prstGeom prst="rect">
-            <a:avLst/>
-          </a:prstGeom>
-          <a:noFill/>
-        </p:spPr>
-        <p:txBody>
-          <a:bodyPr wrap="square" rtlCol="0">
-            <a:spAutoFit/>
-          </a:bodyPr>
-          <a:lstStyle/>
-          <a:p>
-            <a:r>
-              <a:rPr lang="fr-CA" dirty="0"/>
-              <a:t>Si l’hamiltonien peut s’écrire comme</a:t>
-            </a:r>
-          </a:p>
-        </p:txBody>
-      </p:sp>
-      <p:sp>
-        <p:nvSpPr>
-          <p:cNvPr id="8" name="ZoneTexte 7">
-            <a:extLst>
-              <a:ext uri="{FF2B5EF4-FFF2-40B4-BE49-F238E27FC236}">
-                <a16:creationId xmlns:a16="http://schemas.microsoft.com/office/drawing/2014/main" id="{E59FE1B8-D657-4531-AEA6-65052B7D093B}"/>
-              </a:ext>
-            </a:extLst>
-          </p:cNvPr>
-          <p:cNvSpPr txBox="1"/>
-          <p:nvPr/>
-        </p:nvSpPr>
-        <p:spPr>
-          <a:xfrm>
-            <a:off x="1066799" y="3247191"/>
-            <a:ext cx="5419725" cy="369332"/>
-          </a:xfrm>
-          <a:prstGeom prst="rect">
-            <a:avLst/>
-          </a:prstGeom>
-          <a:noFill/>
-        </p:spPr>
-        <p:txBody>
-          <a:bodyPr wrap="square" rtlCol="0">
-            <a:spAutoFit/>
-          </a:bodyPr>
-          <a:lstStyle/>
-          <a:p>
-            <a:r>
-              <a:rPr lang="fr-CA" dirty="0"/>
-              <a:t>La première correction sur l’énergie sera encore</a:t>
-            </a:r>
-          </a:p>
-        </p:txBody>
-      </p:sp>
-      <p:pic>
-        <p:nvPicPr>
-          <p:cNvPr id="9" name="Image 8">
-            <a:extLst>
-              <a:ext uri="{FF2B5EF4-FFF2-40B4-BE49-F238E27FC236}">
-                <a16:creationId xmlns:a16="http://schemas.microsoft.com/office/drawing/2014/main" id="{08B1EAC3-5B58-4A00-86B8-CD48B19FA4E7}"/>
-              </a:ext>
-            </a:extLst>
-          </p:cNvPr>
-          <p:cNvPicPr>
-            <a:picLocks noChangeAspect="1"/>
-          </p:cNvPicPr>
-          <p:nvPr/>
-        </p:nvPicPr>
-        <p:blipFill>
-          <a:blip r:embed="rId4"/>
-          <a:stretch>
-            <a:fillRect/>
-          </a:stretch>
-        </p:blipFill>
-        <p:spPr>
-          <a:xfrm>
-            <a:off x="4662439" y="3680512"/>
-            <a:ext cx="2867112" cy="635938"/>
-          </a:xfrm>
-          <a:prstGeom prst="rect">
-            <a:avLst/>
-          </a:prstGeom>
-        </p:spPr>
-      </p:pic>
-      <p:sp>
-        <p:nvSpPr>
-          <p:cNvPr id="10" name="ZoneTexte 9">
-            <a:extLst>
-              <a:ext uri="{FF2B5EF4-FFF2-40B4-BE49-F238E27FC236}">
-                <a16:creationId xmlns:a16="http://schemas.microsoft.com/office/drawing/2014/main" id="{FB3EB5CB-C583-4910-9C16-FEB21CACD811}"/>
-              </a:ext>
-            </a:extLst>
-          </p:cNvPr>
-          <p:cNvSpPr txBox="1"/>
-          <p:nvPr/>
-        </p:nvSpPr>
-        <p:spPr>
-          <a:xfrm>
-            <a:off x="1066799" y="4480188"/>
-            <a:ext cx="6700835" cy="369332"/>
-          </a:xfrm>
-          <a:prstGeom prst="rect">
-            <a:avLst/>
-          </a:prstGeom>
-          <a:noFill/>
-        </p:spPr>
-        <p:txBody>
-          <a:bodyPr wrap="square" rtlCol="0">
-            <a:spAutoFit/>
-          </a:bodyPr>
-          <a:lstStyle/>
-          <a:p>
-            <a:r>
-              <a:rPr lang="fr-CA" dirty="0"/>
-              <a:t>Une seconde correction sur l’énergie est nécessaire dans ce cas-ci</a:t>
-            </a:r>
-          </a:p>
-        </p:txBody>
-      </p:sp>
-    </p:spTree>
-    <p:extLst>
-      <p:ext uri="{BB962C8B-B14F-4D97-AF65-F5344CB8AC3E}">
-        <p14:creationId xmlns:p14="http://schemas.microsoft.com/office/powerpoint/2010/main" val="3145349343"/>
-      </p:ext>
-    </p:extLst>
-  </p:cSld>
-  <p:clrMapOvr>
-    <a:masterClrMapping/>
-  </p:clrMapOvr>
-</p:sld>
-</file>
-
-<file path=ppt/slides/slide31.xml><?xml version="1.0" encoding="utf-8"?>
-<p:sld xmlns:a="http://schemas.openxmlformats.org/drawingml/2006/main" xmlns:r="http://schemas.openxmlformats.org/officeDocument/2006/relationships" xmlns:p="http://schemas.openxmlformats.org/presentationml/2006/main">
-  <p:cSld>
-    <p:spTree>
-      <p:nvGrpSpPr>
-        <p:cNvPr id="1" name=""/>
-        <p:cNvGrpSpPr/>
-        <p:nvPr/>
-      </p:nvGrpSpPr>
-      <p:grpSpPr>
-        <a:xfrm>
-          <a:off x="0" y="0"/>
-          <a:ext cx="0" cy="0"/>
-          <a:chOff x="0" y="0"/>
-          <a:chExt cx="0" cy="0"/>
-        </a:xfrm>
-      </p:grpSpPr>
-      <p:sp>
-        <p:nvSpPr>
-          <p:cNvPr id="2" name="Titre 1">
-            <a:extLst>
-              <a:ext uri="{FF2B5EF4-FFF2-40B4-BE49-F238E27FC236}">
-                <a16:creationId xmlns:a16="http://schemas.microsoft.com/office/drawing/2014/main" id="{4DE2DCB7-FE74-442F-9CC2-8D8ECABFD3E8}"/>
-              </a:ext>
-            </a:extLst>
-          </p:cNvPr>
-          <p:cNvSpPr>
-            <a:spLocks noGrp="1"/>
-          </p:cNvSpPr>
-          <p:nvPr>
-            <p:ph type="title"/>
-          </p:nvPr>
-        </p:nvSpPr>
-        <p:spPr/>
-        <p:txBody>
-          <a:bodyPr/>
-          <a:lstStyle/>
-          <a:p>
-            <a:r>
-              <a:rPr lang="fr-CA" dirty="0">
-                <a:latin typeface="Segoe UI Semibold" panose="020B0702040204020203" pitchFamily="34" charset="0"/>
-                <a:cs typeface="Segoe UI Semibold" panose="020B0702040204020203" pitchFamily="34" charset="0"/>
-              </a:rPr>
-              <a:t>Solutions approximatives: perturbations</a:t>
-            </a:r>
-          </a:p>
-        </p:txBody>
-      </p:sp>
       <p:sp>
         <p:nvSpPr>
           <p:cNvPr id="3" name="Espace réservé du contenu 2">
@@ -9996,7 +9909,7 @@
 </p:sld>
 </file>
 
-<file path=ppt/slides/slide32.xml><?xml version="1.0" encoding="utf-8"?>
+<file path=ppt/slides/slide31.xml><?xml version="1.0" encoding="utf-8"?>
 <p:sld xmlns:a="http://schemas.openxmlformats.org/drawingml/2006/main" xmlns:r="http://schemas.openxmlformats.org/officeDocument/2006/relationships" xmlns:p="http://schemas.openxmlformats.org/presentationml/2006/main">
   <p:cSld>
     <p:spTree>
